--- a/src/assets/images/圖的原檔.pptx
+++ b/src/assets/images/圖的原檔.pptx
@@ -113,7 +113,7 @@
 </file>
 
 <file path=ppt/slideLayouts/slideLayout1.xml><?xml version="1.0" encoding="utf-8"?>
-<p:sldLayout xmlns:a="http://schemas.openxmlformats.org/drawingml/2006/main" xmlns:r="http://schemas.openxmlformats.org/officeDocument/2006/relationships" xmlns:p="http://schemas.openxmlformats.org/presentationml/2006/main" type="title" preserve="1">
+<p:sldLayout xmlns:a="http://schemas.openxmlformats.org/drawingml/2006/main" xmlns:r="http://schemas.openxmlformats.org/officeDocument/2006/relationships" xmlns:p="http://schemas.openxmlformats.org/presentationml/2006/main" preserve="1" userDrawn="1">
   <p:cSld name="標題投影片">
     <p:spTree>
       <p:nvGrpSpPr>
@@ -131,190 +131,55 @@
       </p:grpSpPr>
       <p:sp>
         <p:nvSpPr>
-          <p:cNvPr id="2" name="標題 1">
-            <a:extLst>
-              <a:ext uri="{FF2B5EF4-FFF2-40B4-BE49-F238E27FC236}">
-                <a16:creationId xmlns:a16="http://schemas.microsoft.com/office/drawing/2014/main" xmlns="" id="{1B11C06B-5618-8E7F-9455-38614450891D}"/>
-              </a:ext>
-            </a:extLst>
-          </p:cNvPr>
-          <p:cNvSpPr>
-            <a:spLocks noGrp="1"/>
-          </p:cNvSpPr>
-          <p:nvPr>
-            <p:ph type="ctrTitle"/>
-          </p:nvPr>
+          <p:cNvPr id="7" name="矩形 6">
+            <a:extLst>
+              <a:ext uri="{FF2B5EF4-FFF2-40B4-BE49-F238E27FC236}">
+                <a16:creationId xmlns:a16="http://schemas.microsoft.com/office/drawing/2014/main" id="{C6FF5052-D402-59B9-2F35-167C7DFD0DF9}"/>
+              </a:ext>
+            </a:extLst>
+          </p:cNvPr>
+          <p:cNvSpPr/>
+          <p:nvPr userDrawn="1"/>
         </p:nvSpPr>
         <p:spPr>
           <a:xfrm>
-            <a:off x="1524000" y="1122363"/>
-            <a:ext cx="9144000" cy="2387600"/>
+            <a:off x="0" y="0"/>
+            <a:ext cx="12192000" cy="6858000"/>
           </a:xfrm>
+          <a:prstGeom prst="rect">
+            <a:avLst/>
+          </a:prstGeom>
+          <a:solidFill>
+            <a:schemeClr val="accent4">
+              <a:lumMod val="20000"/>
+              <a:lumOff val="80000"/>
+            </a:schemeClr>
+          </a:solidFill>
+          <a:ln>
+            <a:noFill/>
+          </a:ln>
         </p:spPr>
-        <p:txBody>
-          <a:bodyPr anchor="b"/>
-          <a:lstStyle>
-            <a:lvl1pPr algn="ctr">
-              <a:defRPr sz="6000"/>
-            </a:lvl1pPr>
-          </a:lstStyle>
-          <a:p>
-            <a:r>
-              <a:rPr lang="zh-TW" altLang="en-US"/>
-              <a:t>按一下以編輯母片標題樣式</a:t>
-            </a:r>
-          </a:p>
-        </p:txBody>
-      </p:sp>
-      <p:sp>
-        <p:nvSpPr>
-          <p:cNvPr id="3" name="副標題 2">
-            <a:extLst>
-              <a:ext uri="{FF2B5EF4-FFF2-40B4-BE49-F238E27FC236}">
-                <a16:creationId xmlns:a16="http://schemas.microsoft.com/office/drawing/2014/main" xmlns="" id="{711ECB4E-6219-FACB-E99A-1504DAA62FCE}"/>
-              </a:ext>
-            </a:extLst>
-          </p:cNvPr>
-          <p:cNvSpPr>
-            <a:spLocks noGrp="1"/>
-          </p:cNvSpPr>
-          <p:nvPr>
-            <p:ph type="subTitle" idx="1"/>
-          </p:nvPr>
-        </p:nvSpPr>
-        <p:spPr>
-          <a:xfrm>
-            <a:off x="1524000" y="3602038"/>
-            <a:ext cx="9144000" cy="1655762"/>
-          </a:xfrm>
-        </p:spPr>
-        <p:txBody>
-          <a:bodyPr/>
-          <a:lstStyle>
-            <a:lvl1pPr marL="0" indent="0" algn="ctr">
-              <a:buNone/>
-              <a:defRPr sz="2400"/>
-            </a:lvl1pPr>
-            <a:lvl2pPr marL="457200" indent="0" algn="ctr">
-              <a:buNone/>
-              <a:defRPr sz="2000"/>
-            </a:lvl2pPr>
-            <a:lvl3pPr marL="914400" indent="0" algn="ctr">
-              <a:buNone/>
-              <a:defRPr sz="1800"/>
-            </a:lvl3pPr>
-            <a:lvl4pPr marL="1371600" indent="0" algn="ctr">
-              <a:buNone/>
-              <a:defRPr sz="1600"/>
-            </a:lvl4pPr>
-            <a:lvl5pPr marL="1828800" indent="0" algn="ctr">
-              <a:buNone/>
-              <a:defRPr sz="1600"/>
-            </a:lvl5pPr>
-            <a:lvl6pPr marL="2286000" indent="0" algn="ctr">
-              <a:buNone/>
-              <a:defRPr sz="1600"/>
-            </a:lvl6pPr>
-            <a:lvl7pPr marL="2743200" indent="0" algn="ctr">
-              <a:buNone/>
-              <a:defRPr sz="1600"/>
-            </a:lvl7pPr>
-            <a:lvl8pPr marL="3200400" indent="0" algn="ctr">
-              <a:buNone/>
-              <a:defRPr sz="1600"/>
-            </a:lvl8pPr>
-            <a:lvl9pPr marL="3657600" indent="0" algn="ctr">
-              <a:buNone/>
-              <a:defRPr sz="1600"/>
-            </a:lvl9pPr>
-          </a:lstStyle>
-          <a:p>
-            <a:r>
-              <a:rPr lang="zh-TW" altLang="en-US"/>
-              <a:t>按一下以編輯母片子標題樣式</a:t>
-            </a:r>
-          </a:p>
-        </p:txBody>
-      </p:sp>
-      <p:sp>
-        <p:nvSpPr>
-          <p:cNvPr id="4" name="日期版面配置區 3">
-            <a:extLst>
-              <a:ext uri="{FF2B5EF4-FFF2-40B4-BE49-F238E27FC236}">
-                <a16:creationId xmlns:a16="http://schemas.microsoft.com/office/drawing/2014/main" xmlns="" id="{836613EC-265C-1953-DB4A-E43E33FFA556}"/>
-              </a:ext>
-            </a:extLst>
-          </p:cNvPr>
-          <p:cNvSpPr>
-            <a:spLocks noGrp="1"/>
-          </p:cNvSpPr>
-          <p:nvPr>
-            <p:ph type="dt" sz="half" idx="10"/>
-          </p:nvPr>
-        </p:nvSpPr>
-        <p:spPr/>
-        <p:txBody>
-          <a:bodyPr/>
+        <p:style>
+          <a:lnRef idx="2">
+            <a:schemeClr val="accent1">
+              <a:shade val="15000"/>
+            </a:schemeClr>
+          </a:lnRef>
+          <a:fillRef idx="1">
+            <a:schemeClr val="accent1"/>
+          </a:fillRef>
+          <a:effectRef idx="0">
+            <a:schemeClr val="accent1"/>
+          </a:effectRef>
+          <a:fontRef idx="minor">
+            <a:schemeClr val="lt1"/>
+          </a:fontRef>
+        </p:style>
+        <p:txBody>
+          <a:bodyPr rtlCol="0" anchor="ctr"/>
           <a:lstStyle/>
           <a:p>
-            <a:fld id="{1FCFF50C-8A84-4E8C-A139-A97BB20D26A6}" type="datetimeFigureOut">
-              <a:rPr lang="zh-TW" altLang="en-US" smtClean="0"/>
-              <a:t>2023/6/22</a:t>
-            </a:fld>
-            <a:endParaRPr lang="zh-TW" altLang="en-US"/>
-          </a:p>
-        </p:txBody>
-      </p:sp>
-      <p:sp>
-        <p:nvSpPr>
-          <p:cNvPr id="5" name="頁尾版面配置區 4">
-            <a:extLst>
-              <a:ext uri="{FF2B5EF4-FFF2-40B4-BE49-F238E27FC236}">
-                <a16:creationId xmlns:a16="http://schemas.microsoft.com/office/drawing/2014/main" xmlns="" id="{00387521-81F2-BFF6-4D3B-6F9AB0DE57AF}"/>
-              </a:ext>
-            </a:extLst>
-          </p:cNvPr>
-          <p:cNvSpPr>
-            <a:spLocks noGrp="1"/>
-          </p:cNvSpPr>
-          <p:nvPr>
-            <p:ph type="ftr" sz="quarter" idx="11"/>
-          </p:nvPr>
-        </p:nvSpPr>
-        <p:spPr/>
-        <p:txBody>
-          <a:bodyPr/>
-          <a:lstStyle/>
-          <a:p>
-            <a:endParaRPr lang="zh-TW" altLang="en-US"/>
-          </a:p>
-        </p:txBody>
-      </p:sp>
-      <p:sp>
-        <p:nvSpPr>
-          <p:cNvPr id="6" name="投影片編號版面配置區 5">
-            <a:extLst>
-              <a:ext uri="{FF2B5EF4-FFF2-40B4-BE49-F238E27FC236}">
-                <a16:creationId xmlns:a16="http://schemas.microsoft.com/office/drawing/2014/main" xmlns="" id="{B9BEC2BA-B5B8-01A1-4717-A2085AE21074}"/>
-              </a:ext>
-            </a:extLst>
-          </p:cNvPr>
-          <p:cNvSpPr>
-            <a:spLocks noGrp="1"/>
-          </p:cNvSpPr>
-          <p:nvPr>
-            <p:ph type="sldNum" sz="quarter" idx="12"/>
-          </p:nvPr>
-        </p:nvSpPr>
-        <p:spPr/>
-        <p:txBody>
-          <a:bodyPr/>
-          <a:lstStyle/>
-          <a:p>
-            <a:fld id="{EA137F63-EE4E-45BA-A949-361AE49072B6}" type="slidenum">
-              <a:rPr lang="zh-TW" altLang="en-US" smtClean="0"/>
-              <a:t>‹#›</a:t>
-            </a:fld>
+            <a:pPr algn="ctr"/>
             <a:endParaRPr lang="zh-TW" altLang="en-US"/>
           </a:p>
         </p:txBody>
@@ -354,7 +219,7 @@
           <p:cNvPr id="2" name="標題 1">
             <a:extLst>
               <a:ext uri="{FF2B5EF4-FFF2-40B4-BE49-F238E27FC236}">
-                <a16:creationId xmlns:a16="http://schemas.microsoft.com/office/drawing/2014/main" xmlns="" id="{265D468B-1E05-0AF1-06FF-685C564B27FE}"/>
+                <a16:creationId xmlns:a16="http://schemas.microsoft.com/office/drawing/2014/main" id="{265D468B-1E05-0AF1-06FF-685C564B27FE}"/>
               </a:ext>
             </a:extLst>
           </p:cNvPr>
@@ -382,7 +247,7 @@
           <p:cNvPr id="3" name="直排文字版面配置區 2">
             <a:extLst>
               <a:ext uri="{FF2B5EF4-FFF2-40B4-BE49-F238E27FC236}">
-                <a16:creationId xmlns:a16="http://schemas.microsoft.com/office/drawing/2014/main" xmlns="" id="{6ED05F40-9934-B53D-1FC7-203218F0013B}"/>
+                <a16:creationId xmlns:a16="http://schemas.microsoft.com/office/drawing/2014/main" id="{6ED05F40-9934-B53D-1FC7-203218F0013B}"/>
               </a:ext>
             </a:extLst>
           </p:cNvPr>
@@ -439,7 +304,7 @@
           <p:cNvPr id="4" name="日期版面配置區 3">
             <a:extLst>
               <a:ext uri="{FF2B5EF4-FFF2-40B4-BE49-F238E27FC236}">
-                <a16:creationId xmlns:a16="http://schemas.microsoft.com/office/drawing/2014/main" xmlns="" id="{A9FEFEB9-C695-C95D-D743-A64AB83FBDF0}"/>
+                <a16:creationId xmlns:a16="http://schemas.microsoft.com/office/drawing/2014/main" id="{A9FEFEB9-C695-C95D-D743-A64AB83FBDF0}"/>
               </a:ext>
             </a:extLst>
           </p:cNvPr>
@@ -457,7 +322,7 @@
           <a:p>
             <a:fld id="{1FCFF50C-8A84-4E8C-A139-A97BB20D26A6}" type="datetimeFigureOut">
               <a:rPr lang="zh-TW" altLang="en-US" smtClean="0"/>
-              <a:t>2023/6/22</a:t>
+              <a:t>2023/6/29</a:t>
             </a:fld>
             <a:endParaRPr lang="zh-TW" altLang="en-US"/>
           </a:p>
@@ -468,7 +333,7 @@
           <p:cNvPr id="5" name="頁尾版面配置區 4">
             <a:extLst>
               <a:ext uri="{FF2B5EF4-FFF2-40B4-BE49-F238E27FC236}">
-                <a16:creationId xmlns:a16="http://schemas.microsoft.com/office/drawing/2014/main" xmlns="" id="{0C8F61F1-40DB-DDC2-B0C5-FBE804D337C0}"/>
+                <a16:creationId xmlns:a16="http://schemas.microsoft.com/office/drawing/2014/main" id="{0C8F61F1-40DB-DDC2-B0C5-FBE804D337C0}"/>
               </a:ext>
             </a:extLst>
           </p:cNvPr>
@@ -493,7 +358,7 @@
           <p:cNvPr id="6" name="投影片編號版面配置區 5">
             <a:extLst>
               <a:ext uri="{FF2B5EF4-FFF2-40B4-BE49-F238E27FC236}">
-                <a16:creationId xmlns:a16="http://schemas.microsoft.com/office/drawing/2014/main" xmlns="" id="{FE9AEF0C-87B3-9738-89B6-A112E3DEAEF8}"/>
+                <a16:creationId xmlns:a16="http://schemas.microsoft.com/office/drawing/2014/main" id="{FE9AEF0C-87B3-9738-89B6-A112E3DEAEF8}"/>
               </a:ext>
             </a:extLst>
           </p:cNvPr>
@@ -552,7 +417,7 @@
           <p:cNvPr id="2" name="直排標題 1">
             <a:extLst>
               <a:ext uri="{FF2B5EF4-FFF2-40B4-BE49-F238E27FC236}">
-                <a16:creationId xmlns:a16="http://schemas.microsoft.com/office/drawing/2014/main" xmlns="" id="{92DBC6EA-4D76-E917-7261-61895A728D48}"/>
+                <a16:creationId xmlns:a16="http://schemas.microsoft.com/office/drawing/2014/main" id="{92DBC6EA-4D76-E917-7261-61895A728D48}"/>
               </a:ext>
             </a:extLst>
           </p:cNvPr>
@@ -585,7 +450,7 @@
           <p:cNvPr id="3" name="直排文字版面配置區 2">
             <a:extLst>
               <a:ext uri="{FF2B5EF4-FFF2-40B4-BE49-F238E27FC236}">
-                <a16:creationId xmlns:a16="http://schemas.microsoft.com/office/drawing/2014/main" xmlns="" id="{A5A99648-E588-6827-CFAE-4B04C33B8580}"/>
+                <a16:creationId xmlns:a16="http://schemas.microsoft.com/office/drawing/2014/main" id="{A5A99648-E588-6827-CFAE-4B04C33B8580}"/>
               </a:ext>
             </a:extLst>
           </p:cNvPr>
@@ -647,7 +512,7 @@
           <p:cNvPr id="4" name="日期版面配置區 3">
             <a:extLst>
               <a:ext uri="{FF2B5EF4-FFF2-40B4-BE49-F238E27FC236}">
-                <a16:creationId xmlns:a16="http://schemas.microsoft.com/office/drawing/2014/main" xmlns="" id="{C4DE5889-2C88-F31F-7733-1FCA64D551AF}"/>
+                <a16:creationId xmlns:a16="http://schemas.microsoft.com/office/drawing/2014/main" id="{C4DE5889-2C88-F31F-7733-1FCA64D551AF}"/>
               </a:ext>
             </a:extLst>
           </p:cNvPr>
@@ -665,7 +530,7 @@
           <a:p>
             <a:fld id="{1FCFF50C-8A84-4E8C-A139-A97BB20D26A6}" type="datetimeFigureOut">
               <a:rPr lang="zh-TW" altLang="en-US" smtClean="0"/>
-              <a:t>2023/6/22</a:t>
+              <a:t>2023/6/29</a:t>
             </a:fld>
             <a:endParaRPr lang="zh-TW" altLang="en-US"/>
           </a:p>
@@ -676,7 +541,7 @@
           <p:cNvPr id="5" name="頁尾版面配置區 4">
             <a:extLst>
               <a:ext uri="{FF2B5EF4-FFF2-40B4-BE49-F238E27FC236}">
-                <a16:creationId xmlns:a16="http://schemas.microsoft.com/office/drawing/2014/main" xmlns="" id="{49697CF0-9A90-4199-5F70-4EC99D4FDC62}"/>
+                <a16:creationId xmlns:a16="http://schemas.microsoft.com/office/drawing/2014/main" id="{49697CF0-9A90-4199-5F70-4EC99D4FDC62}"/>
               </a:ext>
             </a:extLst>
           </p:cNvPr>
@@ -701,7 +566,7 @@
           <p:cNvPr id="6" name="投影片編號版面配置區 5">
             <a:extLst>
               <a:ext uri="{FF2B5EF4-FFF2-40B4-BE49-F238E27FC236}">
-                <a16:creationId xmlns:a16="http://schemas.microsoft.com/office/drawing/2014/main" xmlns="" id="{932732FB-7F6C-22B0-7B82-C5C4F93FFE2B}"/>
+                <a16:creationId xmlns:a16="http://schemas.microsoft.com/office/drawing/2014/main" id="{932732FB-7F6C-22B0-7B82-C5C4F93FFE2B}"/>
               </a:ext>
             </a:extLst>
           </p:cNvPr>
@@ -760,7 +625,7 @@
           <p:cNvPr id="2" name="標題 1">
             <a:extLst>
               <a:ext uri="{FF2B5EF4-FFF2-40B4-BE49-F238E27FC236}">
-                <a16:creationId xmlns:a16="http://schemas.microsoft.com/office/drawing/2014/main" xmlns="" id="{3F71D4D7-CCC1-B93C-7971-3D5D5B81F894}"/>
+                <a16:creationId xmlns:a16="http://schemas.microsoft.com/office/drawing/2014/main" id="{3F71D4D7-CCC1-B93C-7971-3D5D5B81F894}"/>
               </a:ext>
             </a:extLst>
           </p:cNvPr>
@@ -788,7 +653,7 @@
           <p:cNvPr id="3" name="內容版面配置區 2">
             <a:extLst>
               <a:ext uri="{FF2B5EF4-FFF2-40B4-BE49-F238E27FC236}">
-                <a16:creationId xmlns:a16="http://schemas.microsoft.com/office/drawing/2014/main" xmlns="" id="{4A531304-A3DC-E5B4-7541-C53FB76D5F0A}"/>
+                <a16:creationId xmlns:a16="http://schemas.microsoft.com/office/drawing/2014/main" id="{4A531304-A3DC-E5B4-7541-C53FB76D5F0A}"/>
               </a:ext>
             </a:extLst>
           </p:cNvPr>
@@ -845,7 +710,7 @@
           <p:cNvPr id="4" name="日期版面配置區 3">
             <a:extLst>
               <a:ext uri="{FF2B5EF4-FFF2-40B4-BE49-F238E27FC236}">
-                <a16:creationId xmlns:a16="http://schemas.microsoft.com/office/drawing/2014/main" xmlns="" id="{385ECFFD-47E9-BD93-DE5C-149F2211DEFF}"/>
+                <a16:creationId xmlns:a16="http://schemas.microsoft.com/office/drawing/2014/main" id="{385ECFFD-47E9-BD93-DE5C-149F2211DEFF}"/>
               </a:ext>
             </a:extLst>
           </p:cNvPr>
@@ -863,7 +728,7 @@
           <a:p>
             <a:fld id="{1FCFF50C-8A84-4E8C-A139-A97BB20D26A6}" type="datetimeFigureOut">
               <a:rPr lang="zh-TW" altLang="en-US" smtClean="0"/>
-              <a:t>2023/6/22</a:t>
+              <a:t>2023/6/29</a:t>
             </a:fld>
             <a:endParaRPr lang="zh-TW" altLang="en-US"/>
           </a:p>
@@ -874,7 +739,7 @@
           <p:cNvPr id="5" name="頁尾版面配置區 4">
             <a:extLst>
               <a:ext uri="{FF2B5EF4-FFF2-40B4-BE49-F238E27FC236}">
-                <a16:creationId xmlns:a16="http://schemas.microsoft.com/office/drawing/2014/main" xmlns="" id="{6A8429DF-16E9-DAF3-8B56-ABF212069017}"/>
+                <a16:creationId xmlns:a16="http://schemas.microsoft.com/office/drawing/2014/main" id="{6A8429DF-16E9-DAF3-8B56-ABF212069017}"/>
               </a:ext>
             </a:extLst>
           </p:cNvPr>
@@ -899,7 +764,7 @@
           <p:cNvPr id="6" name="投影片編號版面配置區 5">
             <a:extLst>
               <a:ext uri="{FF2B5EF4-FFF2-40B4-BE49-F238E27FC236}">
-                <a16:creationId xmlns:a16="http://schemas.microsoft.com/office/drawing/2014/main" xmlns="" id="{9E239B76-5C8C-B78A-DCEE-181B0EFB038B}"/>
+                <a16:creationId xmlns:a16="http://schemas.microsoft.com/office/drawing/2014/main" id="{9E239B76-5C8C-B78A-DCEE-181B0EFB038B}"/>
               </a:ext>
             </a:extLst>
           </p:cNvPr>
@@ -958,7 +823,7 @@
           <p:cNvPr id="2" name="標題 1">
             <a:extLst>
               <a:ext uri="{FF2B5EF4-FFF2-40B4-BE49-F238E27FC236}">
-                <a16:creationId xmlns:a16="http://schemas.microsoft.com/office/drawing/2014/main" xmlns="" id="{738FFA26-BD9A-57D3-E452-E48513D074C1}"/>
+                <a16:creationId xmlns:a16="http://schemas.microsoft.com/office/drawing/2014/main" id="{738FFA26-BD9A-57D3-E452-E48513D074C1}"/>
               </a:ext>
             </a:extLst>
           </p:cNvPr>
@@ -995,7 +860,7 @@
           <p:cNvPr id="3" name="文字版面配置區 2">
             <a:extLst>
               <a:ext uri="{FF2B5EF4-FFF2-40B4-BE49-F238E27FC236}">
-                <a16:creationId xmlns:a16="http://schemas.microsoft.com/office/drawing/2014/main" xmlns="" id="{A30D6F3D-86C9-8CA1-7DC4-08E951B76CDD}"/>
+                <a16:creationId xmlns:a16="http://schemas.microsoft.com/office/drawing/2014/main" id="{A30D6F3D-86C9-8CA1-7DC4-08E951B76CDD}"/>
               </a:ext>
             </a:extLst>
           </p:cNvPr>
@@ -1120,7 +985,7 @@
           <p:cNvPr id="4" name="日期版面配置區 3">
             <a:extLst>
               <a:ext uri="{FF2B5EF4-FFF2-40B4-BE49-F238E27FC236}">
-                <a16:creationId xmlns:a16="http://schemas.microsoft.com/office/drawing/2014/main" xmlns="" id="{46D21251-056D-4CB8-5AE3-146B48F26667}"/>
+                <a16:creationId xmlns:a16="http://schemas.microsoft.com/office/drawing/2014/main" id="{46D21251-056D-4CB8-5AE3-146B48F26667}"/>
               </a:ext>
             </a:extLst>
           </p:cNvPr>
@@ -1138,7 +1003,7 @@
           <a:p>
             <a:fld id="{1FCFF50C-8A84-4E8C-A139-A97BB20D26A6}" type="datetimeFigureOut">
               <a:rPr lang="zh-TW" altLang="en-US" smtClean="0"/>
-              <a:t>2023/6/22</a:t>
+              <a:t>2023/6/29</a:t>
             </a:fld>
             <a:endParaRPr lang="zh-TW" altLang="en-US"/>
           </a:p>
@@ -1149,7 +1014,7 @@
           <p:cNvPr id="5" name="頁尾版面配置區 4">
             <a:extLst>
               <a:ext uri="{FF2B5EF4-FFF2-40B4-BE49-F238E27FC236}">
-                <a16:creationId xmlns:a16="http://schemas.microsoft.com/office/drawing/2014/main" xmlns="" id="{3CEA0687-1053-CFEE-AE67-0C10B17EF386}"/>
+                <a16:creationId xmlns:a16="http://schemas.microsoft.com/office/drawing/2014/main" id="{3CEA0687-1053-CFEE-AE67-0C10B17EF386}"/>
               </a:ext>
             </a:extLst>
           </p:cNvPr>
@@ -1174,7 +1039,7 @@
           <p:cNvPr id="6" name="投影片編號版面配置區 5">
             <a:extLst>
               <a:ext uri="{FF2B5EF4-FFF2-40B4-BE49-F238E27FC236}">
-                <a16:creationId xmlns:a16="http://schemas.microsoft.com/office/drawing/2014/main" xmlns="" id="{14CEC1AA-219C-3AB0-E115-5CE8EB457114}"/>
+                <a16:creationId xmlns:a16="http://schemas.microsoft.com/office/drawing/2014/main" id="{14CEC1AA-219C-3AB0-E115-5CE8EB457114}"/>
               </a:ext>
             </a:extLst>
           </p:cNvPr>
@@ -1233,7 +1098,7 @@
           <p:cNvPr id="2" name="標題 1">
             <a:extLst>
               <a:ext uri="{FF2B5EF4-FFF2-40B4-BE49-F238E27FC236}">
-                <a16:creationId xmlns:a16="http://schemas.microsoft.com/office/drawing/2014/main" xmlns="" id="{B3F33F1A-A204-CA18-4358-E3C21574CB14}"/>
+                <a16:creationId xmlns:a16="http://schemas.microsoft.com/office/drawing/2014/main" id="{B3F33F1A-A204-CA18-4358-E3C21574CB14}"/>
               </a:ext>
             </a:extLst>
           </p:cNvPr>
@@ -1261,7 +1126,7 @@
           <p:cNvPr id="3" name="內容版面配置區 2">
             <a:extLst>
               <a:ext uri="{FF2B5EF4-FFF2-40B4-BE49-F238E27FC236}">
-                <a16:creationId xmlns:a16="http://schemas.microsoft.com/office/drawing/2014/main" xmlns="" id="{73B56DE9-A88C-D00C-36E8-7ED5DDF3075E}"/>
+                <a16:creationId xmlns:a16="http://schemas.microsoft.com/office/drawing/2014/main" id="{73B56DE9-A88C-D00C-36E8-7ED5DDF3075E}"/>
               </a:ext>
             </a:extLst>
           </p:cNvPr>
@@ -1323,7 +1188,7 @@
           <p:cNvPr id="4" name="內容版面配置區 3">
             <a:extLst>
               <a:ext uri="{FF2B5EF4-FFF2-40B4-BE49-F238E27FC236}">
-                <a16:creationId xmlns:a16="http://schemas.microsoft.com/office/drawing/2014/main" xmlns="" id="{4206CFEB-223D-2DD7-0BCD-FCE517B10DBF}"/>
+                <a16:creationId xmlns:a16="http://schemas.microsoft.com/office/drawing/2014/main" id="{4206CFEB-223D-2DD7-0BCD-FCE517B10DBF}"/>
               </a:ext>
             </a:extLst>
           </p:cNvPr>
@@ -1385,7 +1250,7 @@
           <p:cNvPr id="5" name="日期版面配置區 4">
             <a:extLst>
               <a:ext uri="{FF2B5EF4-FFF2-40B4-BE49-F238E27FC236}">
-                <a16:creationId xmlns:a16="http://schemas.microsoft.com/office/drawing/2014/main" xmlns="" id="{2210EB95-696A-E637-C66D-8A0F6F1EC293}"/>
+                <a16:creationId xmlns:a16="http://schemas.microsoft.com/office/drawing/2014/main" id="{2210EB95-696A-E637-C66D-8A0F6F1EC293}"/>
               </a:ext>
             </a:extLst>
           </p:cNvPr>
@@ -1403,7 +1268,7 @@
           <a:p>
             <a:fld id="{1FCFF50C-8A84-4E8C-A139-A97BB20D26A6}" type="datetimeFigureOut">
               <a:rPr lang="zh-TW" altLang="en-US" smtClean="0"/>
-              <a:t>2023/6/22</a:t>
+              <a:t>2023/6/29</a:t>
             </a:fld>
             <a:endParaRPr lang="zh-TW" altLang="en-US"/>
           </a:p>
@@ -1414,7 +1279,7 @@
           <p:cNvPr id="6" name="頁尾版面配置區 5">
             <a:extLst>
               <a:ext uri="{FF2B5EF4-FFF2-40B4-BE49-F238E27FC236}">
-                <a16:creationId xmlns:a16="http://schemas.microsoft.com/office/drawing/2014/main" xmlns="" id="{3255D443-31F2-4F7C-DC4F-BBD758B545FF}"/>
+                <a16:creationId xmlns:a16="http://schemas.microsoft.com/office/drawing/2014/main" id="{3255D443-31F2-4F7C-DC4F-BBD758B545FF}"/>
               </a:ext>
             </a:extLst>
           </p:cNvPr>
@@ -1439,7 +1304,7 @@
           <p:cNvPr id="7" name="投影片編號版面配置區 6">
             <a:extLst>
               <a:ext uri="{FF2B5EF4-FFF2-40B4-BE49-F238E27FC236}">
-                <a16:creationId xmlns:a16="http://schemas.microsoft.com/office/drawing/2014/main" xmlns="" id="{E4B685C3-1855-3E1C-C11F-3CCFD258C2E6}"/>
+                <a16:creationId xmlns:a16="http://schemas.microsoft.com/office/drawing/2014/main" id="{E4B685C3-1855-3E1C-C11F-3CCFD258C2E6}"/>
               </a:ext>
             </a:extLst>
           </p:cNvPr>
@@ -1498,7 +1363,7 @@
           <p:cNvPr id="2" name="標題 1">
             <a:extLst>
               <a:ext uri="{FF2B5EF4-FFF2-40B4-BE49-F238E27FC236}">
-                <a16:creationId xmlns:a16="http://schemas.microsoft.com/office/drawing/2014/main" xmlns="" id="{ACDBCE5C-6B06-E3F7-818E-51EC70D29347}"/>
+                <a16:creationId xmlns:a16="http://schemas.microsoft.com/office/drawing/2014/main" id="{ACDBCE5C-6B06-E3F7-818E-51EC70D29347}"/>
               </a:ext>
             </a:extLst>
           </p:cNvPr>
@@ -1531,7 +1396,7 @@
           <p:cNvPr id="3" name="文字版面配置區 2">
             <a:extLst>
               <a:ext uri="{FF2B5EF4-FFF2-40B4-BE49-F238E27FC236}">
-                <a16:creationId xmlns:a16="http://schemas.microsoft.com/office/drawing/2014/main" xmlns="" id="{431383B7-05D3-BAAF-CF0C-808BC7A91E81}"/>
+                <a16:creationId xmlns:a16="http://schemas.microsoft.com/office/drawing/2014/main" id="{431383B7-05D3-BAAF-CF0C-808BC7A91E81}"/>
               </a:ext>
             </a:extLst>
           </p:cNvPr>
@@ -1602,7 +1467,7 @@
           <p:cNvPr id="4" name="內容版面配置區 3">
             <a:extLst>
               <a:ext uri="{FF2B5EF4-FFF2-40B4-BE49-F238E27FC236}">
-                <a16:creationId xmlns:a16="http://schemas.microsoft.com/office/drawing/2014/main" xmlns="" id="{C022C92E-972F-0DB8-64B8-228A1F186AB8}"/>
+                <a16:creationId xmlns:a16="http://schemas.microsoft.com/office/drawing/2014/main" id="{C022C92E-972F-0DB8-64B8-228A1F186AB8}"/>
               </a:ext>
             </a:extLst>
           </p:cNvPr>
@@ -1664,7 +1529,7 @@
           <p:cNvPr id="5" name="文字版面配置區 4">
             <a:extLst>
               <a:ext uri="{FF2B5EF4-FFF2-40B4-BE49-F238E27FC236}">
-                <a16:creationId xmlns:a16="http://schemas.microsoft.com/office/drawing/2014/main" xmlns="" id="{6389EE5E-F3D1-A551-BD36-FF758101820A}"/>
+                <a16:creationId xmlns:a16="http://schemas.microsoft.com/office/drawing/2014/main" id="{6389EE5E-F3D1-A551-BD36-FF758101820A}"/>
               </a:ext>
             </a:extLst>
           </p:cNvPr>
@@ -1735,7 +1600,7 @@
           <p:cNvPr id="6" name="內容版面配置區 5">
             <a:extLst>
               <a:ext uri="{FF2B5EF4-FFF2-40B4-BE49-F238E27FC236}">
-                <a16:creationId xmlns:a16="http://schemas.microsoft.com/office/drawing/2014/main" xmlns="" id="{D93E60E7-A90C-FE9F-CABB-FD36E1DF0070}"/>
+                <a16:creationId xmlns:a16="http://schemas.microsoft.com/office/drawing/2014/main" id="{D93E60E7-A90C-FE9F-CABB-FD36E1DF0070}"/>
               </a:ext>
             </a:extLst>
           </p:cNvPr>
@@ -1797,7 +1662,7 @@
           <p:cNvPr id="7" name="日期版面配置區 6">
             <a:extLst>
               <a:ext uri="{FF2B5EF4-FFF2-40B4-BE49-F238E27FC236}">
-                <a16:creationId xmlns:a16="http://schemas.microsoft.com/office/drawing/2014/main" xmlns="" id="{66BE1572-FB53-B6A1-FDD8-ED20DB0DD3FC}"/>
+                <a16:creationId xmlns:a16="http://schemas.microsoft.com/office/drawing/2014/main" id="{66BE1572-FB53-B6A1-FDD8-ED20DB0DD3FC}"/>
               </a:ext>
             </a:extLst>
           </p:cNvPr>
@@ -1815,7 +1680,7 @@
           <a:p>
             <a:fld id="{1FCFF50C-8A84-4E8C-A139-A97BB20D26A6}" type="datetimeFigureOut">
               <a:rPr lang="zh-TW" altLang="en-US" smtClean="0"/>
-              <a:t>2023/6/22</a:t>
+              <a:t>2023/6/29</a:t>
             </a:fld>
             <a:endParaRPr lang="zh-TW" altLang="en-US"/>
           </a:p>
@@ -1826,7 +1691,7 @@
           <p:cNvPr id="8" name="頁尾版面配置區 7">
             <a:extLst>
               <a:ext uri="{FF2B5EF4-FFF2-40B4-BE49-F238E27FC236}">
-                <a16:creationId xmlns:a16="http://schemas.microsoft.com/office/drawing/2014/main" xmlns="" id="{5103227D-DC13-40BE-391F-5C307FF8E163}"/>
+                <a16:creationId xmlns:a16="http://schemas.microsoft.com/office/drawing/2014/main" id="{5103227D-DC13-40BE-391F-5C307FF8E163}"/>
               </a:ext>
             </a:extLst>
           </p:cNvPr>
@@ -1851,7 +1716,7 @@
           <p:cNvPr id="9" name="投影片編號版面配置區 8">
             <a:extLst>
               <a:ext uri="{FF2B5EF4-FFF2-40B4-BE49-F238E27FC236}">
-                <a16:creationId xmlns:a16="http://schemas.microsoft.com/office/drawing/2014/main" xmlns="" id="{E458BBDE-DF6F-D9E4-7C96-1B14F42E93B1}"/>
+                <a16:creationId xmlns:a16="http://schemas.microsoft.com/office/drawing/2014/main" id="{E458BBDE-DF6F-D9E4-7C96-1B14F42E93B1}"/>
               </a:ext>
             </a:extLst>
           </p:cNvPr>
@@ -1910,7 +1775,7 @@
           <p:cNvPr id="2" name="標題 1">
             <a:extLst>
               <a:ext uri="{FF2B5EF4-FFF2-40B4-BE49-F238E27FC236}">
-                <a16:creationId xmlns:a16="http://schemas.microsoft.com/office/drawing/2014/main" xmlns="" id="{05F42FC2-5575-3CEF-C9FE-BFF882EB503A}"/>
+                <a16:creationId xmlns:a16="http://schemas.microsoft.com/office/drawing/2014/main" id="{05F42FC2-5575-3CEF-C9FE-BFF882EB503A}"/>
               </a:ext>
             </a:extLst>
           </p:cNvPr>
@@ -1938,7 +1803,7 @@
           <p:cNvPr id="3" name="日期版面配置區 2">
             <a:extLst>
               <a:ext uri="{FF2B5EF4-FFF2-40B4-BE49-F238E27FC236}">
-                <a16:creationId xmlns:a16="http://schemas.microsoft.com/office/drawing/2014/main" xmlns="" id="{BEF31040-3883-55AB-C9FF-AE1208F5DC3D}"/>
+                <a16:creationId xmlns:a16="http://schemas.microsoft.com/office/drawing/2014/main" id="{BEF31040-3883-55AB-C9FF-AE1208F5DC3D}"/>
               </a:ext>
             </a:extLst>
           </p:cNvPr>
@@ -1956,7 +1821,7 @@
           <a:p>
             <a:fld id="{1FCFF50C-8A84-4E8C-A139-A97BB20D26A6}" type="datetimeFigureOut">
               <a:rPr lang="zh-TW" altLang="en-US" smtClean="0"/>
-              <a:t>2023/6/22</a:t>
+              <a:t>2023/6/29</a:t>
             </a:fld>
             <a:endParaRPr lang="zh-TW" altLang="en-US"/>
           </a:p>
@@ -1967,7 +1832,7 @@
           <p:cNvPr id="4" name="頁尾版面配置區 3">
             <a:extLst>
               <a:ext uri="{FF2B5EF4-FFF2-40B4-BE49-F238E27FC236}">
-                <a16:creationId xmlns:a16="http://schemas.microsoft.com/office/drawing/2014/main" xmlns="" id="{7DD1BA7A-D57F-6AA6-F020-4FB1464C7FEB}"/>
+                <a16:creationId xmlns:a16="http://schemas.microsoft.com/office/drawing/2014/main" id="{7DD1BA7A-D57F-6AA6-F020-4FB1464C7FEB}"/>
               </a:ext>
             </a:extLst>
           </p:cNvPr>
@@ -1992,7 +1857,7 @@
           <p:cNvPr id="5" name="投影片編號版面配置區 4">
             <a:extLst>
               <a:ext uri="{FF2B5EF4-FFF2-40B4-BE49-F238E27FC236}">
-                <a16:creationId xmlns:a16="http://schemas.microsoft.com/office/drawing/2014/main" xmlns="" id="{F060425D-139D-F221-016E-EE0FA648139A}"/>
+                <a16:creationId xmlns:a16="http://schemas.microsoft.com/office/drawing/2014/main" id="{F060425D-139D-F221-016E-EE0FA648139A}"/>
               </a:ext>
             </a:extLst>
           </p:cNvPr>
@@ -2051,7 +1916,7 @@
           <p:cNvPr id="2" name="日期版面配置區 1">
             <a:extLst>
               <a:ext uri="{FF2B5EF4-FFF2-40B4-BE49-F238E27FC236}">
-                <a16:creationId xmlns:a16="http://schemas.microsoft.com/office/drawing/2014/main" xmlns="" id="{8AE0BDBB-6D13-EE57-982A-2C93E9A615B6}"/>
+                <a16:creationId xmlns:a16="http://schemas.microsoft.com/office/drawing/2014/main" id="{8AE0BDBB-6D13-EE57-982A-2C93E9A615B6}"/>
               </a:ext>
             </a:extLst>
           </p:cNvPr>
@@ -2069,7 +1934,7 @@
           <a:p>
             <a:fld id="{1FCFF50C-8A84-4E8C-A139-A97BB20D26A6}" type="datetimeFigureOut">
               <a:rPr lang="zh-TW" altLang="en-US" smtClean="0"/>
-              <a:t>2023/6/22</a:t>
+              <a:t>2023/6/29</a:t>
             </a:fld>
             <a:endParaRPr lang="zh-TW" altLang="en-US"/>
           </a:p>
@@ -2080,7 +1945,7 @@
           <p:cNvPr id="3" name="頁尾版面配置區 2">
             <a:extLst>
               <a:ext uri="{FF2B5EF4-FFF2-40B4-BE49-F238E27FC236}">
-                <a16:creationId xmlns:a16="http://schemas.microsoft.com/office/drawing/2014/main" xmlns="" id="{19620F93-1543-2E7C-EDB8-F0ECF97707B9}"/>
+                <a16:creationId xmlns:a16="http://schemas.microsoft.com/office/drawing/2014/main" id="{19620F93-1543-2E7C-EDB8-F0ECF97707B9}"/>
               </a:ext>
             </a:extLst>
           </p:cNvPr>
@@ -2105,7 +1970,7 @@
           <p:cNvPr id="4" name="投影片編號版面配置區 3">
             <a:extLst>
               <a:ext uri="{FF2B5EF4-FFF2-40B4-BE49-F238E27FC236}">
-                <a16:creationId xmlns:a16="http://schemas.microsoft.com/office/drawing/2014/main" xmlns="" id="{524714A3-B84E-5BC8-02F0-DB50EF58A20F}"/>
+                <a16:creationId xmlns:a16="http://schemas.microsoft.com/office/drawing/2014/main" id="{524714A3-B84E-5BC8-02F0-DB50EF58A20F}"/>
               </a:ext>
             </a:extLst>
           </p:cNvPr>
@@ -2164,7 +2029,7 @@
           <p:cNvPr id="2" name="標題 1">
             <a:extLst>
               <a:ext uri="{FF2B5EF4-FFF2-40B4-BE49-F238E27FC236}">
-                <a16:creationId xmlns:a16="http://schemas.microsoft.com/office/drawing/2014/main" xmlns="" id="{41AF6CEF-166E-16CB-2210-C66E08BDAABC}"/>
+                <a16:creationId xmlns:a16="http://schemas.microsoft.com/office/drawing/2014/main" id="{41AF6CEF-166E-16CB-2210-C66E08BDAABC}"/>
               </a:ext>
             </a:extLst>
           </p:cNvPr>
@@ -2201,7 +2066,7 @@
           <p:cNvPr id="3" name="內容版面配置區 2">
             <a:extLst>
               <a:ext uri="{FF2B5EF4-FFF2-40B4-BE49-F238E27FC236}">
-                <a16:creationId xmlns:a16="http://schemas.microsoft.com/office/drawing/2014/main" xmlns="" id="{A9FC19CD-C374-ECC6-DCA3-02990023559D}"/>
+                <a16:creationId xmlns:a16="http://schemas.microsoft.com/office/drawing/2014/main" id="{A9FC19CD-C374-ECC6-DCA3-02990023559D}"/>
               </a:ext>
             </a:extLst>
           </p:cNvPr>
@@ -2291,7 +2156,7 @@
           <p:cNvPr id="4" name="文字版面配置區 3">
             <a:extLst>
               <a:ext uri="{FF2B5EF4-FFF2-40B4-BE49-F238E27FC236}">
-                <a16:creationId xmlns:a16="http://schemas.microsoft.com/office/drawing/2014/main" xmlns="" id="{7702CA1E-CEF0-AE91-7C19-0F251E1B399E}"/>
+                <a16:creationId xmlns:a16="http://schemas.microsoft.com/office/drawing/2014/main" id="{7702CA1E-CEF0-AE91-7C19-0F251E1B399E}"/>
               </a:ext>
             </a:extLst>
           </p:cNvPr>
@@ -2362,7 +2227,7 @@
           <p:cNvPr id="5" name="日期版面配置區 4">
             <a:extLst>
               <a:ext uri="{FF2B5EF4-FFF2-40B4-BE49-F238E27FC236}">
-                <a16:creationId xmlns:a16="http://schemas.microsoft.com/office/drawing/2014/main" xmlns="" id="{B79D148A-526A-7237-6C0F-2305FC39F1B6}"/>
+                <a16:creationId xmlns:a16="http://schemas.microsoft.com/office/drawing/2014/main" id="{B79D148A-526A-7237-6C0F-2305FC39F1B6}"/>
               </a:ext>
             </a:extLst>
           </p:cNvPr>
@@ -2380,7 +2245,7 @@
           <a:p>
             <a:fld id="{1FCFF50C-8A84-4E8C-A139-A97BB20D26A6}" type="datetimeFigureOut">
               <a:rPr lang="zh-TW" altLang="en-US" smtClean="0"/>
-              <a:t>2023/6/22</a:t>
+              <a:t>2023/6/29</a:t>
             </a:fld>
             <a:endParaRPr lang="zh-TW" altLang="en-US"/>
           </a:p>
@@ -2391,7 +2256,7 @@
           <p:cNvPr id="6" name="頁尾版面配置區 5">
             <a:extLst>
               <a:ext uri="{FF2B5EF4-FFF2-40B4-BE49-F238E27FC236}">
-                <a16:creationId xmlns:a16="http://schemas.microsoft.com/office/drawing/2014/main" xmlns="" id="{54A69732-0CCB-979E-59A4-D3908BFE8E2F}"/>
+                <a16:creationId xmlns:a16="http://schemas.microsoft.com/office/drawing/2014/main" id="{54A69732-0CCB-979E-59A4-D3908BFE8E2F}"/>
               </a:ext>
             </a:extLst>
           </p:cNvPr>
@@ -2416,7 +2281,7 @@
           <p:cNvPr id="7" name="投影片編號版面配置區 6">
             <a:extLst>
               <a:ext uri="{FF2B5EF4-FFF2-40B4-BE49-F238E27FC236}">
-                <a16:creationId xmlns:a16="http://schemas.microsoft.com/office/drawing/2014/main" xmlns="" id="{CFC62541-A6CE-B25A-6094-63C1F9FF7B2B}"/>
+                <a16:creationId xmlns:a16="http://schemas.microsoft.com/office/drawing/2014/main" id="{CFC62541-A6CE-B25A-6094-63C1F9FF7B2B}"/>
               </a:ext>
             </a:extLst>
           </p:cNvPr>
@@ -2475,7 +2340,7 @@
           <p:cNvPr id="2" name="標題 1">
             <a:extLst>
               <a:ext uri="{FF2B5EF4-FFF2-40B4-BE49-F238E27FC236}">
-                <a16:creationId xmlns:a16="http://schemas.microsoft.com/office/drawing/2014/main" xmlns="" id="{8376712E-971D-9447-3DE4-9EBB6B9C7B46}"/>
+                <a16:creationId xmlns:a16="http://schemas.microsoft.com/office/drawing/2014/main" id="{8376712E-971D-9447-3DE4-9EBB6B9C7B46}"/>
               </a:ext>
             </a:extLst>
           </p:cNvPr>
@@ -2512,7 +2377,7 @@
           <p:cNvPr id="3" name="圖片版面配置區 2">
             <a:extLst>
               <a:ext uri="{FF2B5EF4-FFF2-40B4-BE49-F238E27FC236}">
-                <a16:creationId xmlns:a16="http://schemas.microsoft.com/office/drawing/2014/main" xmlns="" id="{A51011CD-9CD6-C8E3-ADB4-26A547CCACD1}"/>
+                <a16:creationId xmlns:a16="http://schemas.microsoft.com/office/drawing/2014/main" id="{A51011CD-9CD6-C8E3-ADB4-26A547CCACD1}"/>
               </a:ext>
             </a:extLst>
           </p:cNvPr>
@@ -2579,7 +2444,7 @@
           <p:cNvPr id="4" name="文字版面配置區 3">
             <a:extLst>
               <a:ext uri="{FF2B5EF4-FFF2-40B4-BE49-F238E27FC236}">
-                <a16:creationId xmlns:a16="http://schemas.microsoft.com/office/drawing/2014/main" xmlns="" id="{A7E62ED7-C46C-F7D2-61DB-C7BDBA35200B}"/>
+                <a16:creationId xmlns:a16="http://schemas.microsoft.com/office/drawing/2014/main" id="{A7E62ED7-C46C-F7D2-61DB-C7BDBA35200B}"/>
               </a:ext>
             </a:extLst>
           </p:cNvPr>
@@ -2650,7 +2515,7 @@
           <p:cNvPr id="5" name="日期版面配置區 4">
             <a:extLst>
               <a:ext uri="{FF2B5EF4-FFF2-40B4-BE49-F238E27FC236}">
-                <a16:creationId xmlns:a16="http://schemas.microsoft.com/office/drawing/2014/main" xmlns="" id="{8A554329-CF6B-EEBC-E447-71A82D5A7015}"/>
+                <a16:creationId xmlns:a16="http://schemas.microsoft.com/office/drawing/2014/main" id="{8A554329-CF6B-EEBC-E447-71A82D5A7015}"/>
               </a:ext>
             </a:extLst>
           </p:cNvPr>
@@ -2668,7 +2533,7 @@
           <a:p>
             <a:fld id="{1FCFF50C-8A84-4E8C-A139-A97BB20D26A6}" type="datetimeFigureOut">
               <a:rPr lang="zh-TW" altLang="en-US" smtClean="0"/>
-              <a:t>2023/6/22</a:t>
+              <a:t>2023/6/29</a:t>
             </a:fld>
             <a:endParaRPr lang="zh-TW" altLang="en-US"/>
           </a:p>
@@ -2679,7 +2544,7 @@
           <p:cNvPr id="6" name="頁尾版面配置區 5">
             <a:extLst>
               <a:ext uri="{FF2B5EF4-FFF2-40B4-BE49-F238E27FC236}">
-                <a16:creationId xmlns:a16="http://schemas.microsoft.com/office/drawing/2014/main" xmlns="" id="{B0F03356-E448-11EC-8E6D-5A7E61494B0D}"/>
+                <a16:creationId xmlns:a16="http://schemas.microsoft.com/office/drawing/2014/main" id="{B0F03356-E448-11EC-8E6D-5A7E61494B0D}"/>
               </a:ext>
             </a:extLst>
           </p:cNvPr>
@@ -2704,7 +2569,7 @@
           <p:cNvPr id="7" name="投影片編號版面配置區 6">
             <a:extLst>
               <a:ext uri="{FF2B5EF4-FFF2-40B4-BE49-F238E27FC236}">
-                <a16:creationId xmlns:a16="http://schemas.microsoft.com/office/drawing/2014/main" xmlns="" id="{7C43524D-0319-5C72-720B-3C77ED51E8F4}"/>
+                <a16:creationId xmlns:a16="http://schemas.microsoft.com/office/drawing/2014/main" id="{7C43524D-0319-5C72-720B-3C77ED51E8F4}"/>
               </a:ext>
             </a:extLst>
           </p:cNvPr>
@@ -2768,7 +2633,7 @@
           <p:cNvPr id="2" name="標題版面配置區 1">
             <a:extLst>
               <a:ext uri="{FF2B5EF4-FFF2-40B4-BE49-F238E27FC236}">
-                <a16:creationId xmlns:a16="http://schemas.microsoft.com/office/drawing/2014/main" xmlns="" id="{FF1A9FE6-3BC2-E797-5FA4-1C70E41F4BCE}"/>
+                <a16:creationId xmlns:a16="http://schemas.microsoft.com/office/drawing/2014/main" id="{FF1A9FE6-3BC2-E797-5FA4-1C70E41F4BCE}"/>
               </a:ext>
             </a:extLst>
           </p:cNvPr>
@@ -2806,7 +2671,7 @@
           <p:cNvPr id="3" name="文字版面配置區 2">
             <a:extLst>
               <a:ext uri="{FF2B5EF4-FFF2-40B4-BE49-F238E27FC236}">
-                <a16:creationId xmlns:a16="http://schemas.microsoft.com/office/drawing/2014/main" xmlns="" id="{0D1B7D75-8142-5BF0-2C21-4D758DF8EE92}"/>
+                <a16:creationId xmlns:a16="http://schemas.microsoft.com/office/drawing/2014/main" id="{0D1B7D75-8142-5BF0-2C21-4D758DF8EE92}"/>
               </a:ext>
             </a:extLst>
           </p:cNvPr>
@@ -2873,7 +2738,7 @@
           <p:cNvPr id="4" name="日期版面配置區 3">
             <a:extLst>
               <a:ext uri="{FF2B5EF4-FFF2-40B4-BE49-F238E27FC236}">
-                <a16:creationId xmlns:a16="http://schemas.microsoft.com/office/drawing/2014/main" xmlns="" id="{A4F16CF7-4219-DF64-9EFD-E9C3F3EA0428}"/>
+                <a16:creationId xmlns:a16="http://schemas.microsoft.com/office/drawing/2014/main" id="{A4F16CF7-4219-DF64-9EFD-E9C3F3EA0428}"/>
               </a:ext>
             </a:extLst>
           </p:cNvPr>
@@ -2909,7 +2774,7 @@
           <a:p>
             <a:fld id="{1FCFF50C-8A84-4E8C-A139-A97BB20D26A6}" type="datetimeFigureOut">
               <a:rPr lang="zh-TW" altLang="en-US" smtClean="0"/>
-              <a:t>2023/6/22</a:t>
+              <a:t>2023/6/29</a:t>
             </a:fld>
             <a:endParaRPr lang="zh-TW" altLang="en-US"/>
           </a:p>
@@ -2920,7 +2785,7 @@
           <p:cNvPr id="5" name="頁尾版面配置區 4">
             <a:extLst>
               <a:ext uri="{FF2B5EF4-FFF2-40B4-BE49-F238E27FC236}">
-                <a16:creationId xmlns:a16="http://schemas.microsoft.com/office/drawing/2014/main" xmlns="" id="{27F5C806-36BC-2D25-1F9D-9BA7584A3418}"/>
+                <a16:creationId xmlns:a16="http://schemas.microsoft.com/office/drawing/2014/main" id="{27F5C806-36BC-2D25-1F9D-9BA7584A3418}"/>
               </a:ext>
             </a:extLst>
           </p:cNvPr>
@@ -2963,7 +2828,7 @@
           <p:cNvPr id="6" name="投影片編號版面配置區 5">
             <a:extLst>
               <a:ext uri="{FF2B5EF4-FFF2-40B4-BE49-F238E27FC236}">
-                <a16:creationId xmlns:a16="http://schemas.microsoft.com/office/drawing/2014/main" xmlns="" id="{27669C5A-3A03-E6D3-0111-59CA0C4F1AEC}"/>
+                <a16:creationId xmlns:a16="http://schemas.microsoft.com/office/drawing/2014/main" id="{27669C5A-3A03-E6D3-0111-59CA0C4F1AEC}"/>
               </a:ext>
             </a:extLst>
           </p:cNvPr>
@@ -3331,7 +3196,7 @@
           <p:cNvPr id="8" name="群組 7">
             <a:extLst>
               <a:ext uri="{FF2B5EF4-FFF2-40B4-BE49-F238E27FC236}">
-                <a16:creationId xmlns:a16="http://schemas.microsoft.com/office/drawing/2014/main" xmlns="" id="{11E2D623-1AC0-FD75-AB73-974D9EE7B995}"/>
+                <a16:creationId xmlns:a16="http://schemas.microsoft.com/office/drawing/2014/main" id="{11E2D623-1AC0-FD75-AB73-974D9EE7B995}"/>
               </a:ext>
             </a:extLst>
           </p:cNvPr>
@@ -3351,7 +3216,7 @@
             <p:cNvPr id="4" name="橢圓 3">
               <a:extLst>
                 <a:ext uri="{FF2B5EF4-FFF2-40B4-BE49-F238E27FC236}">
-                  <a16:creationId xmlns:a16="http://schemas.microsoft.com/office/drawing/2014/main" xmlns="" id="{4C391F5C-B6CF-E27D-EEEA-1E1B709A8D7D}"/>
+                  <a16:creationId xmlns:a16="http://schemas.microsoft.com/office/drawing/2014/main" id="{4C391F5C-B6CF-E27D-EEEA-1E1B709A8D7D}"/>
                 </a:ext>
               </a:extLst>
             </p:cNvPr>
@@ -3403,7 +3268,7 @@
             <p:cNvPr id="6" name="直線接點 5">
               <a:extLst>
                 <a:ext uri="{FF2B5EF4-FFF2-40B4-BE49-F238E27FC236}">
-                  <a16:creationId xmlns:a16="http://schemas.microsoft.com/office/drawing/2014/main" xmlns="" id="{8B279433-AD3C-9CB5-9053-C19CD80E2158}"/>
+                  <a16:creationId xmlns:a16="http://schemas.microsoft.com/office/drawing/2014/main" id="{8B279433-AD3C-9CB5-9053-C19CD80E2158}"/>
                 </a:ext>
               </a:extLst>
             </p:cNvPr>
@@ -3447,7 +3312,7 @@
           <p:cNvPr id="36" name="群組 35">
             <a:extLst>
               <a:ext uri="{FF2B5EF4-FFF2-40B4-BE49-F238E27FC236}">
-                <a16:creationId xmlns:a16="http://schemas.microsoft.com/office/drawing/2014/main" xmlns="" id="{09D9F33C-FC26-7520-5F72-420F05E497AE}"/>
+                <a16:creationId xmlns:a16="http://schemas.microsoft.com/office/drawing/2014/main" id="{09D9F33C-FC26-7520-5F72-420F05E497AE}"/>
               </a:ext>
             </a:extLst>
           </p:cNvPr>
@@ -3469,7 +3334,7 @@
             <p:cNvPr id="15" name="拱形 14">
               <a:extLst>
                 <a:ext uri="{FF2B5EF4-FFF2-40B4-BE49-F238E27FC236}">
-                  <a16:creationId xmlns:a16="http://schemas.microsoft.com/office/drawing/2014/main" xmlns="" id="{6C77B97D-7558-010A-7D67-80B1C23C34AF}"/>
+                  <a16:creationId xmlns:a16="http://schemas.microsoft.com/office/drawing/2014/main" id="{6C77B97D-7558-010A-7D67-80B1C23C34AF}"/>
                 </a:ext>
               </a:extLst>
             </p:cNvPr>
@@ -3485,10 +3350,12 @@
               <a:avLst/>
             </a:prstGeom>
             <a:solidFill>
-              <a:schemeClr val="tx1"/>
+              <a:schemeClr val="bg1"/>
             </a:solidFill>
             <a:ln>
-              <a:noFill/>
+              <a:solidFill>
+                <a:schemeClr val="bg1"/>
+              </a:solidFill>
             </a:ln>
           </p:spPr>
           <p:style>
@@ -3525,7 +3392,7 @@
             <p:cNvPr id="26" name="手繪多邊形: 圖案 25">
               <a:extLst>
                 <a:ext uri="{FF2B5EF4-FFF2-40B4-BE49-F238E27FC236}">
-                  <a16:creationId xmlns:a16="http://schemas.microsoft.com/office/drawing/2014/main" xmlns="" id="{50AFF0A3-AF7F-0662-6DCF-755CB46B1BA4}"/>
+                  <a16:creationId xmlns:a16="http://schemas.microsoft.com/office/drawing/2014/main" id="{50AFF0A3-AF7F-0662-6DCF-755CB46B1BA4}"/>
                 </a:ext>
               </a:extLst>
             </p:cNvPr>
@@ -3708,7 +3575,7 @@
             <a:noFill/>
             <a:ln w="38100">
               <a:solidFill>
-                <a:schemeClr val="tx1"/>
+                <a:schemeClr val="bg1"/>
               </a:solidFill>
             </a:ln>
           </p:spPr>
@@ -3745,7 +3612,7 @@
           <p:cNvPr id="42" name="群組 41">
             <a:extLst>
               <a:ext uri="{FF2B5EF4-FFF2-40B4-BE49-F238E27FC236}">
-                <a16:creationId xmlns:a16="http://schemas.microsoft.com/office/drawing/2014/main" xmlns="" id="{81123D94-1891-B5D9-69D3-E72710D0763D}"/>
+                <a16:creationId xmlns:a16="http://schemas.microsoft.com/office/drawing/2014/main" id="{81123D94-1891-B5D9-69D3-E72710D0763D}"/>
               </a:ext>
             </a:extLst>
           </p:cNvPr>
@@ -3765,7 +3632,7 @@
             <p:cNvPr id="37" name="矩形: 圓角 36">
               <a:extLst>
                 <a:ext uri="{FF2B5EF4-FFF2-40B4-BE49-F238E27FC236}">
-                  <a16:creationId xmlns:a16="http://schemas.microsoft.com/office/drawing/2014/main" xmlns="" id="{B383D72D-E684-B607-886D-7887059052E6}"/>
+                  <a16:creationId xmlns:a16="http://schemas.microsoft.com/office/drawing/2014/main" id="{B383D72D-E684-B607-886D-7887059052E6}"/>
                 </a:ext>
               </a:extLst>
             </p:cNvPr>
@@ -3783,7 +3650,7 @@
             <a:noFill/>
             <a:ln w="38100">
               <a:solidFill>
-                <a:schemeClr val="tx1"/>
+                <a:schemeClr val="bg1"/>
               </a:solidFill>
             </a:ln>
           </p:spPr>
@@ -3817,7 +3684,7 @@
             <p:cNvPr id="38" name="矩形: 圓角 37">
               <a:extLst>
                 <a:ext uri="{FF2B5EF4-FFF2-40B4-BE49-F238E27FC236}">
-                  <a16:creationId xmlns:a16="http://schemas.microsoft.com/office/drawing/2014/main" xmlns="" id="{3AD13D43-290A-A093-A0BF-DA67EECCD87D}"/>
+                  <a16:creationId xmlns:a16="http://schemas.microsoft.com/office/drawing/2014/main" id="{3AD13D43-290A-A093-A0BF-DA67EECCD87D}"/>
                 </a:ext>
               </a:extLst>
             </p:cNvPr>
@@ -3835,7 +3702,7 @@
             <a:noFill/>
             <a:ln w="38100">
               <a:solidFill>
-                <a:schemeClr val="tx1"/>
+                <a:schemeClr val="bg1"/>
               </a:solidFill>
             </a:ln>
           </p:spPr>
@@ -3869,7 +3736,7 @@
             <p:cNvPr id="39" name="矩形: 圓角 38">
               <a:extLst>
                 <a:ext uri="{FF2B5EF4-FFF2-40B4-BE49-F238E27FC236}">
-                  <a16:creationId xmlns:a16="http://schemas.microsoft.com/office/drawing/2014/main" xmlns="" id="{18A256F1-9E7B-BCBA-1D95-DC9BA5E1E1DE}"/>
+                  <a16:creationId xmlns:a16="http://schemas.microsoft.com/office/drawing/2014/main" id="{18A256F1-9E7B-BCBA-1D95-DC9BA5E1E1DE}"/>
                 </a:ext>
               </a:extLst>
             </p:cNvPr>
@@ -3887,7 +3754,7 @@
             <a:noFill/>
             <a:ln w="38100">
               <a:solidFill>
-                <a:schemeClr val="tx1"/>
+                <a:schemeClr val="bg1"/>
               </a:solidFill>
             </a:ln>
           </p:spPr>
@@ -3921,7 +3788,7 @@
             <p:cNvPr id="40" name="矩形: 圓角 39">
               <a:extLst>
                 <a:ext uri="{FF2B5EF4-FFF2-40B4-BE49-F238E27FC236}">
-                  <a16:creationId xmlns:a16="http://schemas.microsoft.com/office/drawing/2014/main" xmlns="" id="{57C6E221-8964-C078-9507-93DD4295B875}"/>
+                  <a16:creationId xmlns:a16="http://schemas.microsoft.com/office/drawing/2014/main" id="{57C6E221-8964-C078-9507-93DD4295B875}"/>
                 </a:ext>
               </a:extLst>
             </p:cNvPr>
@@ -3939,7 +3806,7 @@
             <a:noFill/>
             <a:ln w="38100">
               <a:solidFill>
-                <a:schemeClr val="tx1"/>
+                <a:schemeClr val="bg1"/>
               </a:solidFill>
             </a:ln>
           </p:spPr>
@@ -3974,7 +3841,7 @@
           <p:cNvPr id="64" name="群組 63">
             <a:extLst>
               <a:ext uri="{FF2B5EF4-FFF2-40B4-BE49-F238E27FC236}">
-                <a16:creationId xmlns:a16="http://schemas.microsoft.com/office/drawing/2014/main" xmlns="" id="{6B7D49A8-80A9-6B31-9B00-3A6645AB3675}"/>
+                <a16:creationId xmlns:a16="http://schemas.microsoft.com/office/drawing/2014/main" id="{6B7D49A8-80A9-6B31-9B00-3A6645AB3675}"/>
               </a:ext>
             </a:extLst>
           </p:cNvPr>
@@ -3994,7 +3861,7 @@
             <p:cNvPr id="53" name="橢圓 52">
               <a:extLst>
                 <a:ext uri="{FF2B5EF4-FFF2-40B4-BE49-F238E27FC236}">
-                  <a16:creationId xmlns:a16="http://schemas.microsoft.com/office/drawing/2014/main" xmlns="" id="{3F911973-52B5-D960-7D60-8B6797F2533C}"/>
+                  <a16:creationId xmlns:a16="http://schemas.microsoft.com/office/drawing/2014/main" id="{3F911973-52B5-D960-7D60-8B6797F2533C}"/>
                 </a:ext>
               </a:extLst>
             </p:cNvPr>
@@ -4012,7 +3879,7 @@
             <a:noFill/>
             <a:ln w="38100">
               <a:solidFill>
-                <a:schemeClr val="tx1"/>
+                <a:srgbClr val="808080"/>
               </a:solidFill>
             </a:ln>
           </p:spPr>
@@ -4046,7 +3913,7 @@
             <p:cNvPr id="58" name="矩形: 圓角化同側角落 57">
               <a:extLst>
                 <a:ext uri="{FF2B5EF4-FFF2-40B4-BE49-F238E27FC236}">
-                  <a16:creationId xmlns:a16="http://schemas.microsoft.com/office/drawing/2014/main" xmlns="" id="{27C985F0-AE68-A7E7-230B-09D2D21F6D94}"/>
+                  <a16:creationId xmlns:a16="http://schemas.microsoft.com/office/drawing/2014/main" id="{27C985F0-AE68-A7E7-230B-09D2D21F6D94}"/>
                 </a:ext>
               </a:extLst>
             </p:cNvPr>
@@ -4064,7 +3931,7 @@
             <a:noFill/>
             <a:ln w="38100">
               <a:solidFill>
-                <a:schemeClr val="tx1"/>
+                <a:srgbClr val="808080"/>
               </a:solidFill>
             </a:ln>
           </p:spPr>
@@ -4099,7 +3966,7 @@
           <p:cNvPr id="81" name="群組 80">
             <a:extLst>
               <a:ext uri="{FF2B5EF4-FFF2-40B4-BE49-F238E27FC236}">
-                <a16:creationId xmlns:a16="http://schemas.microsoft.com/office/drawing/2014/main" xmlns="" id="{D75F55F0-7456-8CF0-31D0-C08E6210E0D8}"/>
+                <a16:creationId xmlns:a16="http://schemas.microsoft.com/office/drawing/2014/main" id="{D75F55F0-7456-8CF0-31D0-C08E6210E0D8}"/>
               </a:ext>
             </a:extLst>
           </p:cNvPr>
@@ -4119,7 +3986,7 @@
             <p:cNvPr id="70" name="弧形 69">
               <a:extLst>
                 <a:ext uri="{FF2B5EF4-FFF2-40B4-BE49-F238E27FC236}">
-                  <a16:creationId xmlns:a16="http://schemas.microsoft.com/office/drawing/2014/main" xmlns="" id="{32153A5B-59A8-D029-5580-F641E0E3B447}"/>
+                  <a16:creationId xmlns:a16="http://schemas.microsoft.com/office/drawing/2014/main" id="{32153A5B-59A8-D029-5580-F641E0E3B447}"/>
                 </a:ext>
               </a:extLst>
             </p:cNvPr>
@@ -4136,7 +4003,7 @@
             </a:prstGeom>
             <a:ln w="38100">
               <a:solidFill>
-                <a:schemeClr val="tx1"/>
+                <a:schemeClr val="bg1"/>
               </a:solidFill>
             </a:ln>
           </p:spPr>
@@ -4168,7 +4035,7 @@
             <p:cNvPr id="73" name="弧形 72">
               <a:extLst>
                 <a:ext uri="{FF2B5EF4-FFF2-40B4-BE49-F238E27FC236}">
-                  <a16:creationId xmlns:a16="http://schemas.microsoft.com/office/drawing/2014/main" xmlns="" id="{410851FE-2342-A2EC-2F3D-338F5E4A7BC5}"/>
+                  <a16:creationId xmlns:a16="http://schemas.microsoft.com/office/drawing/2014/main" id="{410851FE-2342-A2EC-2F3D-338F5E4A7BC5}"/>
                 </a:ext>
               </a:extLst>
             </p:cNvPr>
@@ -4185,7 +4052,7 @@
             </a:prstGeom>
             <a:ln w="38100">
               <a:solidFill>
-                <a:schemeClr val="tx1"/>
+                <a:schemeClr val="bg1"/>
               </a:solidFill>
             </a:ln>
           </p:spPr>
@@ -4217,7 +4084,7 @@
             <p:cNvPr id="71" name="弧形 70">
               <a:extLst>
                 <a:ext uri="{FF2B5EF4-FFF2-40B4-BE49-F238E27FC236}">
-                  <a16:creationId xmlns:a16="http://schemas.microsoft.com/office/drawing/2014/main" xmlns="" id="{96913D53-A998-DB2F-7061-072725A37B33}"/>
+                  <a16:creationId xmlns:a16="http://schemas.microsoft.com/office/drawing/2014/main" id="{96913D53-A998-DB2F-7061-072725A37B33}"/>
                 </a:ext>
               </a:extLst>
             </p:cNvPr>
@@ -4234,7 +4101,7 @@
             </a:prstGeom>
             <a:ln w="38100">
               <a:solidFill>
-                <a:schemeClr val="tx1"/>
+                <a:schemeClr val="bg1"/>
               </a:solidFill>
             </a:ln>
           </p:spPr>
@@ -4266,7 +4133,7 @@
             <p:cNvPr id="74" name="弧形 73">
               <a:extLst>
                 <a:ext uri="{FF2B5EF4-FFF2-40B4-BE49-F238E27FC236}">
-                  <a16:creationId xmlns:a16="http://schemas.microsoft.com/office/drawing/2014/main" xmlns="" id="{DA438F6A-4D1F-F414-396C-0BE5B4830833}"/>
+                  <a16:creationId xmlns:a16="http://schemas.microsoft.com/office/drawing/2014/main" id="{DA438F6A-4D1F-F414-396C-0BE5B4830833}"/>
                 </a:ext>
               </a:extLst>
             </p:cNvPr>
@@ -4283,7 +4150,7 @@
             </a:prstGeom>
             <a:ln w="38100">
               <a:solidFill>
-                <a:schemeClr val="tx1"/>
+                <a:schemeClr val="bg1"/>
               </a:solidFill>
             </a:ln>
           </p:spPr>
@@ -4315,7 +4182,7 @@
             <p:cNvPr id="75" name="弧形 74">
               <a:extLst>
                 <a:ext uri="{FF2B5EF4-FFF2-40B4-BE49-F238E27FC236}">
-                  <a16:creationId xmlns:a16="http://schemas.microsoft.com/office/drawing/2014/main" xmlns="" id="{30862817-8A7F-EB63-4132-8B9BB226594B}"/>
+                  <a16:creationId xmlns:a16="http://schemas.microsoft.com/office/drawing/2014/main" id="{30862817-8A7F-EB63-4132-8B9BB226594B}"/>
                 </a:ext>
               </a:extLst>
             </p:cNvPr>
@@ -4332,7 +4199,7 @@
             </a:prstGeom>
             <a:ln w="38100">
               <a:solidFill>
-                <a:schemeClr val="tx1"/>
+                <a:schemeClr val="bg1"/>
               </a:solidFill>
             </a:ln>
           </p:spPr>
@@ -4364,7 +4231,7 @@
             <p:cNvPr id="76" name="弧形 75">
               <a:extLst>
                 <a:ext uri="{FF2B5EF4-FFF2-40B4-BE49-F238E27FC236}">
-                  <a16:creationId xmlns:a16="http://schemas.microsoft.com/office/drawing/2014/main" xmlns="" id="{55F177CC-F8A0-B995-37A1-B5F004436072}"/>
+                  <a16:creationId xmlns:a16="http://schemas.microsoft.com/office/drawing/2014/main" id="{55F177CC-F8A0-B995-37A1-B5F004436072}"/>
                 </a:ext>
               </a:extLst>
             </p:cNvPr>
@@ -4381,7 +4248,7 @@
             </a:prstGeom>
             <a:ln w="38100">
               <a:solidFill>
-                <a:schemeClr val="tx1"/>
+                <a:schemeClr val="bg1"/>
               </a:solidFill>
             </a:ln>
           </p:spPr>
@@ -4413,7 +4280,7 @@
             <p:cNvPr id="78" name="直線接點 77">
               <a:extLst>
                 <a:ext uri="{FF2B5EF4-FFF2-40B4-BE49-F238E27FC236}">
-                  <a16:creationId xmlns:a16="http://schemas.microsoft.com/office/drawing/2014/main" xmlns="" id="{212A3BAD-A604-F942-449B-789FC3EA22D1}"/>
+                  <a16:creationId xmlns:a16="http://schemas.microsoft.com/office/drawing/2014/main" id="{212A3BAD-A604-F942-449B-789FC3EA22D1}"/>
                 </a:ext>
               </a:extLst>
             </p:cNvPr>
@@ -4432,7 +4299,7 @@
             </a:prstGeom>
             <a:ln w="38100">
               <a:solidFill>
-                <a:schemeClr val="tx1"/>
+                <a:schemeClr val="bg1"/>
               </a:solidFill>
             </a:ln>
           </p:spPr>
@@ -4457,7 +4324,7 @@
           <p:cNvPr id="16" name="群組 15">
             <a:extLst>
               <a:ext uri="{FF2B5EF4-FFF2-40B4-BE49-F238E27FC236}">
-                <a16:creationId xmlns:a16="http://schemas.microsoft.com/office/drawing/2014/main" xmlns="" id="{B2A8FBFF-2D18-ADFF-FDAD-3172C4AF3EAA}"/>
+                <a16:creationId xmlns:a16="http://schemas.microsoft.com/office/drawing/2014/main" id="{B2A8FBFF-2D18-ADFF-FDAD-3172C4AF3EAA}"/>
               </a:ext>
             </a:extLst>
           </p:cNvPr>
@@ -4477,7 +4344,7 @@
             <p:cNvPr id="14" name="群組 13">
               <a:extLst>
                 <a:ext uri="{FF2B5EF4-FFF2-40B4-BE49-F238E27FC236}">
-                  <a16:creationId xmlns:a16="http://schemas.microsoft.com/office/drawing/2014/main" xmlns="" id="{91EB60AF-C8B3-59AD-B5BB-DC4204C30FB7}"/>
+                  <a16:creationId xmlns:a16="http://schemas.microsoft.com/office/drawing/2014/main" id="{91EB60AF-C8B3-59AD-B5BB-DC4204C30FB7}"/>
                 </a:ext>
               </a:extLst>
             </p:cNvPr>
@@ -4497,7 +4364,7 @@
               <p:cNvPr id="7" name="直線接點 6">
                 <a:extLst>
                   <a:ext uri="{FF2B5EF4-FFF2-40B4-BE49-F238E27FC236}">
-                    <a16:creationId xmlns:a16="http://schemas.microsoft.com/office/drawing/2014/main" xmlns="" id="{50964EA1-06C8-9A62-C138-BBC8ED684453}"/>
+                    <a16:creationId xmlns:a16="http://schemas.microsoft.com/office/drawing/2014/main" id="{50964EA1-06C8-9A62-C138-BBC8ED684453}"/>
                   </a:ext>
                 </a:extLst>
               </p:cNvPr>
@@ -4538,7 +4405,7 @@
               <p:cNvPr id="9" name="直線接點 8">
                 <a:extLst>
                   <a:ext uri="{FF2B5EF4-FFF2-40B4-BE49-F238E27FC236}">
-                    <a16:creationId xmlns:a16="http://schemas.microsoft.com/office/drawing/2014/main" xmlns="" id="{732BBE5F-8224-C473-9623-4BC94D4B64F3}"/>
+                    <a16:creationId xmlns:a16="http://schemas.microsoft.com/office/drawing/2014/main" id="{732BBE5F-8224-C473-9623-4BC94D4B64F3}"/>
                   </a:ext>
                 </a:extLst>
               </p:cNvPr>
@@ -4582,7 +4449,7 @@
             <p:cNvPr id="13" name="直線接點 12">
               <a:extLst>
                 <a:ext uri="{FF2B5EF4-FFF2-40B4-BE49-F238E27FC236}">
-                  <a16:creationId xmlns:a16="http://schemas.microsoft.com/office/drawing/2014/main" xmlns="" id="{08FA777C-2F40-BC76-F59A-1C3521A7B909}"/>
+                  <a16:creationId xmlns:a16="http://schemas.microsoft.com/office/drawing/2014/main" id="{08FA777C-2F40-BC76-F59A-1C3521A7B909}"/>
                 </a:ext>
               </a:extLst>
             </p:cNvPr>

--- a/src/assets/images/圖的原檔.pptx
+++ b/src/assets/images/圖的原檔.pptx
@@ -322,7 +322,7 @@
           <a:p>
             <a:fld id="{1FCFF50C-8A84-4E8C-A139-A97BB20D26A6}" type="datetimeFigureOut">
               <a:rPr lang="zh-TW" altLang="en-US" smtClean="0"/>
-              <a:t>2023/6/29</a:t>
+              <a:t>2023/7/5</a:t>
             </a:fld>
             <a:endParaRPr lang="zh-TW" altLang="en-US"/>
           </a:p>
@@ -530,7 +530,7 @@
           <a:p>
             <a:fld id="{1FCFF50C-8A84-4E8C-A139-A97BB20D26A6}" type="datetimeFigureOut">
               <a:rPr lang="zh-TW" altLang="en-US" smtClean="0"/>
-              <a:t>2023/6/29</a:t>
+              <a:t>2023/7/5</a:t>
             </a:fld>
             <a:endParaRPr lang="zh-TW" altLang="en-US"/>
           </a:p>
@@ -728,7 +728,7 @@
           <a:p>
             <a:fld id="{1FCFF50C-8A84-4E8C-A139-A97BB20D26A6}" type="datetimeFigureOut">
               <a:rPr lang="zh-TW" altLang="en-US" smtClean="0"/>
-              <a:t>2023/6/29</a:t>
+              <a:t>2023/7/5</a:t>
             </a:fld>
             <a:endParaRPr lang="zh-TW" altLang="en-US"/>
           </a:p>
@@ -1003,7 +1003,7 @@
           <a:p>
             <a:fld id="{1FCFF50C-8A84-4E8C-A139-A97BB20D26A6}" type="datetimeFigureOut">
               <a:rPr lang="zh-TW" altLang="en-US" smtClean="0"/>
-              <a:t>2023/6/29</a:t>
+              <a:t>2023/7/5</a:t>
             </a:fld>
             <a:endParaRPr lang="zh-TW" altLang="en-US"/>
           </a:p>
@@ -1268,7 +1268,7 @@
           <a:p>
             <a:fld id="{1FCFF50C-8A84-4E8C-A139-A97BB20D26A6}" type="datetimeFigureOut">
               <a:rPr lang="zh-TW" altLang="en-US" smtClean="0"/>
-              <a:t>2023/6/29</a:t>
+              <a:t>2023/7/5</a:t>
             </a:fld>
             <a:endParaRPr lang="zh-TW" altLang="en-US"/>
           </a:p>
@@ -1680,7 +1680,7 @@
           <a:p>
             <a:fld id="{1FCFF50C-8A84-4E8C-A139-A97BB20D26A6}" type="datetimeFigureOut">
               <a:rPr lang="zh-TW" altLang="en-US" smtClean="0"/>
-              <a:t>2023/6/29</a:t>
+              <a:t>2023/7/5</a:t>
             </a:fld>
             <a:endParaRPr lang="zh-TW" altLang="en-US"/>
           </a:p>
@@ -1821,7 +1821,7 @@
           <a:p>
             <a:fld id="{1FCFF50C-8A84-4E8C-A139-A97BB20D26A6}" type="datetimeFigureOut">
               <a:rPr lang="zh-TW" altLang="en-US" smtClean="0"/>
-              <a:t>2023/6/29</a:t>
+              <a:t>2023/7/5</a:t>
             </a:fld>
             <a:endParaRPr lang="zh-TW" altLang="en-US"/>
           </a:p>
@@ -1934,7 +1934,7 @@
           <a:p>
             <a:fld id="{1FCFF50C-8A84-4E8C-A139-A97BB20D26A6}" type="datetimeFigureOut">
               <a:rPr lang="zh-TW" altLang="en-US" smtClean="0"/>
-              <a:t>2023/6/29</a:t>
+              <a:t>2023/7/5</a:t>
             </a:fld>
             <a:endParaRPr lang="zh-TW" altLang="en-US"/>
           </a:p>
@@ -2245,7 +2245,7 @@
           <a:p>
             <a:fld id="{1FCFF50C-8A84-4E8C-A139-A97BB20D26A6}" type="datetimeFigureOut">
               <a:rPr lang="zh-TW" altLang="en-US" smtClean="0"/>
-              <a:t>2023/6/29</a:t>
+              <a:t>2023/7/5</a:t>
             </a:fld>
             <a:endParaRPr lang="zh-TW" altLang="en-US"/>
           </a:p>
@@ -2533,7 +2533,7 @@
           <a:p>
             <a:fld id="{1FCFF50C-8A84-4E8C-A139-A97BB20D26A6}" type="datetimeFigureOut">
               <a:rPr lang="zh-TW" altLang="en-US" smtClean="0"/>
-              <a:t>2023/6/29</a:t>
+              <a:t>2023/7/5</a:t>
             </a:fld>
             <a:endParaRPr lang="zh-TW" altLang="en-US"/>
           </a:p>
@@ -2774,7 +2774,7 @@
           <a:p>
             <a:fld id="{1FCFF50C-8A84-4E8C-A139-A97BB20D26A6}" type="datetimeFigureOut">
               <a:rPr lang="zh-TW" altLang="en-US" smtClean="0"/>
-              <a:t>2023/6/29</a:t>
+              <a:t>2023/7/5</a:t>
             </a:fld>
             <a:endParaRPr lang="zh-TW" altLang="en-US"/>
           </a:p>
@@ -3307,6 +3307,52 @@
           </p:style>
         </p:cxnSp>
       </p:grpSp>
+      <p:sp>
+        <p:nvSpPr>
+          <p:cNvPr id="27" name="矩形 26">
+            <a:extLst>
+              <a:ext uri="{FF2B5EF4-FFF2-40B4-BE49-F238E27FC236}">
+                <a16:creationId xmlns:a16="http://schemas.microsoft.com/office/drawing/2014/main" id="{0B5264B6-0984-1085-8822-9CCC7A2B4DEB}"/>
+              </a:ext>
+            </a:extLst>
+          </p:cNvPr>
+          <p:cNvSpPr/>
+          <p:nvPr/>
+        </p:nvSpPr>
+        <p:spPr>
+          <a:xfrm>
+            <a:off x="2222623" y="0"/>
+            <a:ext cx="720000" cy="720000"/>
+          </a:xfrm>
+          <a:prstGeom prst="rect">
+            <a:avLst/>
+          </a:prstGeom>
+        </p:spPr>
+        <p:style>
+          <a:lnRef idx="2">
+            <a:schemeClr val="accent1">
+              <a:shade val="15000"/>
+            </a:schemeClr>
+          </a:lnRef>
+          <a:fillRef idx="1">
+            <a:schemeClr val="accent1"/>
+          </a:fillRef>
+          <a:effectRef idx="0">
+            <a:schemeClr val="accent1"/>
+          </a:effectRef>
+          <a:fontRef idx="minor">
+            <a:schemeClr val="lt1"/>
+          </a:fontRef>
+        </p:style>
+        <p:txBody>
+          <a:bodyPr rtlCol="0" anchor="ctr"/>
+          <a:lstStyle/>
+          <a:p>
+            <a:pPr algn="ctr"/>
+            <a:endParaRPr lang="zh-TW" altLang="en-US" dirty="0"/>
+          </a:p>
+        </p:txBody>
+      </p:sp>
       <p:grpSp>
         <p:nvGrpSpPr>
           <p:cNvPr id="36" name="群組 35">
@@ -3323,7 +3369,7 @@
         </p:nvGrpSpPr>
         <p:grpSpPr>
           <a:xfrm>
-            <a:off x="2059269" y="72000"/>
+            <a:off x="2381014" y="108000"/>
             <a:ext cx="403218" cy="504000"/>
             <a:chOff x="4080062" y="2297337"/>
             <a:chExt cx="417600" cy="521977"/>
@@ -3607,6 +3653,52 @@
           </p:txBody>
         </p:sp>
       </p:grpSp>
+      <p:sp>
+        <p:nvSpPr>
+          <p:cNvPr id="23" name="矩形 22">
+            <a:extLst>
+              <a:ext uri="{FF2B5EF4-FFF2-40B4-BE49-F238E27FC236}">
+                <a16:creationId xmlns:a16="http://schemas.microsoft.com/office/drawing/2014/main" id="{F3E3C8C7-2F14-4FC6-3BD5-9352E85FA493}"/>
+              </a:ext>
+            </a:extLst>
+          </p:cNvPr>
+          <p:cNvSpPr/>
+          <p:nvPr/>
+        </p:nvSpPr>
+        <p:spPr>
+          <a:xfrm>
+            <a:off x="1505417" y="0"/>
+            <a:ext cx="720000" cy="720000"/>
+          </a:xfrm>
+          <a:prstGeom prst="rect">
+            <a:avLst/>
+          </a:prstGeom>
+        </p:spPr>
+        <p:style>
+          <a:lnRef idx="2">
+            <a:schemeClr val="accent1">
+              <a:shade val="15000"/>
+            </a:schemeClr>
+          </a:lnRef>
+          <a:fillRef idx="1">
+            <a:schemeClr val="accent1"/>
+          </a:fillRef>
+          <a:effectRef idx="0">
+            <a:schemeClr val="accent1"/>
+          </a:effectRef>
+          <a:fontRef idx="minor">
+            <a:schemeClr val="lt1"/>
+          </a:fontRef>
+        </p:style>
+        <p:txBody>
+          <a:bodyPr rtlCol="0" anchor="ctr"/>
+          <a:lstStyle/>
+          <a:p>
+            <a:pPr algn="ctr"/>
+            <a:endParaRPr lang="zh-TW" altLang="en-US"/>
+          </a:p>
+        </p:txBody>
+      </p:sp>
       <p:grpSp>
         <p:nvGrpSpPr>
           <p:cNvPr id="42" name="群組 41">
@@ -3621,7 +3713,7 @@
         </p:nvGrpSpPr>
         <p:grpSpPr>
           <a:xfrm>
-            <a:off x="1362582" y="72000"/>
+            <a:off x="1613417" y="108000"/>
             <a:ext cx="504000" cy="504000"/>
             <a:chOff x="2731324" y="2291937"/>
             <a:chExt cx="504000" cy="505937"/>
@@ -3850,7 +3942,7 @@
         </p:nvGrpSpPr>
         <p:grpSpPr>
           <a:xfrm>
-            <a:off x="2694855" y="72000"/>
+            <a:off x="3933647" y="23071"/>
             <a:ext cx="424485" cy="662085"/>
             <a:chOff x="3971611" y="3054916"/>
             <a:chExt cx="424485" cy="662085"/>
@@ -3961,6 +4053,52 @@
           </p:txBody>
         </p:sp>
       </p:grpSp>
+      <p:sp>
+        <p:nvSpPr>
+          <p:cNvPr id="24" name="矩形 23">
+            <a:extLst>
+              <a:ext uri="{FF2B5EF4-FFF2-40B4-BE49-F238E27FC236}">
+                <a16:creationId xmlns:a16="http://schemas.microsoft.com/office/drawing/2014/main" id="{7DFD2506-F70E-4F86-DC57-B62660BFA861}"/>
+              </a:ext>
+            </a:extLst>
+          </p:cNvPr>
+          <p:cNvSpPr/>
+          <p:nvPr/>
+        </p:nvSpPr>
+        <p:spPr>
+          <a:xfrm>
+            <a:off x="2948175" y="0"/>
+            <a:ext cx="720000" cy="720000"/>
+          </a:xfrm>
+          <a:prstGeom prst="rect">
+            <a:avLst/>
+          </a:prstGeom>
+        </p:spPr>
+        <p:style>
+          <a:lnRef idx="2">
+            <a:schemeClr val="accent1">
+              <a:shade val="15000"/>
+            </a:schemeClr>
+          </a:lnRef>
+          <a:fillRef idx="1">
+            <a:schemeClr val="accent1"/>
+          </a:fillRef>
+          <a:effectRef idx="0">
+            <a:schemeClr val="accent1"/>
+          </a:effectRef>
+          <a:fontRef idx="minor">
+            <a:schemeClr val="lt1"/>
+          </a:fontRef>
+        </p:style>
+        <p:txBody>
+          <a:bodyPr rtlCol="0" anchor="ctr"/>
+          <a:lstStyle/>
+          <a:p>
+            <a:pPr algn="ctr"/>
+            <a:endParaRPr lang="zh-TW" altLang="en-US"/>
+          </a:p>
+        </p:txBody>
+      </p:sp>
       <p:grpSp>
         <p:nvGrpSpPr>
           <p:cNvPr id="81" name="群組 80">
@@ -3975,7 +4113,7 @@
         </p:nvGrpSpPr>
         <p:grpSpPr>
           <a:xfrm>
-            <a:off x="823533" y="72000"/>
+            <a:off x="3165278" y="108000"/>
             <a:ext cx="285795" cy="504000"/>
             <a:chOff x="4185798" y="1903160"/>
             <a:chExt cx="285795" cy="504000"/>
@@ -4333,7 +4471,7 @@
         </p:nvGrpSpPr>
         <p:grpSpPr>
           <a:xfrm>
-            <a:off x="3297756" y="72000"/>
+            <a:off x="4536548" y="23071"/>
             <a:ext cx="504000" cy="504000"/>
             <a:chOff x="3402650" y="2660073"/>
             <a:chExt cx="504000" cy="504000"/>
@@ -4496,7 +4634,7 @@
         </p:nvGrpSpPr>
         <p:grpSpPr>
           <a:xfrm>
-            <a:off x="3237600" y="1524600"/>
+            <a:off x="5367781" y="3246522"/>
             <a:ext cx="5716800" cy="3808800"/>
             <a:chOff x="3237600" y="1524600"/>
             <a:chExt cx="5716800" cy="3808800"/>
@@ -4674,7 +4812,7 @@
         </p:nvGrpSpPr>
         <p:grpSpPr>
           <a:xfrm>
-            <a:off x="4049274" y="137499"/>
+            <a:off x="5288066" y="88570"/>
             <a:ext cx="504000" cy="373002"/>
             <a:chOff x="1152881" y="2838771"/>
             <a:chExt cx="743401" cy="550179"/>
@@ -4975,9 +5113,149 @@
           </p:txBody>
         </p:sp>
       </p:grpSp>
+      <p:sp>
+        <p:nvSpPr>
+          <p:cNvPr id="25" name="矩形 24">
+            <a:extLst>
+              <a:ext uri="{FF2B5EF4-FFF2-40B4-BE49-F238E27FC236}">
+                <a16:creationId xmlns:a16="http://schemas.microsoft.com/office/drawing/2014/main" id="{CBAD646D-F473-58B7-D34C-FD642550790B}"/>
+              </a:ext>
+            </a:extLst>
+          </p:cNvPr>
+          <p:cNvSpPr/>
+          <p:nvPr/>
+        </p:nvSpPr>
+        <p:spPr>
+          <a:xfrm>
+            <a:off x="785692" y="0"/>
+            <a:ext cx="720000" cy="720000"/>
+          </a:xfrm>
+          <a:prstGeom prst="rect">
+            <a:avLst/>
+          </a:prstGeom>
+        </p:spPr>
+        <p:style>
+          <a:lnRef idx="2">
+            <a:schemeClr val="accent1">
+              <a:shade val="15000"/>
+            </a:schemeClr>
+          </a:lnRef>
+          <a:fillRef idx="1">
+            <a:schemeClr val="accent1"/>
+          </a:fillRef>
+          <a:effectRef idx="0">
+            <a:schemeClr val="accent1"/>
+          </a:effectRef>
+          <a:fontRef idx="minor">
+            <a:schemeClr val="lt1"/>
+          </a:fontRef>
+        </p:style>
+        <p:txBody>
+          <a:bodyPr rtlCol="0" anchor="ctr"/>
+          <a:lstStyle/>
+          <a:p>
+            <a:pPr algn="ctr"/>
+            <a:endParaRPr lang="zh-TW" altLang="en-US"/>
+          </a:p>
+        </p:txBody>
+      </p:sp>
+      <p:pic>
+        <p:nvPicPr>
+          <p:cNvPr id="22" name="圖形 21">
+            <a:extLst>
+              <a:ext uri="{FF2B5EF4-FFF2-40B4-BE49-F238E27FC236}">
+                <a16:creationId xmlns:a16="http://schemas.microsoft.com/office/drawing/2014/main" id="{E81ECE01-AC68-80AD-8864-11A1899263CA}"/>
+              </a:ext>
+            </a:extLst>
+          </p:cNvPr>
+          <p:cNvPicPr>
+            <a:picLocks noChangeAspect="1"/>
+          </p:cNvPicPr>
+          <p:nvPr/>
+        </p:nvPicPr>
+        <p:blipFill>
+          <a:blip r:embed="rId2">
+            <a:extLst>
+              <a:ext uri="{28A0092B-C50C-407E-A947-70E740481C1C}">
+                <a14:useLocalDpi xmlns:a14="http://schemas.microsoft.com/office/drawing/2010/main" val="0"/>
+              </a:ext>
+              <a:ext uri="{96DAC541-7B7A-43D3-8B79-37D633B846F1}">
+                <asvg:svgBlip xmlns:asvg="http://schemas.microsoft.com/office/drawing/2016/SVG/main" r:embed="rId3"/>
+              </a:ext>
+            </a:extLst>
+          </a:blip>
+          <a:stretch>
+            <a:fillRect/>
+          </a:stretch>
+        </p:blipFill>
+        <p:spPr>
+          <a:xfrm>
+            <a:off x="893692" y="186429"/>
+            <a:ext cx="504000" cy="347143"/>
+          </a:xfrm>
+          <a:prstGeom prst="rect">
+            <a:avLst/>
+          </a:prstGeom>
+        </p:spPr>
+      </p:pic>
+      <p:sp>
+        <p:nvSpPr>
+          <p:cNvPr id="108" name="矩形 107">
+            <a:extLst>
+              <a:ext uri="{FF2B5EF4-FFF2-40B4-BE49-F238E27FC236}">
+                <a16:creationId xmlns:a16="http://schemas.microsoft.com/office/drawing/2014/main" id="{0F151F66-89EB-F18F-FB8C-88F6B39E3B41}"/>
+              </a:ext>
+            </a:extLst>
+          </p:cNvPr>
+          <p:cNvSpPr/>
+          <p:nvPr/>
+        </p:nvSpPr>
+        <p:spPr>
+          <a:xfrm>
+            <a:off x="785692" y="720000"/>
+            <a:ext cx="720000" cy="720000"/>
+          </a:xfrm>
+          <a:prstGeom prst="rect">
+            <a:avLst/>
+          </a:prstGeom>
+          <a:solidFill>
+            <a:schemeClr val="bg1"/>
+          </a:solidFill>
+        </p:spPr>
+        <p:style>
+          <a:lnRef idx="2">
+            <a:schemeClr val="accent1">
+              <a:shade val="15000"/>
+            </a:schemeClr>
+          </a:lnRef>
+          <a:fillRef idx="1">
+            <a:schemeClr val="accent1"/>
+          </a:fillRef>
+          <a:effectRef idx="0">
+            <a:schemeClr val="accent1"/>
+          </a:effectRef>
+          <a:fontRef idx="minor">
+            <a:schemeClr val="lt1"/>
+          </a:fontRef>
+        </p:style>
+        <p:txBody>
+          <a:bodyPr rtlCol="0" anchor="ctr"/>
+          <a:lstStyle/>
+          <a:p>
+            <a:pPr algn="ctr"/>
+            <a:endParaRPr lang="zh-TW" altLang="en-US"/>
+          </a:p>
+        </p:txBody>
+      </p:sp>
       <p:grpSp>
         <p:nvGrpSpPr>
-          <p:cNvPr id="20" name="群組 19"/>
+          <p:cNvPr id="59" name="群組 58">
+            <a:extLst>
+              <a:ext uri="{FF2B5EF4-FFF2-40B4-BE49-F238E27FC236}">
+                <a16:creationId xmlns:a16="http://schemas.microsoft.com/office/drawing/2014/main" id="{FDAFC066-C3C3-75BE-FF85-FF089EF7E1E5}"/>
+              </a:ext>
+            </a:extLst>
+          </p:cNvPr>
           <p:cNvGrpSpPr>
             <a:grpSpLocks noChangeAspect="1"/>
           </p:cNvGrpSpPr>
@@ -4985,22 +5263,326 @@
         </p:nvGrpSpPr>
         <p:grpSpPr>
           <a:xfrm>
-            <a:off x="6096000" y="849657"/>
-            <a:ext cx="504000" cy="335788"/>
-            <a:chOff x="965331" y="2486025"/>
-            <a:chExt cx="5716800" cy="3808800"/>
+            <a:off x="2381289" y="828000"/>
+            <a:ext cx="403218" cy="504000"/>
+            <a:chOff x="4080062" y="2297337"/>
+            <a:chExt cx="417600" cy="521977"/>
           </a:xfrm>
         </p:grpSpPr>
         <p:sp>
           <p:nvSpPr>
-            <p:cNvPr id="18" name="圓角矩形 17"/>
+            <p:cNvPr id="60" name="拱形 59">
+              <a:extLst>
+                <a:ext uri="{FF2B5EF4-FFF2-40B4-BE49-F238E27FC236}">
+                  <a16:creationId xmlns:a16="http://schemas.microsoft.com/office/drawing/2014/main" id="{7A57C836-51AE-C16F-1099-F7BC68D06CEB}"/>
+                </a:ext>
+              </a:extLst>
+            </p:cNvPr>
+            <p:cNvSpPr/>
+            <p:nvPr/>
+          </p:nvSpPr>
+          <p:spPr>
+            <a:xfrm flipV="1">
+              <a:off x="4234862" y="2711314"/>
+              <a:ext cx="108000" cy="108000"/>
+            </a:xfrm>
+            <a:prstGeom prst="blockArc">
+              <a:avLst/>
+            </a:prstGeom>
+            <a:solidFill>
+              <a:srgbClr val="009DBF"/>
+            </a:solidFill>
+            <a:ln>
+              <a:solidFill>
+                <a:srgbClr val="009DBF"/>
+              </a:solidFill>
+            </a:ln>
+          </p:spPr>
+          <p:style>
+            <a:lnRef idx="2">
+              <a:schemeClr val="accent1">
+                <a:shade val="15000"/>
+              </a:schemeClr>
+            </a:lnRef>
+            <a:fillRef idx="1">
+              <a:schemeClr val="accent1"/>
+            </a:fillRef>
+            <a:effectRef idx="0">
+              <a:schemeClr val="accent1"/>
+            </a:effectRef>
+            <a:fontRef idx="minor">
+              <a:schemeClr val="lt1"/>
+            </a:fontRef>
+          </p:style>
+          <p:txBody>
+            <a:bodyPr rtlCol="0" anchor="ctr"/>
+            <a:lstStyle/>
+            <a:p>
+              <a:pPr algn="ctr"/>
+              <a:endParaRPr lang="zh-TW" altLang="en-US">
+                <a:solidFill>
+                  <a:schemeClr val="tx1"/>
+                </a:solidFill>
+              </a:endParaRPr>
+            </a:p>
+          </p:txBody>
+        </p:sp>
+        <p:sp>
+          <p:nvSpPr>
+            <p:cNvPr id="61" name="手繪多邊形: 圖案 60">
+              <a:extLst>
+                <a:ext uri="{FF2B5EF4-FFF2-40B4-BE49-F238E27FC236}">
+                  <a16:creationId xmlns:a16="http://schemas.microsoft.com/office/drawing/2014/main" id="{4D4D590B-694C-8B85-BC31-D70E15C16DEF}"/>
+                </a:ext>
+              </a:extLst>
+            </p:cNvPr>
+            <p:cNvSpPr>
+              <a:spLocks noChangeAspect="1"/>
+            </p:cNvSpPr>
+            <p:nvPr/>
+          </p:nvSpPr>
+          <p:spPr>
+            <a:xfrm>
+              <a:off x="4080062" y="2297337"/>
+              <a:ext cx="417600" cy="413976"/>
+            </a:xfrm>
+            <a:custGeom>
+              <a:avLst/>
+              <a:gdLst>
+                <a:gd name="connsiteX0" fmla="*/ 208775 w 417600"/>
+                <a:gd name="connsiteY0" fmla="*/ 0 h 413976"/>
+                <a:gd name="connsiteX1" fmla="*/ 262750 w 417600"/>
+                <a:gd name="connsiteY1" fmla="*/ 53975 h 413976"/>
+                <a:gd name="connsiteX2" fmla="*/ 260768 w 417600"/>
+                <a:gd name="connsiteY2" fmla="*/ 63794 h 413976"/>
+                <a:gd name="connsiteX3" fmla="*/ 302137 w 417600"/>
+                <a:gd name="connsiteY3" fmla="*/ 80035 h 413976"/>
+                <a:gd name="connsiteX4" fmla="*/ 388800 w 417600"/>
+                <a:gd name="connsiteY4" fmla="*/ 233976 h 413976"/>
+                <a:gd name="connsiteX5" fmla="*/ 388800 w 417600"/>
+                <a:gd name="connsiteY5" fmla="*/ 364320 h 413976"/>
+                <a:gd name="connsiteX6" fmla="*/ 417600 w 417600"/>
+                <a:gd name="connsiteY6" fmla="*/ 413975 h 413976"/>
+                <a:gd name="connsiteX7" fmla="*/ 388800 w 417600"/>
+                <a:gd name="connsiteY7" fmla="*/ 413975 h 413976"/>
+                <a:gd name="connsiteX8" fmla="*/ 388800 w 417600"/>
+                <a:gd name="connsiteY8" fmla="*/ 413976 h 413976"/>
+                <a:gd name="connsiteX9" fmla="*/ 28800 w 417600"/>
+                <a:gd name="connsiteY9" fmla="*/ 413976 h 413976"/>
+                <a:gd name="connsiteX10" fmla="*/ 28800 w 417600"/>
+                <a:gd name="connsiteY10" fmla="*/ 413975 h 413976"/>
+                <a:gd name="connsiteX11" fmla="*/ 0 w 417600"/>
+                <a:gd name="connsiteY11" fmla="*/ 413975 h 413976"/>
+                <a:gd name="connsiteX12" fmla="*/ 28800 w 417600"/>
+                <a:gd name="connsiteY12" fmla="*/ 364320 h 413976"/>
+                <a:gd name="connsiteX13" fmla="*/ 28800 w 417600"/>
+                <a:gd name="connsiteY13" fmla="*/ 233976 h 413976"/>
+                <a:gd name="connsiteX14" fmla="*/ 115464 w 417600"/>
+                <a:gd name="connsiteY14" fmla="*/ 80035 h 413976"/>
+                <a:gd name="connsiteX15" fmla="*/ 156786 w 417600"/>
+                <a:gd name="connsiteY15" fmla="*/ 63812 h 413976"/>
+                <a:gd name="connsiteX16" fmla="*/ 154800 w 417600"/>
+                <a:gd name="connsiteY16" fmla="*/ 53975 h 413976"/>
+                <a:gd name="connsiteX17" fmla="*/ 208775 w 417600"/>
+                <a:gd name="connsiteY17" fmla="*/ 0 h 413976"/>
+              </a:gdLst>
+              <a:ahLst/>
+              <a:cxnLst>
+                <a:cxn ang="0">
+                  <a:pos x="connsiteX0" y="connsiteY0"/>
+                </a:cxn>
+                <a:cxn ang="0">
+                  <a:pos x="connsiteX1" y="connsiteY1"/>
+                </a:cxn>
+                <a:cxn ang="0">
+                  <a:pos x="connsiteX2" y="connsiteY2"/>
+                </a:cxn>
+                <a:cxn ang="0">
+                  <a:pos x="connsiteX3" y="connsiteY3"/>
+                </a:cxn>
+                <a:cxn ang="0">
+                  <a:pos x="connsiteX4" y="connsiteY4"/>
+                </a:cxn>
+                <a:cxn ang="0">
+                  <a:pos x="connsiteX5" y="connsiteY5"/>
+                </a:cxn>
+                <a:cxn ang="0">
+                  <a:pos x="connsiteX6" y="connsiteY6"/>
+                </a:cxn>
+                <a:cxn ang="0">
+                  <a:pos x="connsiteX7" y="connsiteY7"/>
+                </a:cxn>
+                <a:cxn ang="0">
+                  <a:pos x="connsiteX8" y="connsiteY8"/>
+                </a:cxn>
+                <a:cxn ang="0">
+                  <a:pos x="connsiteX9" y="connsiteY9"/>
+                </a:cxn>
+                <a:cxn ang="0">
+                  <a:pos x="connsiteX10" y="connsiteY10"/>
+                </a:cxn>
+                <a:cxn ang="0">
+                  <a:pos x="connsiteX11" y="connsiteY11"/>
+                </a:cxn>
+                <a:cxn ang="0">
+                  <a:pos x="connsiteX12" y="connsiteY12"/>
+                </a:cxn>
+                <a:cxn ang="0">
+                  <a:pos x="connsiteX13" y="connsiteY13"/>
+                </a:cxn>
+                <a:cxn ang="0">
+                  <a:pos x="connsiteX14" y="connsiteY14"/>
+                </a:cxn>
+                <a:cxn ang="0">
+                  <a:pos x="connsiteX15" y="connsiteY15"/>
+                </a:cxn>
+                <a:cxn ang="0">
+                  <a:pos x="connsiteX16" y="connsiteY16"/>
+                </a:cxn>
+                <a:cxn ang="0">
+                  <a:pos x="connsiteX17" y="connsiteY17"/>
+                </a:cxn>
+              </a:cxnLst>
+              <a:rect l="l" t="t" r="r" b="b"/>
+              <a:pathLst>
+                <a:path w="417600" h="413976">
+                  <a:moveTo>
+                    <a:pt x="208775" y="0"/>
+                  </a:moveTo>
+                  <a:cubicBezTo>
+                    <a:pt x="238585" y="0"/>
+                    <a:pt x="262750" y="24165"/>
+                    <a:pt x="262750" y="53975"/>
+                  </a:cubicBezTo>
+                  <a:lnTo>
+                    <a:pt x="260768" y="63794"/>
+                  </a:lnTo>
+                  <a:lnTo>
+                    <a:pt x="302137" y="80035"/>
+                  </a:lnTo>
+                  <a:cubicBezTo>
+                    <a:pt x="354093" y="111605"/>
+                    <a:pt x="388800" y="168738"/>
+                    <a:pt x="388800" y="233976"/>
+                  </a:cubicBezTo>
+                  <a:lnTo>
+                    <a:pt x="388800" y="364320"/>
+                  </a:lnTo>
+                  <a:lnTo>
+                    <a:pt x="417600" y="413975"/>
+                  </a:lnTo>
+                  <a:lnTo>
+                    <a:pt x="388800" y="413975"/>
+                  </a:lnTo>
+                  <a:lnTo>
+                    <a:pt x="388800" y="413976"/>
+                  </a:lnTo>
+                  <a:lnTo>
+                    <a:pt x="28800" y="413976"/>
+                  </a:lnTo>
+                  <a:lnTo>
+                    <a:pt x="28800" y="413975"/>
+                  </a:lnTo>
+                  <a:lnTo>
+                    <a:pt x="0" y="413975"/>
+                  </a:lnTo>
+                  <a:lnTo>
+                    <a:pt x="28800" y="364320"/>
+                  </a:lnTo>
+                  <a:lnTo>
+                    <a:pt x="28800" y="233976"/>
+                  </a:lnTo>
+                  <a:cubicBezTo>
+                    <a:pt x="28800" y="168738"/>
+                    <a:pt x="63507" y="111605"/>
+                    <a:pt x="115464" y="80035"/>
+                  </a:cubicBezTo>
+                  <a:lnTo>
+                    <a:pt x="156786" y="63812"/>
+                  </a:lnTo>
+                  <a:lnTo>
+                    <a:pt x="154800" y="53975"/>
+                  </a:lnTo>
+                  <a:cubicBezTo>
+                    <a:pt x="154800" y="24165"/>
+                    <a:pt x="178965" y="0"/>
+                    <a:pt x="208775" y="0"/>
+                  </a:cubicBezTo>
+                  <a:close/>
+                </a:path>
+              </a:pathLst>
+            </a:custGeom>
+            <a:noFill/>
+            <a:ln w="38100">
+              <a:solidFill>
+                <a:srgbClr val="009DBF"/>
+              </a:solidFill>
+            </a:ln>
+          </p:spPr>
+          <p:style>
+            <a:lnRef idx="2">
+              <a:schemeClr val="accent1">
+                <a:shade val="15000"/>
+              </a:schemeClr>
+            </a:lnRef>
+            <a:fillRef idx="1">
+              <a:schemeClr val="accent1"/>
+            </a:fillRef>
+            <a:effectRef idx="0">
+              <a:schemeClr val="accent1"/>
+            </a:effectRef>
+            <a:fontRef idx="minor">
+              <a:schemeClr val="lt1"/>
+            </a:fontRef>
+          </p:style>
+          <p:txBody>
+            <a:bodyPr wrap="square" rtlCol="0" anchor="ctr">
+              <a:noAutofit/>
+            </a:bodyPr>
+            <a:lstStyle/>
+            <a:p>
+              <a:pPr algn="ctr"/>
+              <a:endParaRPr lang="zh-TW" altLang="en-US"/>
+            </a:p>
+          </p:txBody>
+        </p:sp>
+      </p:grpSp>
+      <p:grpSp>
+        <p:nvGrpSpPr>
+          <p:cNvPr id="62" name="群組 61">
+            <a:extLst>
+              <a:ext uri="{FF2B5EF4-FFF2-40B4-BE49-F238E27FC236}">
+                <a16:creationId xmlns:a16="http://schemas.microsoft.com/office/drawing/2014/main" id="{8511D3B2-F88D-65E8-BCAD-24508D74433F}"/>
+              </a:ext>
+            </a:extLst>
+          </p:cNvPr>
+          <p:cNvGrpSpPr/>
+          <p:nvPr/>
+        </p:nvGrpSpPr>
+        <p:grpSpPr>
+          <a:xfrm>
+            <a:off x="1613692" y="828000"/>
+            <a:ext cx="504000" cy="504000"/>
+            <a:chOff x="2731324" y="2291937"/>
+            <a:chExt cx="504000" cy="505937"/>
+          </a:xfrm>
+        </p:grpSpPr>
+        <p:sp>
+          <p:nvSpPr>
+            <p:cNvPr id="63" name="矩形: 圓角 62">
+              <a:extLst>
+                <a:ext uri="{FF2B5EF4-FFF2-40B4-BE49-F238E27FC236}">
+                  <a16:creationId xmlns:a16="http://schemas.microsoft.com/office/drawing/2014/main" id="{7C91A27E-C8A0-B0EF-0726-BF3D1F98522C}"/>
+                </a:ext>
+              </a:extLst>
+            </p:cNvPr>
             <p:cNvSpPr/>
             <p:nvPr/>
           </p:nvSpPr>
           <p:spPr>
             <a:xfrm>
-              <a:off x="965331" y="2486025"/>
-              <a:ext cx="5716800" cy="3808800"/>
+              <a:off x="2731324" y="2291937"/>
+              <a:ext cx="216000" cy="216000"/>
             </a:xfrm>
             <a:prstGeom prst="roundRect">
               <a:avLst/>
@@ -5008,14 +5590,14 @@
             <a:noFill/>
             <a:ln w="38100">
               <a:solidFill>
-                <a:schemeClr val="tx1"/>
+                <a:srgbClr val="009DBF"/>
               </a:solidFill>
             </a:ln>
           </p:spPr>
           <p:style>
             <a:lnRef idx="2">
               <a:schemeClr val="accent1">
-                <a:shade val="50000"/>
+                <a:shade val="15000"/>
               </a:schemeClr>
             </a:lnRef>
             <a:fillRef idx="1">
@@ -5039,31 +5621,35 @@
         </p:sp>
         <p:sp>
           <p:nvSpPr>
-            <p:cNvPr id="48" name="橢圓 47"/>
+            <p:cNvPr id="65" name="矩形: 圓角 64">
+              <a:extLst>
+                <a:ext uri="{FF2B5EF4-FFF2-40B4-BE49-F238E27FC236}">
+                  <a16:creationId xmlns:a16="http://schemas.microsoft.com/office/drawing/2014/main" id="{98AC02A3-6F4A-C61B-1168-F202B5AFF1CA}"/>
+                </a:ext>
+              </a:extLst>
+            </p:cNvPr>
             <p:cNvSpPr/>
             <p:nvPr/>
           </p:nvSpPr>
           <p:spPr>
             <a:xfrm>
-              <a:off x="4976766" y="4627638"/>
-              <a:ext cx="1225029" cy="1225030"/>
+              <a:off x="3019324" y="2291937"/>
+              <a:ext cx="216000" cy="216000"/>
             </a:xfrm>
-            <a:prstGeom prst="ellipse">
+            <a:prstGeom prst="roundRect">
               <a:avLst/>
             </a:prstGeom>
-            <a:solidFill>
-              <a:schemeClr val="bg2">
-                <a:lumMod val="90000"/>
-              </a:schemeClr>
-            </a:solidFill>
-            <a:ln w="19050">
-              <a:noFill/>
+            <a:noFill/>
+            <a:ln w="38100">
+              <a:solidFill>
+                <a:srgbClr val="009DBF"/>
+              </a:solidFill>
             </a:ln>
           </p:spPr>
           <p:style>
             <a:lnRef idx="2">
               <a:schemeClr val="accent1">
-                <a:shade val="50000"/>
+                <a:shade val="15000"/>
               </a:schemeClr>
             </a:lnRef>
             <a:fillRef idx="1">
@@ -5087,32 +5673,87 @@
         </p:sp>
         <p:sp>
           <p:nvSpPr>
-            <p:cNvPr id="45" name="橢圓 44"/>
+            <p:cNvPr id="66" name="矩形: 圓角 65">
+              <a:extLst>
+                <a:ext uri="{FF2B5EF4-FFF2-40B4-BE49-F238E27FC236}">
+                  <a16:creationId xmlns:a16="http://schemas.microsoft.com/office/drawing/2014/main" id="{53C0DE10-C1BC-1191-CEE4-2BE0918F8488}"/>
+                </a:ext>
+              </a:extLst>
+            </p:cNvPr>
             <p:cNvSpPr/>
             <p:nvPr/>
           </p:nvSpPr>
           <p:spPr>
             <a:xfrm>
-              <a:off x="4193191" y="4627638"/>
-              <a:ext cx="1225029" cy="1225030"/>
+              <a:off x="2731324" y="2581874"/>
+              <a:ext cx="216000" cy="216000"/>
             </a:xfrm>
-            <a:prstGeom prst="ellipse">
+            <a:prstGeom prst="roundRect">
               <a:avLst/>
             </a:prstGeom>
-            <a:solidFill>
-              <a:schemeClr val="bg2">
-                <a:lumMod val="50000"/>
-                <a:alpha val="70000"/>
-              </a:schemeClr>
-            </a:solidFill>
-            <a:ln w="19050">
-              <a:noFill/>
+            <a:noFill/>
+            <a:ln w="38100">
+              <a:solidFill>
+                <a:srgbClr val="009DBF"/>
+              </a:solidFill>
             </a:ln>
           </p:spPr>
           <p:style>
             <a:lnRef idx="2">
               <a:schemeClr val="accent1">
-                <a:shade val="50000"/>
+                <a:shade val="15000"/>
+              </a:schemeClr>
+            </a:lnRef>
+            <a:fillRef idx="1">
+              <a:schemeClr val="accent1"/>
+            </a:fillRef>
+            <a:effectRef idx="0">
+              <a:schemeClr val="accent1"/>
+            </a:effectRef>
+            <a:fontRef idx="minor">
+              <a:schemeClr val="lt1"/>
+            </a:fontRef>
+          </p:style>
+          <p:txBody>
+            <a:bodyPr rtlCol="0" anchor="ctr"/>
+            <a:lstStyle/>
+            <a:p>
+              <a:pPr algn="ctr"/>
+              <a:endParaRPr lang="zh-TW" altLang="en-US"/>
+            </a:p>
+          </p:txBody>
+        </p:sp>
+        <p:sp>
+          <p:nvSpPr>
+            <p:cNvPr id="67" name="矩形: 圓角 66">
+              <a:extLst>
+                <a:ext uri="{FF2B5EF4-FFF2-40B4-BE49-F238E27FC236}">
+                  <a16:creationId xmlns:a16="http://schemas.microsoft.com/office/drawing/2014/main" id="{D5D1EF80-3EBC-0C83-5A9A-BC5DD76F871A}"/>
+                </a:ext>
+              </a:extLst>
+            </p:cNvPr>
+            <p:cNvSpPr/>
+            <p:nvPr/>
+          </p:nvSpPr>
+          <p:spPr>
+            <a:xfrm>
+              <a:off x="3019324" y="2581874"/>
+              <a:ext cx="216000" cy="216000"/>
+            </a:xfrm>
+            <a:prstGeom prst="roundRect">
+              <a:avLst/>
+            </a:prstGeom>
+            <a:noFill/>
+            <a:ln w="38100">
+              <a:solidFill>
+                <a:srgbClr val="009DBF"/>
+              </a:solidFill>
+            </a:ln>
+          </p:spPr>
+          <p:style>
+            <a:lnRef idx="2">
+              <a:schemeClr val="accent1">
+                <a:shade val="15000"/>
               </a:schemeClr>
             </a:lnRef>
             <a:fillRef idx="1">
@@ -5135,6 +5776,1313 @@
           </p:txBody>
         </p:sp>
       </p:grpSp>
+      <p:grpSp>
+        <p:nvGrpSpPr>
+          <p:cNvPr id="68" name="群組 67">
+            <a:extLst>
+              <a:ext uri="{FF2B5EF4-FFF2-40B4-BE49-F238E27FC236}">
+                <a16:creationId xmlns:a16="http://schemas.microsoft.com/office/drawing/2014/main" id="{4D2FDBDD-03BF-0656-E1FF-9FBF85D060FC}"/>
+              </a:ext>
+            </a:extLst>
+          </p:cNvPr>
+          <p:cNvGrpSpPr/>
+          <p:nvPr/>
+        </p:nvGrpSpPr>
+        <p:grpSpPr>
+          <a:xfrm>
+            <a:off x="3165553" y="828000"/>
+            <a:ext cx="285795" cy="504000"/>
+            <a:chOff x="4185798" y="1903160"/>
+            <a:chExt cx="285795" cy="504000"/>
+          </a:xfrm>
+        </p:grpSpPr>
+        <p:sp>
+          <p:nvSpPr>
+            <p:cNvPr id="69" name="弧形 68">
+              <a:extLst>
+                <a:ext uri="{FF2B5EF4-FFF2-40B4-BE49-F238E27FC236}">
+                  <a16:creationId xmlns:a16="http://schemas.microsoft.com/office/drawing/2014/main" id="{87B3B916-9AB9-82FD-383C-E1D74CF49AD8}"/>
+                </a:ext>
+              </a:extLst>
+            </p:cNvPr>
+            <p:cNvSpPr/>
+            <p:nvPr/>
+          </p:nvSpPr>
+          <p:spPr>
+            <a:xfrm>
+              <a:off x="4207709" y="1993160"/>
+              <a:ext cx="232163" cy="162000"/>
+            </a:xfrm>
+            <a:prstGeom prst="arc">
+              <a:avLst/>
+            </a:prstGeom>
+            <a:ln w="38100">
+              <a:solidFill>
+                <a:srgbClr val="009DBF"/>
+              </a:solidFill>
+            </a:ln>
+          </p:spPr>
+          <p:style>
+            <a:lnRef idx="1">
+              <a:schemeClr val="accent1"/>
+            </a:lnRef>
+            <a:fillRef idx="0">
+              <a:schemeClr val="accent1"/>
+            </a:fillRef>
+            <a:effectRef idx="0">
+              <a:schemeClr val="accent1"/>
+            </a:effectRef>
+            <a:fontRef idx="minor">
+              <a:schemeClr val="tx1"/>
+            </a:fontRef>
+          </p:style>
+          <p:txBody>
+            <a:bodyPr rtlCol="0" anchor="ctr"/>
+            <a:lstStyle/>
+            <a:p>
+              <a:pPr algn="ctr"/>
+              <a:endParaRPr lang="zh-TW" altLang="en-US"/>
+            </a:p>
+          </p:txBody>
+        </p:sp>
+        <p:sp>
+          <p:nvSpPr>
+            <p:cNvPr id="72" name="弧形 71">
+              <a:extLst>
+                <a:ext uri="{FF2B5EF4-FFF2-40B4-BE49-F238E27FC236}">
+                  <a16:creationId xmlns:a16="http://schemas.microsoft.com/office/drawing/2014/main" id="{B4385C5D-DC38-C5D9-23AF-DE9234BC0A9B}"/>
+                </a:ext>
+              </a:extLst>
+            </p:cNvPr>
+            <p:cNvSpPr/>
+            <p:nvPr/>
+          </p:nvSpPr>
+          <p:spPr>
+            <a:xfrm>
+              <a:off x="4185798" y="2155160"/>
+              <a:ext cx="285795" cy="162000"/>
+            </a:xfrm>
+            <a:prstGeom prst="arc">
+              <a:avLst/>
+            </a:prstGeom>
+            <a:ln w="38100">
+              <a:solidFill>
+                <a:srgbClr val="009DBF"/>
+              </a:solidFill>
+            </a:ln>
+          </p:spPr>
+          <p:style>
+            <a:lnRef idx="1">
+              <a:schemeClr val="accent1"/>
+            </a:lnRef>
+            <a:fillRef idx="0">
+              <a:schemeClr val="accent1"/>
+            </a:fillRef>
+            <a:effectRef idx="0">
+              <a:schemeClr val="accent1"/>
+            </a:effectRef>
+            <a:fontRef idx="minor">
+              <a:schemeClr val="tx1"/>
+            </a:fontRef>
+          </p:style>
+          <p:txBody>
+            <a:bodyPr rtlCol="0" anchor="ctr"/>
+            <a:lstStyle/>
+            <a:p>
+              <a:pPr algn="ctr"/>
+              <a:endParaRPr lang="zh-TW" altLang="en-US"/>
+            </a:p>
+          </p:txBody>
+        </p:sp>
+        <p:sp>
+          <p:nvSpPr>
+            <p:cNvPr id="77" name="弧形 76">
+              <a:extLst>
+                <a:ext uri="{FF2B5EF4-FFF2-40B4-BE49-F238E27FC236}">
+                  <a16:creationId xmlns:a16="http://schemas.microsoft.com/office/drawing/2014/main" id="{F615ECEC-EB4A-1AC2-D581-39B8FEB68DF1}"/>
+                </a:ext>
+              </a:extLst>
+            </p:cNvPr>
+            <p:cNvSpPr/>
+            <p:nvPr/>
+          </p:nvSpPr>
+          <p:spPr>
+            <a:xfrm flipH="1">
+              <a:off x="4207709" y="1993160"/>
+              <a:ext cx="232163" cy="162000"/>
+            </a:xfrm>
+            <a:prstGeom prst="arc">
+              <a:avLst/>
+            </a:prstGeom>
+            <a:ln w="38100">
+              <a:solidFill>
+                <a:srgbClr val="009DBF"/>
+              </a:solidFill>
+            </a:ln>
+          </p:spPr>
+          <p:style>
+            <a:lnRef idx="1">
+              <a:schemeClr val="accent1"/>
+            </a:lnRef>
+            <a:fillRef idx="0">
+              <a:schemeClr val="accent1"/>
+            </a:fillRef>
+            <a:effectRef idx="0">
+              <a:schemeClr val="accent1"/>
+            </a:effectRef>
+            <a:fontRef idx="minor">
+              <a:schemeClr val="tx1"/>
+            </a:fontRef>
+          </p:style>
+          <p:txBody>
+            <a:bodyPr rtlCol="0" anchor="ctr"/>
+            <a:lstStyle/>
+            <a:p>
+              <a:pPr algn="ctr"/>
+              <a:endParaRPr lang="zh-TW" altLang="en-US"/>
+            </a:p>
+          </p:txBody>
+        </p:sp>
+        <p:sp>
+          <p:nvSpPr>
+            <p:cNvPr id="79" name="弧形 78">
+              <a:extLst>
+                <a:ext uri="{FF2B5EF4-FFF2-40B4-BE49-F238E27FC236}">
+                  <a16:creationId xmlns:a16="http://schemas.microsoft.com/office/drawing/2014/main" id="{71D652CD-1F43-87B0-EB9B-C5C21FDCDC85}"/>
+                </a:ext>
+              </a:extLst>
+            </p:cNvPr>
+            <p:cNvSpPr/>
+            <p:nvPr/>
+          </p:nvSpPr>
+          <p:spPr>
+            <a:xfrm flipH="1" flipV="1">
+              <a:off x="4207709" y="1993160"/>
+              <a:ext cx="232163" cy="162000"/>
+            </a:xfrm>
+            <a:prstGeom prst="arc">
+              <a:avLst/>
+            </a:prstGeom>
+            <a:ln w="38100">
+              <a:solidFill>
+                <a:srgbClr val="009DBF"/>
+              </a:solidFill>
+            </a:ln>
+          </p:spPr>
+          <p:style>
+            <a:lnRef idx="1">
+              <a:schemeClr val="accent1"/>
+            </a:lnRef>
+            <a:fillRef idx="0">
+              <a:schemeClr val="accent1"/>
+            </a:fillRef>
+            <a:effectRef idx="0">
+              <a:schemeClr val="accent1"/>
+            </a:effectRef>
+            <a:fontRef idx="minor">
+              <a:schemeClr val="tx1"/>
+            </a:fontRef>
+          </p:style>
+          <p:txBody>
+            <a:bodyPr rtlCol="0" anchor="ctr"/>
+            <a:lstStyle/>
+            <a:p>
+              <a:pPr algn="ctr"/>
+              <a:endParaRPr lang="zh-TW" altLang="en-US"/>
+            </a:p>
+          </p:txBody>
+        </p:sp>
+        <p:sp>
+          <p:nvSpPr>
+            <p:cNvPr id="80" name="弧形 79">
+              <a:extLst>
+                <a:ext uri="{FF2B5EF4-FFF2-40B4-BE49-F238E27FC236}">
+                  <a16:creationId xmlns:a16="http://schemas.microsoft.com/office/drawing/2014/main" id="{A7B84EA3-0D77-5681-3199-8E2DF391A1B4}"/>
+                </a:ext>
+              </a:extLst>
+            </p:cNvPr>
+            <p:cNvSpPr/>
+            <p:nvPr/>
+          </p:nvSpPr>
+          <p:spPr>
+            <a:xfrm flipH="1" flipV="1">
+              <a:off x="4185798" y="2155160"/>
+              <a:ext cx="285795" cy="162000"/>
+            </a:xfrm>
+            <a:prstGeom prst="arc">
+              <a:avLst/>
+            </a:prstGeom>
+            <a:ln w="38100">
+              <a:solidFill>
+                <a:srgbClr val="009DBF"/>
+              </a:solidFill>
+            </a:ln>
+          </p:spPr>
+          <p:style>
+            <a:lnRef idx="1">
+              <a:schemeClr val="accent1"/>
+            </a:lnRef>
+            <a:fillRef idx="0">
+              <a:schemeClr val="accent1"/>
+            </a:fillRef>
+            <a:effectRef idx="0">
+              <a:schemeClr val="accent1"/>
+            </a:effectRef>
+            <a:fontRef idx="minor">
+              <a:schemeClr val="tx1"/>
+            </a:fontRef>
+          </p:style>
+          <p:txBody>
+            <a:bodyPr rtlCol="0" anchor="ctr"/>
+            <a:lstStyle/>
+            <a:p>
+              <a:pPr algn="ctr"/>
+              <a:endParaRPr lang="zh-TW" altLang="en-US"/>
+            </a:p>
+          </p:txBody>
+        </p:sp>
+        <p:sp>
+          <p:nvSpPr>
+            <p:cNvPr id="82" name="弧形 81">
+              <a:extLst>
+                <a:ext uri="{FF2B5EF4-FFF2-40B4-BE49-F238E27FC236}">
+                  <a16:creationId xmlns:a16="http://schemas.microsoft.com/office/drawing/2014/main" id="{4F9060FE-B16A-3AF3-A9A4-8D32ECFE0238}"/>
+                </a:ext>
+              </a:extLst>
+            </p:cNvPr>
+            <p:cNvSpPr/>
+            <p:nvPr/>
+          </p:nvSpPr>
+          <p:spPr>
+            <a:xfrm flipV="1">
+              <a:off x="4185798" y="2155160"/>
+              <a:ext cx="285795" cy="162000"/>
+            </a:xfrm>
+            <a:prstGeom prst="arc">
+              <a:avLst/>
+            </a:prstGeom>
+            <a:ln w="38100">
+              <a:solidFill>
+                <a:srgbClr val="009DBF"/>
+              </a:solidFill>
+            </a:ln>
+          </p:spPr>
+          <p:style>
+            <a:lnRef idx="1">
+              <a:schemeClr val="accent1"/>
+            </a:lnRef>
+            <a:fillRef idx="0">
+              <a:schemeClr val="accent1"/>
+            </a:fillRef>
+            <a:effectRef idx="0">
+              <a:schemeClr val="accent1"/>
+            </a:effectRef>
+            <a:fontRef idx="minor">
+              <a:schemeClr val="tx1"/>
+            </a:fontRef>
+          </p:style>
+          <p:txBody>
+            <a:bodyPr rtlCol="0" anchor="ctr"/>
+            <a:lstStyle/>
+            <a:p>
+              <a:pPr algn="ctr"/>
+              <a:endParaRPr lang="zh-TW" altLang="en-US"/>
+            </a:p>
+          </p:txBody>
+        </p:sp>
+        <p:cxnSp>
+          <p:nvCxnSpPr>
+            <p:cNvPr id="83" name="直線接點 82">
+              <a:extLst>
+                <a:ext uri="{FF2B5EF4-FFF2-40B4-BE49-F238E27FC236}">
+                  <a16:creationId xmlns:a16="http://schemas.microsoft.com/office/drawing/2014/main" id="{1D354586-9171-7524-09D2-2546364BDC80}"/>
+                </a:ext>
+              </a:extLst>
+            </p:cNvPr>
+            <p:cNvCxnSpPr>
+              <a:cxnSpLocks/>
+            </p:cNvCxnSpPr>
+            <p:nvPr/>
+          </p:nvCxnSpPr>
+          <p:spPr>
+            <a:xfrm>
+              <a:off x="4327596" y="1903160"/>
+              <a:ext cx="0" cy="504000"/>
+            </a:xfrm>
+            <a:prstGeom prst="line">
+              <a:avLst/>
+            </a:prstGeom>
+            <a:ln w="38100">
+              <a:solidFill>
+                <a:srgbClr val="009DBF"/>
+              </a:solidFill>
+            </a:ln>
+          </p:spPr>
+          <p:style>
+            <a:lnRef idx="1">
+              <a:schemeClr val="accent1"/>
+            </a:lnRef>
+            <a:fillRef idx="0">
+              <a:schemeClr val="accent1"/>
+            </a:fillRef>
+            <a:effectRef idx="0">
+              <a:schemeClr val="accent1"/>
+            </a:effectRef>
+            <a:fontRef idx="minor">
+              <a:schemeClr val="tx1"/>
+            </a:fontRef>
+          </p:style>
+        </p:cxnSp>
+      </p:grpSp>
+      <p:pic>
+        <p:nvPicPr>
+          <p:cNvPr id="84" name="圖形 83">
+            <a:extLst>
+              <a:ext uri="{FF2B5EF4-FFF2-40B4-BE49-F238E27FC236}">
+                <a16:creationId xmlns:a16="http://schemas.microsoft.com/office/drawing/2014/main" id="{DEA281EC-D7C8-03B5-3E47-947EF29A7CA6}"/>
+              </a:ext>
+            </a:extLst>
+          </p:cNvPr>
+          <p:cNvPicPr>
+            <a:picLocks noChangeAspect="1"/>
+          </p:cNvPicPr>
+          <p:nvPr/>
+        </p:nvPicPr>
+        <p:blipFill>
+          <a:blip r:embed="rId4">
+            <a:extLst>
+              <a:ext uri="{28A0092B-C50C-407E-A947-70E740481C1C}">
+                <a14:useLocalDpi xmlns:a14="http://schemas.microsoft.com/office/drawing/2010/main" val="0"/>
+              </a:ext>
+              <a:ext uri="{96DAC541-7B7A-43D3-8B79-37D633B846F1}">
+                <asvg:svgBlip xmlns:asvg="http://schemas.microsoft.com/office/drawing/2016/SVG/main" r:embed="rId5"/>
+              </a:ext>
+            </a:extLst>
+          </a:blip>
+          <a:stretch>
+            <a:fillRect/>
+          </a:stretch>
+        </p:blipFill>
+        <p:spPr>
+          <a:xfrm>
+            <a:off x="893967" y="906429"/>
+            <a:ext cx="504000" cy="347143"/>
+          </a:xfrm>
+          <a:prstGeom prst="rect">
+            <a:avLst/>
+          </a:prstGeom>
+        </p:spPr>
+      </p:pic>
+      <p:sp>
+        <p:nvSpPr>
+          <p:cNvPr id="109" name="矩形 108">
+            <a:extLst>
+              <a:ext uri="{FF2B5EF4-FFF2-40B4-BE49-F238E27FC236}">
+                <a16:creationId xmlns:a16="http://schemas.microsoft.com/office/drawing/2014/main" id="{D0110A0F-355D-6460-DDD0-9558A3FA0770}"/>
+              </a:ext>
+            </a:extLst>
+          </p:cNvPr>
+          <p:cNvSpPr/>
+          <p:nvPr/>
+        </p:nvSpPr>
+        <p:spPr>
+          <a:xfrm>
+            <a:off x="785692" y="1440000"/>
+            <a:ext cx="720000" cy="720000"/>
+          </a:xfrm>
+          <a:prstGeom prst="rect">
+            <a:avLst/>
+          </a:prstGeom>
+          <a:solidFill>
+            <a:schemeClr val="bg1"/>
+          </a:solidFill>
+        </p:spPr>
+        <p:style>
+          <a:lnRef idx="2">
+            <a:schemeClr val="accent1">
+              <a:shade val="15000"/>
+            </a:schemeClr>
+          </a:lnRef>
+          <a:fillRef idx="1">
+            <a:schemeClr val="accent1"/>
+          </a:fillRef>
+          <a:effectRef idx="0">
+            <a:schemeClr val="accent1"/>
+          </a:effectRef>
+          <a:fontRef idx="minor">
+            <a:schemeClr val="lt1"/>
+          </a:fontRef>
+        </p:style>
+        <p:txBody>
+          <a:bodyPr rtlCol="0" anchor="ctr"/>
+          <a:lstStyle/>
+          <a:p>
+            <a:pPr algn="ctr"/>
+            <a:endParaRPr lang="zh-TW" altLang="en-US"/>
+          </a:p>
+        </p:txBody>
+      </p:sp>
+      <p:pic>
+        <p:nvPicPr>
+          <p:cNvPr id="107" name="圖形 106">
+            <a:extLst>
+              <a:ext uri="{FF2B5EF4-FFF2-40B4-BE49-F238E27FC236}">
+                <a16:creationId xmlns:a16="http://schemas.microsoft.com/office/drawing/2014/main" id="{EBD6721F-E539-443B-9A26-FB12B9BE2274}"/>
+              </a:ext>
+            </a:extLst>
+          </p:cNvPr>
+          <p:cNvPicPr>
+            <a:picLocks noChangeAspect="1"/>
+          </p:cNvPicPr>
+          <p:nvPr/>
+        </p:nvPicPr>
+        <p:blipFill>
+          <a:blip r:embed="rId6">
+            <a:extLst>
+              <a:ext uri="{28A0092B-C50C-407E-A947-70E740481C1C}">
+                <a14:useLocalDpi xmlns:a14="http://schemas.microsoft.com/office/drawing/2010/main" val="0"/>
+              </a:ext>
+              <a:ext uri="{96DAC541-7B7A-43D3-8B79-37D633B846F1}">
+                <asvg:svgBlip xmlns:asvg="http://schemas.microsoft.com/office/drawing/2016/SVG/main" r:embed="rId7"/>
+              </a:ext>
+            </a:extLst>
+          </a:blip>
+          <a:stretch>
+            <a:fillRect/>
+          </a:stretch>
+        </p:blipFill>
+        <p:spPr>
+          <a:xfrm>
+            <a:off x="893692" y="1626429"/>
+            <a:ext cx="504000" cy="347143"/>
+          </a:xfrm>
+          <a:prstGeom prst="rect">
+            <a:avLst/>
+          </a:prstGeom>
+        </p:spPr>
+      </p:pic>
+      <p:sp>
+        <p:nvSpPr>
+          <p:cNvPr id="110" name="矩形 109">
+            <a:extLst>
+              <a:ext uri="{FF2B5EF4-FFF2-40B4-BE49-F238E27FC236}">
+                <a16:creationId xmlns:a16="http://schemas.microsoft.com/office/drawing/2014/main" id="{9167D182-3D51-DBCB-E74C-2629E24C7F1B}"/>
+              </a:ext>
+            </a:extLst>
+          </p:cNvPr>
+          <p:cNvSpPr/>
+          <p:nvPr/>
+        </p:nvSpPr>
+        <p:spPr>
+          <a:xfrm>
+            <a:off x="785692" y="2160000"/>
+            <a:ext cx="720000" cy="720000"/>
+          </a:xfrm>
+          <a:prstGeom prst="rect">
+            <a:avLst/>
+          </a:prstGeom>
+          <a:solidFill>
+            <a:schemeClr val="bg1"/>
+          </a:solidFill>
+        </p:spPr>
+        <p:style>
+          <a:lnRef idx="2">
+            <a:schemeClr val="accent1">
+              <a:shade val="15000"/>
+            </a:schemeClr>
+          </a:lnRef>
+          <a:fillRef idx="1">
+            <a:schemeClr val="accent1"/>
+          </a:fillRef>
+          <a:effectRef idx="0">
+            <a:schemeClr val="accent1"/>
+          </a:effectRef>
+          <a:fontRef idx="minor">
+            <a:schemeClr val="lt1"/>
+          </a:fontRef>
+        </p:style>
+        <p:txBody>
+          <a:bodyPr rtlCol="0" anchor="ctr"/>
+          <a:lstStyle/>
+          <a:p>
+            <a:pPr algn="ctr"/>
+            <a:endParaRPr lang="zh-TW" altLang="en-US"/>
+          </a:p>
+        </p:txBody>
+      </p:sp>
+      <p:sp>
+        <p:nvSpPr>
+          <p:cNvPr id="111" name="矩形 110">
+            <a:extLst>
+              <a:ext uri="{FF2B5EF4-FFF2-40B4-BE49-F238E27FC236}">
+                <a16:creationId xmlns:a16="http://schemas.microsoft.com/office/drawing/2014/main" id="{7B8DDFEE-95D3-36A3-5D11-CDDE49684F6E}"/>
+              </a:ext>
+            </a:extLst>
+          </p:cNvPr>
+          <p:cNvSpPr/>
+          <p:nvPr/>
+        </p:nvSpPr>
+        <p:spPr>
+          <a:xfrm>
+            <a:off x="785692" y="2880000"/>
+            <a:ext cx="720000" cy="720000"/>
+          </a:xfrm>
+          <a:prstGeom prst="rect">
+            <a:avLst/>
+          </a:prstGeom>
+          <a:solidFill>
+            <a:schemeClr val="bg1"/>
+          </a:solidFill>
+        </p:spPr>
+        <p:style>
+          <a:lnRef idx="2">
+            <a:schemeClr val="accent1">
+              <a:shade val="15000"/>
+            </a:schemeClr>
+          </a:lnRef>
+          <a:fillRef idx="1">
+            <a:schemeClr val="accent1"/>
+          </a:fillRef>
+          <a:effectRef idx="0">
+            <a:schemeClr val="accent1"/>
+          </a:effectRef>
+          <a:fontRef idx="minor">
+            <a:schemeClr val="lt1"/>
+          </a:fontRef>
+        </p:style>
+        <p:txBody>
+          <a:bodyPr rtlCol="0" anchor="ctr"/>
+          <a:lstStyle/>
+          <a:p>
+            <a:pPr algn="ctr"/>
+            <a:endParaRPr lang="zh-TW" altLang="en-US"/>
+          </a:p>
+        </p:txBody>
+      </p:sp>
+      <p:grpSp>
+        <p:nvGrpSpPr>
+          <p:cNvPr id="106" name="群組 105">
+            <a:extLst>
+              <a:ext uri="{FF2B5EF4-FFF2-40B4-BE49-F238E27FC236}">
+                <a16:creationId xmlns:a16="http://schemas.microsoft.com/office/drawing/2014/main" id="{D5B32154-D406-A049-E3DC-E21ADC10805B}"/>
+              </a:ext>
+            </a:extLst>
+          </p:cNvPr>
+          <p:cNvGrpSpPr/>
+          <p:nvPr/>
+        </p:nvGrpSpPr>
+        <p:grpSpPr>
+          <a:xfrm>
+            <a:off x="929692" y="3024000"/>
+            <a:ext cx="432000" cy="432000"/>
+            <a:chOff x="1613417" y="2762250"/>
+            <a:chExt cx="503999" cy="504000"/>
+          </a:xfrm>
+        </p:grpSpPr>
+        <p:sp>
+          <p:nvSpPr>
+            <p:cNvPr id="103" name="左中括弧 102">
+              <a:extLst>
+                <a:ext uri="{FF2B5EF4-FFF2-40B4-BE49-F238E27FC236}">
+                  <a16:creationId xmlns:a16="http://schemas.microsoft.com/office/drawing/2014/main" id="{DF4CDC9A-73E8-487C-5A0D-0057726E76D6}"/>
+                </a:ext>
+              </a:extLst>
+            </p:cNvPr>
+            <p:cNvSpPr/>
+            <p:nvPr/>
+          </p:nvSpPr>
+          <p:spPr>
+            <a:xfrm>
+              <a:off x="1613417" y="2762250"/>
+              <a:ext cx="216000" cy="504000"/>
+            </a:xfrm>
+            <a:prstGeom prst="leftBracket">
+              <a:avLst/>
+            </a:prstGeom>
+            <a:ln w="38100">
+              <a:solidFill>
+                <a:srgbClr val="808080"/>
+              </a:solidFill>
+            </a:ln>
+          </p:spPr>
+          <p:style>
+            <a:lnRef idx="1">
+              <a:schemeClr val="accent1"/>
+            </a:lnRef>
+            <a:fillRef idx="0">
+              <a:schemeClr val="accent1"/>
+            </a:fillRef>
+            <a:effectRef idx="0">
+              <a:schemeClr val="accent1"/>
+            </a:effectRef>
+            <a:fontRef idx="minor">
+              <a:schemeClr val="tx1"/>
+            </a:fontRef>
+          </p:style>
+          <p:txBody>
+            <a:bodyPr rtlCol="0" anchor="ctr"/>
+            <a:lstStyle/>
+            <a:p>
+              <a:pPr algn="ctr"/>
+              <a:endParaRPr lang="zh-TW" altLang="en-US"/>
+            </a:p>
+          </p:txBody>
+        </p:sp>
+        <p:cxnSp>
+          <p:nvCxnSpPr>
+            <p:cNvPr id="105" name="直線單箭頭接點 104">
+              <a:extLst>
+                <a:ext uri="{FF2B5EF4-FFF2-40B4-BE49-F238E27FC236}">
+                  <a16:creationId xmlns:a16="http://schemas.microsoft.com/office/drawing/2014/main" id="{FB3E22DA-6A0A-C2A3-2A18-575C1986B687}"/>
+                </a:ext>
+              </a:extLst>
+            </p:cNvPr>
+            <p:cNvCxnSpPr>
+              <a:cxnSpLocks/>
+            </p:cNvCxnSpPr>
+            <p:nvPr/>
+          </p:nvCxnSpPr>
+          <p:spPr>
+            <a:xfrm>
+              <a:off x="1757416" y="3014250"/>
+              <a:ext cx="360000" cy="0"/>
+            </a:xfrm>
+            <a:prstGeom prst="straightConnector1">
+              <a:avLst/>
+            </a:prstGeom>
+            <a:ln w="38100">
+              <a:solidFill>
+                <a:srgbClr val="808080"/>
+              </a:solidFill>
+              <a:tailEnd type="arrow" w="lg" len="med"/>
+            </a:ln>
+          </p:spPr>
+          <p:style>
+            <a:lnRef idx="1">
+              <a:schemeClr val="accent1"/>
+            </a:lnRef>
+            <a:fillRef idx="0">
+              <a:schemeClr val="accent1"/>
+            </a:fillRef>
+            <a:effectRef idx="0">
+              <a:schemeClr val="accent1"/>
+            </a:effectRef>
+            <a:fontRef idx="minor">
+              <a:schemeClr val="tx1"/>
+            </a:fontRef>
+          </p:style>
+        </p:cxnSp>
+      </p:grpSp>
+      <p:sp>
+        <p:nvSpPr>
+          <p:cNvPr id="102" name="手繪多邊形: 圖案 101">
+            <a:extLst>
+              <a:ext uri="{FF2B5EF4-FFF2-40B4-BE49-F238E27FC236}">
+                <a16:creationId xmlns:a16="http://schemas.microsoft.com/office/drawing/2014/main" id="{7E632EFE-B29E-AA1C-98DE-37D10F4C02A4}"/>
+              </a:ext>
+            </a:extLst>
+          </p:cNvPr>
+          <p:cNvSpPr/>
+          <p:nvPr/>
+        </p:nvSpPr>
+        <p:spPr>
+          <a:xfrm>
+            <a:off x="893692" y="2268000"/>
+            <a:ext cx="504000" cy="504000"/>
+          </a:xfrm>
+          <a:custGeom>
+            <a:avLst/>
+            <a:gdLst>
+              <a:gd name="connsiteX0" fmla="*/ 698478 w 1396957"/>
+              <a:gd name="connsiteY0" fmla="*/ 410478 h 1396957"/>
+              <a:gd name="connsiteX1" fmla="*/ 410478 w 1396957"/>
+              <a:gd name="connsiteY1" fmla="*/ 698478 h 1396957"/>
+              <a:gd name="connsiteX2" fmla="*/ 698478 w 1396957"/>
+              <a:gd name="connsiteY2" fmla="*/ 986478 h 1396957"/>
+              <a:gd name="connsiteX3" fmla="*/ 986478 w 1396957"/>
+              <a:gd name="connsiteY3" fmla="*/ 698478 h 1396957"/>
+              <a:gd name="connsiteX4" fmla="*/ 698478 w 1396957"/>
+              <a:gd name="connsiteY4" fmla="*/ 410478 h 1396957"/>
+              <a:gd name="connsiteX5" fmla="*/ 531166 w 1396957"/>
+              <a:gd name="connsiteY5" fmla="*/ 0 h 1396957"/>
+              <a:gd name="connsiteX6" fmla="*/ 531660 w 1396957"/>
+              <a:gd name="connsiteY6" fmla="*/ 2537 h 1396957"/>
+              <a:gd name="connsiteX7" fmla="*/ 571200 w 1396957"/>
+              <a:gd name="connsiteY7" fmla="*/ 62082 h 1396957"/>
+              <a:gd name="connsiteX8" fmla="*/ 825759 w 1396957"/>
+              <a:gd name="connsiteY8" fmla="*/ 62082 h 1396957"/>
+              <a:gd name="connsiteX9" fmla="*/ 865299 w 1396957"/>
+              <a:gd name="connsiteY9" fmla="*/ 2538 h 1396957"/>
+              <a:gd name="connsiteX10" fmla="*/ 865793 w 1396957"/>
+              <a:gd name="connsiteY10" fmla="*/ 0 h 1396957"/>
+              <a:gd name="connsiteX11" fmla="*/ 978735 w 1396957"/>
+              <a:gd name="connsiteY11" fmla="*/ 35060 h 1396957"/>
+              <a:gd name="connsiteX12" fmla="*/ 1073805 w 1396957"/>
+              <a:gd name="connsiteY12" fmla="*/ 86662 h 1396957"/>
+              <a:gd name="connsiteX13" fmla="*/ 1072624 w 1396957"/>
+              <a:gd name="connsiteY13" fmla="*/ 88414 h 1396957"/>
+              <a:gd name="connsiteX14" fmla="*/ 1058479 w 1396957"/>
+              <a:gd name="connsiteY14" fmla="*/ 158479 h 1396957"/>
+              <a:gd name="connsiteX15" fmla="*/ 1238479 w 1396957"/>
+              <a:gd name="connsiteY15" fmla="*/ 338478 h 1396957"/>
+              <a:gd name="connsiteX16" fmla="*/ 1308544 w 1396957"/>
+              <a:gd name="connsiteY16" fmla="*/ 324333 h 1396957"/>
+              <a:gd name="connsiteX17" fmla="*/ 1310295 w 1396957"/>
+              <a:gd name="connsiteY17" fmla="*/ 323152 h 1396957"/>
+              <a:gd name="connsiteX18" fmla="*/ 1361898 w 1396957"/>
+              <a:gd name="connsiteY18" fmla="*/ 418223 h 1396957"/>
+              <a:gd name="connsiteX19" fmla="*/ 1396957 w 1396957"/>
+              <a:gd name="connsiteY19" fmla="*/ 531166 h 1396957"/>
+              <a:gd name="connsiteX20" fmla="*/ 1394420 w 1396957"/>
+              <a:gd name="connsiteY20" fmla="*/ 531660 h 1396957"/>
+              <a:gd name="connsiteX21" fmla="*/ 1334876 w 1396957"/>
+              <a:gd name="connsiteY21" fmla="*/ 571199 h 1396957"/>
+              <a:gd name="connsiteX22" fmla="*/ 1334876 w 1396957"/>
+              <a:gd name="connsiteY22" fmla="*/ 825758 h 1396957"/>
+              <a:gd name="connsiteX23" fmla="*/ 1394420 w 1396957"/>
+              <a:gd name="connsiteY23" fmla="*/ 865299 h 1396957"/>
+              <a:gd name="connsiteX24" fmla="*/ 1396957 w 1396957"/>
+              <a:gd name="connsiteY24" fmla="*/ 865792 h 1396957"/>
+              <a:gd name="connsiteX25" fmla="*/ 1361898 w 1396957"/>
+              <a:gd name="connsiteY25" fmla="*/ 978735 h 1396957"/>
+              <a:gd name="connsiteX26" fmla="*/ 1310295 w 1396957"/>
+              <a:gd name="connsiteY26" fmla="*/ 1073805 h 1396957"/>
+              <a:gd name="connsiteX27" fmla="*/ 1308544 w 1396957"/>
+              <a:gd name="connsiteY27" fmla="*/ 1072624 h 1396957"/>
+              <a:gd name="connsiteX28" fmla="*/ 1238479 w 1396957"/>
+              <a:gd name="connsiteY28" fmla="*/ 1058479 h 1396957"/>
+              <a:gd name="connsiteX29" fmla="*/ 1058479 w 1396957"/>
+              <a:gd name="connsiteY29" fmla="*/ 1238478 h 1396957"/>
+              <a:gd name="connsiteX30" fmla="*/ 1072624 w 1396957"/>
+              <a:gd name="connsiteY30" fmla="*/ 1308543 h 1396957"/>
+              <a:gd name="connsiteX31" fmla="*/ 1073805 w 1396957"/>
+              <a:gd name="connsiteY31" fmla="*/ 1310295 h 1396957"/>
+              <a:gd name="connsiteX32" fmla="*/ 978735 w 1396957"/>
+              <a:gd name="connsiteY32" fmla="*/ 1361898 h 1396957"/>
+              <a:gd name="connsiteX33" fmla="*/ 865793 w 1396957"/>
+              <a:gd name="connsiteY33" fmla="*/ 1396957 h 1396957"/>
+              <a:gd name="connsiteX34" fmla="*/ 865299 w 1396957"/>
+              <a:gd name="connsiteY34" fmla="*/ 1394419 h 1396957"/>
+              <a:gd name="connsiteX35" fmla="*/ 825759 w 1396957"/>
+              <a:gd name="connsiteY35" fmla="*/ 1334875 h 1396957"/>
+              <a:gd name="connsiteX36" fmla="*/ 571200 w 1396957"/>
+              <a:gd name="connsiteY36" fmla="*/ 1334875 h 1396957"/>
+              <a:gd name="connsiteX37" fmla="*/ 531660 w 1396957"/>
+              <a:gd name="connsiteY37" fmla="*/ 1394420 h 1396957"/>
+              <a:gd name="connsiteX38" fmla="*/ 531167 w 1396957"/>
+              <a:gd name="connsiteY38" fmla="*/ 1396957 h 1396957"/>
+              <a:gd name="connsiteX39" fmla="*/ 418223 w 1396957"/>
+              <a:gd name="connsiteY39" fmla="*/ 1361898 h 1396957"/>
+              <a:gd name="connsiteX40" fmla="*/ 323152 w 1396957"/>
+              <a:gd name="connsiteY40" fmla="*/ 1310295 h 1396957"/>
+              <a:gd name="connsiteX41" fmla="*/ 324334 w 1396957"/>
+              <a:gd name="connsiteY41" fmla="*/ 1308543 h 1396957"/>
+              <a:gd name="connsiteX42" fmla="*/ 338479 w 1396957"/>
+              <a:gd name="connsiteY42" fmla="*/ 1238478 h 1396957"/>
+              <a:gd name="connsiteX43" fmla="*/ 158479 w 1396957"/>
+              <a:gd name="connsiteY43" fmla="*/ 1058479 h 1396957"/>
+              <a:gd name="connsiteX44" fmla="*/ 88415 w 1396957"/>
+              <a:gd name="connsiteY44" fmla="*/ 1072624 h 1396957"/>
+              <a:gd name="connsiteX45" fmla="*/ 86662 w 1396957"/>
+              <a:gd name="connsiteY45" fmla="*/ 1073805 h 1396957"/>
+              <a:gd name="connsiteX46" fmla="*/ 35060 w 1396957"/>
+              <a:gd name="connsiteY46" fmla="*/ 978735 h 1396957"/>
+              <a:gd name="connsiteX47" fmla="*/ 0 w 1396957"/>
+              <a:gd name="connsiteY47" fmla="*/ 865793 h 1396957"/>
+              <a:gd name="connsiteX48" fmla="*/ 2538 w 1396957"/>
+              <a:gd name="connsiteY48" fmla="*/ 865299 h 1396957"/>
+              <a:gd name="connsiteX49" fmla="*/ 62083 w 1396957"/>
+              <a:gd name="connsiteY49" fmla="*/ 825758 h 1396957"/>
+              <a:gd name="connsiteX50" fmla="*/ 62083 w 1396957"/>
+              <a:gd name="connsiteY50" fmla="*/ 571199 h 1396957"/>
+              <a:gd name="connsiteX51" fmla="*/ 2538 w 1396957"/>
+              <a:gd name="connsiteY51" fmla="*/ 531659 h 1396957"/>
+              <a:gd name="connsiteX52" fmla="*/ 0 w 1396957"/>
+              <a:gd name="connsiteY52" fmla="*/ 531166 h 1396957"/>
+              <a:gd name="connsiteX53" fmla="*/ 35060 w 1396957"/>
+              <a:gd name="connsiteY53" fmla="*/ 418223 h 1396957"/>
+              <a:gd name="connsiteX54" fmla="*/ 86662 w 1396957"/>
+              <a:gd name="connsiteY54" fmla="*/ 323152 h 1396957"/>
+              <a:gd name="connsiteX55" fmla="*/ 88415 w 1396957"/>
+              <a:gd name="connsiteY55" fmla="*/ 324333 h 1396957"/>
+              <a:gd name="connsiteX56" fmla="*/ 158479 w 1396957"/>
+              <a:gd name="connsiteY56" fmla="*/ 338478 h 1396957"/>
+              <a:gd name="connsiteX57" fmla="*/ 338479 w 1396957"/>
+              <a:gd name="connsiteY57" fmla="*/ 158479 h 1396957"/>
+              <a:gd name="connsiteX58" fmla="*/ 324334 w 1396957"/>
+              <a:gd name="connsiteY58" fmla="*/ 88414 h 1396957"/>
+              <a:gd name="connsiteX59" fmla="*/ 323152 w 1396957"/>
+              <a:gd name="connsiteY59" fmla="*/ 86662 h 1396957"/>
+              <a:gd name="connsiteX60" fmla="*/ 418223 w 1396957"/>
+              <a:gd name="connsiteY60" fmla="*/ 35060 h 1396957"/>
+            </a:gdLst>
+            <a:ahLst/>
+            <a:cxnLst>
+              <a:cxn ang="0">
+                <a:pos x="connsiteX0" y="connsiteY0"/>
+              </a:cxn>
+              <a:cxn ang="0">
+                <a:pos x="connsiteX1" y="connsiteY1"/>
+              </a:cxn>
+              <a:cxn ang="0">
+                <a:pos x="connsiteX2" y="connsiteY2"/>
+              </a:cxn>
+              <a:cxn ang="0">
+                <a:pos x="connsiteX3" y="connsiteY3"/>
+              </a:cxn>
+              <a:cxn ang="0">
+                <a:pos x="connsiteX4" y="connsiteY4"/>
+              </a:cxn>
+              <a:cxn ang="0">
+                <a:pos x="connsiteX5" y="connsiteY5"/>
+              </a:cxn>
+              <a:cxn ang="0">
+                <a:pos x="connsiteX6" y="connsiteY6"/>
+              </a:cxn>
+              <a:cxn ang="0">
+                <a:pos x="connsiteX7" y="connsiteY7"/>
+              </a:cxn>
+              <a:cxn ang="0">
+                <a:pos x="connsiteX8" y="connsiteY8"/>
+              </a:cxn>
+              <a:cxn ang="0">
+                <a:pos x="connsiteX9" y="connsiteY9"/>
+              </a:cxn>
+              <a:cxn ang="0">
+                <a:pos x="connsiteX10" y="connsiteY10"/>
+              </a:cxn>
+              <a:cxn ang="0">
+                <a:pos x="connsiteX11" y="connsiteY11"/>
+              </a:cxn>
+              <a:cxn ang="0">
+                <a:pos x="connsiteX12" y="connsiteY12"/>
+              </a:cxn>
+              <a:cxn ang="0">
+                <a:pos x="connsiteX13" y="connsiteY13"/>
+              </a:cxn>
+              <a:cxn ang="0">
+                <a:pos x="connsiteX14" y="connsiteY14"/>
+              </a:cxn>
+              <a:cxn ang="0">
+                <a:pos x="connsiteX15" y="connsiteY15"/>
+              </a:cxn>
+              <a:cxn ang="0">
+                <a:pos x="connsiteX16" y="connsiteY16"/>
+              </a:cxn>
+              <a:cxn ang="0">
+                <a:pos x="connsiteX17" y="connsiteY17"/>
+              </a:cxn>
+              <a:cxn ang="0">
+                <a:pos x="connsiteX18" y="connsiteY18"/>
+              </a:cxn>
+              <a:cxn ang="0">
+                <a:pos x="connsiteX19" y="connsiteY19"/>
+              </a:cxn>
+              <a:cxn ang="0">
+                <a:pos x="connsiteX20" y="connsiteY20"/>
+              </a:cxn>
+              <a:cxn ang="0">
+                <a:pos x="connsiteX21" y="connsiteY21"/>
+              </a:cxn>
+              <a:cxn ang="0">
+                <a:pos x="connsiteX22" y="connsiteY22"/>
+              </a:cxn>
+              <a:cxn ang="0">
+                <a:pos x="connsiteX23" y="connsiteY23"/>
+              </a:cxn>
+              <a:cxn ang="0">
+                <a:pos x="connsiteX24" y="connsiteY24"/>
+              </a:cxn>
+              <a:cxn ang="0">
+                <a:pos x="connsiteX25" y="connsiteY25"/>
+              </a:cxn>
+              <a:cxn ang="0">
+                <a:pos x="connsiteX26" y="connsiteY26"/>
+              </a:cxn>
+              <a:cxn ang="0">
+                <a:pos x="connsiteX27" y="connsiteY27"/>
+              </a:cxn>
+              <a:cxn ang="0">
+                <a:pos x="connsiteX28" y="connsiteY28"/>
+              </a:cxn>
+              <a:cxn ang="0">
+                <a:pos x="connsiteX29" y="connsiteY29"/>
+              </a:cxn>
+              <a:cxn ang="0">
+                <a:pos x="connsiteX30" y="connsiteY30"/>
+              </a:cxn>
+              <a:cxn ang="0">
+                <a:pos x="connsiteX31" y="connsiteY31"/>
+              </a:cxn>
+              <a:cxn ang="0">
+                <a:pos x="connsiteX32" y="connsiteY32"/>
+              </a:cxn>
+              <a:cxn ang="0">
+                <a:pos x="connsiteX33" y="connsiteY33"/>
+              </a:cxn>
+              <a:cxn ang="0">
+                <a:pos x="connsiteX34" y="connsiteY34"/>
+              </a:cxn>
+              <a:cxn ang="0">
+                <a:pos x="connsiteX35" y="connsiteY35"/>
+              </a:cxn>
+              <a:cxn ang="0">
+                <a:pos x="connsiteX36" y="connsiteY36"/>
+              </a:cxn>
+              <a:cxn ang="0">
+                <a:pos x="connsiteX37" y="connsiteY37"/>
+              </a:cxn>
+              <a:cxn ang="0">
+                <a:pos x="connsiteX38" y="connsiteY38"/>
+              </a:cxn>
+              <a:cxn ang="0">
+                <a:pos x="connsiteX39" y="connsiteY39"/>
+              </a:cxn>
+              <a:cxn ang="0">
+                <a:pos x="connsiteX40" y="connsiteY40"/>
+              </a:cxn>
+              <a:cxn ang="0">
+                <a:pos x="connsiteX41" y="connsiteY41"/>
+              </a:cxn>
+              <a:cxn ang="0">
+                <a:pos x="connsiteX42" y="connsiteY42"/>
+              </a:cxn>
+              <a:cxn ang="0">
+                <a:pos x="connsiteX43" y="connsiteY43"/>
+              </a:cxn>
+              <a:cxn ang="0">
+                <a:pos x="connsiteX44" y="connsiteY44"/>
+              </a:cxn>
+              <a:cxn ang="0">
+                <a:pos x="connsiteX45" y="connsiteY45"/>
+              </a:cxn>
+              <a:cxn ang="0">
+                <a:pos x="connsiteX46" y="connsiteY46"/>
+              </a:cxn>
+              <a:cxn ang="0">
+                <a:pos x="connsiteX47" y="connsiteY47"/>
+              </a:cxn>
+              <a:cxn ang="0">
+                <a:pos x="connsiteX48" y="connsiteY48"/>
+              </a:cxn>
+              <a:cxn ang="0">
+                <a:pos x="connsiteX49" y="connsiteY49"/>
+              </a:cxn>
+              <a:cxn ang="0">
+                <a:pos x="connsiteX50" y="connsiteY50"/>
+              </a:cxn>
+              <a:cxn ang="0">
+                <a:pos x="connsiteX51" y="connsiteY51"/>
+              </a:cxn>
+              <a:cxn ang="0">
+                <a:pos x="connsiteX52" y="connsiteY52"/>
+              </a:cxn>
+              <a:cxn ang="0">
+                <a:pos x="connsiteX53" y="connsiteY53"/>
+              </a:cxn>
+              <a:cxn ang="0">
+                <a:pos x="connsiteX54" y="connsiteY54"/>
+              </a:cxn>
+              <a:cxn ang="0">
+                <a:pos x="connsiteX55" y="connsiteY55"/>
+              </a:cxn>
+              <a:cxn ang="0">
+                <a:pos x="connsiteX56" y="connsiteY56"/>
+              </a:cxn>
+              <a:cxn ang="0">
+                <a:pos x="connsiteX57" y="connsiteY57"/>
+              </a:cxn>
+              <a:cxn ang="0">
+                <a:pos x="connsiteX58" y="connsiteY58"/>
+              </a:cxn>
+              <a:cxn ang="0">
+                <a:pos x="connsiteX59" y="connsiteY59"/>
+              </a:cxn>
+              <a:cxn ang="0">
+                <a:pos x="connsiteX60" y="connsiteY60"/>
+              </a:cxn>
+            </a:cxnLst>
+            <a:rect l="l" t="t" r="r" b="b"/>
+            <a:pathLst>
+              <a:path w="1396957" h="1396957">
+                <a:moveTo>
+                  <a:pt x="698478" y="410478"/>
+                </a:moveTo>
+                <a:cubicBezTo>
+                  <a:pt x="539420" y="410478"/>
+                  <a:pt x="410478" y="539420"/>
+                  <a:pt x="410478" y="698478"/>
+                </a:cubicBezTo>
+                <a:cubicBezTo>
+                  <a:pt x="410478" y="857536"/>
+                  <a:pt x="539420" y="986478"/>
+                  <a:pt x="698478" y="986478"/>
+                </a:cubicBezTo>
+                <a:cubicBezTo>
+                  <a:pt x="857536" y="986478"/>
+                  <a:pt x="986478" y="857536"/>
+                  <a:pt x="986478" y="698478"/>
+                </a:cubicBezTo>
+                <a:cubicBezTo>
+                  <a:pt x="986478" y="539420"/>
+                  <a:pt x="857536" y="410478"/>
+                  <a:pt x="698478" y="410478"/>
+                </a:cubicBezTo>
+                <a:close/>
+                <a:moveTo>
+                  <a:pt x="531166" y="0"/>
+                </a:moveTo>
+                <a:lnTo>
+                  <a:pt x="531660" y="2537"/>
+                </a:lnTo>
+                <a:cubicBezTo>
+                  <a:pt x="540447" y="24205"/>
+                  <a:pt x="553626" y="44509"/>
+                  <a:pt x="571200" y="62082"/>
+                </a:cubicBezTo>
+                <a:cubicBezTo>
+                  <a:pt x="641494" y="132377"/>
+                  <a:pt x="755464" y="132377"/>
+                  <a:pt x="825759" y="62082"/>
+                </a:cubicBezTo>
+                <a:cubicBezTo>
+                  <a:pt x="843332" y="44509"/>
+                  <a:pt x="856512" y="24205"/>
+                  <a:pt x="865299" y="2538"/>
+                </a:cubicBezTo>
+                <a:lnTo>
+                  <a:pt x="865793" y="0"/>
+                </a:lnTo>
+                <a:lnTo>
+                  <a:pt x="978735" y="35060"/>
+                </a:lnTo>
+                <a:lnTo>
+                  <a:pt x="1073805" y="86662"/>
+                </a:lnTo>
+                <a:lnTo>
+                  <a:pt x="1072624" y="88414"/>
+                </a:lnTo>
+                <a:cubicBezTo>
+                  <a:pt x="1063516" y="109949"/>
+                  <a:pt x="1058479" y="133626"/>
+                  <a:pt x="1058479" y="158479"/>
+                </a:cubicBezTo>
+                <a:cubicBezTo>
+                  <a:pt x="1058479" y="257889"/>
+                  <a:pt x="1139069" y="338478"/>
+                  <a:pt x="1238479" y="338478"/>
+                </a:cubicBezTo>
+                <a:cubicBezTo>
+                  <a:pt x="1263332" y="338479"/>
+                  <a:pt x="1287009" y="333442"/>
+                  <a:pt x="1308544" y="324333"/>
+                </a:cubicBezTo>
+                <a:lnTo>
+                  <a:pt x="1310295" y="323152"/>
+                </a:lnTo>
+                <a:lnTo>
+                  <a:pt x="1361898" y="418223"/>
+                </a:lnTo>
+                <a:lnTo>
+                  <a:pt x="1396957" y="531166"/>
+                </a:lnTo>
+                <a:lnTo>
+                  <a:pt x="1394420" y="531660"/>
+                </a:lnTo>
+                <a:cubicBezTo>
+                  <a:pt x="1372752" y="540447"/>
+                  <a:pt x="1352449" y="553626"/>
+                  <a:pt x="1334876" y="571199"/>
+                </a:cubicBezTo>
+                <a:cubicBezTo>
+                  <a:pt x="1264581" y="641494"/>
+                  <a:pt x="1264581" y="755464"/>
+                  <a:pt x="1334876" y="825758"/>
+                </a:cubicBezTo>
+                <a:cubicBezTo>
+                  <a:pt x="1352449" y="843331"/>
+                  <a:pt x="1372752" y="856512"/>
+                  <a:pt x="1394420" y="865299"/>
+                </a:cubicBezTo>
+                <a:lnTo>
+                  <a:pt x="1396957" y="865792"/>
+                </a:lnTo>
+                <a:lnTo>
+                  <a:pt x="1361898" y="978735"/>
+                </a:lnTo>
+                <a:lnTo>
+                  <a:pt x="1310295" y="1073805"/>
+                </a:lnTo>
+                <a:lnTo>
+                  <a:pt x="1308544" y="1072624"/>
+                </a:lnTo>
+                <a:cubicBezTo>
+                  <a:pt x="1287009" y="1063515"/>
+                  <a:pt x="1263332" y="1058478"/>
+                  <a:pt x="1238479" y="1058479"/>
+                </a:cubicBezTo>
+                <a:cubicBezTo>
+                  <a:pt x="1139069" y="1058479"/>
+                  <a:pt x="1058479" y="1139068"/>
+                  <a:pt x="1058479" y="1238478"/>
+                </a:cubicBezTo>
+                <a:cubicBezTo>
+                  <a:pt x="1058479" y="1263331"/>
+                  <a:pt x="1063516" y="1287008"/>
+                  <a:pt x="1072624" y="1308543"/>
+                </a:cubicBezTo>
+                <a:lnTo>
+                  <a:pt x="1073805" y="1310295"/>
+                </a:lnTo>
+                <a:lnTo>
+                  <a:pt x="978735" y="1361898"/>
+                </a:lnTo>
+                <a:lnTo>
+                  <a:pt x="865793" y="1396957"/>
+                </a:lnTo>
+                <a:lnTo>
+                  <a:pt x="865299" y="1394419"/>
+                </a:lnTo>
+                <a:cubicBezTo>
+                  <a:pt x="856512" y="1372752"/>
+                  <a:pt x="843332" y="1352448"/>
+                  <a:pt x="825759" y="1334875"/>
+                </a:cubicBezTo>
+                <a:cubicBezTo>
+                  <a:pt x="755464" y="1264581"/>
+                  <a:pt x="641494" y="1264581"/>
+                  <a:pt x="571200" y="1334875"/>
+                </a:cubicBezTo>
+                <a:cubicBezTo>
+                  <a:pt x="553626" y="1352448"/>
+                  <a:pt x="540447" y="1372752"/>
+                  <a:pt x="531660" y="1394420"/>
+                </a:cubicBezTo>
+                <a:lnTo>
+                  <a:pt x="531167" y="1396957"/>
+                </a:lnTo>
+                <a:lnTo>
+                  <a:pt x="418223" y="1361898"/>
+                </a:lnTo>
+                <a:lnTo>
+                  <a:pt x="323152" y="1310295"/>
+                </a:lnTo>
+                <a:lnTo>
+                  <a:pt x="324334" y="1308543"/>
+                </a:lnTo>
+                <a:cubicBezTo>
+                  <a:pt x="333442" y="1287008"/>
+                  <a:pt x="338479" y="1263332"/>
+                  <a:pt x="338479" y="1238478"/>
+                </a:cubicBezTo>
+                <a:cubicBezTo>
+                  <a:pt x="338479" y="1139068"/>
+                  <a:pt x="257890" y="1058479"/>
+                  <a:pt x="158479" y="1058479"/>
+                </a:cubicBezTo>
+                <a:cubicBezTo>
+                  <a:pt x="133626" y="1058479"/>
+                  <a:pt x="109950" y="1063515"/>
+                  <a:pt x="88415" y="1072624"/>
+                </a:cubicBezTo>
+                <a:lnTo>
+                  <a:pt x="86662" y="1073805"/>
+                </a:lnTo>
+                <a:lnTo>
+                  <a:pt x="35060" y="978735"/>
+                </a:lnTo>
+                <a:lnTo>
+                  <a:pt x="0" y="865793"/>
+                </a:lnTo>
+                <a:lnTo>
+                  <a:pt x="2538" y="865299"/>
+                </a:lnTo>
+                <a:cubicBezTo>
+                  <a:pt x="24206" y="856511"/>
+                  <a:pt x="44509" y="843332"/>
+                  <a:pt x="62083" y="825758"/>
+                </a:cubicBezTo>
+                <a:cubicBezTo>
+                  <a:pt x="132377" y="755464"/>
+                  <a:pt x="132377" y="641494"/>
+                  <a:pt x="62083" y="571199"/>
+                </a:cubicBezTo>
+                <a:cubicBezTo>
+                  <a:pt x="44509" y="553626"/>
+                  <a:pt x="24206" y="540446"/>
+                  <a:pt x="2538" y="531659"/>
+                </a:cubicBezTo>
+                <a:lnTo>
+                  <a:pt x="0" y="531166"/>
+                </a:lnTo>
+                <a:lnTo>
+                  <a:pt x="35060" y="418223"/>
+                </a:lnTo>
+                <a:lnTo>
+                  <a:pt x="86662" y="323152"/>
+                </a:lnTo>
+                <a:lnTo>
+                  <a:pt x="88415" y="324333"/>
+                </a:lnTo>
+                <a:cubicBezTo>
+                  <a:pt x="109950" y="333442"/>
+                  <a:pt x="133626" y="338478"/>
+                  <a:pt x="158479" y="338478"/>
+                </a:cubicBezTo>
+                <a:cubicBezTo>
+                  <a:pt x="257890" y="338478"/>
+                  <a:pt x="338479" y="257889"/>
+                  <a:pt x="338479" y="158479"/>
+                </a:cubicBezTo>
+                <a:cubicBezTo>
+                  <a:pt x="338479" y="133625"/>
+                  <a:pt x="333442" y="109949"/>
+                  <a:pt x="324334" y="88414"/>
+                </a:cubicBezTo>
+                <a:lnTo>
+                  <a:pt x="323152" y="86662"/>
+                </a:lnTo>
+                <a:lnTo>
+                  <a:pt x="418223" y="35060"/>
+                </a:lnTo>
+                <a:close/>
+              </a:path>
+            </a:pathLst>
+          </a:custGeom>
+          <a:noFill/>
+          <a:ln w="38100">
+            <a:solidFill>
+              <a:srgbClr val="808080"/>
+            </a:solidFill>
+          </a:ln>
+        </p:spPr>
+        <p:style>
+          <a:lnRef idx="2">
+            <a:schemeClr val="accent1">
+              <a:shade val="15000"/>
+            </a:schemeClr>
+          </a:lnRef>
+          <a:fillRef idx="1">
+            <a:schemeClr val="accent1"/>
+          </a:fillRef>
+          <a:effectRef idx="0">
+            <a:schemeClr val="accent1"/>
+          </a:effectRef>
+          <a:fontRef idx="minor">
+            <a:schemeClr val="lt1"/>
+          </a:fontRef>
+        </p:style>
+        <p:txBody>
+          <a:bodyPr wrap="square" rtlCol="0" anchor="ctr">
+            <a:noAutofit/>
+          </a:bodyPr>
+          <a:lstStyle/>
+          <a:p>
+            <a:pPr algn="ctr"/>
+            <a:endParaRPr lang="zh-TW" altLang="en-US"/>
+          </a:p>
+        </p:txBody>
+      </p:sp>
     </p:spTree>
     <p:extLst>
       <p:ext uri="{BB962C8B-B14F-4D97-AF65-F5344CB8AC3E}">

--- a/src/assets/images/圖的原檔.pptx
+++ b/src/assets/images/圖的原檔.pptx
@@ -322,7 +322,7 @@
           <a:p>
             <a:fld id="{1FCFF50C-8A84-4E8C-A139-A97BB20D26A6}" type="datetimeFigureOut">
               <a:rPr lang="zh-TW" altLang="en-US" smtClean="0"/>
-              <a:t>2023/7/5</a:t>
+              <a:t>2023/7/6</a:t>
             </a:fld>
             <a:endParaRPr lang="zh-TW" altLang="en-US"/>
           </a:p>
@@ -530,7 +530,7 @@
           <a:p>
             <a:fld id="{1FCFF50C-8A84-4E8C-A139-A97BB20D26A6}" type="datetimeFigureOut">
               <a:rPr lang="zh-TW" altLang="en-US" smtClean="0"/>
-              <a:t>2023/7/5</a:t>
+              <a:t>2023/7/6</a:t>
             </a:fld>
             <a:endParaRPr lang="zh-TW" altLang="en-US"/>
           </a:p>
@@ -728,7 +728,7 @@
           <a:p>
             <a:fld id="{1FCFF50C-8A84-4E8C-A139-A97BB20D26A6}" type="datetimeFigureOut">
               <a:rPr lang="zh-TW" altLang="en-US" smtClean="0"/>
-              <a:t>2023/7/5</a:t>
+              <a:t>2023/7/6</a:t>
             </a:fld>
             <a:endParaRPr lang="zh-TW" altLang="en-US"/>
           </a:p>
@@ -1003,7 +1003,7 @@
           <a:p>
             <a:fld id="{1FCFF50C-8A84-4E8C-A139-A97BB20D26A6}" type="datetimeFigureOut">
               <a:rPr lang="zh-TW" altLang="en-US" smtClean="0"/>
-              <a:t>2023/7/5</a:t>
+              <a:t>2023/7/6</a:t>
             </a:fld>
             <a:endParaRPr lang="zh-TW" altLang="en-US"/>
           </a:p>
@@ -1268,7 +1268,7 @@
           <a:p>
             <a:fld id="{1FCFF50C-8A84-4E8C-A139-A97BB20D26A6}" type="datetimeFigureOut">
               <a:rPr lang="zh-TW" altLang="en-US" smtClean="0"/>
-              <a:t>2023/7/5</a:t>
+              <a:t>2023/7/6</a:t>
             </a:fld>
             <a:endParaRPr lang="zh-TW" altLang="en-US"/>
           </a:p>
@@ -1680,7 +1680,7 @@
           <a:p>
             <a:fld id="{1FCFF50C-8A84-4E8C-A139-A97BB20D26A6}" type="datetimeFigureOut">
               <a:rPr lang="zh-TW" altLang="en-US" smtClean="0"/>
-              <a:t>2023/7/5</a:t>
+              <a:t>2023/7/6</a:t>
             </a:fld>
             <a:endParaRPr lang="zh-TW" altLang="en-US"/>
           </a:p>
@@ -1821,7 +1821,7 @@
           <a:p>
             <a:fld id="{1FCFF50C-8A84-4E8C-A139-A97BB20D26A6}" type="datetimeFigureOut">
               <a:rPr lang="zh-TW" altLang="en-US" smtClean="0"/>
-              <a:t>2023/7/5</a:t>
+              <a:t>2023/7/6</a:t>
             </a:fld>
             <a:endParaRPr lang="zh-TW" altLang="en-US"/>
           </a:p>
@@ -1934,7 +1934,7 @@
           <a:p>
             <a:fld id="{1FCFF50C-8A84-4E8C-A139-A97BB20D26A6}" type="datetimeFigureOut">
               <a:rPr lang="zh-TW" altLang="en-US" smtClean="0"/>
-              <a:t>2023/7/5</a:t>
+              <a:t>2023/7/6</a:t>
             </a:fld>
             <a:endParaRPr lang="zh-TW" altLang="en-US"/>
           </a:p>
@@ -2245,7 +2245,7 @@
           <a:p>
             <a:fld id="{1FCFF50C-8A84-4E8C-A139-A97BB20D26A6}" type="datetimeFigureOut">
               <a:rPr lang="zh-TW" altLang="en-US" smtClean="0"/>
-              <a:t>2023/7/5</a:t>
+              <a:t>2023/7/6</a:t>
             </a:fld>
             <a:endParaRPr lang="zh-TW" altLang="en-US"/>
           </a:p>
@@ -2533,7 +2533,7 @@
           <a:p>
             <a:fld id="{1FCFF50C-8A84-4E8C-A139-A97BB20D26A6}" type="datetimeFigureOut">
               <a:rPr lang="zh-TW" altLang="en-US" smtClean="0"/>
-              <a:t>2023/7/5</a:t>
+              <a:t>2023/7/6</a:t>
             </a:fld>
             <a:endParaRPr lang="zh-TW" altLang="en-US"/>
           </a:p>
@@ -2774,7 +2774,7 @@
           <a:p>
             <a:fld id="{1FCFF50C-8A84-4E8C-A139-A97BB20D26A6}" type="datetimeFigureOut">
               <a:rPr lang="zh-TW" altLang="en-US" smtClean="0"/>
-              <a:t>2023/7/5</a:t>
+              <a:t>2023/7/6</a:t>
             </a:fld>
             <a:endParaRPr lang="zh-TW" altLang="en-US"/>
           </a:p>
@@ -6175,10 +6175,10 @@
       </p:pic>
       <p:sp>
         <p:nvSpPr>
-          <p:cNvPr id="109" name="矩形 108">
+          <p:cNvPr id="110" name="矩形 109">
             <a:extLst>
               <a:ext uri="{FF2B5EF4-FFF2-40B4-BE49-F238E27FC236}">
-                <a16:creationId xmlns:a16="http://schemas.microsoft.com/office/drawing/2014/main" id="{D0110A0F-355D-6460-DDD0-9558A3FA0770}"/>
+                <a16:creationId xmlns:a16="http://schemas.microsoft.com/office/drawing/2014/main" id="{9167D182-3D51-DBCB-E74C-2629E24C7F1B}"/>
               </a:ext>
             </a:extLst>
           </p:cNvPr>
@@ -6222,51 +6222,12 @@
           </a:p>
         </p:txBody>
       </p:sp>
-      <p:pic>
-        <p:nvPicPr>
-          <p:cNvPr id="107" name="圖形 106">
-            <a:extLst>
-              <a:ext uri="{FF2B5EF4-FFF2-40B4-BE49-F238E27FC236}">
-                <a16:creationId xmlns:a16="http://schemas.microsoft.com/office/drawing/2014/main" id="{EBD6721F-E539-443B-9A26-FB12B9BE2274}"/>
-              </a:ext>
-            </a:extLst>
-          </p:cNvPr>
-          <p:cNvPicPr>
-            <a:picLocks noChangeAspect="1"/>
-          </p:cNvPicPr>
-          <p:nvPr/>
-        </p:nvPicPr>
-        <p:blipFill>
-          <a:blip r:embed="rId6">
-            <a:extLst>
-              <a:ext uri="{28A0092B-C50C-407E-A947-70E740481C1C}">
-                <a14:useLocalDpi xmlns:a14="http://schemas.microsoft.com/office/drawing/2010/main" val="0"/>
-              </a:ext>
-              <a:ext uri="{96DAC541-7B7A-43D3-8B79-37D633B846F1}">
-                <asvg:svgBlip xmlns:asvg="http://schemas.microsoft.com/office/drawing/2016/SVG/main" r:embed="rId7"/>
-              </a:ext>
-            </a:extLst>
-          </a:blip>
-          <a:stretch>
-            <a:fillRect/>
-          </a:stretch>
-        </p:blipFill>
-        <p:spPr>
-          <a:xfrm>
-            <a:off x="893692" y="1626429"/>
-            <a:ext cx="504000" cy="347143"/>
-          </a:xfrm>
-          <a:prstGeom prst="rect">
-            <a:avLst/>
-          </a:prstGeom>
-        </p:spPr>
-      </p:pic>
       <p:sp>
         <p:nvSpPr>
-          <p:cNvPr id="110" name="矩形 109">
+          <p:cNvPr id="111" name="矩形 110">
             <a:extLst>
               <a:ext uri="{FF2B5EF4-FFF2-40B4-BE49-F238E27FC236}">
-                <a16:creationId xmlns:a16="http://schemas.microsoft.com/office/drawing/2014/main" id="{9167D182-3D51-DBCB-E74C-2629E24C7F1B}"/>
+                <a16:creationId xmlns:a16="http://schemas.microsoft.com/office/drawing/2014/main" id="{7B8DDFEE-95D3-36A3-5D11-CDDE49684F6E}"/>
               </a:ext>
             </a:extLst>
           </p:cNvPr>
@@ -6310,55 +6271,6 @@
           </a:p>
         </p:txBody>
       </p:sp>
-      <p:sp>
-        <p:nvSpPr>
-          <p:cNvPr id="111" name="矩形 110">
-            <a:extLst>
-              <a:ext uri="{FF2B5EF4-FFF2-40B4-BE49-F238E27FC236}">
-                <a16:creationId xmlns:a16="http://schemas.microsoft.com/office/drawing/2014/main" id="{7B8DDFEE-95D3-36A3-5D11-CDDE49684F6E}"/>
-              </a:ext>
-            </a:extLst>
-          </p:cNvPr>
-          <p:cNvSpPr/>
-          <p:nvPr/>
-        </p:nvSpPr>
-        <p:spPr>
-          <a:xfrm>
-            <a:off x="785692" y="2880000"/>
-            <a:ext cx="720000" cy="720000"/>
-          </a:xfrm>
-          <a:prstGeom prst="rect">
-            <a:avLst/>
-          </a:prstGeom>
-          <a:solidFill>
-            <a:schemeClr val="bg1"/>
-          </a:solidFill>
-        </p:spPr>
-        <p:style>
-          <a:lnRef idx="2">
-            <a:schemeClr val="accent1">
-              <a:shade val="15000"/>
-            </a:schemeClr>
-          </a:lnRef>
-          <a:fillRef idx="1">
-            <a:schemeClr val="accent1"/>
-          </a:fillRef>
-          <a:effectRef idx="0">
-            <a:schemeClr val="accent1"/>
-          </a:effectRef>
-          <a:fontRef idx="minor">
-            <a:schemeClr val="lt1"/>
-          </a:fontRef>
-        </p:style>
-        <p:txBody>
-          <a:bodyPr rtlCol="0" anchor="ctr"/>
-          <a:lstStyle/>
-          <a:p>
-            <a:pPr algn="ctr"/>
-            <a:endParaRPr lang="zh-TW" altLang="en-US"/>
-          </a:p>
-        </p:txBody>
-      </p:sp>
       <p:grpSp>
         <p:nvGrpSpPr>
           <p:cNvPr id="106" name="群組 105">
@@ -6373,7 +6285,7 @@
         </p:nvGrpSpPr>
         <p:grpSpPr>
           <a:xfrm>
-            <a:off x="929692" y="3024000"/>
+            <a:off x="929692" y="2304000"/>
             <a:ext cx="432000" cy="432000"/>
             <a:chOff x="1613417" y="2762250"/>
             <a:chExt cx="503999" cy="504000"/>
@@ -6401,7 +6313,7 @@
             </a:prstGeom>
             <a:ln w="38100">
               <a:solidFill>
-                <a:srgbClr val="808080"/>
+                <a:srgbClr val="009DBF"/>
               </a:solidFill>
             </a:ln>
           </p:spPr>
@@ -6452,7 +6364,7 @@
             </a:prstGeom>
             <a:ln w="38100">
               <a:solidFill>
-                <a:srgbClr val="808080"/>
+                <a:srgbClr val="009DBF"/>
               </a:solidFill>
               <a:tailEnd type="arrow" w="lg" len="med"/>
             </a:ln>
@@ -6487,7 +6399,917 @@
         </p:nvSpPr>
         <p:spPr>
           <a:xfrm>
-            <a:off x="893692" y="2268000"/>
+            <a:off x="893692" y="1548000"/>
+            <a:ext cx="504000" cy="504000"/>
+          </a:xfrm>
+          <a:custGeom>
+            <a:avLst/>
+            <a:gdLst>
+              <a:gd name="connsiteX0" fmla="*/ 698478 w 1396957"/>
+              <a:gd name="connsiteY0" fmla="*/ 410478 h 1396957"/>
+              <a:gd name="connsiteX1" fmla="*/ 410478 w 1396957"/>
+              <a:gd name="connsiteY1" fmla="*/ 698478 h 1396957"/>
+              <a:gd name="connsiteX2" fmla="*/ 698478 w 1396957"/>
+              <a:gd name="connsiteY2" fmla="*/ 986478 h 1396957"/>
+              <a:gd name="connsiteX3" fmla="*/ 986478 w 1396957"/>
+              <a:gd name="connsiteY3" fmla="*/ 698478 h 1396957"/>
+              <a:gd name="connsiteX4" fmla="*/ 698478 w 1396957"/>
+              <a:gd name="connsiteY4" fmla="*/ 410478 h 1396957"/>
+              <a:gd name="connsiteX5" fmla="*/ 531166 w 1396957"/>
+              <a:gd name="connsiteY5" fmla="*/ 0 h 1396957"/>
+              <a:gd name="connsiteX6" fmla="*/ 531660 w 1396957"/>
+              <a:gd name="connsiteY6" fmla="*/ 2537 h 1396957"/>
+              <a:gd name="connsiteX7" fmla="*/ 571200 w 1396957"/>
+              <a:gd name="connsiteY7" fmla="*/ 62082 h 1396957"/>
+              <a:gd name="connsiteX8" fmla="*/ 825759 w 1396957"/>
+              <a:gd name="connsiteY8" fmla="*/ 62082 h 1396957"/>
+              <a:gd name="connsiteX9" fmla="*/ 865299 w 1396957"/>
+              <a:gd name="connsiteY9" fmla="*/ 2538 h 1396957"/>
+              <a:gd name="connsiteX10" fmla="*/ 865793 w 1396957"/>
+              <a:gd name="connsiteY10" fmla="*/ 0 h 1396957"/>
+              <a:gd name="connsiteX11" fmla="*/ 978735 w 1396957"/>
+              <a:gd name="connsiteY11" fmla="*/ 35060 h 1396957"/>
+              <a:gd name="connsiteX12" fmla="*/ 1073805 w 1396957"/>
+              <a:gd name="connsiteY12" fmla="*/ 86662 h 1396957"/>
+              <a:gd name="connsiteX13" fmla="*/ 1072624 w 1396957"/>
+              <a:gd name="connsiteY13" fmla="*/ 88414 h 1396957"/>
+              <a:gd name="connsiteX14" fmla="*/ 1058479 w 1396957"/>
+              <a:gd name="connsiteY14" fmla="*/ 158479 h 1396957"/>
+              <a:gd name="connsiteX15" fmla="*/ 1238479 w 1396957"/>
+              <a:gd name="connsiteY15" fmla="*/ 338478 h 1396957"/>
+              <a:gd name="connsiteX16" fmla="*/ 1308544 w 1396957"/>
+              <a:gd name="connsiteY16" fmla="*/ 324333 h 1396957"/>
+              <a:gd name="connsiteX17" fmla="*/ 1310295 w 1396957"/>
+              <a:gd name="connsiteY17" fmla="*/ 323152 h 1396957"/>
+              <a:gd name="connsiteX18" fmla="*/ 1361898 w 1396957"/>
+              <a:gd name="connsiteY18" fmla="*/ 418223 h 1396957"/>
+              <a:gd name="connsiteX19" fmla="*/ 1396957 w 1396957"/>
+              <a:gd name="connsiteY19" fmla="*/ 531166 h 1396957"/>
+              <a:gd name="connsiteX20" fmla="*/ 1394420 w 1396957"/>
+              <a:gd name="connsiteY20" fmla="*/ 531660 h 1396957"/>
+              <a:gd name="connsiteX21" fmla="*/ 1334876 w 1396957"/>
+              <a:gd name="connsiteY21" fmla="*/ 571199 h 1396957"/>
+              <a:gd name="connsiteX22" fmla="*/ 1334876 w 1396957"/>
+              <a:gd name="connsiteY22" fmla="*/ 825758 h 1396957"/>
+              <a:gd name="connsiteX23" fmla="*/ 1394420 w 1396957"/>
+              <a:gd name="connsiteY23" fmla="*/ 865299 h 1396957"/>
+              <a:gd name="connsiteX24" fmla="*/ 1396957 w 1396957"/>
+              <a:gd name="connsiteY24" fmla="*/ 865792 h 1396957"/>
+              <a:gd name="connsiteX25" fmla="*/ 1361898 w 1396957"/>
+              <a:gd name="connsiteY25" fmla="*/ 978735 h 1396957"/>
+              <a:gd name="connsiteX26" fmla="*/ 1310295 w 1396957"/>
+              <a:gd name="connsiteY26" fmla="*/ 1073805 h 1396957"/>
+              <a:gd name="connsiteX27" fmla="*/ 1308544 w 1396957"/>
+              <a:gd name="connsiteY27" fmla="*/ 1072624 h 1396957"/>
+              <a:gd name="connsiteX28" fmla="*/ 1238479 w 1396957"/>
+              <a:gd name="connsiteY28" fmla="*/ 1058479 h 1396957"/>
+              <a:gd name="connsiteX29" fmla="*/ 1058479 w 1396957"/>
+              <a:gd name="connsiteY29" fmla="*/ 1238478 h 1396957"/>
+              <a:gd name="connsiteX30" fmla="*/ 1072624 w 1396957"/>
+              <a:gd name="connsiteY30" fmla="*/ 1308543 h 1396957"/>
+              <a:gd name="connsiteX31" fmla="*/ 1073805 w 1396957"/>
+              <a:gd name="connsiteY31" fmla="*/ 1310295 h 1396957"/>
+              <a:gd name="connsiteX32" fmla="*/ 978735 w 1396957"/>
+              <a:gd name="connsiteY32" fmla="*/ 1361898 h 1396957"/>
+              <a:gd name="connsiteX33" fmla="*/ 865793 w 1396957"/>
+              <a:gd name="connsiteY33" fmla="*/ 1396957 h 1396957"/>
+              <a:gd name="connsiteX34" fmla="*/ 865299 w 1396957"/>
+              <a:gd name="connsiteY34" fmla="*/ 1394419 h 1396957"/>
+              <a:gd name="connsiteX35" fmla="*/ 825759 w 1396957"/>
+              <a:gd name="connsiteY35" fmla="*/ 1334875 h 1396957"/>
+              <a:gd name="connsiteX36" fmla="*/ 571200 w 1396957"/>
+              <a:gd name="connsiteY36" fmla="*/ 1334875 h 1396957"/>
+              <a:gd name="connsiteX37" fmla="*/ 531660 w 1396957"/>
+              <a:gd name="connsiteY37" fmla="*/ 1394420 h 1396957"/>
+              <a:gd name="connsiteX38" fmla="*/ 531167 w 1396957"/>
+              <a:gd name="connsiteY38" fmla="*/ 1396957 h 1396957"/>
+              <a:gd name="connsiteX39" fmla="*/ 418223 w 1396957"/>
+              <a:gd name="connsiteY39" fmla="*/ 1361898 h 1396957"/>
+              <a:gd name="connsiteX40" fmla="*/ 323152 w 1396957"/>
+              <a:gd name="connsiteY40" fmla="*/ 1310295 h 1396957"/>
+              <a:gd name="connsiteX41" fmla="*/ 324334 w 1396957"/>
+              <a:gd name="connsiteY41" fmla="*/ 1308543 h 1396957"/>
+              <a:gd name="connsiteX42" fmla="*/ 338479 w 1396957"/>
+              <a:gd name="connsiteY42" fmla="*/ 1238478 h 1396957"/>
+              <a:gd name="connsiteX43" fmla="*/ 158479 w 1396957"/>
+              <a:gd name="connsiteY43" fmla="*/ 1058479 h 1396957"/>
+              <a:gd name="connsiteX44" fmla="*/ 88415 w 1396957"/>
+              <a:gd name="connsiteY44" fmla="*/ 1072624 h 1396957"/>
+              <a:gd name="connsiteX45" fmla="*/ 86662 w 1396957"/>
+              <a:gd name="connsiteY45" fmla="*/ 1073805 h 1396957"/>
+              <a:gd name="connsiteX46" fmla="*/ 35060 w 1396957"/>
+              <a:gd name="connsiteY46" fmla="*/ 978735 h 1396957"/>
+              <a:gd name="connsiteX47" fmla="*/ 0 w 1396957"/>
+              <a:gd name="connsiteY47" fmla="*/ 865793 h 1396957"/>
+              <a:gd name="connsiteX48" fmla="*/ 2538 w 1396957"/>
+              <a:gd name="connsiteY48" fmla="*/ 865299 h 1396957"/>
+              <a:gd name="connsiteX49" fmla="*/ 62083 w 1396957"/>
+              <a:gd name="connsiteY49" fmla="*/ 825758 h 1396957"/>
+              <a:gd name="connsiteX50" fmla="*/ 62083 w 1396957"/>
+              <a:gd name="connsiteY50" fmla="*/ 571199 h 1396957"/>
+              <a:gd name="connsiteX51" fmla="*/ 2538 w 1396957"/>
+              <a:gd name="connsiteY51" fmla="*/ 531659 h 1396957"/>
+              <a:gd name="connsiteX52" fmla="*/ 0 w 1396957"/>
+              <a:gd name="connsiteY52" fmla="*/ 531166 h 1396957"/>
+              <a:gd name="connsiteX53" fmla="*/ 35060 w 1396957"/>
+              <a:gd name="connsiteY53" fmla="*/ 418223 h 1396957"/>
+              <a:gd name="connsiteX54" fmla="*/ 86662 w 1396957"/>
+              <a:gd name="connsiteY54" fmla="*/ 323152 h 1396957"/>
+              <a:gd name="connsiteX55" fmla="*/ 88415 w 1396957"/>
+              <a:gd name="connsiteY55" fmla="*/ 324333 h 1396957"/>
+              <a:gd name="connsiteX56" fmla="*/ 158479 w 1396957"/>
+              <a:gd name="connsiteY56" fmla="*/ 338478 h 1396957"/>
+              <a:gd name="connsiteX57" fmla="*/ 338479 w 1396957"/>
+              <a:gd name="connsiteY57" fmla="*/ 158479 h 1396957"/>
+              <a:gd name="connsiteX58" fmla="*/ 324334 w 1396957"/>
+              <a:gd name="connsiteY58" fmla="*/ 88414 h 1396957"/>
+              <a:gd name="connsiteX59" fmla="*/ 323152 w 1396957"/>
+              <a:gd name="connsiteY59" fmla="*/ 86662 h 1396957"/>
+              <a:gd name="connsiteX60" fmla="*/ 418223 w 1396957"/>
+              <a:gd name="connsiteY60" fmla="*/ 35060 h 1396957"/>
+            </a:gdLst>
+            <a:ahLst/>
+            <a:cxnLst>
+              <a:cxn ang="0">
+                <a:pos x="connsiteX0" y="connsiteY0"/>
+              </a:cxn>
+              <a:cxn ang="0">
+                <a:pos x="connsiteX1" y="connsiteY1"/>
+              </a:cxn>
+              <a:cxn ang="0">
+                <a:pos x="connsiteX2" y="connsiteY2"/>
+              </a:cxn>
+              <a:cxn ang="0">
+                <a:pos x="connsiteX3" y="connsiteY3"/>
+              </a:cxn>
+              <a:cxn ang="0">
+                <a:pos x="connsiteX4" y="connsiteY4"/>
+              </a:cxn>
+              <a:cxn ang="0">
+                <a:pos x="connsiteX5" y="connsiteY5"/>
+              </a:cxn>
+              <a:cxn ang="0">
+                <a:pos x="connsiteX6" y="connsiteY6"/>
+              </a:cxn>
+              <a:cxn ang="0">
+                <a:pos x="connsiteX7" y="connsiteY7"/>
+              </a:cxn>
+              <a:cxn ang="0">
+                <a:pos x="connsiteX8" y="connsiteY8"/>
+              </a:cxn>
+              <a:cxn ang="0">
+                <a:pos x="connsiteX9" y="connsiteY9"/>
+              </a:cxn>
+              <a:cxn ang="0">
+                <a:pos x="connsiteX10" y="connsiteY10"/>
+              </a:cxn>
+              <a:cxn ang="0">
+                <a:pos x="connsiteX11" y="connsiteY11"/>
+              </a:cxn>
+              <a:cxn ang="0">
+                <a:pos x="connsiteX12" y="connsiteY12"/>
+              </a:cxn>
+              <a:cxn ang="0">
+                <a:pos x="connsiteX13" y="connsiteY13"/>
+              </a:cxn>
+              <a:cxn ang="0">
+                <a:pos x="connsiteX14" y="connsiteY14"/>
+              </a:cxn>
+              <a:cxn ang="0">
+                <a:pos x="connsiteX15" y="connsiteY15"/>
+              </a:cxn>
+              <a:cxn ang="0">
+                <a:pos x="connsiteX16" y="connsiteY16"/>
+              </a:cxn>
+              <a:cxn ang="0">
+                <a:pos x="connsiteX17" y="connsiteY17"/>
+              </a:cxn>
+              <a:cxn ang="0">
+                <a:pos x="connsiteX18" y="connsiteY18"/>
+              </a:cxn>
+              <a:cxn ang="0">
+                <a:pos x="connsiteX19" y="connsiteY19"/>
+              </a:cxn>
+              <a:cxn ang="0">
+                <a:pos x="connsiteX20" y="connsiteY20"/>
+              </a:cxn>
+              <a:cxn ang="0">
+                <a:pos x="connsiteX21" y="connsiteY21"/>
+              </a:cxn>
+              <a:cxn ang="0">
+                <a:pos x="connsiteX22" y="connsiteY22"/>
+              </a:cxn>
+              <a:cxn ang="0">
+                <a:pos x="connsiteX23" y="connsiteY23"/>
+              </a:cxn>
+              <a:cxn ang="0">
+                <a:pos x="connsiteX24" y="connsiteY24"/>
+              </a:cxn>
+              <a:cxn ang="0">
+                <a:pos x="connsiteX25" y="connsiteY25"/>
+              </a:cxn>
+              <a:cxn ang="0">
+                <a:pos x="connsiteX26" y="connsiteY26"/>
+              </a:cxn>
+              <a:cxn ang="0">
+                <a:pos x="connsiteX27" y="connsiteY27"/>
+              </a:cxn>
+              <a:cxn ang="0">
+                <a:pos x="connsiteX28" y="connsiteY28"/>
+              </a:cxn>
+              <a:cxn ang="0">
+                <a:pos x="connsiteX29" y="connsiteY29"/>
+              </a:cxn>
+              <a:cxn ang="0">
+                <a:pos x="connsiteX30" y="connsiteY30"/>
+              </a:cxn>
+              <a:cxn ang="0">
+                <a:pos x="connsiteX31" y="connsiteY31"/>
+              </a:cxn>
+              <a:cxn ang="0">
+                <a:pos x="connsiteX32" y="connsiteY32"/>
+              </a:cxn>
+              <a:cxn ang="0">
+                <a:pos x="connsiteX33" y="connsiteY33"/>
+              </a:cxn>
+              <a:cxn ang="0">
+                <a:pos x="connsiteX34" y="connsiteY34"/>
+              </a:cxn>
+              <a:cxn ang="0">
+                <a:pos x="connsiteX35" y="connsiteY35"/>
+              </a:cxn>
+              <a:cxn ang="0">
+                <a:pos x="connsiteX36" y="connsiteY36"/>
+              </a:cxn>
+              <a:cxn ang="0">
+                <a:pos x="connsiteX37" y="connsiteY37"/>
+              </a:cxn>
+              <a:cxn ang="0">
+                <a:pos x="connsiteX38" y="connsiteY38"/>
+              </a:cxn>
+              <a:cxn ang="0">
+                <a:pos x="connsiteX39" y="connsiteY39"/>
+              </a:cxn>
+              <a:cxn ang="0">
+                <a:pos x="connsiteX40" y="connsiteY40"/>
+              </a:cxn>
+              <a:cxn ang="0">
+                <a:pos x="connsiteX41" y="connsiteY41"/>
+              </a:cxn>
+              <a:cxn ang="0">
+                <a:pos x="connsiteX42" y="connsiteY42"/>
+              </a:cxn>
+              <a:cxn ang="0">
+                <a:pos x="connsiteX43" y="connsiteY43"/>
+              </a:cxn>
+              <a:cxn ang="0">
+                <a:pos x="connsiteX44" y="connsiteY44"/>
+              </a:cxn>
+              <a:cxn ang="0">
+                <a:pos x="connsiteX45" y="connsiteY45"/>
+              </a:cxn>
+              <a:cxn ang="0">
+                <a:pos x="connsiteX46" y="connsiteY46"/>
+              </a:cxn>
+              <a:cxn ang="0">
+                <a:pos x="connsiteX47" y="connsiteY47"/>
+              </a:cxn>
+              <a:cxn ang="0">
+                <a:pos x="connsiteX48" y="connsiteY48"/>
+              </a:cxn>
+              <a:cxn ang="0">
+                <a:pos x="connsiteX49" y="connsiteY49"/>
+              </a:cxn>
+              <a:cxn ang="0">
+                <a:pos x="connsiteX50" y="connsiteY50"/>
+              </a:cxn>
+              <a:cxn ang="0">
+                <a:pos x="connsiteX51" y="connsiteY51"/>
+              </a:cxn>
+              <a:cxn ang="0">
+                <a:pos x="connsiteX52" y="connsiteY52"/>
+              </a:cxn>
+              <a:cxn ang="0">
+                <a:pos x="connsiteX53" y="connsiteY53"/>
+              </a:cxn>
+              <a:cxn ang="0">
+                <a:pos x="connsiteX54" y="connsiteY54"/>
+              </a:cxn>
+              <a:cxn ang="0">
+                <a:pos x="connsiteX55" y="connsiteY55"/>
+              </a:cxn>
+              <a:cxn ang="0">
+                <a:pos x="connsiteX56" y="connsiteY56"/>
+              </a:cxn>
+              <a:cxn ang="0">
+                <a:pos x="connsiteX57" y="connsiteY57"/>
+              </a:cxn>
+              <a:cxn ang="0">
+                <a:pos x="connsiteX58" y="connsiteY58"/>
+              </a:cxn>
+              <a:cxn ang="0">
+                <a:pos x="connsiteX59" y="connsiteY59"/>
+              </a:cxn>
+              <a:cxn ang="0">
+                <a:pos x="connsiteX60" y="connsiteY60"/>
+              </a:cxn>
+            </a:cxnLst>
+            <a:rect l="l" t="t" r="r" b="b"/>
+            <a:pathLst>
+              <a:path w="1396957" h="1396957">
+                <a:moveTo>
+                  <a:pt x="698478" y="410478"/>
+                </a:moveTo>
+                <a:cubicBezTo>
+                  <a:pt x="539420" y="410478"/>
+                  <a:pt x="410478" y="539420"/>
+                  <a:pt x="410478" y="698478"/>
+                </a:cubicBezTo>
+                <a:cubicBezTo>
+                  <a:pt x="410478" y="857536"/>
+                  <a:pt x="539420" y="986478"/>
+                  <a:pt x="698478" y="986478"/>
+                </a:cubicBezTo>
+                <a:cubicBezTo>
+                  <a:pt x="857536" y="986478"/>
+                  <a:pt x="986478" y="857536"/>
+                  <a:pt x="986478" y="698478"/>
+                </a:cubicBezTo>
+                <a:cubicBezTo>
+                  <a:pt x="986478" y="539420"/>
+                  <a:pt x="857536" y="410478"/>
+                  <a:pt x="698478" y="410478"/>
+                </a:cubicBezTo>
+                <a:close/>
+                <a:moveTo>
+                  <a:pt x="531166" y="0"/>
+                </a:moveTo>
+                <a:lnTo>
+                  <a:pt x="531660" y="2537"/>
+                </a:lnTo>
+                <a:cubicBezTo>
+                  <a:pt x="540447" y="24205"/>
+                  <a:pt x="553626" y="44509"/>
+                  <a:pt x="571200" y="62082"/>
+                </a:cubicBezTo>
+                <a:cubicBezTo>
+                  <a:pt x="641494" y="132377"/>
+                  <a:pt x="755464" y="132377"/>
+                  <a:pt x="825759" y="62082"/>
+                </a:cubicBezTo>
+                <a:cubicBezTo>
+                  <a:pt x="843332" y="44509"/>
+                  <a:pt x="856512" y="24205"/>
+                  <a:pt x="865299" y="2538"/>
+                </a:cubicBezTo>
+                <a:lnTo>
+                  <a:pt x="865793" y="0"/>
+                </a:lnTo>
+                <a:lnTo>
+                  <a:pt x="978735" y="35060"/>
+                </a:lnTo>
+                <a:lnTo>
+                  <a:pt x="1073805" y="86662"/>
+                </a:lnTo>
+                <a:lnTo>
+                  <a:pt x="1072624" y="88414"/>
+                </a:lnTo>
+                <a:cubicBezTo>
+                  <a:pt x="1063516" y="109949"/>
+                  <a:pt x="1058479" y="133626"/>
+                  <a:pt x="1058479" y="158479"/>
+                </a:cubicBezTo>
+                <a:cubicBezTo>
+                  <a:pt x="1058479" y="257889"/>
+                  <a:pt x="1139069" y="338478"/>
+                  <a:pt x="1238479" y="338478"/>
+                </a:cubicBezTo>
+                <a:cubicBezTo>
+                  <a:pt x="1263332" y="338479"/>
+                  <a:pt x="1287009" y="333442"/>
+                  <a:pt x="1308544" y="324333"/>
+                </a:cubicBezTo>
+                <a:lnTo>
+                  <a:pt x="1310295" y="323152"/>
+                </a:lnTo>
+                <a:lnTo>
+                  <a:pt x="1361898" y="418223"/>
+                </a:lnTo>
+                <a:lnTo>
+                  <a:pt x="1396957" y="531166"/>
+                </a:lnTo>
+                <a:lnTo>
+                  <a:pt x="1394420" y="531660"/>
+                </a:lnTo>
+                <a:cubicBezTo>
+                  <a:pt x="1372752" y="540447"/>
+                  <a:pt x="1352449" y="553626"/>
+                  <a:pt x="1334876" y="571199"/>
+                </a:cubicBezTo>
+                <a:cubicBezTo>
+                  <a:pt x="1264581" y="641494"/>
+                  <a:pt x="1264581" y="755464"/>
+                  <a:pt x="1334876" y="825758"/>
+                </a:cubicBezTo>
+                <a:cubicBezTo>
+                  <a:pt x="1352449" y="843331"/>
+                  <a:pt x="1372752" y="856512"/>
+                  <a:pt x="1394420" y="865299"/>
+                </a:cubicBezTo>
+                <a:lnTo>
+                  <a:pt x="1396957" y="865792"/>
+                </a:lnTo>
+                <a:lnTo>
+                  <a:pt x="1361898" y="978735"/>
+                </a:lnTo>
+                <a:lnTo>
+                  <a:pt x="1310295" y="1073805"/>
+                </a:lnTo>
+                <a:lnTo>
+                  <a:pt x="1308544" y="1072624"/>
+                </a:lnTo>
+                <a:cubicBezTo>
+                  <a:pt x="1287009" y="1063515"/>
+                  <a:pt x="1263332" y="1058478"/>
+                  <a:pt x="1238479" y="1058479"/>
+                </a:cubicBezTo>
+                <a:cubicBezTo>
+                  <a:pt x="1139069" y="1058479"/>
+                  <a:pt x="1058479" y="1139068"/>
+                  <a:pt x="1058479" y="1238478"/>
+                </a:cubicBezTo>
+                <a:cubicBezTo>
+                  <a:pt x="1058479" y="1263331"/>
+                  <a:pt x="1063516" y="1287008"/>
+                  <a:pt x="1072624" y="1308543"/>
+                </a:cubicBezTo>
+                <a:lnTo>
+                  <a:pt x="1073805" y="1310295"/>
+                </a:lnTo>
+                <a:lnTo>
+                  <a:pt x="978735" y="1361898"/>
+                </a:lnTo>
+                <a:lnTo>
+                  <a:pt x="865793" y="1396957"/>
+                </a:lnTo>
+                <a:lnTo>
+                  <a:pt x="865299" y="1394419"/>
+                </a:lnTo>
+                <a:cubicBezTo>
+                  <a:pt x="856512" y="1372752"/>
+                  <a:pt x="843332" y="1352448"/>
+                  <a:pt x="825759" y="1334875"/>
+                </a:cubicBezTo>
+                <a:cubicBezTo>
+                  <a:pt x="755464" y="1264581"/>
+                  <a:pt x="641494" y="1264581"/>
+                  <a:pt x="571200" y="1334875"/>
+                </a:cubicBezTo>
+                <a:cubicBezTo>
+                  <a:pt x="553626" y="1352448"/>
+                  <a:pt x="540447" y="1372752"/>
+                  <a:pt x="531660" y="1394420"/>
+                </a:cubicBezTo>
+                <a:lnTo>
+                  <a:pt x="531167" y="1396957"/>
+                </a:lnTo>
+                <a:lnTo>
+                  <a:pt x="418223" y="1361898"/>
+                </a:lnTo>
+                <a:lnTo>
+                  <a:pt x="323152" y="1310295"/>
+                </a:lnTo>
+                <a:lnTo>
+                  <a:pt x="324334" y="1308543"/>
+                </a:lnTo>
+                <a:cubicBezTo>
+                  <a:pt x="333442" y="1287008"/>
+                  <a:pt x="338479" y="1263332"/>
+                  <a:pt x="338479" y="1238478"/>
+                </a:cubicBezTo>
+                <a:cubicBezTo>
+                  <a:pt x="338479" y="1139068"/>
+                  <a:pt x="257890" y="1058479"/>
+                  <a:pt x="158479" y="1058479"/>
+                </a:cubicBezTo>
+                <a:cubicBezTo>
+                  <a:pt x="133626" y="1058479"/>
+                  <a:pt x="109950" y="1063515"/>
+                  <a:pt x="88415" y="1072624"/>
+                </a:cubicBezTo>
+                <a:lnTo>
+                  <a:pt x="86662" y="1073805"/>
+                </a:lnTo>
+                <a:lnTo>
+                  <a:pt x="35060" y="978735"/>
+                </a:lnTo>
+                <a:lnTo>
+                  <a:pt x="0" y="865793"/>
+                </a:lnTo>
+                <a:lnTo>
+                  <a:pt x="2538" y="865299"/>
+                </a:lnTo>
+                <a:cubicBezTo>
+                  <a:pt x="24206" y="856511"/>
+                  <a:pt x="44509" y="843332"/>
+                  <a:pt x="62083" y="825758"/>
+                </a:cubicBezTo>
+                <a:cubicBezTo>
+                  <a:pt x="132377" y="755464"/>
+                  <a:pt x="132377" y="641494"/>
+                  <a:pt x="62083" y="571199"/>
+                </a:cubicBezTo>
+                <a:cubicBezTo>
+                  <a:pt x="44509" y="553626"/>
+                  <a:pt x="24206" y="540446"/>
+                  <a:pt x="2538" y="531659"/>
+                </a:cubicBezTo>
+                <a:lnTo>
+                  <a:pt x="0" y="531166"/>
+                </a:lnTo>
+                <a:lnTo>
+                  <a:pt x="35060" y="418223"/>
+                </a:lnTo>
+                <a:lnTo>
+                  <a:pt x="86662" y="323152"/>
+                </a:lnTo>
+                <a:lnTo>
+                  <a:pt x="88415" y="324333"/>
+                </a:lnTo>
+                <a:cubicBezTo>
+                  <a:pt x="109950" y="333442"/>
+                  <a:pt x="133626" y="338478"/>
+                  <a:pt x="158479" y="338478"/>
+                </a:cubicBezTo>
+                <a:cubicBezTo>
+                  <a:pt x="257890" y="338478"/>
+                  <a:pt x="338479" y="257889"/>
+                  <a:pt x="338479" y="158479"/>
+                </a:cubicBezTo>
+                <a:cubicBezTo>
+                  <a:pt x="338479" y="133625"/>
+                  <a:pt x="333442" y="109949"/>
+                  <a:pt x="324334" y="88414"/>
+                </a:cubicBezTo>
+                <a:lnTo>
+                  <a:pt x="323152" y="86662"/>
+                </a:lnTo>
+                <a:lnTo>
+                  <a:pt x="418223" y="35060"/>
+                </a:lnTo>
+                <a:close/>
+              </a:path>
+            </a:pathLst>
+          </a:custGeom>
+          <a:noFill/>
+          <a:ln w="38100">
+            <a:solidFill>
+              <a:srgbClr val="009DBF"/>
+            </a:solidFill>
+          </a:ln>
+        </p:spPr>
+        <p:style>
+          <a:lnRef idx="2">
+            <a:schemeClr val="accent1">
+              <a:shade val="15000"/>
+            </a:schemeClr>
+          </a:lnRef>
+          <a:fillRef idx="1">
+            <a:schemeClr val="accent1"/>
+          </a:fillRef>
+          <a:effectRef idx="0">
+            <a:schemeClr val="accent1"/>
+          </a:effectRef>
+          <a:fontRef idx="minor">
+            <a:schemeClr val="lt1"/>
+          </a:fontRef>
+        </p:style>
+        <p:txBody>
+          <a:bodyPr wrap="square" rtlCol="0" anchor="ctr">
+            <a:noAutofit/>
+          </a:bodyPr>
+          <a:lstStyle/>
+          <a:p>
+            <a:pPr algn="ctr"/>
+            <a:endParaRPr lang="zh-TW" altLang="en-US"/>
+          </a:p>
+        </p:txBody>
+      </p:sp>
+      <p:sp>
+        <p:nvSpPr>
+          <p:cNvPr id="87" name="矩形 86">
+            <a:extLst>
+              <a:ext uri="{FF2B5EF4-FFF2-40B4-BE49-F238E27FC236}">
+                <a16:creationId xmlns:a16="http://schemas.microsoft.com/office/drawing/2014/main" id="{821C79F8-E033-9262-E208-39E9B51D08B4}"/>
+              </a:ext>
+            </a:extLst>
+          </p:cNvPr>
+          <p:cNvSpPr/>
+          <p:nvPr/>
+        </p:nvSpPr>
+        <p:spPr>
+          <a:xfrm>
+            <a:off x="1506933" y="1440000"/>
+            <a:ext cx="720000" cy="720000"/>
+          </a:xfrm>
+          <a:prstGeom prst="rect">
+            <a:avLst/>
+          </a:prstGeom>
+          <a:solidFill>
+            <a:schemeClr val="bg1"/>
+          </a:solidFill>
+        </p:spPr>
+        <p:style>
+          <a:lnRef idx="2">
+            <a:schemeClr val="accent1">
+              <a:shade val="15000"/>
+            </a:schemeClr>
+          </a:lnRef>
+          <a:fillRef idx="1">
+            <a:schemeClr val="accent1"/>
+          </a:fillRef>
+          <a:effectRef idx="0">
+            <a:schemeClr val="accent1"/>
+          </a:effectRef>
+          <a:fontRef idx="minor">
+            <a:schemeClr val="lt1"/>
+          </a:fontRef>
+        </p:style>
+        <p:txBody>
+          <a:bodyPr rtlCol="0" anchor="ctr"/>
+          <a:lstStyle/>
+          <a:p>
+            <a:pPr algn="ctr"/>
+            <a:endParaRPr lang="zh-TW" altLang="en-US"/>
+          </a:p>
+        </p:txBody>
+      </p:sp>
+      <p:pic>
+        <p:nvPicPr>
+          <p:cNvPr id="88" name="圖形 87">
+            <a:extLst>
+              <a:ext uri="{FF2B5EF4-FFF2-40B4-BE49-F238E27FC236}">
+                <a16:creationId xmlns:a16="http://schemas.microsoft.com/office/drawing/2014/main" id="{6A7DCFAA-84A7-8929-C070-46C469D4C9D9}"/>
+              </a:ext>
+            </a:extLst>
+          </p:cNvPr>
+          <p:cNvPicPr>
+            <a:picLocks noChangeAspect="1"/>
+          </p:cNvPicPr>
+          <p:nvPr/>
+        </p:nvPicPr>
+        <p:blipFill>
+          <a:blip r:embed="rId6">
+            <a:extLst>
+              <a:ext uri="{28A0092B-C50C-407E-A947-70E740481C1C}">
+                <a14:useLocalDpi xmlns:a14="http://schemas.microsoft.com/office/drawing/2010/main" val="0"/>
+              </a:ext>
+              <a:ext uri="{96DAC541-7B7A-43D3-8B79-37D633B846F1}">
+                <asvg:svgBlip xmlns:asvg="http://schemas.microsoft.com/office/drawing/2016/SVG/main" r:embed="rId7"/>
+              </a:ext>
+            </a:extLst>
+          </a:blip>
+          <a:stretch>
+            <a:fillRect/>
+          </a:stretch>
+        </p:blipFill>
+        <p:spPr>
+          <a:xfrm>
+            <a:off x="1614933" y="1626429"/>
+            <a:ext cx="504000" cy="347143"/>
+          </a:xfrm>
+          <a:prstGeom prst="rect">
+            <a:avLst/>
+          </a:prstGeom>
+        </p:spPr>
+      </p:pic>
+      <p:sp>
+        <p:nvSpPr>
+          <p:cNvPr id="89" name="矩形 88">
+            <a:extLst>
+              <a:ext uri="{FF2B5EF4-FFF2-40B4-BE49-F238E27FC236}">
+                <a16:creationId xmlns:a16="http://schemas.microsoft.com/office/drawing/2014/main" id="{FEB2D632-0A71-6BD8-0326-16AEBAFE9D84}"/>
+              </a:ext>
+            </a:extLst>
+          </p:cNvPr>
+          <p:cNvSpPr/>
+          <p:nvPr/>
+        </p:nvSpPr>
+        <p:spPr>
+          <a:xfrm>
+            <a:off x="1505417" y="2160000"/>
+            <a:ext cx="720000" cy="720000"/>
+          </a:xfrm>
+          <a:prstGeom prst="rect">
+            <a:avLst/>
+          </a:prstGeom>
+          <a:solidFill>
+            <a:schemeClr val="bg1"/>
+          </a:solidFill>
+        </p:spPr>
+        <p:style>
+          <a:lnRef idx="2">
+            <a:schemeClr val="accent1">
+              <a:shade val="15000"/>
+            </a:schemeClr>
+          </a:lnRef>
+          <a:fillRef idx="1">
+            <a:schemeClr val="accent1"/>
+          </a:fillRef>
+          <a:effectRef idx="0">
+            <a:schemeClr val="accent1"/>
+          </a:effectRef>
+          <a:fontRef idx="minor">
+            <a:schemeClr val="lt1"/>
+          </a:fontRef>
+        </p:style>
+        <p:txBody>
+          <a:bodyPr rtlCol="0" anchor="ctr"/>
+          <a:lstStyle/>
+          <a:p>
+            <a:pPr algn="ctr"/>
+            <a:endParaRPr lang="zh-TW" altLang="en-US"/>
+          </a:p>
+        </p:txBody>
+      </p:sp>
+      <p:sp>
+        <p:nvSpPr>
+          <p:cNvPr id="90" name="矩形 89">
+            <a:extLst>
+              <a:ext uri="{FF2B5EF4-FFF2-40B4-BE49-F238E27FC236}">
+                <a16:creationId xmlns:a16="http://schemas.microsoft.com/office/drawing/2014/main" id="{6F221369-CAFB-17A6-EEF1-D594CE9A83D3}"/>
+              </a:ext>
+            </a:extLst>
+          </p:cNvPr>
+          <p:cNvSpPr/>
+          <p:nvPr/>
+        </p:nvSpPr>
+        <p:spPr>
+          <a:xfrm>
+            <a:off x="1505417" y="2880000"/>
+            <a:ext cx="720000" cy="720000"/>
+          </a:xfrm>
+          <a:prstGeom prst="rect">
+            <a:avLst/>
+          </a:prstGeom>
+          <a:solidFill>
+            <a:schemeClr val="bg1"/>
+          </a:solidFill>
+        </p:spPr>
+        <p:style>
+          <a:lnRef idx="2">
+            <a:schemeClr val="accent1">
+              <a:shade val="15000"/>
+            </a:schemeClr>
+          </a:lnRef>
+          <a:fillRef idx="1">
+            <a:schemeClr val="accent1"/>
+          </a:fillRef>
+          <a:effectRef idx="0">
+            <a:schemeClr val="accent1"/>
+          </a:effectRef>
+          <a:fontRef idx="minor">
+            <a:schemeClr val="lt1"/>
+          </a:fontRef>
+        </p:style>
+        <p:txBody>
+          <a:bodyPr rtlCol="0" anchor="ctr"/>
+          <a:lstStyle/>
+          <a:p>
+            <a:pPr algn="ctr"/>
+            <a:endParaRPr lang="zh-TW" altLang="en-US"/>
+          </a:p>
+        </p:txBody>
+      </p:sp>
+      <p:grpSp>
+        <p:nvGrpSpPr>
+          <p:cNvPr id="91" name="群組 90">
+            <a:extLst>
+              <a:ext uri="{FF2B5EF4-FFF2-40B4-BE49-F238E27FC236}">
+                <a16:creationId xmlns:a16="http://schemas.microsoft.com/office/drawing/2014/main" id="{D627E658-6838-A097-6190-94FC4424E5EB}"/>
+              </a:ext>
+            </a:extLst>
+          </p:cNvPr>
+          <p:cNvGrpSpPr/>
+          <p:nvPr/>
+        </p:nvGrpSpPr>
+        <p:grpSpPr>
+          <a:xfrm>
+            <a:off x="1649417" y="3024000"/>
+            <a:ext cx="432000" cy="432000"/>
+            <a:chOff x="1613417" y="2762250"/>
+            <a:chExt cx="503999" cy="504000"/>
+          </a:xfrm>
+        </p:grpSpPr>
+        <p:sp>
+          <p:nvSpPr>
+            <p:cNvPr id="92" name="左中括弧 91">
+              <a:extLst>
+                <a:ext uri="{FF2B5EF4-FFF2-40B4-BE49-F238E27FC236}">
+                  <a16:creationId xmlns:a16="http://schemas.microsoft.com/office/drawing/2014/main" id="{B4A17282-B9D4-7409-B1E8-331D8138BBD9}"/>
+                </a:ext>
+              </a:extLst>
+            </p:cNvPr>
+            <p:cNvSpPr/>
+            <p:nvPr/>
+          </p:nvSpPr>
+          <p:spPr>
+            <a:xfrm>
+              <a:off x="1613417" y="2762250"/>
+              <a:ext cx="216000" cy="504000"/>
+            </a:xfrm>
+            <a:prstGeom prst="leftBracket">
+              <a:avLst/>
+            </a:prstGeom>
+            <a:ln w="38100">
+              <a:solidFill>
+                <a:srgbClr val="808080"/>
+              </a:solidFill>
+            </a:ln>
+          </p:spPr>
+          <p:style>
+            <a:lnRef idx="1">
+              <a:schemeClr val="accent1"/>
+            </a:lnRef>
+            <a:fillRef idx="0">
+              <a:schemeClr val="accent1"/>
+            </a:fillRef>
+            <a:effectRef idx="0">
+              <a:schemeClr val="accent1"/>
+            </a:effectRef>
+            <a:fontRef idx="minor">
+              <a:schemeClr val="tx1"/>
+            </a:fontRef>
+          </p:style>
+          <p:txBody>
+            <a:bodyPr rtlCol="0" anchor="ctr"/>
+            <a:lstStyle/>
+            <a:p>
+              <a:pPr algn="ctr"/>
+              <a:endParaRPr lang="zh-TW" altLang="en-US"/>
+            </a:p>
+          </p:txBody>
+        </p:sp>
+        <p:cxnSp>
+          <p:nvCxnSpPr>
+            <p:cNvPr id="93" name="直線單箭頭接點 92">
+              <a:extLst>
+                <a:ext uri="{FF2B5EF4-FFF2-40B4-BE49-F238E27FC236}">
+                  <a16:creationId xmlns:a16="http://schemas.microsoft.com/office/drawing/2014/main" id="{A7A201CF-A047-D23D-F139-EE8D48DE0701}"/>
+                </a:ext>
+              </a:extLst>
+            </p:cNvPr>
+            <p:cNvCxnSpPr>
+              <a:cxnSpLocks/>
+            </p:cNvCxnSpPr>
+            <p:nvPr/>
+          </p:nvCxnSpPr>
+          <p:spPr>
+            <a:xfrm>
+              <a:off x="1757416" y="3014250"/>
+              <a:ext cx="360000" cy="0"/>
+            </a:xfrm>
+            <a:prstGeom prst="straightConnector1">
+              <a:avLst/>
+            </a:prstGeom>
+            <a:ln w="38100">
+              <a:solidFill>
+                <a:srgbClr val="808080"/>
+              </a:solidFill>
+              <a:tailEnd type="arrow" w="lg" len="med"/>
+            </a:ln>
+          </p:spPr>
+          <p:style>
+            <a:lnRef idx="1">
+              <a:schemeClr val="accent1"/>
+            </a:lnRef>
+            <a:fillRef idx="0">
+              <a:schemeClr val="accent1"/>
+            </a:fillRef>
+            <a:effectRef idx="0">
+              <a:schemeClr val="accent1"/>
+            </a:effectRef>
+            <a:fontRef idx="minor">
+              <a:schemeClr val="tx1"/>
+            </a:fontRef>
+          </p:style>
+        </p:cxnSp>
+      </p:grpSp>
+      <p:sp>
+        <p:nvSpPr>
+          <p:cNvPr id="94" name="手繪多邊形: 圖案 93">
+            <a:extLst>
+              <a:ext uri="{FF2B5EF4-FFF2-40B4-BE49-F238E27FC236}">
+                <a16:creationId xmlns:a16="http://schemas.microsoft.com/office/drawing/2014/main" id="{F5239F59-C84B-CE5B-4270-E0B90B60C9B8}"/>
+              </a:ext>
+            </a:extLst>
+          </p:cNvPr>
+          <p:cNvSpPr/>
+          <p:nvPr/>
+        </p:nvSpPr>
+        <p:spPr>
+          <a:xfrm>
+            <a:off x="1613417" y="2268000"/>
             <a:ext cx="504000" cy="504000"/>
           </a:xfrm>
           <a:custGeom>
@@ -7083,6 +7905,1295 @@
           </a:p>
         </p:txBody>
       </p:sp>
+      <p:sp>
+        <p:nvSpPr>
+          <p:cNvPr id="98" name="矩形 97">
+            <a:extLst>
+              <a:ext uri="{FF2B5EF4-FFF2-40B4-BE49-F238E27FC236}">
+                <a16:creationId xmlns:a16="http://schemas.microsoft.com/office/drawing/2014/main" id="{2B8570FA-F899-4E8C-2147-FA5F6269E1D3}"/>
+              </a:ext>
+            </a:extLst>
+          </p:cNvPr>
+          <p:cNvSpPr/>
+          <p:nvPr/>
+        </p:nvSpPr>
+        <p:spPr>
+          <a:xfrm>
+            <a:off x="2227417" y="2878312"/>
+            <a:ext cx="720000" cy="720000"/>
+          </a:xfrm>
+          <a:prstGeom prst="rect">
+            <a:avLst/>
+          </a:prstGeom>
+          <a:solidFill>
+            <a:schemeClr val="bg1"/>
+          </a:solidFill>
+        </p:spPr>
+        <p:style>
+          <a:lnRef idx="2">
+            <a:schemeClr val="accent1">
+              <a:shade val="15000"/>
+            </a:schemeClr>
+          </a:lnRef>
+          <a:fillRef idx="1">
+            <a:schemeClr val="accent1"/>
+          </a:fillRef>
+          <a:effectRef idx="0">
+            <a:schemeClr val="accent1"/>
+          </a:effectRef>
+          <a:fontRef idx="minor">
+            <a:schemeClr val="lt1"/>
+          </a:fontRef>
+        </p:style>
+        <p:txBody>
+          <a:bodyPr rtlCol="0" anchor="ctr"/>
+          <a:lstStyle/>
+          <a:p>
+            <a:pPr algn="ctr"/>
+            <a:endParaRPr lang="zh-TW" altLang="en-US"/>
+          </a:p>
+        </p:txBody>
+      </p:sp>
+      <p:grpSp>
+        <p:nvGrpSpPr>
+          <p:cNvPr id="95" name="群組 94">
+            <a:extLst>
+              <a:ext uri="{FF2B5EF4-FFF2-40B4-BE49-F238E27FC236}">
+                <a16:creationId xmlns:a16="http://schemas.microsoft.com/office/drawing/2014/main" id="{7F056276-4812-0E78-652E-E334EA063287}"/>
+              </a:ext>
+            </a:extLst>
+          </p:cNvPr>
+          <p:cNvGrpSpPr>
+            <a:grpSpLocks noChangeAspect="1"/>
+          </p:cNvGrpSpPr>
+          <p:nvPr/>
+        </p:nvGrpSpPr>
+        <p:grpSpPr>
+          <a:xfrm>
+            <a:off x="2385808" y="2986312"/>
+            <a:ext cx="403218" cy="504000"/>
+            <a:chOff x="4080062" y="2297337"/>
+            <a:chExt cx="417600" cy="521977"/>
+          </a:xfrm>
+        </p:grpSpPr>
+        <p:sp>
+          <p:nvSpPr>
+            <p:cNvPr id="96" name="拱形 95">
+              <a:extLst>
+                <a:ext uri="{FF2B5EF4-FFF2-40B4-BE49-F238E27FC236}">
+                  <a16:creationId xmlns:a16="http://schemas.microsoft.com/office/drawing/2014/main" id="{E7A646C3-17AA-3929-5473-0B62B8816F55}"/>
+                </a:ext>
+              </a:extLst>
+            </p:cNvPr>
+            <p:cNvSpPr/>
+            <p:nvPr/>
+          </p:nvSpPr>
+          <p:spPr>
+            <a:xfrm flipV="1">
+              <a:off x="4234862" y="2711314"/>
+              <a:ext cx="108000" cy="108000"/>
+            </a:xfrm>
+            <a:prstGeom prst="blockArc">
+              <a:avLst/>
+            </a:prstGeom>
+            <a:solidFill>
+              <a:srgbClr val="808080"/>
+            </a:solidFill>
+            <a:ln>
+              <a:solidFill>
+                <a:srgbClr val="808080"/>
+              </a:solidFill>
+            </a:ln>
+          </p:spPr>
+          <p:style>
+            <a:lnRef idx="2">
+              <a:schemeClr val="accent1">
+                <a:shade val="15000"/>
+              </a:schemeClr>
+            </a:lnRef>
+            <a:fillRef idx="1">
+              <a:schemeClr val="accent1"/>
+            </a:fillRef>
+            <a:effectRef idx="0">
+              <a:schemeClr val="accent1"/>
+            </a:effectRef>
+            <a:fontRef idx="minor">
+              <a:schemeClr val="lt1"/>
+            </a:fontRef>
+          </p:style>
+          <p:txBody>
+            <a:bodyPr rtlCol="0" anchor="ctr"/>
+            <a:lstStyle/>
+            <a:p>
+              <a:pPr algn="ctr"/>
+              <a:endParaRPr lang="zh-TW" altLang="en-US">
+                <a:solidFill>
+                  <a:schemeClr val="tx1"/>
+                </a:solidFill>
+              </a:endParaRPr>
+            </a:p>
+          </p:txBody>
+        </p:sp>
+        <p:sp>
+          <p:nvSpPr>
+            <p:cNvPr id="97" name="手繪多邊形: 圖案 96">
+              <a:extLst>
+                <a:ext uri="{FF2B5EF4-FFF2-40B4-BE49-F238E27FC236}">
+                  <a16:creationId xmlns:a16="http://schemas.microsoft.com/office/drawing/2014/main" id="{E147F779-0C3A-65EF-3FA5-55C3E1D12C3F}"/>
+                </a:ext>
+              </a:extLst>
+            </p:cNvPr>
+            <p:cNvSpPr>
+              <a:spLocks noChangeAspect="1"/>
+            </p:cNvSpPr>
+            <p:nvPr/>
+          </p:nvSpPr>
+          <p:spPr>
+            <a:xfrm>
+              <a:off x="4080062" y="2297337"/>
+              <a:ext cx="417600" cy="413976"/>
+            </a:xfrm>
+            <a:custGeom>
+              <a:avLst/>
+              <a:gdLst>
+                <a:gd name="connsiteX0" fmla="*/ 208775 w 417600"/>
+                <a:gd name="connsiteY0" fmla="*/ 0 h 413976"/>
+                <a:gd name="connsiteX1" fmla="*/ 262750 w 417600"/>
+                <a:gd name="connsiteY1" fmla="*/ 53975 h 413976"/>
+                <a:gd name="connsiteX2" fmla="*/ 260768 w 417600"/>
+                <a:gd name="connsiteY2" fmla="*/ 63794 h 413976"/>
+                <a:gd name="connsiteX3" fmla="*/ 302137 w 417600"/>
+                <a:gd name="connsiteY3" fmla="*/ 80035 h 413976"/>
+                <a:gd name="connsiteX4" fmla="*/ 388800 w 417600"/>
+                <a:gd name="connsiteY4" fmla="*/ 233976 h 413976"/>
+                <a:gd name="connsiteX5" fmla="*/ 388800 w 417600"/>
+                <a:gd name="connsiteY5" fmla="*/ 364320 h 413976"/>
+                <a:gd name="connsiteX6" fmla="*/ 417600 w 417600"/>
+                <a:gd name="connsiteY6" fmla="*/ 413975 h 413976"/>
+                <a:gd name="connsiteX7" fmla="*/ 388800 w 417600"/>
+                <a:gd name="connsiteY7" fmla="*/ 413975 h 413976"/>
+                <a:gd name="connsiteX8" fmla="*/ 388800 w 417600"/>
+                <a:gd name="connsiteY8" fmla="*/ 413976 h 413976"/>
+                <a:gd name="connsiteX9" fmla="*/ 28800 w 417600"/>
+                <a:gd name="connsiteY9" fmla="*/ 413976 h 413976"/>
+                <a:gd name="connsiteX10" fmla="*/ 28800 w 417600"/>
+                <a:gd name="connsiteY10" fmla="*/ 413975 h 413976"/>
+                <a:gd name="connsiteX11" fmla="*/ 0 w 417600"/>
+                <a:gd name="connsiteY11" fmla="*/ 413975 h 413976"/>
+                <a:gd name="connsiteX12" fmla="*/ 28800 w 417600"/>
+                <a:gd name="connsiteY12" fmla="*/ 364320 h 413976"/>
+                <a:gd name="connsiteX13" fmla="*/ 28800 w 417600"/>
+                <a:gd name="connsiteY13" fmla="*/ 233976 h 413976"/>
+                <a:gd name="connsiteX14" fmla="*/ 115464 w 417600"/>
+                <a:gd name="connsiteY14" fmla="*/ 80035 h 413976"/>
+                <a:gd name="connsiteX15" fmla="*/ 156786 w 417600"/>
+                <a:gd name="connsiteY15" fmla="*/ 63812 h 413976"/>
+                <a:gd name="connsiteX16" fmla="*/ 154800 w 417600"/>
+                <a:gd name="connsiteY16" fmla="*/ 53975 h 413976"/>
+                <a:gd name="connsiteX17" fmla="*/ 208775 w 417600"/>
+                <a:gd name="connsiteY17" fmla="*/ 0 h 413976"/>
+              </a:gdLst>
+              <a:ahLst/>
+              <a:cxnLst>
+                <a:cxn ang="0">
+                  <a:pos x="connsiteX0" y="connsiteY0"/>
+                </a:cxn>
+                <a:cxn ang="0">
+                  <a:pos x="connsiteX1" y="connsiteY1"/>
+                </a:cxn>
+                <a:cxn ang="0">
+                  <a:pos x="connsiteX2" y="connsiteY2"/>
+                </a:cxn>
+                <a:cxn ang="0">
+                  <a:pos x="connsiteX3" y="connsiteY3"/>
+                </a:cxn>
+                <a:cxn ang="0">
+                  <a:pos x="connsiteX4" y="connsiteY4"/>
+                </a:cxn>
+                <a:cxn ang="0">
+                  <a:pos x="connsiteX5" y="connsiteY5"/>
+                </a:cxn>
+                <a:cxn ang="0">
+                  <a:pos x="connsiteX6" y="connsiteY6"/>
+                </a:cxn>
+                <a:cxn ang="0">
+                  <a:pos x="connsiteX7" y="connsiteY7"/>
+                </a:cxn>
+                <a:cxn ang="0">
+                  <a:pos x="connsiteX8" y="connsiteY8"/>
+                </a:cxn>
+                <a:cxn ang="0">
+                  <a:pos x="connsiteX9" y="connsiteY9"/>
+                </a:cxn>
+                <a:cxn ang="0">
+                  <a:pos x="connsiteX10" y="connsiteY10"/>
+                </a:cxn>
+                <a:cxn ang="0">
+                  <a:pos x="connsiteX11" y="connsiteY11"/>
+                </a:cxn>
+                <a:cxn ang="0">
+                  <a:pos x="connsiteX12" y="connsiteY12"/>
+                </a:cxn>
+                <a:cxn ang="0">
+                  <a:pos x="connsiteX13" y="connsiteY13"/>
+                </a:cxn>
+                <a:cxn ang="0">
+                  <a:pos x="connsiteX14" y="connsiteY14"/>
+                </a:cxn>
+                <a:cxn ang="0">
+                  <a:pos x="connsiteX15" y="connsiteY15"/>
+                </a:cxn>
+                <a:cxn ang="0">
+                  <a:pos x="connsiteX16" y="connsiteY16"/>
+                </a:cxn>
+                <a:cxn ang="0">
+                  <a:pos x="connsiteX17" y="connsiteY17"/>
+                </a:cxn>
+              </a:cxnLst>
+              <a:rect l="l" t="t" r="r" b="b"/>
+              <a:pathLst>
+                <a:path w="417600" h="413976">
+                  <a:moveTo>
+                    <a:pt x="208775" y="0"/>
+                  </a:moveTo>
+                  <a:cubicBezTo>
+                    <a:pt x="238585" y="0"/>
+                    <a:pt x="262750" y="24165"/>
+                    <a:pt x="262750" y="53975"/>
+                  </a:cubicBezTo>
+                  <a:lnTo>
+                    <a:pt x="260768" y="63794"/>
+                  </a:lnTo>
+                  <a:lnTo>
+                    <a:pt x="302137" y="80035"/>
+                  </a:lnTo>
+                  <a:cubicBezTo>
+                    <a:pt x="354093" y="111605"/>
+                    <a:pt x="388800" y="168738"/>
+                    <a:pt x="388800" y="233976"/>
+                  </a:cubicBezTo>
+                  <a:lnTo>
+                    <a:pt x="388800" y="364320"/>
+                  </a:lnTo>
+                  <a:lnTo>
+                    <a:pt x="417600" y="413975"/>
+                  </a:lnTo>
+                  <a:lnTo>
+                    <a:pt x="388800" y="413975"/>
+                  </a:lnTo>
+                  <a:lnTo>
+                    <a:pt x="388800" y="413976"/>
+                  </a:lnTo>
+                  <a:lnTo>
+                    <a:pt x="28800" y="413976"/>
+                  </a:lnTo>
+                  <a:lnTo>
+                    <a:pt x="28800" y="413975"/>
+                  </a:lnTo>
+                  <a:lnTo>
+                    <a:pt x="0" y="413975"/>
+                  </a:lnTo>
+                  <a:lnTo>
+                    <a:pt x="28800" y="364320"/>
+                  </a:lnTo>
+                  <a:lnTo>
+                    <a:pt x="28800" y="233976"/>
+                  </a:lnTo>
+                  <a:cubicBezTo>
+                    <a:pt x="28800" y="168738"/>
+                    <a:pt x="63507" y="111605"/>
+                    <a:pt x="115464" y="80035"/>
+                  </a:cubicBezTo>
+                  <a:lnTo>
+                    <a:pt x="156786" y="63812"/>
+                  </a:lnTo>
+                  <a:lnTo>
+                    <a:pt x="154800" y="53975"/>
+                  </a:lnTo>
+                  <a:cubicBezTo>
+                    <a:pt x="154800" y="24165"/>
+                    <a:pt x="178965" y="0"/>
+                    <a:pt x="208775" y="0"/>
+                  </a:cubicBezTo>
+                  <a:close/>
+                </a:path>
+              </a:pathLst>
+            </a:custGeom>
+            <a:noFill/>
+            <a:ln w="38100">
+              <a:solidFill>
+                <a:srgbClr val="808080"/>
+              </a:solidFill>
+            </a:ln>
+          </p:spPr>
+          <p:style>
+            <a:lnRef idx="2">
+              <a:schemeClr val="accent1">
+                <a:shade val="15000"/>
+              </a:schemeClr>
+            </a:lnRef>
+            <a:fillRef idx="1">
+              <a:schemeClr val="accent1"/>
+            </a:fillRef>
+            <a:effectRef idx="0">
+              <a:schemeClr val="accent1"/>
+            </a:effectRef>
+            <a:fontRef idx="minor">
+              <a:schemeClr val="lt1"/>
+            </a:fontRef>
+          </p:style>
+          <p:txBody>
+            <a:bodyPr wrap="square" rtlCol="0" anchor="ctr">
+              <a:noAutofit/>
+            </a:bodyPr>
+            <a:lstStyle/>
+            <a:p>
+              <a:pPr algn="ctr"/>
+              <a:endParaRPr lang="zh-TW" altLang="en-US"/>
+            </a:p>
+          </p:txBody>
+        </p:sp>
+      </p:grpSp>
+      <p:sp>
+        <p:nvSpPr>
+          <p:cNvPr id="112" name="矩形 111">
+            <a:extLst>
+              <a:ext uri="{FF2B5EF4-FFF2-40B4-BE49-F238E27FC236}">
+                <a16:creationId xmlns:a16="http://schemas.microsoft.com/office/drawing/2014/main" id="{99582B2D-2A3A-AF39-1720-D83E082EA8E1}"/>
+              </a:ext>
+            </a:extLst>
+          </p:cNvPr>
+          <p:cNvSpPr/>
+          <p:nvPr/>
+        </p:nvSpPr>
+        <p:spPr>
+          <a:xfrm>
+            <a:off x="2226658" y="2160000"/>
+            <a:ext cx="720000" cy="720000"/>
+          </a:xfrm>
+          <a:prstGeom prst="rect">
+            <a:avLst/>
+          </a:prstGeom>
+          <a:solidFill>
+            <a:schemeClr val="bg1"/>
+          </a:solidFill>
+        </p:spPr>
+        <p:style>
+          <a:lnRef idx="2">
+            <a:schemeClr val="accent1">
+              <a:shade val="15000"/>
+            </a:schemeClr>
+          </a:lnRef>
+          <a:fillRef idx="1">
+            <a:schemeClr val="accent1"/>
+          </a:fillRef>
+          <a:effectRef idx="0">
+            <a:schemeClr val="accent1"/>
+          </a:effectRef>
+          <a:fontRef idx="minor">
+            <a:schemeClr val="lt1"/>
+          </a:fontRef>
+        </p:style>
+        <p:txBody>
+          <a:bodyPr rtlCol="0" anchor="ctr"/>
+          <a:lstStyle/>
+          <a:p>
+            <a:pPr algn="ctr"/>
+            <a:endParaRPr lang="zh-TW" altLang="en-US"/>
+          </a:p>
+        </p:txBody>
+      </p:sp>
+      <p:grpSp>
+        <p:nvGrpSpPr>
+          <p:cNvPr id="135" name="群組 134">
+            <a:extLst>
+              <a:ext uri="{FF2B5EF4-FFF2-40B4-BE49-F238E27FC236}">
+                <a16:creationId xmlns:a16="http://schemas.microsoft.com/office/drawing/2014/main" id="{F0E6F98F-467B-39E6-CE81-0D7F05D9DE56}"/>
+              </a:ext>
+            </a:extLst>
+          </p:cNvPr>
+          <p:cNvGrpSpPr/>
+          <p:nvPr/>
+        </p:nvGrpSpPr>
+        <p:grpSpPr>
+          <a:xfrm>
+            <a:off x="2334658" y="2347200"/>
+            <a:ext cx="504000" cy="345600"/>
+            <a:chOff x="3473259" y="2377440"/>
+            <a:chExt cx="504000" cy="345600"/>
+          </a:xfrm>
+        </p:grpSpPr>
+        <p:sp>
+          <p:nvSpPr>
+            <p:cNvPr id="114" name="矩形: 圓角 113">
+              <a:extLst>
+                <a:ext uri="{FF2B5EF4-FFF2-40B4-BE49-F238E27FC236}">
+                  <a16:creationId xmlns:a16="http://schemas.microsoft.com/office/drawing/2014/main" id="{CD6589A0-DAF8-ABDB-58FF-3E83BF0B7C09}"/>
+                </a:ext>
+              </a:extLst>
+            </p:cNvPr>
+            <p:cNvSpPr/>
+            <p:nvPr/>
+          </p:nvSpPr>
+          <p:spPr>
+            <a:xfrm>
+              <a:off x="3473259" y="2377440"/>
+              <a:ext cx="504000" cy="345600"/>
+            </a:xfrm>
+            <a:prstGeom prst="roundRect">
+              <a:avLst/>
+            </a:prstGeom>
+            <a:noFill/>
+            <a:ln w="38100">
+              <a:solidFill>
+                <a:srgbClr val="808080"/>
+              </a:solidFill>
+            </a:ln>
+          </p:spPr>
+          <p:style>
+            <a:lnRef idx="2">
+              <a:schemeClr val="accent1">
+                <a:shade val="15000"/>
+              </a:schemeClr>
+            </a:lnRef>
+            <a:fillRef idx="1">
+              <a:schemeClr val="accent1"/>
+            </a:fillRef>
+            <a:effectRef idx="0">
+              <a:schemeClr val="accent1"/>
+            </a:effectRef>
+            <a:fontRef idx="minor">
+              <a:schemeClr val="lt1"/>
+            </a:fontRef>
+          </p:style>
+          <p:txBody>
+            <a:bodyPr rtlCol="0" anchor="ctr"/>
+            <a:lstStyle/>
+            <a:p>
+              <a:pPr algn="ctr"/>
+              <a:endParaRPr lang="zh-TW" altLang="en-US"/>
+            </a:p>
+          </p:txBody>
+        </p:sp>
+        <p:sp>
+          <p:nvSpPr>
+            <p:cNvPr id="134" name="手繪多邊形: 圖案 133">
+              <a:extLst>
+                <a:ext uri="{FF2B5EF4-FFF2-40B4-BE49-F238E27FC236}">
+                  <a16:creationId xmlns:a16="http://schemas.microsoft.com/office/drawing/2014/main" id="{1206396E-6DA2-36B6-8367-686F230DBBC1}"/>
+                </a:ext>
+              </a:extLst>
+            </p:cNvPr>
+            <p:cNvSpPr/>
+            <p:nvPr/>
+          </p:nvSpPr>
+          <p:spPr>
+            <a:xfrm>
+              <a:off x="3473259" y="2377440"/>
+              <a:ext cx="504000" cy="172800"/>
+            </a:xfrm>
+            <a:custGeom>
+              <a:avLst/>
+              <a:gdLst>
+                <a:gd name="connsiteX0" fmla="*/ 57601 w 504000"/>
+                <a:gd name="connsiteY0" fmla="*/ 0 h 172800"/>
+                <a:gd name="connsiteX1" fmla="*/ 446399 w 504000"/>
+                <a:gd name="connsiteY1" fmla="*/ 0 h 172800"/>
+                <a:gd name="connsiteX2" fmla="*/ 504000 w 504000"/>
+                <a:gd name="connsiteY2" fmla="*/ 57601 h 172800"/>
+                <a:gd name="connsiteX3" fmla="*/ 504000 w 504000"/>
+                <a:gd name="connsiteY3" fmla="*/ 86400 h 172800"/>
+                <a:gd name="connsiteX4" fmla="*/ 252000 w 504000"/>
+                <a:gd name="connsiteY4" fmla="*/ 172800 h 172800"/>
+                <a:gd name="connsiteX5" fmla="*/ 0 w 504000"/>
+                <a:gd name="connsiteY5" fmla="*/ 86400 h 172800"/>
+                <a:gd name="connsiteX6" fmla="*/ 0 w 504000"/>
+                <a:gd name="connsiteY6" fmla="*/ 57601 h 172800"/>
+                <a:gd name="connsiteX7" fmla="*/ 57601 w 504000"/>
+                <a:gd name="connsiteY7" fmla="*/ 0 h 172800"/>
+              </a:gdLst>
+              <a:ahLst/>
+              <a:cxnLst>
+                <a:cxn ang="0">
+                  <a:pos x="connsiteX0" y="connsiteY0"/>
+                </a:cxn>
+                <a:cxn ang="0">
+                  <a:pos x="connsiteX1" y="connsiteY1"/>
+                </a:cxn>
+                <a:cxn ang="0">
+                  <a:pos x="connsiteX2" y="connsiteY2"/>
+                </a:cxn>
+                <a:cxn ang="0">
+                  <a:pos x="connsiteX3" y="connsiteY3"/>
+                </a:cxn>
+                <a:cxn ang="0">
+                  <a:pos x="connsiteX4" y="connsiteY4"/>
+                </a:cxn>
+                <a:cxn ang="0">
+                  <a:pos x="connsiteX5" y="connsiteY5"/>
+                </a:cxn>
+                <a:cxn ang="0">
+                  <a:pos x="connsiteX6" y="connsiteY6"/>
+                </a:cxn>
+                <a:cxn ang="0">
+                  <a:pos x="connsiteX7" y="connsiteY7"/>
+                </a:cxn>
+              </a:cxnLst>
+              <a:rect l="l" t="t" r="r" b="b"/>
+              <a:pathLst>
+                <a:path w="504000" h="172800">
+                  <a:moveTo>
+                    <a:pt x="57601" y="0"/>
+                  </a:moveTo>
+                  <a:lnTo>
+                    <a:pt x="446399" y="0"/>
+                  </a:lnTo>
+                  <a:cubicBezTo>
+                    <a:pt x="478211" y="0"/>
+                    <a:pt x="504000" y="25789"/>
+                    <a:pt x="504000" y="57601"/>
+                  </a:cubicBezTo>
+                  <a:lnTo>
+                    <a:pt x="504000" y="86400"/>
+                  </a:lnTo>
+                  <a:lnTo>
+                    <a:pt x="252000" y="172800"/>
+                  </a:lnTo>
+                  <a:lnTo>
+                    <a:pt x="0" y="86400"/>
+                  </a:lnTo>
+                  <a:lnTo>
+                    <a:pt x="0" y="57601"/>
+                  </a:lnTo>
+                  <a:cubicBezTo>
+                    <a:pt x="0" y="25789"/>
+                    <a:pt x="25789" y="0"/>
+                    <a:pt x="57601" y="0"/>
+                  </a:cubicBezTo>
+                  <a:close/>
+                </a:path>
+              </a:pathLst>
+            </a:custGeom>
+            <a:noFill/>
+            <a:ln w="38100">
+              <a:solidFill>
+                <a:srgbClr val="808080"/>
+              </a:solidFill>
+            </a:ln>
+          </p:spPr>
+          <p:style>
+            <a:lnRef idx="2">
+              <a:schemeClr val="accent1">
+                <a:shade val="15000"/>
+              </a:schemeClr>
+            </a:lnRef>
+            <a:fillRef idx="1">
+              <a:schemeClr val="accent1"/>
+            </a:fillRef>
+            <a:effectRef idx="0">
+              <a:schemeClr val="accent1"/>
+            </a:effectRef>
+            <a:fontRef idx="minor">
+              <a:schemeClr val="lt1"/>
+            </a:fontRef>
+          </p:style>
+          <p:txBody>
+            <a:bodyPr wrap="square" rtlCol="0" anchor="ctr">
+              <a:noAutofit/>
+            </a:bodyPr>
+            <a:lstStyle/>
+            <a:p>
+              <a:pPr algn="ctr"/>
+              <a:endParaRPr lang="zh-TW" altLang="en-US"/>
+            </a:p>
+          </p:txBody>
+        </p:sp>
+      </p:grpSp>
+      <p:sp>
+        <p:nvSpPr>
+          <p:cNvPr id="136" name="矩形 135">
+            <a:extLst>
+              <a:ext uri="{FF2B5EF4-FFF2-40B4-BE49-F238E27FC236}">
+                <a16:creationId xmlns:a16="http://schemas.microsoft.com/office/drawing/2014/main" id="{3F253551-A3E1-763E-AE47-21917D4553E9}"/>
+              </a:ext>
+            </a:extLst>
+          </p:cNvPr>
+          <p:cNvSpPr/>
+          <p:nvPr/>
+        </p:nvSpPr>
+        <p:spPr>
+          <a:xfrm>
+            <a:off x="2219847" y="3600000"/>
+            <a:ext cx="720000" cy="720000"/>
+          </a:xfrm>
+          <a:prstGeom prst="rect">
+            <a:avLst/>
+          </a:prstGeom>
+          <a:solidFill>
+            <a:schemeClr val="bg1"/>
+          </a:solidFill>
+        </p:spPr>
+        <p:style>
+          <a:lnRef idx="2">
+            <a:schemeClr val="accent1">
+              <a:shade val="15000"/>
+            </a:schemeClr>
+          </a:lnRef>
+          <a:fillRef idx="1">
+            <a:schemeClr val="accent1"/>
+          </a:fillRef>
+          <a:effectRef idx="0">
+            <a:schemeClr val="accent1"/>
+          </a:effectRef>
+          <a:fontRef idx="minor">
+            <a:schemeClr val="lt1"/>
+          </a:fontRef>
+        </p:style>
+        <p:txBody>
+          <a:bodyPr rtlCol="0" anchor="ctr"/>
+          <a:lstStyle/>
+          <a:p>
+            <a:pPr algn="ctr"/>
+            <a:endParaRPr lang="zh-TW" altLang="en-US"/>
+          </a:p>
+        </p:txBody>
+      </p:sp>
+      <p:grpSp>
+        <p:nvGrpSpPr>
+          <p:cNvPr id="150" name="群組 149">
+            <a:extLst>
+              <a:ext uri="{FF2B5EF4-FFF2-40B4-BE49-F238E27FC236}">
+                <a16:creationId xmlns:a16="http://schemas.microsoft.com/office/drawing/2014/main" id="{38E3E58B-E919-D120-9283-ED457F10FF4F}"/>
+              </a:ext>
+            </a:extLst>
+          </p:cNvPr>
+          <p:cNvGrpSpPr/>
+          <p:nvPr/>
+        </p:nvGrpSpPr>
+        <p:grpSpPr>
+          <a:xfrm>
+            <a:off x="2363847" y="3708000"/>
+            <a:ext cx="432000" cy="504000"/>
+            <a:chOff x="6254700" y="1917374"/>
+            <a:chExt cx="432000" cy="504000"/>
+          </a:xfrm>
+        </p:grpSpPr>
+        <p:sp>
+          <p:nvSpPr>
+            <p:cNvPr id="137" name="矩形: 圓角 136">
+              <a:extLst>
+                <a:ext uri="{FF2B5EF4-FFF2-40B4-BE49-F238E27FC236}">
+                  <a16:creationId xmlns:a16="http://schemas.microsoft.com/office/drawing/2014/main" id="{1FF7A388-E4FC-4085-2C59-23735E159FFF}"/>
+                </a:ext>
+              </a:extLst>
+            </p:cNvPr>
+            <p:cNvSpPr/>
+            <p:nvPr/>
+          </p:nvSpPr>
+          <p:spPr>
+            <a:xfrm>
+              <a:off x="6254700" y="2133374"/>
+              <a:ext cx="432000" cy="288000"/>
+            </a:xfrm>
+            <a:prstGeom prst="roundRect">
+              <a:avLst/>
+            </a:prstGeom>
+            <a:noFill/>
+            <a:ln w="38100">
+              <a:solidFill>
+                <a:srgbClr val="808080"/>
+              </a:solidFill>
+            </a:ln>
+          </p:spPr>
+          <p:style>
+            <a:lnRef idx="2">
+              <a:schemeClr val="accent1">
+                <a:shade val="15000"/>
+              </a:schemeClr>
+            </a:lnRef>
+            <a:fillRef idx="1">
+              <a:schemeClr val="accent1"/>
+            </a:fillRef>
+            <a:effectRef idx="0">
+              <a:schemeClr val="accent1"/>
+            </a:effectRef>
+            <a:fontRef idx="minor">
+              <a:schemeClr val="lt1"/>
+            </a:fontRef>
+          </p:style>
+          <p:txBody>
+            <a:bodyPr rtlCol="0" anchor="ctr"/>
+            <a:lstStyle/>
+            <a:p>
+              <a:pPr algn="ctr"/>
+              <a:endParaRPr lang="zh-TW" altLang="en-US"/>
+            </a:p>
+          </p:txBody>
+        </p:sp>
+        <p:sp>
+          <p:nvSpPr>
+            <p:cNvPr id="139" name="流程圖: 延遲 138">
+              <a:extLst>
+                <a:ext uri="{FF2B5EF4-FFF2-40B4-BE49-F238E27FC236}">
+                  <a16:creationId xmlns:a16="http://schemas.microsoft.com/office/drawing/2014/main" id="{68B02AC4-2A19-82EB-6319-61C6A53A977B}"/>
+                </a:ext>
+              </a:extLst>
+            </p:cNvPr>
+            <p:cNvSpPr/>
+            <p:nvPr/>
+          </p:nvSpPr>
+          <p:spPr>
+            <a:xfrm rot="16200000">
+              <a:off x="6362700" y="1881374"/>
+              <a:ext cx="216000" cy="288000"/>
+            </a:xfrm>
+            <a:prstGeom prst="flowChartDelay">
+              <a:avLst/>
+            </a:prstGeom>
+            <a:noFill/>
+            <a:ln w="38100">
+              <a:solidFill>
+                <a:srgbClr val="808080"/>
+              </a:solidFill>
+            </a:ln>
+          </p:spPr>
+          <p:style>
+            <a:lnRef idx="2">
+              <a:schemeClr val="accent1">
+                <a:shade val="15000"/>
+              </a:schemeClr>
+            </a:lnRef>
+            <a:fillRef idx="1">
+              <a:schemeClr val="accent1"/>
+            </a:fillRef>
+            <a:effectRef idx="0">
+              <a:schemeClr val="accent1"/>
+            </a:effectRef>
+            <a:fontRef idx="minor">
+              <a:schemeClr val="lt1"/>
+            </a:fontRef>
+          </p:style>
+          <p:txBody>
+            <a:bodyPr rtlCol="0" anchor="ctr"/>
+            <a:lstStyle/>
+            <a:p>
+              <a:pPr algn="ctr"/>
+              <a:endParaRPr lang="zh-TW" altLang="en-US"/>
+            </a:p>
+          </p:txBody>
+        </p:sp>
+      </p:grpSp>
+      <p:sp>
+        <p:nvSpPr>
+          <p:cNvPr id="180" name="矩形 179">
+            <a:extLst>
+              <a:ext uri="{FF2B5EF4-FFF2-40B4-BE49-F238E27FC236}">
+                <a16:creationId xmlns:a16="http://schemas.microsoft.com/office/drawing/2014/main" id="{DCF9AC1C-CB2C-B901-D805-2F04B441D726}"/>
+              </a:ext>
+            </a:extLst>
+          </p:cNvPr>
+          <p:cNvSpPr/>
+          <p:nvPr/>
+        </p:nvSpPr>
+        <p:spPr>
+          <a:xfrm>
+            <a:off x="2222623" y="4320000"/>
+            <a:ext cx="720000" cy="720000"/>
+          </a:xfrm>
+          <a:prstGeom prst="rect">
+            <a:avLst/>
+          </a:prstGeom>
+          <a:solidFill>
+            <a:schemeClr val="bg1"/>
+          </a:solidFill>
+        </p:spPr>
+        <p:style>
+          <a:lnRef idx="2">
+            <a:schemeClr val="accent1">
+              <a:shade val="15000"/>
+            </a:schemeClr>
+          </a:lnRef>
+          <a:fillRef idx="1">
+            <a:schemeClr val="accent1"/>
+          </a:fillRef>
+          <a:effectRef idx="0">
+            <a:schemeClr val="accent1"/>
+          </a:effectRef>
+          <a:fontRef idx="minor">
+            <a:schemeClr val="lt1"/>
+          </a:fontRef>
+        </p:style>
+        <p:txBody>
+          <a:bodyPr rtlCol="0" anchor="ctr"/>
+          <a:lstStyle/>
+          <a:p>
+            <a:pPr algn="ctr"/>
+            <a:endParaRPr lang="zh-TW" altLang="en-US"/>
+          </a:p>
+        </p:txBody>
+      </p:sp>
+      <p:grpSp>
+        <p:nvGrpSpPr>
+          <p:cNvPr id="181" name="群組 180">
+            <a:extLst>
+              <a:ext uri="{FF2B5EF4-FFF2-40B4-BE49-F238E27FC236}">
+                <a16:creationId xmlns:a16="http://schemas.microsoft.com/office/drawing/2014/main" id="{54E332DF-9A33-DA9A-4ED7-E4897AE0A4E6}"/>
+              </a:ext>
+            </a:extLst>
+          </p:cNvPr>
+          <p:cNvGrpSpPr/>
+          <p:nvPr/>
+        </p:nvGrpSpPr>
+        <p:grpSpPr>
+          <a:xfrm>
+            <a:off x="2366623" y="4464000"/>
+            <a:ext cx="432000" cy="432000"/>
+            <a:chOff x="1613417" y="2762250"/>
+            <a:chExt cx="503999" cy="504000"/>
+          </a:xfrm>
+        </p:grpSpPr>
+        <p:sp>
+          <p:nvSpPr>
+            <p:cNvPr id="182" name="左中括弧 181">
+              <a:extLst>
+                <a:ext uri="{FF2B5EF4-FFF2-40B4-BE49-F238E27FC236}">
+                  <a16:creationId xmlns:a16="http://schemas.microsoft.com/office/drawing/2014/main" id="{899C1F28-1390-BC0D-0A92-3E81D0B8C8AC}"/>
+                </a:ext>
+              </a:extLst>
+            </p:cNvPr>
+            <p:cNvSpPr/>
+            <p:nvPr/>
+          </p:nvSpPr>
+          <p:spPr>
+            <a:xfrm>
+              <a:off x="1613417" y="2762250"/>
+              <a:ext cx="216000" cy="504000"/>
+            </a:xfrm>
+            <a:prstGeom prst="leftBracket">
+              <a:avLst/>
+            </a:prstGeom>
+            <a:ln w="38100">
+              <a:solidFill>
+                <a:srgbClr val="808080"/>
+              </a:solidFill>
+            </a:ln>
+          </p:spPr>
+          <p:style>
+            <a:lnRef idx="1">
+              <a:schemeClr val="accent1"/>
+            </a:lnRef>
+            <a:fillRef idx="0">
+              <a:schemeClr val="accent1"/>
+            </a:fillRef>
+            <a:effectRef idx="0">
+              <a:schemeClr val="accent1"/>
+            </a:effectRef>
+            <a:fontRef idx="minor">
+              <a:schemeClr val="tx1"/>
+            </a:fontRef>
+          </p:style>
+          <p:txBody>
+            <a:bodyPr rtlCol="0" anchor="ctr"/>
+            <a:lstStyle/>
+            <a:p>
+              <a:pPr algn="ctr"/>
+              <a:endParaRPr lang="zh-TW" altLang="en-US"/>
+            </a:p>
+          </p:txBody>
+        </p:sp>
+        <p:cxnSp>
+          <p:nvCxnSpPr>
+            <p:cNvPr id="183" name="直線單箭頭接點 182">
+              <a:extLst>
+                <a:ext uri="{FF2B5EF4-FFF2-40B4-BE49-F238E27FC236}">
+                  <a16:creationId xmlns:a16="http://schemas.microsoft.com/office/drawing/2014/main" id="{67ECB428-C908-8AC2-F123-3756FBCB96D5}"/>
+                </a:ext>
+              </a:extLst>
+            </p:cNvPr>
+            <p:cNvCxnSpPr>
+              <a:cxnSpLocks/>
+            </p:cNvCxnSpPr>
+            <p:nvPr/>
+          </p:nvCxnSpPr>
+          <p:spPr>
+            <a:xfrm>
+              <a:off x="1757416" y="3014250"/>
+              <a:ext cx="360000" cy="0"/>
+            </a:xfrm>
+            <a:prstGeom prst="straightConnector1">
+              <a:avLst/>
+            </a:prstGeom>
+            <a:ln w="38100">
+              <a:solidFill>
+                <a:srgbClr val="808080"/>
+              </a:solidFill>
+              <a:tailEnd type="arrow" w="lg" len="med"/>
+            </a:ln>
+          </p:spPr>
+          <p:style>
+            <a:lnRef idx="1">
+              <a:schemeClr val="accent1"/>
+            </a:lnRef>
+            <a:fillRef idx="0">
+              <a:schemeClr val="accent1"/>
+            </a:fillRef>
+            <a:effectRef idx="0">
+              <a:schemeClr val="accent1"/>
+            </a:effectRef>
+            <a:fontRef idx="minor">
+              <a:schemeClr val="tx1"/>
+            </a:fontRef>
+          </p:style>
+        </p:cxnSp>
+      </p:grpSp>
+      <p:sp>
+        <p:nvSpPr>
+          <p:cNvPr id="219" name="矩形 218">
+            <a:extLst>
+              <a:ext uri="{FF2B5EF4-FFF2-40B4-BE49-F238E27FC236}">
+                <a16:creationId xmlns:a16="http://schemas.microsoft.com/office/drawing/2014/main" id="{09CA4E0E-D91E-5C5E-6F83-B6B7FBBEB065}"/>
+              </a:ext>
+            </a:extLst>
+          </p:cNvPr>
+          <p:cNvSpPr/>
+          <p:nvPr/>
+        </p:nvSpPr>
+        <p:spPr>
+          <a:xfrm>
+            <a:off x="2228175" y="1440000"/>
+            <a:ext cx="720000" cy="720000"/>
+          </a:xfrm>
+          <a:prstGeom prst="rect">
+            <a:avLst/>
+          </a:prstGeom>
+          <a:solidFill>
+            <a:schemeClr val="bg1"/>
+          </a:solidFill>
+        </p:spPr>
+        <p:style>
+          <a:lnRef idx="2">
+            <a:schemeClr val="accent1">
+              <a:shade val="15000"/>
+            </a:schemeClr>
+          </a:lnRef>
+          <a:fillRef idx="1">
+            <a:schemeClr val="accent1"/>
+          </a:fillRef>
+          <a:effectRef idx="0">
+            <a:schemeClr val="accent1"/>
+          </a:effectRef>
+          <a:fontRef idx="minor">
+            <a:schemeClr val="lt1"/>
+          </a:fontRef>
+        </p:style>
+        <p:txBody>
+          <a:bodyPr rtlCol="0" anchor="ctr"/>
+          <a:lstStyle/>
+          <a:p>
+            <a:pPr algn="ctr"/>
+            <a:endParaRPr lang="zh-TW" altLang="en-US"/>
+          </a:p>
+        </p:txBody>
+      </p:sp>
+      <p:grpSp>
+        <p:nvGrpSpPr>
+          <p:cNvPr id="218" name="群組 217">
+            <a:extLst>
+              <a:ext uri="{FF2B5EF4-FFF2-40B4-BE49-F238E27FC236}">
+                <a16:creationId xmlns:a16="http://schemas.microsoft.com/office/drawing/2014/main" id="{4CCF33A9-A211-C604-6240-76C8DFF985A1}"/>
+              </a:ext>
+            </a:extLst>
+          </p:cNvPr>
+          <p:cNvGrpSpPr/>
+          <p:nvPr/>
+        </p:nvGrpSpPr>
+        <p:grpSpPr>
+          <a:xfrm>
+            <a:off x="2336175" y="1548000"/>
+            <a:ext cx="504000" cy="504000"/>
+            <a:chOff x="4835453" y="1548000"/>
+            <a:chExt cx="504000" cy="504000"/>
+          </a:xfrm>
+        </p:grpSpPr>
+        <p:sp>
+          <p:nvSpPr>
+            <p:cNvPr id="200" name="橢圓 199">
+              <a:extLst>
+                <a:ext uri="{FF2B5EF4-FFF2-40B4-BE49-F238E27FC236}">
+                  <a16:creationId xmlns:a16="http://schemas.microsoft.com/office/drawing/2014/main" id="{8D48F5F0-2620-2535-315D-CECD6BE1A68F}"/>
+                </a:ext>
+              </a:extLst>
+            </p:cNvPr>
+            <p:cNvSpPr/>
+            <p:nvPr/>
+          </p:nvSpPr>
+          <p:spPr>
+            <a:xfrm>
+              <a:off x="4835453" y="1548000"/>
+              <a:ext cx="504000" cy="504000"/>
+            </a:xfrm>
+            <a:prstGeom prst="ellipse">
+              <a:avLst/>
+            </a:prstGeom>
+            <a:noFill/>
+            <a:ln w="38100">
+              <a:solidFill>
+                <a:srgbClr val="808080"/>
+              </a:solidFill>
+            </a:ln>
+          </p:spPr>
+          <p:style>
+            <a:lnRef idx="2">
+              <a:schemeClr val="accent1">
+                <a:shade val="15000"/>
+              </a:schemeClr>
+            </a:lnRef>
+            <a:fillRef idx="1">
+              <a:schemeClr val="accent1"/>
+            </a:fillRef>
+            <a:effectRef idx="0">
+              <a:schemeClr val="accent1"/>
+            </a:effectRef>
+            <a:fontRef idx="minor">
+              <a:schemeClr val="lt1"/>
+            </a:fontRef>
+          </p:style>
+          <p:txBody>
+            <a:bodyPr rtlCol="0" anchor="ctr"/>
+            <a:lstStyle/>
+            <a:p>
+              <a:pPr algn="ctr"/>
+              <a:endParaRPr lang="zh-TW" altLang="en-US"/>
+            </a:p>
+          </p:txBody>
+        </p:sp>
+        <p:grpSp>
+          <p:nvGrpSpPr>
+            <p:cNvPr id="217" name="群組 216">
+              <a:extLst>
+                <a:ext uri="{FF2B5EF4-FFF2-40B4-BE49-F238E27FC236}">
+                  <a16:creationId xmlns:a16="http://schemas.microsoft.com/office/drawing/2014/main" id="{A291E77E-847B-0A6F-60B0-3C87EF85E912}"/>
+                </a:ext>
+              </a:extLst>
+            </p:cNvPr>
+            <p:cNvGrpSpPr/>
+            <p:nvPr/>
+          </p:nvGrpSpPr>
+          <p:grpSpPr>
+            <a:xfrm>
+              <a:off x="4943453" y="1626595"/>
+              <a:ext cx="288000" cy="425405"/>
+              <a:chOff x="4943453" y="1626595"/>
+              <a:chExt cx="288000" cy="425405"/>
+            </a:xfrm>
+          </p:grpSpPr>
+          <p:sp>
+            <p:nvSpPr>
+              <p:cNvPr id="202" name="橢圓 201">
+                <a:extLst>
+                  <a:ext uri="{FF2B5EF4-FFF2-40B4-BE49-F238E27FC236}">
+                    <a16:creationId xmlns:a16="http://schemas.microsoft.com/office/drawing/2014/main" id="{AE1DAB6B-3110-033B-C8BF-A75D72399161}"/>
+                  </a:ext>
+                </a:extLst>
+              </p:cNvPr>
+              <p:cNvSpPr/>
+              <p:nvPr/>
+            </p:nvSpPr>
+            <p:spPr>
+              <a:xfrm>
+                <a:off x="4989754" y="1626595"/>
+                <a:ext cx="195399" cy="195399"/>
+              </a:xfrm>
+              <a:prstGeom prst="ellipse">
+                <a:avLst/>
+              </a:prstGeom>
+              <a:noFill/>
+              <a:ln w="38100">
+                <a:solidFill>
+                  <a:srgbClr val="808080"/>
+                </a:solidFill>
+              </a:ln>
+            </p:spPr>
+            <p:style>
+              <a:lnRef idx="2">
+                <a:schemeClr val="accent1">
+                  <a:shade val="15000"/>
+                </a:schemeClr>
+              </a:lnRef>
+              <a:fillRef idx="1">
+                <a:schemeClr val="accent1"/>
+              </a:fillRef>
+              <a:effectRef idx="0">
+                <a:schemeClr val="accent1"/>
+              </a:effectRef>
+              <a:fontRef idx="minor">
+                <a:schemeClr val="lt1"/>
+              </a:fontRef>
+            </p:style>
+            <p:txBody>
+              <a:bodyPr rtlCol="0" anchor="ctr"/>
+              <a:lstStyle/>
+              <a:p>
+                <a:pPr algn="ctr"/>
+                <a:endParaRPr lang="zh-TW" altLang="en-US"/>
+              </a:p>
+            </p:txBody>
+          </p:sp>
+          <p:sp>
+            <p:nvSpPr>
+              <p:cNvPr id="216" name="手繪多邊形: 圖案 215">
+                <a:extLst>
+                  <a:ext uri="{FF2B5EF4-FFF2-40B4-BE49-F238E27FC236}">
+                    <a16:creationId xmlns:a16="http://schemas.microsoft.com/office/drawing/2014/main" id="{BA22159E-315C-8C2E-6916-7C600B95585C}"/>
+                  </a:ext>
+                </a:extLst>
+              </p:cNvPr>
+              <p:cNvSpPr/>
+              <p:nvPr/>
+            </p:nvSpPr>
+            <p:spPr>
+              <a:xfrm>
+                <a:off x="4943453" y="1880400"/>
+                <a:ext cx="288000" cy="171600"/>
+              </a:xfrm>
+              <a:custGeom>
+                <a:avLst/>
+                <a:gdLst>
+                  <a:gd name="connsiteX0" fmla="*/ 32567 w 288000"/>
+                  <a:gd name="connsiteY0" fmla="*/ 0 h 171600"/>
+                  <a:gd name="connsiteX1" fmla="*/ 255433 w 288000"/>
+                  <a:gd name="connsiteY1" fmla="*/ 0 h 171600"/>
+                  <a:gd name="connsiteX2" fmla="*/ 288000 w 288000"/>
+                  <a:gd name="connsiteY2" fmla="*/ 32567 h 171600"/>
+                  <a:gd name="connsiteX3" fmla="*/ 288000 w 288000"/>
+                  <a:gd name="connsiteY3" fmla="*/ 126001 h 171600"/>
+                  <a:gd name="connsiteX4" fmla="*/ 284896 w 288000"/>
+                  <a:gd name="connsiteY4" fmla="*/ 128562 h 171600"/>
+                  <a:gd name="connsiteX5" fmla="*/ 144000 w 288000"/>
+                  <a:gd name="connsiteY5" fmla="*/ 171600 h 171600"/>
+                  <a:gd name="connsiteX6" fmla="*/ 3104 w 288000"/>
+                  <a:gd name="connsiteY6" fmla="*/ 128562 h 171600"/>
+                  <a:gd name="connsiteX7" fmla="*/ 0 w 288000"/>
+                  <a:gd name="connsiteY7" fmla="*/ 126001 h 171600"/>
+                  <a:gd name="connsiteX8" fmla="*/ 0 w 288000"/>
+                  <a:gd name="connsiteY8" fmla="*/ 32567 h 171600"/>
+                  <a:gd name="connsiteX9" fmla="*/ 32567 w 288000"/>
+                  <a:gd name="connsiteY9" fmla="*/ 0 h 171600"/>
+                </a:gdLst>
+                <a:ahLst/>
+                <a:cxnLst>
+                  <a:cxn ang="0">
+                    <a:pos x="connsiteX0" y="connsiteY0"/>
+                  </a:cxn>
+                  <a:cxn ang="0">
+                    <a:pos x="connsiteX1" y="connsiteY1"/>
+                  </a:cxn>
+                  <a:cxn ang="0">
+                    <a:pos x="connsiteX2" y="connsiteY2"/>
+                  </a:cxn>
+                  <a:cxn ang="0">
+                    <a:pos x="connsiteX3" y="connsiteY3"/>
+                  </a:cxn>
+                  <a:cxn ang="0">
+                    <a:pos x="connsiteX4" y="connsiteY4"/>
+                  </a:cxn>
+                  <a:cxn ang="0">
+                    <a:pos x="connsiteX5" y="connsiteY5"/>
+                  </a:cxn>
+                  <a:cxn ang="0">
+                    <a:pos x="connsiteX6" y="connsiteY6"/>
+                  </a:cxn>
+                  <a:cxn ang="0">
+                    <a:pos x="connsiteX7" y="connsiteY7"/>
+                  </a:cxn>
+                  <a:cxn ang="0">
+                    <a:pos x="connsiteX8" y="connsiteY8"/>
+                  </a:cxn>
+                  <a:cxn ang="0">
+                    <a:pos x="connsiteX9" y="connsiteY9"/>
+                  </a:cxn>
+                </a:cxnLst>
+                <a:rect l="l" t="t" r="r" b="b"/>
+                <a:pathLst>
+                  <a:path w="288000" h="171600">
+                    <a:moveTo>
+                      <a:pt x="32567" y="0"/>
+                    </a:moveTo>
+                    <a:lnTo>
+                      <a:pt x="255433" y="0"/>
+                    </a:lnTo>
+                    <a:cubicBezTo>
+                      <a:pt x="273419" y="0"/>
+                      <a:pt x="288000" y="14581"/>
+                      <a:pt x="288000" y="32567"/>
+                    </a:cubicBezTo>
+                    <a:lnTo>
+                      <a:pt x="288000" y="126001"/>
+                    </a:lnTo>
+                    <a:lnTo>
+                      <a:pt x="284896" y="128562"/>
+                    </a:lnTo>
+                    <a:cubicBezTo>
+                      <a:pt x="244676" y="155734"/>
+                      <a:pt x="196191" y="171600"/>
+                      <a:pt x="144000" y="171600"/>
+                    </a:cubicBezTo>
+                    <a:cubicBezTo>
+                      <a:pt x="91809" y="171600"/>
+                      <a:pt x="43324" y="155734"/>
+                      <a:pt x="3104" y="128562"/>
+                    </a:cubicBezTo>
+                    <a:lnTo>
+                      <a:pt x="0" y="126001"/>
+                    </a:lnTo>
+                    <a:lnTo>
+                      <a:pt x="0" y="32567"/>
+                    </a:lnTo>
+                    <a:cubicBezTo>
+                      <a:pt x="0" y="14581"/>
+                      <a:pt x="14581" y="0"/>
+                      <a:pt x="32567" y="0"/>
+                    </a:cubicBezTo>
+                    <a:close/>
+                  </a:path>
+                </a:pathLst>
+              </a:custGeom>
+              <a:noFill/>
+              <a:ln w="38100">
+                <a:solidFill>
+                  <a:srgbClr val="808080"/>
+                </a:solidFill>
+              </a:ln>
+            </p:spPr>
+            <p:style>
+              <a:lnRef idx="2">
+                <a:schemeClr val="accent1">
+                  <a:shade val="15000"/>
+                </a:schemeClr>
+              </a:lnRef>
+              <a:fillRef idx="1">
+                <a:schemeClr val="accent1"/>
+              </a:fillRef>
+              <a:effectRef idx="0">
+                <a:schemeClr val="accent1"/>
+              </a:effectRef>
+              <a:fontRef idx="minor">
+                <a:schemeClr val="lt1"/>
+              </a:fontRef>
+            </p:style>
+            <p:txBody>
+              <a:bodyPr wrap="square" rtlCol="0" anchor="ctr">
+                <a:noAutofit/>
+              </a:bodyPr>
+              <a:lstStyle/>
+              <a:p>
+                <a:pPr algn="ctr"/>
+                <a:endParaRPr lang="zh-TW" altLang="en-US"/>
+              </a:p>
+            </p:txBody>
+          </p:sp>
+        </p:grpSp>
+      </p:grpSp>
     </p:spTree>
     <p:extLst>
       <p:ext uri="{BB962C8B-B14F-4D97-AF65-F5344CB8AC3E}">

--- a/src/assets/images/圖的原檔.pptx
+++ b/src/assets/images/圖的原檔.pptx
@@ -322,7 +322,7 @@
           <a:p>
             <a:fld id="{1FCFF50C-8A84-4E8C-A139-A97BB20D26A6}" type="datetimeFigureOut">
               <a:rPr lang="zh-TW" altLang="en-US" smtClean="0"/>
-              <a:t>2023/7/6</a:t>
+              <a:t>2023/7/10</a:t>
             </a:fld>
             <a:endParaRPr lang="zh-TW" altLang="en-US"/>
           </a:p>
@@ -530,7 +530,7 @@
           <a:p>
             <a:fld id="{1FCFF50C-8A84-4E8C-A139-A97BB20D26A6}" type="datetimeFigureOut">
               <a:rPr lang="zh-TW" altLang="en-US" smtClean="0"/>
-              <a:t>2023/7/6</a:t>
+              <a:t>2023/7/10</a:t>
             </a:fld>
             <a:endParaRPr lang="zh-TW" altLang="en-US"/>
           </a:p>
@@ -728,7 +728,7 @@
           <a:p>
             <a:fld id="{1FCFF50C-8A84-4E8C-A139-A97BB20D26A6}" type="datetimeFigureOut">
               <a:rPr lang="zh-TW" altLang="en-US" smtClean="0"/>
-              <a:t>2023/7/6</a:t>
+              <a:t>2023/7/10</a:t>
             </a:fld>
             <a:endParaRPr lang="zh-TW" altLang="en-US"/>
           </a:p>
@@ -1003,7 +1003,7 @@
           <a:p>
             <a:fld id="{1FCFF50C-8A84-4E8C-A139-A97BB20D26A6}" type="datetimeFigureOut">
               <a:rPr lang="zh-TW" altLang="en-US" smtClean="0"/>
-              <a:t>2023/7/6</a:t>
+              <a:t>2023/7/10</a:t>
             </a:fld>
             <a:endParaRPr lang="zh-TW" altLang="en-US"/>
           </a:p>
@@ -1268,7 +1268,7 @@
           <a:p>
             <a:fld id="{1FCFF50C-8A84-4E8C-A139-A97BB20D26A6}" type="datetimeFigureOut">
               <a:rPr lang="zh-TW" altLang="en-US" smtClean="0"/>
-              <a:t>2023/7/6</a:t>
+              <a:t>2023/7/10</a:t>
             </a:fld>
             <a:endParaRPr lang="zh-TW" altLang="en-US"/>
           </a:p>
@@ -1680,7 +1680,7 @@
           <a:p>
             <a:fld id="{1FCFF50C-8A84-4E8C-A139-A97BB20D26A6}" type="datetimeFigureOut">
               <a:rPr lang="zh-TW" altLang="en-US" smtClean="0"/>
-              <a:t>2023/7/6</a:t>
+              <a:t>2023/7/10</a:t>
             </a:fld>
             <a:endParaRPr lang="zh-TW" altLang="en-US"/>
           </a:p>
@@ -1821,7 +1821,7 @@
           <a:p>
             <a:fld id="{1FCFF50C-8A84-4E8C-A139-A97BB20D26A6}" type="datetimeFigureOut">
               <a:rPr lang="zh-TW" altLang="en-US" smtClean="0"/>
-              <a:t>2023/7/6</a:t>
+              <a:t>2023/7/10</a:t>
             </a:fld>
             <a:endParaRPr lang="zh-TW" altLang="en-US"/>
           </a:p>
@@ -1934,7 +1934,7 @@
           <a:p>
             <a:fld id="{1FCFF50C-8A84-4E8C-A139-A97BB20D26A6}" type="datetimeFigureOut">
               <a:rPr lang="zh-TW" altLang="en-US" smtClean="0"/>
-              <a:t>2023/7/6</a:t>
+              <a:t>2023/7/10</a:t>
             </a:fld>
             <a:endParaRPr lang="zh-TW" altLang="en-US"/>
           </a:p>
@@ -2245,7 +2245,7 @@
           <a:p>
             <a:fld id="{1FCFF50C-8A84-4E8C-A139-A97BB20D26A6}" type="datetimeFigureOut">
               <a:rPr lang="zh-TW" altLang="en-US" smtClean="0"/>
-              <a:t>2023/7/6</a:t>
+              <a:t>2023/7/10</a:t>
             </a:fld>
             <a:endParaRPr lang="zh-TW" altLang="en-US"/>
           </a:p>
@@ -2533,7 +2533,7 @@
           <a:p>
             <a:fld id="{1FCFF50C-8A84-4E8C-A139-A97BB20D26A6}" type="datetimeFigureOut">
               <a:rPr lang="zh-TW" altLang="en-US" smtClean="0"/>
-              <a:t>2023/7/6</a:t>
+              <a:t>2023/7/10</a:t>
             </a:fld>
             <a:endParaRPr lang="zh-TW" altLang="en-US"/>
           </a:p>
@@ -2774,7 +2774,7 @@
           <a:p>
             <a:fld id="{1FCFF50C-8A84-4E8C-A139-A97BB20D26A6}" type="datetimeFigureOut">
               <a:rPr lang="zh-TW" altLang="en-US" smtClean="0"/>
-              <a:t>2023/7/6</a:t>
+              <a:t>2023/7/10</a:t>
             </a:fld>
             <a:endParaRPr lang="zh-TW" altLang="en-US"/>
           </a:p>
@@ -4459,182 +4459,13 @@
       </p:grpSp>
       <p:grpSp>
         <p:nvGrpSpPr>
-          <p:cNvPr id="16" name="群組 15">
-            <a:extLst>
-              <a:ext uri="{FF2B5EF4-FFF2-40B4-BE49-F238E27FC236}">
-                <a16:creationId xmlns:a16="http://schemas.microsoft.com/office/drawing/2014/main" id="{B2A8FBFF-2D18-ADFF-FDAD-3172C4AF3EAA}"/>
-              </a:ext>
-            </a:extLst>
-          </p:cNvPr>
-          <p:cNvGrpSpPr/>
-          <p:nvPr/>
-        </p:nvGrpSpPr>
-        <p:grpSpPr>
-          <a:xfrm>
-            <a:off x="4536548" y="23071"/>
-            <a:ext cx="504000" cy="504000"/>
-            <a:chOff x="3402650" y="2660073"/>
-            <a:chExt cx="504000" cy="504000"/>
-          </a:xfrm>
-        </p:grpSpPr>
-        <p:grpSp>
-          <p:nvGrpSpPr>
-            <p:cNvPr id="14" name="群組 13">
-              <a:extLst>
-                <a:ext uri="{FF2B5EF4-FFF2-40B4-BE49-F238E27FC236}">
-                  <a16:creationId xmlns:a16="http://schemas.microsoft.com/office/drawing/2014/main" id="{91EB60AF-C8B3-59AD-B5BB-DC4204C30FB7}"/>
-                </a:ext>
-              </a:extLst>
-            </p:cNvPr>
-            <p:cNvGrpSpPr/>
-            <p:nvPr/>
-          </p:nvGrpSpPr>
-          <p:grpSpPr>
-            <a:xfrm>
-              <a:off x="3402650" y="2660073"/>
-              <a:ext cx="504000" cy="252000"/>
-              <a:chOff x="3402650" y="2660073"/>
-              <a:chExt cx="504000" cy="252000"/>
-            </a:xfrm>
-          </p:grpSpPr>
-          <p:cxnSp>
-            <p:nvCxnSpPr>
-              <p:cNvPr id="7" name="直線接點 6">
-                <a:extLst>
-                  <a:ext uri="{FF2B5EF4-FFF2-40B4-BE49-F238E27FC236}">
-                    <a16:creationId xmlns:a16="http://schemas.microsoft.com/office/drawing/2014/main" id="{50964EA1-06C8-9A62-C138-BBC8ED684453}"/>
-                  </a:ext>
-                </a:extLst>
-              </p:cNvPr>
-              <p:cNvCxnSpPr/>
-              <p:nvPr/>
-            </p:nvCxnSpPr>
-            <p:spPr>
-              <a:xfrm flipV="1">
-                <a:off x="3402650" y="2660073"/>
-                <a:ext cx="252000" cy="252000"/>
-              </a:xfrm>
-              <a:prstGeom prst="line">
-                <a:avLst/>
-              </a:prstGeom>
-              <a:ln w="38100">
-                <a:solidFill>
-                  <a:schemeClr val="tx1"/>
-                </a:solidFill>
-              </a:ln>
-            </p:spPr>
-            <p:style>
-              <a:lnRef idx="1">
-                <a:schemeClr val="accent1"/>
-              </a:lnRef>
-              <a:fillRef idx="0">
-                <a:schemeClr val="accent1"/>
-              </a:fillRef>
-              <a:effectRef idx="0">
-                <a:schemeClr val="accent1"/>
-              </a:effectRef>
-              <a:fontRef idx="minor">
-                <a:schemeClr val="tx1"/>
-              </a:fontRef>
-            </p:style>
-          </p:cxnSp>
-          <p:cxnSp>
-            <p:nvCxnSpPr>
-              <p:cNvPr id="9" name="直線接點 8">
-                <a:extLst>
-                  <a:ext uri="{FF2B5EF4-FFF2-40B4-BE49-F238E27FC236}">
-                    <a16:creationId xmlns:a16="http://schemas.microsoft.com/office/drawing/2014/main" id="{732BBE5F-8224-C473-9623-4BC94D4B64F3}"/>
-                  </a:ext>
-                </a:extLst>
-              </p:cNvPr>
-              <p:cNvCxnSpPr>
-                <a:cxnSpLocks/>
-              </p:cNvCxnSpPr>
-              <p:nvPr/>
-            </p:nvCxnSpPr>
-            <p:spPr>
-              <a:xfrm flipH="1" flipV="1">
-                <a:off x="3654650" y="2660073"/>
-                <a:ext cx="252000" cy="252000"/>
-              </a:xfrm>
-              <a:prstGeom prst="line">
-                <a:avLst/>
-              </a:prstGeom>
-              <a:ln w="38100">
-                <a:solidFill>
-                  <a:schemeClr val="tx1"/>
-                </a:solidFill>
-              </a:ln>
-            </p:spPr>
-            <p:style>
-              <a:lnRef idx="1">
-                <a:schemeClr val="accent1"/>
-              </a:lnRef>
-              <a:fillRef idx="0">
-                <a:schemeClr val="accent1"/>
-              </a:fillRef>
-              <a:effectRef idx="0">
-                <a:schemeClr val="accent1"/>
-              </a:effectRef>
-              <a:fontRef idx="minor">
-                <a:schemeClr val="tx1"/>
-              </a:fontRef>
-            </p:style>
-          </p:cxnSp>
-        </p:grpSp>
-        <p:cxnSp>
-          <p:nvCxnSpPr>
-            <p:cNvPr id="13" name="直線接點 12">
-              <a:extLst>
-                <a:ext uri="{FF2B5EF4-FFF2-40B4-BE49-F238E27FC236}">
-                  <a16:creationId xmlns:a16="http://schemas.microsoft.com/office/drawing/2014/main" id="{08FA777C-2F40-BC76-F59A-1C3521A7B909}"/>
-                </a:ext>
-              </a:extLst>
-            </p:cNvPr>
-            <p:cNvCxnSpPr>
-              <a:cxnSpLocks/>
-            </p:cNvCxnSpPr>
-            <p:nvPr/>
-          </p:nvCxnSpPr>
-          <p:spPr>
-            <a:xfrm>
-              <a:off x="3654650" y="2660073"/>
-              <a:ext cx="0" cy="504000"/>
-            </a:xfrm>
-            <a:prstGeom prst="line">
-              <a:avLst/>
-            </a:prstGeom>
-            <a:ln w="38100">
-              <a:solidFill>
-                <a:schemeClr val="tx1"/>
-              </a:solidFill>
-            </a:ln>
-          </p:spPr>
-          <p:style>
-            <a:lnRef idx="1">
-              <a:schemeClr val="accent1"/>
-            </a:lnRef>
-            <a:fillRef idx="0">
-              <a:schemeClr val="accent1"/>
-            </a:fillRef>
-            <a:effectRef idx="0">
-              <a:schemeClr val="accent1"/>
-            </a:effectRef>
-            <a:fontRef idx="minor">
-              <a:schemeClr val="tx1"/>
-            </a:fontRef>
-          </p:style>
-        </p:cxnSp>
-      </p:grpSp>
-      <p:grpSp>
-        <p:nvGrpSpPr>
           <p:cNvPr id="3" name="群組 2"/>
           <p:cNvGrpSpPr/>
           <p:nvPr/>
         </p:nvGrpSpPr>
         <p:grpSpPr>
           <a:xfrm>
-            <a:off x="5367781" y="3246522"/>
+            <a:off x="3237600" y="1524600"/>
             <a:ext cx="5716800" cy="3808800"/>
             <a:chOff x="3237600" y="1524600"/>
             <a:chExt cx="5716800" cy="3808800"/>
@@ -9194,6 +9025,913 @@
           </p:sp>
         </p:grpSp>
       </p:grpSp>
+      <p:grpSp>
+        <p:nvGrpSpPr>
+          <p:cNvPr id="51" name="群組 50">
+            <a:extLst>
+              <a:ext uri="{FF2B5EF4-FFF2-40B4-BE49-F238E27FC236}">
+                <a16:creationId xmlns:a16="http://schemas.microsoft.com/office/drawing/2014/main" id="{6031AD10-F927-B287-23BD-5F065D6698F8}"/>
+              </a:ext>
+            </a:extLst>
+          </p:cNvPr>
+          <p:cNvGrpSpPr/>
+          <p:nvPr/>
+        </p:nvGrpSpPr>
+        <p:grpSpPr>
+          <a:xfrm>
+            <a:off x="6218361" y="106977"/>
+            <a:ext cx="403218" cy="504000"/>
+            <a:chOff x="6491936" y="541156"/>
+            <a:chExt cx="403218" cy="504000"/>
+          </a:xfrm>
+        </p:grpSpPr>
+        <p:sp>
+          <p:nvSpPr>
+            <p:cNvPr id="20" name="拱形 19">
+              <a:extLst>
+                <a:ext uri="{FF2B5EF4-FFF2-40B4-BE49-F238E27FC236}">
+                  <a16:creationId xmlns:a16="http://schemas.microsoft.com/office/drawing/2014/main" id="{7038CB42-4AAA-FC81-7E7A-380F138ECCA7}"/>
+                </a:ext>
+              </a:extLst>
+            </p:cNvPr>
+            <p:cNvSpPr/>
+            <p:nvPr/>
+          </p:nvSpPr>
+          <p:spPr>
+            <a:xfrm flipV="1">
+              <a:off x="6641405" y="940876"/>
+              <a:ext cx="104281" cy="104280"/>
+            </a:xfrm>
+            <a:prstGeom prst="blockArc">
+              <a:avLst/>
+            </a:prstGeom>
+            <a:solidFill>
+              <a:srgbClr val="808080"/>
+            </a:solidFill>
+            <a:ln>
+              <a:solidFill>
+                <a:srgbClr val="808080"/>
+              </a:solidFill>
+            </a:ln>
+          </p:spPr>
+          <p:style>
+            <a:lnRef idx="2">
+              <a:schemeClr val="accent1">
+                <a:shade val="15000"/>
+              </a:schemeClr>
+            </a:lnRef>
+            <a:fillRef idx="1">
+              <a:schemeClr val="accent1"/>
+            </a:fillRef>
+            <a:effectRef idx="0">
+              <a:schemeClr val="accent1"/>
+            </a:effectRef>
+            <a:fontRef idx="minor">
+              <a:schemeClr val="lt1"/>
+            </a:fontRef>
+          </p:style>
+          <p:txBody>
+            <a:bodyPr rtlCol="0" anchor="ctr"/>
+            <a:lstStyle/>
+            <a:p>
+              <a:pPr algn="ctr"/>
+              <a:endParaRPr lang="zh-TW" altLang="en-US">
+                <a:solidFill>
+                  <a:schemeClr val="tx1"/>
+                </a:solidFill>
+              </a:endParaRPr>
+            </a:p>
+          </p:txBody>
+        </p:sp>
+        <p:sp>
+          <p:nvSpPr>
+            <p:cNvPr id="21" name="手繪多邊形: 圖案 20">
+              <a:extLst>
+                <a:ext uri="{FF2B5EF4-FFF2-40B4-BE49-F238E27FC236}">
+                  <a16:creationId xmlns:a16="http://schemas.microsoft.com/office/drawing/2014/main" id="{3B277B60-0179-7F4B-11A5-2D232435ADBF}"/>
+                </a:ext>
+              </a:extLst>
+            </p:cNvPr>
+            <p:cNvSpPr>
+              <a:spLocks noChangeAspect="1"/>
+            </p:cNvSpPr>
+            <p:nvPr/>
+          </p:nvSpPr>
+          <p:spPr>
+            <a:xfrm>
+              <a:off x="6491936" y="541156"/>
+              <a:ext cx="403218" cy="399719"/>
+            </a:xfrm>
+            <a:custGeom>
+              <a:avLst/>
+              <a:gdLst>
+                <a:gd name="connsiteX0" fmla="*/ 208775 w 417600"/>
+                <a:gd name="connsiteY0" fmla="*/ 0 h 413976"/>
+                <a:gd name="connsiteX1" fmla="*/ 262750 w 417600"/>
+                <a:gd name="connsiteY1" fmla="*/ 53975 h 413976"/>
+                <a:gd name="connsiteX2" fmla="*/ 260768 w 417600"/>
+                <a:gd name="connsiteY2" fmla="*/ 63794 h 413976"/>
+                <a:gd name="connsiteX3" fmla="*/ 302137 w 417600"/>
+                <a:gd name="connsiteY3" fmla="*/ 80035 h 413976"/>
+                <a:gd name="connsiteX4" fmla="*/ 388800 w 417600"/>
+                <a:gd name="connsiteY4" fmla="*/ 233976 h 413976"/>
+                <a:gd name="connsiteX5" fmla="*/ 388800 w 417600"/>
+                <a:gd name="connsiteY5" fmla="*/ 364320 h 413976"/>
+                <a:gd name="connsiteX6" fmla="*/ 417600 w 417600"/>
+                <a:gd name="connsiteY6" fmla="*/ 413975 h 413976"/>
+                <a:gd name="connsiteX7" fmla="*/ 388800 w 417600"/>
+                <a:gd name="connsiteY7" fmla="*/ 413975 h 413976"/>
+                <a:gd name="connsiteX8" fmla="*/ 388800 w 417600"/>
+                <a:gd name="connsiteY8" fmla="*/ 413976 h 413976"/>
+                <a:gd name="connsiteX9" fmla="*/ 28800 w 417600"/>
+                <a:gd name="connsiteY9" fmla="*/ 413976 h 413976"/>
+                <a:gd name="connsiteX10" fmla="*/ 28800 w 417600"/>
+                <a:gd name="connsiteY10" fmla="*/ 413975 h 413976"/>
+                <a:gd name="connsiteX11" fmla="*/ 0 w 417600"/>
+                <a:gd name="connsiteY11" fmla="*/ 413975 h 413976"/>
+                <a:gd name="connsiteX12" fmla="*/ 28800 w 417600"/>
+                <a:gd name="connsiteY12" fmla="*/ 364320 h 413976"/>
+                <a:gd name="connsiteX13" fmla="*/ 28800 w 417600"/>
+                <a:gd name="connsiteY13" fmla="*/ 233976 h 413976"/>
+                <a:gd name="connsiteX14" fmla="*/ 115464 w 417600"/>
+                <a:gd name="connsiteY14" fmla="*/ 80035 h 413976"/>
+                <a:gd name="connsiteX15" fmla="*/ 156786 w 417600"/>
+                <a:gd name="connsiteY15" fmla="*/ 63812 h 413976"/>
+                <a:gd name="connsiteX16" fmla="*/ 154800 w 417600"/>
+                <a:gd name="connsiteY16" fmla="*/ 53975 h 413976"/>
+                <a:gd name="connsiteX17" fmla="*/ 208775 w 417600"/>
+                <a:gd name="connsiteY17" fmla="*/ 0 h 413976"/>
+              </a:gdLst>
+              <a:ahLst/>
+              <a:cxnLst>
+                <a:cxn ang="0">
+                  <a:pos x="connsiteX0" y="connsiteY0"/>
+                </a:cxn>
+                <a:cxn ang="0">
+                  <a:pos x="connsiteX1" y="connsiteY1"/>
+                </a:cxn>
+                <a:cxn ang="0">
+                  <a:pos x="connsiteX2" y="connsiteY2"/>
+                </a:cxn>
+                <a:cxn ang="0">
+                  <a:pos x="connsiteX3" y="connsiteY3"/>
+                </a:cxn>
+                <a:cxn ang="0">
+                  <a:pos x="connsiteX4" y="connsiteY4"/>
+                </a:cxn>
+                <a:cxn ang="0">
+                  <a:pos x="connsiteX5" y="connsiteY5"/>
+                </a:cxn>
+                <a:cxn ang="0">
+                  <a:pos x="connsiteX6" y="connsiteY6"/>
+                </a:cxn>
+                <a:cxn ang="0">
+                  <a:pos x="connsiteX7" y="connsiteY7"/>
+                </a:cxn>
+                <a:cxn ang="0">
+                  <a:pos x="connsiteX8" y="connsiteY8"/>
+                </a:cxn>
+                <a:cxn ang="0">
+                  <a:pos x="connsiteX9" y="connsiteY9"/>
+                </a:cxn>
+                <a:cxn ang="0">
+                  <a:pos x="connsiteX10" y="connsiteY10"/>
+                </a:cxn>
+                <a:cxn ang="0">
+                  <a:pos x="connsiteX11" y="connsiteY11"/>
+                </a:cxn>
+                <a:cxn ang="0">
+                  <a:pos x="connsiteX12" y="connsiteY12"/>
+                </a:cxn>
+                <a:cxn ang="0">
+                  <a:pos x="connsiteX13" y="connsiteY13"/>
+                </a:cxn>
+                <a:cxn ang="0">
+                  <a:pos x="connsiteX14" y="connsiteY14"/>
+                </a:cxn>
+                <a:cxn ang="0">
+                  <a:pos x="connsiteX15" y="connsiteY15"/>
+                </a:cxn>
+                <a:cxn ang="0">
+                  <a:pos x="connsiteX16" y="connsiteY16"/>
+                </a:cxn>
+                <a:cxn ang="0">
+                  <a:pos x="connsiteX17" y="connsiteY17"/>
+                </a:cxn>
+              </a:cxnLst>
+              <a:rect l="l" t="t" r="r" b="b"/>
+              <a:pathLst>
+                <a:path w="417600" h="413976">
+                  <a:moveTo>
+                    <a:pt x="208775" y="0"/>
+                  </a:moveTo>
+                  <a:cubicBezTo>
+                    <a:pt x="238585" y="0"/>
+                    <a:pt x="262750" y="24165"/>
+                    <a:pt x="262750" y="53975"/>
+                  </a:cubicBezTo>
+                  <a:lnTo>
+                    <a:pt x="260768" y="63794"/>
+                  </a:lnTo>
+                  <a:lnTo>
+                    <a:pt x="302137" y="80035"/>
+                  </a:lnTo>
+                  <a:cubicBezTo>
+                    <a:pt x="354093" y="111605"/>
+                    <a:pt x="388800" y="168738"/>
+                    <a:pt x="388800" y="233976"/>
+                  </a:cubicBezTo>
+                  <a:lnTo>
+                    <a:pt x="388800" y="364320"/>
+                  </a:lnTo>
+                  <a:lnTo>
+                    <a:pt x="417600" y="413975"/>
+                  </a:lnTo>
+                  <a:lnTo>
+                    <a:pt x="388800" y="413975"/>
+                  </a:lnTo>
+                  <a:lnTo>
+                    <a:pt x="388800" y="413976"/>
+                  </a:lnTo>
+                  <a:lnTo>
+                    <a:pt x="28800" y="413976"/>
+                  </a:lnTo>
+                  <a:lnTo>
+                    <a:pt x="28800" y="413975"/>
+                  </a:lnTo>
+                  <a:lnTo>
+                    <a:pt x="0" y="413975"/>
+                  </a:lnTo>
+                  <a:lnTo>
+                    <a:pt x="28800" y="364320"/>
+                  </a:lnTo>
+                  <a:lnTo>
+                    <a:pt x="28800" y="233976"/>
+                  </a:lnTo>
+                  <a:cubicBezTo>
+                    <a:pt x="28800" y="168738"/>
+                    <a:pt x="63507" y="111605"/>
+                    <a:pt x="115464" y="80035"/>
+                  </a:cubicBezTo>
+                  <a:lnTo>
+                    <a:pt x="156786" y="63812"/>
+                  </a:lnTo>
+                  <a:lnTo>
+                    <a:pt x="154800" y="53975"/>
+                  </a:lnTo>
+                  <a:cubicBezTo>
+                    <a:pt x="154800" y="24165"/>
+                    <a:pt x="178965" y="0"/>
+                    <a:pt x="208775" y="0"/>
+                  </a:cubicBezTo>
+                  <a:close/>
+                </a:path>
+              </a:pathLst>
+            </a:custGeom>
+            <a:noFill/>
+            <a:ln w="38100">
+              <a:solidFill>
+                <a:srgbClr val="808080"/>
+              </a:solidFill>
+            </a:ln>
+          </p:spPr>
+          <p:style>
+            <a:lnRef idx="2">
+              <a:schemeClr val="accent1">
+                <a:shade val="15000"/>
+              </a:schemeClr>
+            </a:lnRef>
+            <a:fillRef idx="1">
+              <a:schemeClr val="accent1"/>
+            </a:fillRef>
+            <a:effectRef idx="0">
+              <a:schemeClr val="accent1"/>
+            </a:effectRef>
+            <a:fontRef idx="minor">
+              <a:schemeClr val="lt1"/>
+            </a:fontRef>
+          </p:style>
+          <p:txBody>
+            <a:bodyPr wrap="square" rtlCol="0" anchor="ctr">
+              <a:noAutofit/>
+            </a:bodyPr>
+            <a:lstStyle/>
+            <a:p>
+              <a:pPr algn="ctr"/>
+              <a:endParaRPr lang="zh-TW" altLang="en-US"/>
+            </a:p>
+          </p:txBody>
+        </p:sp>
+        <p:cxnSp>
+          <p:nvCxnSpPr>
+            <p:cNvPr id="31" name="直線接點 30">
+              <a:extLst>
+                <a:ext uri="{FF2B5EF4-FFF2-40B4-BE49-F238E27FC236}">
+                  <a16:creationId xmlns:a16="http://schemas.microsoft.com/office/drawing/2014/main" id="{EF9815C8-90DE-A6C0-5BE2-397A0A6D4ACA}"/>
+                </a:ext>
+              </a:extLst>
+            </p:cNvPr>
+            <p:cNvCxnSpPr/>
+            <p:nvPr/>
+          </p:nvCxnSpPr>
+          <p:spPr>
+            <a:xfrm>
+              <a:off x="6508547" y="541156"/>
+              <a:ext cx="360000" cy="504000"/>
+            </a:xfrm>
+            <a:prstGeom prst="line">
+              <a:avLst/>
+            </a:prstGeom>
+            <a:ln w="38100">
+              <a:solidFill>
+                <a:srgbClr val="808080"/>
+              </a:solidFill>
+            </a:ln>
+          </p:spPr>
+          <p:style>
+            <a:lnRef idx="1">
+              <a:schemeClr val="accent1"/>
+            </a:lnRef>
+            <a:fillRef idx="0">
+              <a:schemeClr val="accent1"/>
+            </a:fillRef>
+            <a:effectRef idx="0">
+              <a:schemeClr val="accent1"/>
+            </a:effectRef>
+            <a:fontRef idx="minor">
+              <a:schemeClr val="tx1"/>
+            </a:fontRef>
+          </p:style>
+        </p:cxnSp>
+      </p:grpSp>
+      <p:sp>
+        <p:nvSpPr>
+          <p:cNvPr id="44" name="手繪多邊形: 圖案 43">
+            <a:extLst>
+              <a:ext uri="{FF2B5EF4-FFF2-40B4-BE49-F238E27FC236}">
+                <a16:creationId xmlns:a16="http://schemas.microsoft.com/office/drawing/2014/main" id="{FDA23C12-863F-1084-5B86-0A1261B2BE73}"/>
+              </a:ext>
+            </a:extLst>
+          </p:cNvPr>
+          <p:cNvSpPr/>
+          <p:nvPr/>
+        </p:nvSpPr>
+        <p:spPr>
+          <a:xfrm>
+            <a:off x="4603476" y="31469"/>
+            <a:ext cx="504000" cy="504000"/>
+          </a:xfrm>
+          <a:custGeom>
+            <a:avLst/>
+            <a:gdLst>
+              <a:gd name="connsiteX0" fmla="*/ 252000 w 504000"/>
+              <a:gd name="connsiteY0" fmla="*/ 0 h 504000"/>
+              <a:gd name="connsiteX1" fmla="*/ 504000 w 504000"/>
+              <a:gd name="connsiteY1" fmla="*/ 324000 h 504000"/>
+              <a:gd name="connsiteX2" fmla="*/ 378000 w 504000"/>
+              <a:gd name="connsiteY2" fmla="*/ 324000 h 504000"/>
+              <a:gd name="connsiteX3" fmla="*/ 378000 w 504000"/>
+              <a:gd name="connsiteY3" fmla="*/ 504000 h 504000"/>
+              <a:gd name="connsiteX4" fmla="*/ 126000 w 504000"/>
+              <a:gd name="connsiteY4" fmla="*/ 504000 h 504000"/>
+              <a:gd name="connsiteX5" fmla="*/ 126000 w 504000"/>
+              <a:gd name="connsiteY5" fmla="*/ 324000 h 504000"/>
+              <a:gd name="connsiteX6" fmla="*/ 0 w 504000"/>
+              <a:gd name="connsiteY6" fmla="*/ 324000 h 504000"/>
+            </a:gdLst>
+            <a:ahLst/>
+            <a:cxnLst>
+              <a:cxn ang="0">
+                <a:pos x="connsiteX0" y="connsiteY0"/>
+              </a:cxn>
+              <a:cxn ang="0">
+                <a:pos x="connsiteX1" y="connsiteY1"/>
+              </a:cxn>
+              <a:cxn ang="0">
+                <a:pos x="connsiteX2" y="connsiteY2"/>
+              </a:cxn>
+              <a:cxn ang="0">
+                <a:pos x="connsiteX3" y="connsiteY3"/>
+              </a:cxn>
+              <a:cxn ang="0">
+                <a:pos x="connsiteX4" y="connsiteY4"/>
+              </a:cxn>
+              <a:cxn ang="0">
+                <a:pos x="connsiteX5" y="connsiteY5"/>
+              </a:cxn>
+              <a:cxn ang="0">
+                <a:pos x="connsiteX6" y="connsiteY6"/>
+              </a:cxn>
+            </a:cxnLst>
+            <a:rect l="l" t="t" r="r" b="b"/>
+            <a:pathLst>
+              <a:path w="504000" h="504000">
+                <a:moveTo>
+                  <a:pt x="252000" y="0"/>
+                </a:moveTo>
+                <a:lnTo>
+                  <a:pt x="504000" y="324000"/>
+                </a:lnTo>
+                <a:lnTo>
+                  <a:pt x="378000" y="324000"/>
+                </a:lnTo>
+                <a:lnTo>
+                  <a:pt x="378000" y="504000"/>
+                </a:lnTo>
+                <a:lnTo>
+                  <a:pt x="126000" y="504000"/>
+                </a:lnTo>
+                <a:lnTo>
+                  <a:pt x="126000" y="324000"/>
+                </a:lnTo>
+                <a:lnTo>
+                  <a:pt x="0" y="324000"/>
+                </a:lnTo>
+                <a:close/>
+              </a:path>
+            </a:pathLst>
+          </a:custGeom>
+          <a:solidFill>
+            <a:srgbClr val="808080"/>
+          </a:solidFill>
+          <a:ln w="38100">
+            <a:solidFill>
+              <a:srgbClr val="808080"/>
+            </a:solidFill>
+          </a:ln>
+        </p:spPr>
+        <p:style>
+          <a:lnRef idx="2">
+            <a:schemeClr val="accent1">
+              <a:shade val="15000"/>
+            </a:schemeClr>
+          </a:lnRef>
+          <a:fillRef idx="1">
+            <a:schemeClr val="accent1"/>
+          </a:fillRef>
+          <a:effectRef idx="0">
+            <a:schemeClr val="accent1"/>
+          </a:effectRef>
+          <a:fontRef idx="minor">
+            <a:schemeClr val="lt1"/>
+          </a:fontRef>
+        </p:style>
+        <p:txBody>
+          <a:bodyPr wrap="square" rtlCol="0" anchor="ctr">
+            <a:noAutofit/>
+          </a:bodyPr>
+          <a:lstStyle/>
+          <a:p>
+            <a:pPr algn="ctr"/>
+            <a:endParaRPr lang="zh-TW" altLang="en-US"/>
+          </a:p>
+        </p:txBody>
+      </p:sp>
+      <p:sp>
+        <p:nvSpPr>
+          <p:cNvPr id="45" name="手繪多邊形: 圖案 44">
+            <a:extLst>
+              <a:ext uri="{FF2B5EF4-FFF2-40B4-BE49-F238E27FC236}">
+                <a16:creationId xmlns:a16="http://schemas.microsoft.com/office/drawing/2014/main" id="{C2EE9EDA-A2D2-4737-4A34-6136C3AB26C2}"/>
+              </a:ext>
+            </a:extLst>
+          </p:cNvPr>
+          <p:cNvSpPr/>
+          <p:nvPr/>
+        </p:nvSpPr>
+        <p:spPr>
+          <a:xfrm>
+            <a:off x="4600204" y="714638"/>
+            <a:ext cx="504000" cy="504000"/>
+          </a:xfrm>
+          <a:custGeom>
+            <a:avLst/>
+            <a:gdLst>
+              <a:gd name="connsiteX0" fmla="*/ 252000 w 504000"/>
+              <a:gd name="connsiteY0" fmla="*/ 0 h 504000"/>
+              <a:gd name="connsiteX1" fmla="*/ 504000 w 504000"/>
+              <a:gd name="connsiteY1" fmla="*/ 324000 h 504000"/>
+              <a:gd name="connsiteX2" fmla="*/ 378000 w 504000"/>
+              <a:gd name="connsiteY2" fmla="*/ 324000 h 504000"/>
+              <a:gd name="connsiteX3" fmla="*/ 378000 w 504000"/>
+              <a:gd name="connsiteY3" fmla="*/ 504000 h 504000"/>
+              <a:gd name="connsiteX4" fmla="*/ 126000 w 504000"/>
+              <a:gd name="connsiteY4" fmla="*/ 504000 h 504000"/>
+              <a:gd name="connsiteX5" fmla="*/ 126000 w 504000"/>
+              <a:gd name="connsiteY5" fmla="*/ 324000 h 504000"/>
+              <a:gd name="connsiteX6" fmla="*/ 0 w 504000"/>
+              <a:gd name="connsiteY6" fmla="*/ 324000 h 504000"/>
+            </a:gdLst>
+            <a:ahLst/>
+            <a:cxnLst>
+              <a:cxn ang="0">
+                <a:pos x="connsiteX0" y="connsiteY0"/>
+              </a:cxn>
+              <a:cxn ang="0">
+                <a:pos x="connsiteX1" y="connsiteY1"/>
+              </a:cxn>
+              <a:cxn ang="0">
+                <a:pos x="connsiteX2" y="connsiteY2"/>
+              </a:cxn>
+              <a:cxn ang="0">
+                <a:pos x="connsiteX3" y="connsiteY3"/>
+              </a:cxn>
+              <a:cxn ang="0">
+                <a:pos x="connsiteX4" y="connsiteY4"/>
+              </a:cxn>
+              <a:cxn ang="0">
+                <a:pos x="connsiteX5" y="connsiteY5"/>
+              </a:cxn>
+              <a:cxn ang="0">
+                <a:pos x="connsiteX6" y="connsiteY6"/>
+              </a:cxn>
+            </a:cxnLst>
+            <a:rect l="l" t="t" r="r" b="b"/>
+            <a:pathLst>
+              <a:path w="504000" h="504000">
+                <a:moveTo>
+                  <a:pt x="252000" y="0"/>
+                </a:moveTo>
+                <a:lnTo>
+                  <a:pt x="504000" y="324000"/>
+                </a:lnTo>
+                <a:lnTo>
+                  <a:pt x="378000" y="324000"/>
+                </a:lnTo>
+                <a:lnTo>
+                  <a:pt x="378000" y="504000"/>
+                </a:lnTo>
+                <a:lnTo>
+                  <a:pt x="126000" y="504000"/>
+                </a:lnTo>
+                <a:lnTo>
+                  <a:pt x="126000" y="324000"/>
+                </a:lnTo>
+                <a:lnTo>
+                  <a:pt x="0" y="324000"/>
+                </a:lnTo>
+                <a:close/>
+              </a:path>
+            </a:pathLst>
+          </a:custGeom>
+          <a:solidFill>
+            <a:srgbClr val="009DBF"/>
+          </a:solidFill>
+          <a:ln w="38100">
+            <a:solidFill>
+              <a:srgbClr val="009DBF"/>
+            </a:solidFill>
+          </a:ln>
+        </p:spPr>
+        <p:style>
+          <a:lnRef idx="2">
+            <a:schemeClr val="accent1">
+              <a:shade val="15000"/>
+            </a:schemeClr>
+          </a:lnRef>
+          <a:fillRef idx="1">
+            <a:schemeClr val="accent1"/>
+          </a:fillRef>
+          <a:effectRef idx="0">
+            <a:schemeClr val="accent1"/>
+          </a:effectRef>
+          <a:fontRef idx="minor">
+            <a:schemeClr val="lt1"/>
+          </a:fontRef>
+        </p:style>
+        <p:txBody>
+          <a:bodyPr wrap="square" rtlCol="0" anchor="ctr">
+            <a:noAutofit/>
+          </a:bodyPr>
+          <a:lstStyle/>
+          <a:p>
+            <a:pPr algn="ctr"/>
+            <a:endParaRPr lang="zh-TW" altLang="en-US"/>
+          </a:p>
+        </p:txBody>
+      </p:sp>
+      <p:sp>
+        <p:nvSpPr>
+          <p:cNvPr id="56" name="手繪多邊形: 圖案 55">
+            <a:extLst>
+              <a:ext uri="{FF2B5EF4-FFF2-40B4-BE49-F238E27FC236}">
+                <a16:creationId xmlns:a16="http://schemas.microsoft.com/office/drawing/2014/main" id="{62E58B36-15A7-118E-BD99-63CB77BC013C}"/>
+              </a:ext>
+            </a:extLst>
+          </p:cNvPr>
+          <p:cNvSpPr/>
+          <p:nvPr/>
+        </p:nvSpPr>
+        <p:spPr>
+          <a:xfrm rot="2700000">
+            <a:off x="6969861" y="146021"/>
+            <a:ext cx="503756" cy="504000"/>
+          </a:xfrm>
+          <a:custGeom>
+            <a:avLst/>
+            <a:gdLst>
+              <a:gd name="connsiteX0" fmla="*/ 0 w 503756"/>
+              <a:gd name="connsiteY0" fmla="*/ 245 h 504245"/>
+              <a:gd name="connsiteX1" fmla="*/ 143755 w 503756"/>
+              <a:gd name="connsiteY1" fmla="*/ 245 h 504245"/>
+              <a:gd name="connsiteX2" fmla="*/ 143755 w 503756"/>
+              <a:gd name="connsiteY2" fmla="*/ 1 h 504245"/>
+              <a:gd name="connsiteX3" fmla="*/ 503756 w 503756"/>
+              <a:gd name="connsiteY3" fmla="*/ 0 h 504245"/>
+              <a:gd name="connsiteX4" fmla="*/ 503756 w 503756"/>
+              <a:gd name="connsiteY4" fmla="*/ 144000 h 504245"/>
+              <a:gd name="connsiteX5" fmla="*/ 144000 w 503756"/>
+              <a:gd name="connsiteY5" fmla="*/ 144000 h 504245"/>
+              <a:gd name="connsiteX6" fmla="*/ 144000 w 503756"/>
+              <a:gd name="connsiteY6" fmla="*/ 144245 h 504245"/>
+              <a:gd name="connsiteX7" fmla="*/ 144001 w 503756"/>
+              <a:gd name="connsiteY7" fmla="*/ 144244 h 504245"/>
+              <a:gd name="connsiteX8" fmla="*/ 144000 w 503756"/>
+              <a:gd name="connsiteY8" fmla="*/ 504245 h 504245"/>
+              <a:gd name="connsiteX9" fmla="*/ 1 w 503756"/>
+              <a:gd name="connsiteY9" fmla="*/ 504244 h 504245"/>
+              <a:gd name="connsiteX10" fmla="*/ 1 w 503756"/>
+              <a:gd name="connsiteY10" fmla="*/ 144245 h 504245"/>
+              <a:gd name="connsiteX11" fmla="*/ 0 w 503756"/>
+              <a:gd name="connsiteY11" fmla="*/ 144245 h 504245"/>
+            </a:gdLst>
+            <a:ahLst/>
+            <a:cxnLst>
+              <a:cxn ang="0">
+                <a:pos x="connsiteX0" y="connsiteY0"/>
+              </a:cxn>
+              <a:cxn ang="0">
+                <a:pos x="connsiteX1" y="connsiteY1"/>
+              </a:cxn>
+              <a:cxn ang="0">
+                <a:pos x="connsiteX2" y="connsiteY2"/>
+              </a:cxn>
+              <a:cxn ang="0">
+                <a:pos x="connsiteX3" y="connsiteY3"/>
+              </a:cxn>
+              <a:cxn ang="0">
+                <a:pos x="connsiteX4" y="connsiteY4"/>
+              </a:cxn>
+              <a:cxn ang="0">
+                <a:pos x="connsiteX5" y="connsiteY5"/>
+              </a:cxn>
+              <a:cxn ang="0">
+                <a:pos x="connsiteX6" y="connsiteY6"/>
+              </a:cxn>
+              <a:cxn ang="0">
+                <a:pos x="connsiteX7" y="connsiteY7"/>
+              </a:cxn>
+              <a:cxn ang="0">
+                <a:pos x="connsiteX8" y="connsiteY8"/>
+              </a:cxn>
+              <a:cxn ang="0">
+                <a:pos x="connsiteX9" y="connsiteY9"/>
+              </a:cxn>
+              <a:cxn ang="0">
+                <a:pos x="connsiteX10" y="connsiteY10"/>
+              </a:cxn>
+              <a:cxn ang="0">
+                <a:pos x="connsiteX11" y="connsiteY11"/>
+              </a:cxn>
+            </a:cxnLst>
+            <a:rect l="l" t="t" r="r" b="b"/>
+            <a:pathLst>
+              <a:path w="503756" h="504245">
+                <a:moveTo>
+                  <a:pt x="0" y="245"/>
+                </a:moveTo>
+                <a:lnTo>
+                  <a:pt x="143755" y="245"/>
+                </a:lnTo>
+                <a:lnTo>
+                  <a:pt x="143755" y="1"/>
+                </a:lnTo>
+                <a:lnTo>
+                  <a:pt x="503756" y="0"/>
+                </a:lnTo>
+                <a:lnTo>
+                  <a:pt x="503756" y="144000"/>
+                </a:lnTo>
+                <a:lnTo>
+                  <a:pt x="144000" y="144000"/>
+                </a:lnTo>
+                <a:lnTo>
+                  <a:pt x="144000" y="144245"/>
+                </a:lnTo>
+                <a:lnTo>
+                  <a:pt x="144001" y="144244"/>
+                </a:lnTo>
+                <a:lnTo>
+                  <a:pt x="144000" y="504245"/>
+                </a:lnTo>
+                <a:lnTo>
+                  <a:pt x="1" y="504244"/>
+                </a:lnTo>
+                <a:lnTo>
+                  <a:pt x="1" y="144245"/>
+                </a:lnTo>
+                <a:lnTo>
+                  <a:pt x="0" y="144245"/>
+                </a:lnTo>
+                <a:close/>
+              </a:path>
+            </a:pathLst>
+          </a:custGeom>
+          <a:solidFill>
+            <a:srgbClr val="808080"/>
+          </a:solidFill>
+          <a:ln>
+            <a:noFill/>
+          </a:ln>
+        </p:spPr>
+        <p:style>
+          <a:lnRef idx="2">
+            <a:schemeClr val="accent1">
+              <a:shade val="15000"/>
+            </a:schemeClr>
+          </a:lnRef>
+          <a:fillRef idx="1">
+            <a:schemeClr val="accent1"/>
+          </a:fillRef>
+          <a:effectRef idx="0">
+            <a:schemeClr val="accent1"/>
+          </a:effectRef>
+          <a:fontRef idx="minor">
+            <a:schemeClr val="lt1"/>
+          </a:fontRef>
+        </p:style>
+        <p:txBody>
+          <a:bodyPr wrap="square" rtlCol="0" anchor="ctr">
+            <a:noAutofit/>
+          </a:bodyPr>
+          <a:lstStyle/>
+          <a:p>
+            <a:pPr algn="ctr"/>
+            <a:endParaRPr lang="zh-TW" altLang="en-US"/>
+          </a:p>
+        </p:txBody>
+      </p:sp>
+      <p:sp>
+        <p:nvSpPr>
+          <p:cNvPr id="57" name="手繪多邊形: 圖案 56">
+            <a:extLst>
+              <a:ext uri="{FF2B5EF4-FFF2-40B4-BE49-F238E27FC236}">
+                <a16:creationId xmlns:a16="http://schemas.microsoft.com/office/drawing/2014/main" id="{969C1093-B719-7034-BED7-82F4429E643B}"/>
+              </a:ext>
+            </a:extLst>
+          </p:cNvPr>
+          <p:cNvSpPr/>
+          <p:nvPr/>
+        </p:nvSpPr>
+        <p:spPr>
+          <a:xfrm rot="2700000">
+            <a:off x="6978542" y="663132"/>
+            <a:ext cx="503756" cy="504000"/>
+          </a:xfrm>
+          <a:custGeom>
+            <a:avLst/>
+            <a:gdLst>
+              <a:gd name="connsiteX0" fmla="*/ 0 w 503756"/>
+              <a:gd name="connsiteY0" fmla="*/ 245 h 504245"/>
+              <a:gd name="connsiteX1" fmla="*/ 143755 w 503756"/>
+              <a:gd name="connsiteY1" fmla="*/ 245 h 504245"/>
+              <a:gd name="connsiteX2" fmla="*/ 143755 w 503756"/>
+              <a:gd name="connsiteY2" fmla="*/ 1 h 504245"/>
+              <a:gd name="connsiteX3" fmla="*/ 503756 w 503756"/>
+              <a:gd name="connsiteY3" fmla="*/ 0 h 504245"/>
+              <a:gd name="connsiteX4" fmla="*/ 503756 w 503756"/>
+              <a:gd name="connsiteY4" fmla="*/ 144000 h 504245"/>
+              <a:gd name="connsiteX5" fmla="*/ 144000 w 503756"/>
+              <a:gd name="connsiteY5" fmla="*/ 144000 h 504245"/>
+              <a:gd name="connsiteX6" fmla="*/ 144000 w 503756"/>
+              <a:gd name="connsiteY6" fmla="*/ 144245 h 504245"/>
+              <a:gd name="connsiteX7" fmla="*/ 144001 w 503756"/>
+              <a:gd name="connsiteY7" fmla="*/ 144244 h 504245"/>
+              <a:gd name="connsiteX8" fmla="*/ 144000 w 503756"/>
+              <a:gd name="connsiteY8" fmla="*/ 504245 h 504245"/>
+              <a:gd name="connsiteX9" fmla="*/ 1 w 503756"/>
+              <a:gd name="connsiteY9" fmla="*/ 504244 h 504245"/>
+              <a:gd name="connsiteX10" fmla="*/ 1 w 503756"/>
+              <a:gd name="connsiteY10" fmla="*/ 144245 h 504245"/>
+              <a:gd name="connsiteX11" fmla="*/ 0 w 503756"/>
+              <a:gd name="connsiteY11" fmla="*/ 144245 h 504245"/>
+            </a:gdLst>
+            <a:ahLst/>
+            <a:cxnLst>
+              <a:cxn ang="0">
+                <a:pos x="connsiteX0" y="connsiteY0"/>
+              </a:cxn>
+              <a:cxn ang="0">
+                <a:pos x="connsiteX1" y="connsiteY1"/>
+              </a:cxn>
+              <a:cxn ang="0">
+                <a:pos x="connsiteX2" y="connsiteY2"/>
+              </a:cxn>
+              <a:cxn ang="0">
+                <a:pos x="connsiteX3" y="connsiteY3"/>
+              </a:cxn>
+              <a:cxn ang="0">
+                <a:pos x="connsiteX4" y="connsiteY4"/>
+              </a:cxn>
+              <a:cxn ang="0">
+                <a:pos x="connsiteX5" y="connsiteY5"/>
+              </a:cxn>
+              <a:cxn ang="0">
+                <a:pos x="connsiteX6" y="connsiteY6"/>
+              </a:cxn>
+              <a:cxn ang="0">
+                <a:pos x="connsiteX7" y="connsiteY7"/>
+              </a:cxn>
+              <a:cxn ang="0">
+                <a:pos x="connsiteX8" y="connsiteY8"/>
+              </a:cxn>
+              <a:cxn ang="0">
+                <a:pos x="connsiteX9" y="connsiteY9"/>
+              </a:cxn>
+              <a:cxn ang="0">
+                <a:pos x="connsiteX10" y="connsiteY10"/>
+              </a:cxn>
+              <a:cxn ang="0">
+                <a:pos x="connsiteX11" y="connsiteY11"/>
+              </a:cxn>
+            </a:cxnLst>
+            <a:rect l="l" t="t" r="r" b="b"/>
+            <a:pathLst>
+              <a:path w="503756" h="504245">
+                <a:moveTo>
+                  <a:pt x="0" y="245"/>
+                </a:moveTo>
+                <a:lnTo>
+                  <a:pt x="143755" y="245"/>
+                </a:lnTo>
+                <a:lnTo>
+                  <a:pt x="143755" y="1"/>
+                </a:lnTo>
+                <a:lnTo>
+                  <a:pt x="503756" y="0"/>
+                </a:lnTo>
+                <a:lnTo>
+                  <a:pt x="503756" y="144000"/>
+                </a:lnTo>
+                <a:lnTo>
+                  <a:pt x="144000" y="144000"/>
+                </a:lnTo>
+                <a:lnTo>
+                  <a:pt x="144000" y="144245"/>
+                </a:lnTo>
+                <a:lnTo>
+                  <a:pt x="144001" y="144244"/>
+                </a:lnTo>
+                <a:lnTo>
+                  <a:pt x="144000" y="504245"/>
+                </a:lnTo>
+                <a:lnTo>
+                  <a:pt x="1" y="504244"/>
+                </a:lnTo>
+                <a:lnTo>
+                  <a:pt x="1" y="144245"/>
+                </a:lnTo>
+                <a:lnTo>
+                  <a:pt x="0" y="144245"/>
+                </a:lnTo>
+                <a:close/>
+              </a:path>
+            </a:pathLst>
+          </a:custGeom>
+          <a:solidFill>
+            <a:srgbClr val="009DBF"/>
+          </a:solidFill>
+          <a:ln>
+            <a:noFill/>
+          </a:ln>
+        </p:spPr>
+        <p:style>
+          <a:lnRef idx="2">
+            <a:schemeClr val="accent1">
+              <a:shade val="15000"/>
+            </a:schemeClr>
+          </a:lnRef>
+          <a:fillRef idx="1">
+            <a:schemeClr val="accent1"/>
+          </a:fillRef>
+          <a:effectRef idx="0">
+            <a:schemeClr val="accent1"/>
+          </a:effectRef>
+          <a:fontRef idx="minor">
+            <a:schemeClr val="lt1"/>
+          </a:fontRef>
+        </p:style>
+        <p:txBody>
+          <a:bodyPr wrap="square" rtlCol="0" anchor="ctr">
+            <a:noAutofit/>
+          </a:bodyPr>
+          <a:lstStyle/>
+          <a:p>
+            <a:pPr algn="ctr"/>
+            <a:endParaRPr lang="zh-TW" altLang="en-US"/>
+          </a:p>
+        </p:txBody>
+      </p:sp>
     </p:spTree>
     <p:extLst>
       <p:ext uri="{BB962C8B-B14F-4D97-AF65-F5344CB8AC3E}">

--- a/src/assets/images/圖的原檔.pptx
+++ b/src/assets/images/圖的原檔.pptx
@@ -322,7 +322,7 @@
           <a:p>
             <a:fld id="{1FCFF50C-8A84-4E8C-A139-A97BB20D26A6}" type="datetimeFigureOut">
               <a:rPr lang="zh-TW" altLang="en-US" smtClean="0"/>
-              <a:t>2023/7/10</a:t>
+              <a:t>2023/7/13</a:t>
             </a:fld>
             <a:endParaRPr lang="zh-TW" altLang="en-US"/>
           </a:p>
@@ -530,7 +530,7 @@
           <a:p>
             <a:fld id="{1FCFF50C-8A84-4E8C-A139-A97BB20D26A6}" type="datetimeFigureOut">
               <a:rPr lang="zh-TW" altLang="en-US" smtClean="0"/>
-              <a:t>2023/7/10</a:t>
+              <a:t>2023/7/13</a:t>
             </a:fld>
             <a:endParaRPr lang="zh-TW" altLang="en-US"/>
           </a:p>
@@ -728,7 +728,7 @@
           <a:p>
             <a:fld id="{1FCFF50C-8A84-4E8C-A139-A97BB20D26A6}" type="datetimeFigureOut">
               <a:rPr lang="zh-TW" altLang="en-US" smtClean="0"/>
-              <a:t>2023/7/10</a:t>
+              <a:t>2023/7/13</a:t>
             </a:fld>
             <a:endParaRPr lang="zh-TW" altLang="en-US"/>
           </a:p>
@@ -1003,7 +1003,7 @@
           <a:p>
             <a:fld id="{1FCFF50C-8A84-4E8C-A139-A97BB20D26A6}" type="datetimeFigureOut">
               <a:rPr lang="zh-TW" altLang="en-US" smtClean="0"/>
-              <a:t>2023/7/10</a:t>
+              <a:t>2023/7/13</a:t>
             </a:fld>
             <a:endParaRPr lang="zh-TW" altLang="en-US"/>
           </a:p>
@@ -1268,7 +1268,7 @@
           <a:p>
             <a:fld id="{1FCFF50C-8A84-4E8C-A139-A97BB20D26A6}" type="datetimeFigureOut">
               <a:rPr lang="zh-TW" altLang="en-US" smtClean="0"/>
-              <a:t>2023/7/10</a:t>
+              <a:t>2023/7/13</a:t>
             </a:fld>
             <a:endParaRPr lang="zh-TW" altLang="en-US"/>
           </a:p>
@@ -1680,7 +1680,7 @@
           <a:p>
             <a:fld id="{1FCFF50C-8A84-4E8C-A139-A97BB20D26A6}" type="datetimeFigureOut">
               <a:rPr lang="zh-TW" altLang="en-US" smtClean="0"/>
-              <a:t>2023/7/10</a:t>
+              <a:t>2023/7/13</a:t>
             </a:fld>
             <a:endParaRPr lang="zh-TW" altLang="en-US"/>
           </a:p>
@@ -1821,7 +1821,7 @@
           <a:p>
             <a:fld id="{1FCFF50C-8A84-4E8C-A139-A97BB20D26A6}" type="datetimeFigureOut">
               <a:rPr lang="zh-TW" altLang="en-US" smtClean="0"/>
-              <a:t>2023/7/10</a:t>
+              <a:t>2023/7/13</a:t>
             </a:fld>
             <a:endParaRPr lang="zh-TW" altLang="en-US"/>
           </a:p>
@@ -1934,7 +1934,7 @@
           <a:p>
             <a:fld id="{1FCFF50C-8A84-4E8C-A139-A97BB20D26A6}" type="datetimeFigureOut">
               <a:rPr lang="zh-TW" altLang="en-US" smtClean="0"/>
-              <a:t>2023/7/10</a:t>
+              <a:t>2023/7/13</a:t>
             </a:fld>
             <a:endParaRPr lang="zh-TW" altLang="en-US"/>
           </a:p>
@@ -2245,7 +2245,7 @@
           <a:p>
             <a:fld id="{1FCFF50C-8A84-4E8C-A139-A97BB20D26A6}" type="datetimeFigureOut">
               <a:rPr lang="zh-TW" altLang="en-US" smtClean="0"/>
-              <a:t>2023/7/10</a:t>
+              <a:t>2023/7/13</a:t>
             </a:fld>
             <a:endParaRPr lang="zh-TW" altLang="en-US"/>
           </a:p>
@@ -2533,7 +2533,7 @@
           <a:p>
             <a:fld id="{1FCFF50C-8A84-4E8C-A139-A97BB20D26A6}" type="datetimeFigureOut">
               <a:rPr lang="zh-TW" altLang="en-US" smtClean="0"/>
-              <a:t>2023/7/10</a:t>
+              <a:t>2023/7/13</a:t>
             </a:fld>
             <a:endParaRPr lang="zh-TW" altLang="en-US"/>
           </a:p>
@@ -2774,7 +2774,7 @@
           <a:p>
             <a:fld id="{1FCFF50C-8A84-4E8C-A139-A97BB20D26A6}" type="datetimeFigureOut">
               <a:rPr lang="zh-TW" altLang="en-US" smtClean="0"/>
-              <a:t>2023/7/10</a:t>
+              <a:t>2023/7/13</a:t>
             </a:fld>
             <a:endParaRPr lang="zh-TW" altLang="en-US"/>
           </a:p>
@@ -3321,7 +3321,7 @@
         </p:nvSpPr>
         <p:spPr>
           <a:xfrm>
-            <a:off x="2222623" y="0"/>
+            <a:off x="2944197" y="-772"/>
             <a:ext cx="720000" cy="720000"/>
           </a:xfrm>
           <a:prstGeom prst="rect">
@@ -3369,7 +3369,7 @@
         </p:nvGrpSpPr>
         <p:grpSpPr>
           <a:xfrm>
-            <a:off x="2381014" y="108000"/>
+            <a:off x="3102588" y="107228"/>
             <a:ext cx="403218" cy="504000"/>
             <a:chOff x="4080062" y="2297337"/>
             <a:chExt cx="417600" cy="521977"/>
@@ -3667,7 +3667,7 @@
         </p:nvSpPr>
         <p:spPr>
           <a:xfrm>
-            <a:off x="1505417" y="0"/>
+            <a:off x="2226991" y="-772"/>
             <a:ext cx="720000" cy="720000"/>
           </a:xfrm>
           <a:prstGeom prst="rect">
@@ -3713,7 +3713,7 @@
         </p:nvGrpSpPr>
         <p:grpSpPr>
           <a:xfrm>
-            <a:off x="1613417" y="108000"/>
+            <a:off x="2334991" y="107228"/>
             <a:ext cx="504000" cy="504000"/>
             <a:chOff x="2731324" y="2291937"/>
             <a:chExt cx="504000" cy="505937"/>
@@ -4067,7 +4067,7 @@
         </p:nvSpPr>
         <p:spPr>
           <a:xfrm>
-            <a:off x="2948175" y="0"/>
+            <a:off x="788138" y="0"/>
             <a:ext cx="720000" cy="720000"/>
           </a:xfrm>
           <a:prstGeom prst="rect">
@@ -4113,7 +4113,7 @@
         </p:nvGrpSpPr>
         <p:grpSpPr>
           <a:xfrm>
-            <a:off x="3165278" y="108000"/>
+            <a:off x="1005241" y="108000"/>
             <a:ext cx="285795" cy="504000"/>
             <a:chOff x="4185798" y="1903160"/>
             <a:chExt cx="285795" cy="504000"/>
@@ -4958,7 +4958,7 @@
         </p:nvSpPr>
         <p:spPr>
           <a:xfrm>
-            <a:off x="785692" y="0"/>
+            <a:off x="1507266" y="-772"/>
             <a:ext cx="720000" cy="720000"/>
           </a:xfrm>
           <a:prstGeom prst="rect">
@@ -5021,7 +5021,7 @@
         </p:blipFill>
         <p:spPr>
           <a:xfrm>
-            <a:off x="893692" y="186429"/>
+            <a:off x="1615266" y="185657"/>
             <a:ext cx="504000" cy="347143"/>
           </a:xfrm>
           <a:prstGeom prst="rect">
@@ -5043,7 +5043,7 @@
         </p:nvSpPr>
         <p:spPr>
           <a:xfrm>
-            <a:off x="785692" y="720000"/>
+            <a:off x="1507266" y="719228"/>
             <a:ext cx="720000" cy="720000"/>
           </a:xfrm>
           <a:prstGeom prst="rect">
@@ -5094,7 +5094,7 @@
         </p:nvGrpSpPr>
         <p:grpSpPr>
           <a:xfrm>
-            <a:off x="2381289" y="828000"/>
+            <a:off x="3102863" y="827228"/>
             <a:ext cx="403218" cy="504000"/>
             <a:chOff x="4080062" y="2297337"/>
             <a:chExt cx="417600" cy="521977"/>
@@ -5392,7 +5392,7 @@
         </p:nvGrpSpPr>
         <p:grpSpPr>
           <a:xfrm>
-            <a:off x="1613692" y="828000"/>
+            <a:off x="2335266" y="827228"/>
             <a:ext cx="504000" cy="504000"/>
             <a:chOff x="2731324" y="2291937"/>
             <a:chExt cx="504000" cy="505937"/>
@@ -5621,7 +5621,7 @@
         </p:nvGrpSpPr>
         <p:grpSpPr>
           <a:xfrm>
-            <a:off x="3165553" y="828000"/>
+            <a:off x="1005516" y="828000"/>
             <a:ext cx="285795" cy="504000"/>
             <a:chOff x="4185798" y="1903160"/>
             <a:chExt cx="285795" cy="504000"/>
@@ -5996,7 +5996,7 @@
         </p:blipFill>
         <p:spPr>
           <a:xfrm>
-            <a:off x="893967" y="906429"/>
+            <a:off x="1615541" y="905657"/>
             <a:ext cx="504000" cy="347143"/>
           </a:xfrm>
           <a:prstGeom prst="rect">

--- a/src/assets/images/圖的原檔.pptx
+++ b/src/assets/images/圖的原檔.pptx
@@ -322,7 +322,7 @@
           <a:p>
             <a:fld id="{1FCFF50C-8A84-4E8C-A139-A97BB20D26A6}" type="datetimeFigureOut">
               <a:rPr lang="zh-TW" altLang="en-US" smtClean="0"/>
-              <a:t>2023/7/13</a:t>
+              <a:t>2023/8/3</a:t>
             </a:fld>
             <a:endParaRPr lang="zh-TW" altLang="en-US"/>
           </a:p>
@@ -530,7 +530,7 @@
           <a:p>
             <a:fld id="{1FCFF50C-8A84-4E8C-A139-A97BB20D26A6}" type="datetimeFigureOut">
               <a:rPr lang="zh-TW" altLang="en-US" smtClean="0"/>
-              <a:t>2023/7/13</a:t>
+              <a:t>2023/8/3</a:t>
             </a:fld>
             <a:endParaRPr lang="zh-TW" altLang="en-US"/>
           </a:p>
@@ -728,7 +728,7 @@
           <a:p>
             <a:fld id="{1FCFF50C-8A84-4E8C-A139-A97BB20D26A6}" type="datetimeFigureOut">
               <a:rPr lang="zh-TW" altLang="en-US" smtClean="0"/>
-              <a:t>2023/7/13</a:t>
+              <a:t>2023/8/3</a:t>
             </a:fld>
             <a:endParaRPr lang="zh-TW" altLang="en-US"/>
           </a:p>
@@ -1003,7 +1003,7 @@
           <a:p>
             <a:fld id="{1FCFF50C-8A84-4E8C-A139-A97BB20D26A6}" type="datetimeFigureOut">
               <a:rPr lang="zh-TW" altLang="en-US" smtClean="0"/>
-              <a:t>2023/7/13</a:t>
+              <a:t>2023/8/3</a:t>
             </a:fld>
             <a:endParaRPr lang="zh-TW" altLang="en-US"/>
           </a:p>
@@ -1268,7 +1268,7 @@
           <a:p>
             <a:fld id="{1FCFF50C-8A84-4E8C-A139-A97BB20D26A6}" type="datetimeFigureOut">
               <a:rPr lang="zh-TW" altLang="en-US" smtClean="0"/>
-              <a:t>2023/7/13</a:t>
+              <a:t>2023/8/3</a:t>
             </a:fld>
             <a:endParaRPr lang="zh-TW" altLang="en-US"/>
           </a:p>
@@ -1680,7 +1680,7 @@
           <a:p>
             <a:fld id="{1FCFF50C-8A84-4E8C-A139-A97BB20D26A6}" type="datetimeFigureOut">
               <a:rPr lang="zh-TW" altLang="en-US" smtClean="0"/>
-              <a:t>2023/7/13</a:t>
+              <a:t>2023/8/3</a:t>
             </a:fld>
             <a:endParaRPr lang="zh-TW" altLang="en-US"/>
           </a:p>
@@ -1821,7 +1821,7 @@
           <a:p>
             <a:fld id="{1FCFF50C-8A84-4E8C-A139-A97BB20D26A6}" type="datetimeFigureOut">
               <a:rPr lang="zh-TW" altLang="en-US" smtClean="0"/>
-              <a:t>2023/7/13</a:t>
+              <a:t>2023/8/3</a:t>
             </a:fld>
             <a:endParaRPr lang="zh-TW" altLang="en-US"/>
           </a:p>
@@ -1934,7 +1934,7 @@
           <a:p>
             <a:fld id="{1FCFF50C-8A84-4E8C-A139-A97BB20D26A6}" type="datetimeFigureOut">
               <a:rPr lang="zh-TW" altLang="en-US" smtClean="0"/>
-              <a:t>2023/7/13</a:t>
+              <a:t>2023/8/3</a:t>
             </a:fld>
             <a:endParaRPr lang="zh-TW" altLang="en-US"/>
           </a:p>
@@ -2245,7 +2245,7 @@
           <a:p>
             <a:fld id="{1FCFF50C-8A84-4E8C-A139-A97BB20D26A6}" type="datetimeFigureOut">
               <a:rPr lang="zh-TW" altLang="en-US" smtClean="0"/>
-              <a:t>2023/7/13</a:t>
+              <a:t>2023/8/3</a:t>
             </a:fld>
             <a:endParaRPr lang="zh-TW" altLang="en-US"/>
           </a:p>
@@ -2533,7 +2533,7 @@
           <a:p>
             <a:fld id="{1FCFF50C-8A84-4E8C-A139-A97BB20D26A6}" type="datetimeFigureOut">
               <a:rPr lang="zh-TW" altLang="en-US" smtClean="0"/>
-              <a:t>2023/7/13</a:t>
+              <a:t>2023/8/3</a:t>
             </a:fld>
             <a:endParaRPr lang="zh-TW" altLang="en-US"/>
           </a:p>
@@ -2774,7 +2774,7 @@
           <a:p>
             <a:fld id="{1FCFF50C-8A84-4E8C-A139-A97BB20D26A6}" type="datetimeFigureOut">
               <a:rPr lang="zh-TW" altLang="en-US" smtClean="0"/>
-              <a:t>2023/7/13</a:t>
+              <a:t>2023/8/3</a:t>
             </a:fld>
             <a:endParaRPr lang="zh-TW" altLang="en-US"/>
           </a:p>
@@ -6006,10 +6006,10 @@
       </p:pic>
       <p:sp>
         <p:nvSpPr>
-          <p:cNvPr id="110" name="矩形 109">
+          <p:cNvPr id="87" name="矩形 86">
             <a:extLst>
               <a:ext uri="{FF2B5EF4-FFF2-40B4-BE49-F238E27FC236}">
-                <a16:creationId xmlns:a16="http://schemas.microsoft.com/office/drawing/2014/main" id="{9167D182-3D51-DBCB-E74C-2629E24C7F1B}"/>
+                <a16:creationId xmlns:a16="http://schemas.microsoft.com/office/drawing/2014/main" id="{821C79F8-E033-9262-E208-39E9B51D08B4}"/>
               </a:ext>
             </a:extLst>
           </p:cNvPr>
@@ -6018,7 +6018,7 @@
         </p:nvSpPr>
         <p:spPr>
           <a:xfrm>
-            <a:off x="785692" y="1440000"/>
+            <a:off x="1506933" y="1440000"/>
             <a:ext cx="720000" cy="720000"/>
           </a:xfrm>
           <a:prstGeom prst="rect">
@@ -6053,12 +6053,51 @@
           </a:p>
         </p:txBody>
       </p:sp>
+      <p:pic>
+        <p:nvPicPr>
+          <p:cNvPr id="88" name="圖形 87">
+            <a:extLst>
+              <a:ext uri="{FF2B5EF4-FFF2-40B4-BE49-F238E27FC236}">
+                <a16:creationId xmlns:a16="http://schemas.microsoft.com/office/drawing/2014/main" id="{6A7DCFAA-84A7-8929-C070-46C469D4C9D9}"/>
+              </a:ext>
+            </a:extLst>
+          </p:cNvPr>
+          <p:cNvPicPr>
+            <a:picLocks noChangeAspect="1"/>
+          </p:cNvPicPr>
+          <p:nvPr/>
+        </p:nvPicPr>
+        <p:blipFill>
+          <a:blip r:embed="rId6">
+            <a:extLst>
+              <a:ext uri="{28A0092B-C50C-407E-A947-70E740481C1C}">
+                <a14:useLocalDpi xmlns:a14="http://schemas.microsoft.com/office/drawing/2010/main" val="0"/>
+              </a:ext>
+              <a:ext uri="{96DAC541-7B7A-43D3-8B79-37D633B846F1}">
+                <asvg:svgBlip xmlns:asvg="http://schemas.microsoft.com/office/drawing/2016/SVG/main" r:embed="rId7"/>
+              </a:ext>
+            </a:extLst>
+          </a:blip>
+          <a:stretch>
+            <a:fillRect/>
+          </a:stretch>
+        </p:blipFill>
+        <p:spPr>
+          <a:xfrm>
+            <a:off x="1614933" y="1626429"/>
+            <a:ext cx="504000" cy="347143"/>
+          </a:xfrm>
+          <a:prstGeom prst="rect">
+            <a:avLst/>
+          </a:prstGeom>
+        </p:spPr>
+      </p:pic>
       <p:sp>
         <p:nvSpPr>
-          <p:cNvPr id="111" name="矩形 110">
+          <p:cNvPr id="89" name="矩形 88">
             <a:extLst>
               <a:ext uri="{FF2B5EF4-FFF2-40B4-BE49-F238E27FC236}">
-                <a16:creationId xmlns:a16="http://schemas.microsoft.com/office/drawing/2014/main" id="{7B8DDFEE-95D3-36A3-5D11-CDDE49684F6E}"/>
+                <a16:creationId xmlns:a16="http://schemas.microsoft.com/office/drawing/2014/main" id="{FEB2D632-0A71-6BD8-0326-16AEBAFE9D84}"/>
               </a:ext>
             </a:extLst>
           </p:cNvPr>
@@ -6067,7 +6106,7 @@
         </p:nvSpPr>
         <p:spPr>
           <a:xfrm>
-            <a:off x="785692" y="2160000"/>
+            <a:off x="1502873" y="2876624"/>
             <a:ext cx="720000" cy="720000"/>
           </a:xfrm>
           <a:prstGeom prst="rect">
@@ -6102,12 +6141,61 @@
           </a:p>
         </p:txBody>
       </p:sp>
+      <p:sp>
+        <p:nvSpPr>
+          <p:cNvPr id="90" name="矩形 89">
+            <a:extLst>
+              <a:ext uri="{FF2B5EF4-FFF2-40B4-BE49-F238E27FC236}">
+                <a16:creationId xmlns:a16="http://schemas.microsoft.com/office/drawing/2014/main" id="{6F221369-CAFB-17A6-EEF1-D594CE9A83D3}"/>
+              </a:ext>
+            </a:extLst>
+          </p:cNvPr>
+          <p:cNvSpPr/>
+          <p:nvPr/>
+        </p:nvSpPr>
+        <p:spPr>
+          <a:xfrm>
+            <a:off x="1502873" y="3596624"/>
+            <a:ext cx="720000" cy="720000"/>
+          </a:xfrm>
+          <a:prstGeom prst="rect">
+            <a:avLst/>
+          </a:prstGeom>
+          <a:solidFill>
+            <a:schemeClr val="bg1"/>
+          </a:solidFill>
+        </p:spPr>
+        <p:style>
+          <a:lnRef idx="2">
+            <a:schemeClr val="accent1">
+              <a:shade val="15000"/>
+            </a:schemeClr>
+          </a:lnRef>
+          <a:fillRef idx="1">
+            <a:schemeClr val="accent1"/>
+          </a:fillRef>
+          <a:effectRef idx="0">
+            <a:schemeClr val="accent1"/>
+          </a:effectRef>
+          <a:fontRef idx="minor">
+            <a:schemeClr val="lt1"/>
+          </a:fontRef>
+        </p:style>
+        <p:txBody>
+          <a:bodyPr rtlCol="0" anchor="ctr"/>
+          <a:lstStyle/>
+          <a:p>
+            <a:pPr algn="ctr"/>
+            <a:endParaRPr lang="zh-TW" altLang="en-US"/>
+          </a:p>
+        </p:txBody>
+      </p:sp>
       <p:grpSp>
         <p:nvGrpSpPr>
-          <p:cNvPr id="106" name="群組 105">
+          <p:cNvPr id="91" name="群組 90">
             <a:extLst>
               <a:ext uri="{FF2B5EF4-FFF2-40B4-BE49-F238E27FC236}">
-                <a16:creationId xmlns:a16="http://schemas.microsoft.com/office/drawing/2014/main" id="{D5B32154-D406-A049-E3DC-E21ADC10805B}"/>
+                <a16:creationId xmlns:a16="http://schemas.microsoft.com/office/drawing/2014/main" id="{D627E658-6838-A097-6190-94FC4424E5EB}"/>
               </a:ext>
             </a:extLst>
           </p:cNvPr>
@@ -6116,7 +6204,7 @@
         </p:nvGrpSpPr>
         <p:grpSpPr>
           <a:xfrm>
-            <a:off x="929692" y="2304000"/>
+            <a:off x="1646873" y="3740624"/>
             <a:ext cx="432000" cy="432000"/>
             <a:chOff x="1613417" y="2762250"/>
             <a:chExt cx="503999" cy="504000"/>
@@ -6124,10 +6212,3465 @@
         </p:grpSpPr>
         <p:sp>
           <p:nvSpPr>
-            <p:cNvPr id="103" name="左中括弧 102">
+            <p:cNvPr id="92" name="左中括弧 91">
               <a:extLst>
                 <a:ext uri="{FF2B5EF4-FFF2-40B4-BE49-F238E27FC236}">
-                  <a16:creationId xmlns:a16="http://schemas.microsoft.com/office/drawing/2014/main" id="{DF4CDC9A-73E8-487C-5A0D-0057726E76D6}"/>
+                  <a16:creationId xmlns:a16="http://schemas.microsoft.com/office/drawing/2014/main" id="{B4A17282-B9D4-7409-B1E8-331D8138BBD9}"/>
+                </a:ext>
+              </a:extLst>
+            </p:cNvPr>
+            <p:cNvSpPr/>
+            <p:nvPr/>
+          </p:nvSpPr>
+          <p:spPr>
+            <a:xfrm>
+              <a:off x="1613417" y="2762250"/>
+              <a:ext cx="216000" cy="504000"/>
+            </a:xfrm>
+            <a:prstGeom prst="leftBracket">
+              <a:avLst/>
+            </a:prstGeom>
+            <a:ln w="38100">
+              <a:solidFill>
+                <a:srgbClr val="808080"/>
+              </a:solidFill>
+            </a:ln>
+          </p:spPr>
+          <p:style>
+            <a:lnRef idx="1">
+              <a:schemeClr val="accent1"/>
+            </a:lnRef>
+            <a:fillRef idx="0">
+              <a:schemeClr val="accent1"/>
+            </a:fillRef>
+            <a:effectRef idx="0">
+              <a:schemeClr val="accent1"/>
+            </a:effectRef>
+            <a:fontRef idx="minor">
+              <a:schemeClr val="tx1"/>
+            </a:fontRef>
+          </p:style>
+          <p:txBody>
+            <a:bodyPr rtlCol="0" anchor="ctr"/>
+            <a:lstStyle/>
+            <a:p>
+              <a:pPr algn="ctr"/>
+              <a:endParaRPr lang="zh-TW" altLang="en-US"/>
+            </a:p>
+          </p:txBody>
+        </p:sp>
+        <p:cxnSp>
+          <p:nvCxnSpPr>
+            <p:cNvPr id="93" name="直線單箭頭接點 92">
+              <a:extLst>
+                <a:ext uri="{FF2B5EF4-FFF2-40B4-BE49-F238E27FC236}">
+                  <a16:creationId xmlns:a16="http://schemas.microsoft.com/office/drawing/2014/main" id="{A7A201CF-A047-D23D-F139-EE8D48DE0701}"/>
+                </a:ext>
+              </a:extLst>
+            </p:cNvPr>
+            <p:cNvCxnSpPr>
+              <a:cxnSpLocks/>
+            </p:cNvCxnSpPr>
+            <p:nvPr/>
+          </p:nvCxnSpPr>
+          <p:spPr>
+            <a:xfrm>
+              <a:off x="1757416" y="3014250"/>
+              <a:ext cx="360000" cy="0"/>
+            </a:xfrm>
+            <a:prstGeom prst="straightConnector1">
+              <a:avLst/>
+            </a:prstGeom>
+            <a:ln w="38100">
+              <a:solidFill>
+                <a:srgbClr val="808080"/>
+              </a:solidFill>
+              <a:tailEnd type="arrow" w="lg" len="med"/>
+            </a:ln>
+          </p:spPr>
+          <p:style>
+            <a:lnRef idx="1">
+              <a:schemeClr val="accent1"/>
+            </a:lnRef>
+            <a:fillRef idx="0">
+              <a:schemeClr val="accent1"/>
+            </a:fillRef>
+            <a:effectRef idx="0">
+              <a:schemeClr val="accent1"/>
+            </a:effectRef>
+            <a:fontRef idx="minor">
+              <a:schemeClr val="tx1"/>
+            </a:fontRef>
+          </p:style>
+        </p:cxnSp>
+      </p:grpSp>
+      <p:sp>
+        <p:nvSpPr>
+          <p:cNvPr id="94" name="手繪多邊形: 圖案 93">
+            <a:extLst>
+              <a:ext uri="{FF2B5EF4-FFF2-40B4-BE49-F238E27FC236}">
+                <a16:creationId xmlns:a16="http://schemas.microsoft.com/office/drawing/2014/main" id="{F5239F59-C84B-CE5B-4270-E0B90B60C9B8}"/>
+              </a:ext>
+            </a:extLst>
+          </p:cNvPr>
+          <p:cNvSpPr/>
+          <p:nvPr/>
+        </p:nvSpPr>
+        <p:spPr>
+          <a:xfrm>
+            <a:off x="1610873" y="2984624"/>
+            <a:ext cx="504000" cy="504000"/>
+          </a:xfrm>
+          <a:custGeom>
+            <a:avLst/>
+            <a:gdLst>
+              <a:gd name="connsiteX0" fmla="*/ 698478 w 1396957"/>
+              <a:gd name="connsiteY0" fmla="*/ 410478 h 1396957"/>
+              <a:gd name="connsiteX1" fmla="*/ 410478 w 1396957"/>
+              <a:gd name="connsiteY1" fmla="*/ 698478 h 1396957"/>
+              <a:gd name="connsiteX2" fmla="*/ 698478 w 1396957"/>
+              <a:gd name="connsiteY2" fmla="*/ 986478 h 1396957"/>
+              <a:gd name="connsiteX3" fmla="*/ 986478 w 1396957"/>
+              <a:gd name="connsiteY3" fmla="*/ 698478 h 1396957"/>
+              <a:gd name="connsiteX4" fmla="*/ 698478 w 1396957"/>
+              <a:gd name="connsiteY4" fmla="*/ 410478 h 1396957"/>
+              <a:gd name="connsiteX5" fmla="*/ 531166 w 1396957"/>
+              <a:gd name="connsiteY5" fmla="*/ 0 h 1396957"/>
+              <a:gd name="connsiteX6" fmla="*/ 531660 w 1396957"/>
+              <a:gd name="connsiteY6" fmla="*/ 2537 h 1396957"/>
+              <a:gd name="connsiteX7" fmla="*/ 571200 w 1396957"/>
+              <a:gd name="connsiteY7" fmla="*/ 62082 h 1396957"/>
+              <a:gd name="connsiteX8" fmla="*/ 825759 w 1396957"/>
+              <a:gd name="connsiteY8" fmla="*/ 62082 h 1396957"/>
+              <a:gd name="connsiteX9" fmla="*/ 865299 w 1396957"/>
+              <a:gd name="connsiteY9" fmla="*/ 2538 h 1396957"/>
+              <a:gd name="connsiteX10" fmla="*/ 865793 w 1396957"/>
+              <a:gd name="connsiteY10" fmla="*/ 0 h 1396957"/>
+              <a:gd name="connsiteX11" fmla="*/ 978735 w 1396957"/>
+              <a:gd name="connsiteY11" fmla="*/ 35060 h 1396957"/>
+              <a:gd name="connsiteX12" fmla="*/ 1073805 w 1396957"/>
+              <a:gd name="connsiteY12" fmla="*/ 86662 h 1396957"/>
+              <a:gd name="connsiteX13" fmla="*/ 1072624 w 1396957"/>
+              <a:gd name="connsiteY13" fmla="*/ 88414 h 1396957"/>
+              <a:gd name="connsiteX14" fmla="*/ 1058479 w 1396957"/>
+              <a:gd name="connsiteY14" fmla="*/ 158479 h 1396957"/>
+              <a:gd name="connsiteX15" fmla="*/ 1238479 w 1396957"/>
+              <a:gd name="connsiteY15" fmla="*/ 338478 h 1396957"/>
+              <a:gd name="connsiteX16" fmla="*/ 1308544 w 1396957"/>
+              <a:gd name="connsiteY16" fmla="*/ 324333 h 1396957"/>
+              <a:gd name="connsiteX17" fmla="*/ 1310295 w 1396957"/>
+              <a:gd name="connsiteY17" fmla="*/ 323152 h 1396957"/>
+              <a:gd name="connsiteX18" fmla="*/ 1361898 w 1396957"/>
+              <a:gd name="connsiteY18" fmla="*/ 418223 h 1396957"/>
+              <a:gd name="connsiteX19" fmla="*/ 1396957 w 1396957"/>
+              <a:gd name="connsiteY19" fmla="*/ 531166 h 1396957"/>
+              <a:gd name="connsiteX20" fmla="*/ 1394420 w 1396957"/>
+              <a:gd name="connsiteY20" fmla="*/ 531660 h 1396957"/>
+              <a:gd name="connsiteX21" fmla="*/ 1334876 w 1396957"/>
+              <a:gd name="connsiteY21" fmla="*/ 571199 h 1396957"/>
+              <a:gd name="connsiteX22" fmla="*/ 1334876 w 1396957"/>
+              <a:gd name="connsiteY22" fmla="*/ 825758 h 1396957"/>
+              <a:gd name="connsiteX23" fmla="*/ 1394420 w 1396957"/>
+              <a:gd name="connsiteY23" fmla="*/ 865299 h 1396957"/>
+              <a:gd name="connsiteX24" fmla="*/ 1396957 w 1396957"/>
+              <a:gd name="connsiteY24" fmla="*/ 865792 h 1396957"/>
+              <a:gd name="connsiteX25" fmla="*/ 1361898 w 1396957"/>
+              <a:gd name="connsiteY25" fmla="*/ 978735 h 1396957"/>
+              <a:gd name="connsiteX26" fmla="*/ 1310295 w 1396957"/>
+              <a:gd name="connsiteY26" fmla="*/ 1073805 h 1396957"/>
+              <a:gd name="connsiteX27" fmla="*/ 1308544 w 1396957"/>
+              <a:gd name="connsiteY27" fmla="*/ 1072624 h 1396957"/>
+              <a:gd name="connsiteX28" fmla="*/ 1238479 w 1396957"/>
+              <a:gd name="connsiteY28" fmla="*/ 1058479 h 1396957"/>
+              <a:gd name="connsiteX29" fmla="*/ 1058479 w 1396957"/>
+              <a:gd name="connsiteY29" fmla="*/ 1238478 h 1396957"/>
+              <a:gd name="connsiteX30" fmla="*/ 1072624 w 1396957"/>
+              <a:gd name="connsiteY30" fmla="*/ 1308543 h 1396957"/>
+              <a:gd name="connsiteX31" fmla="*/ 1073805 w 1396957"/>
+              <a:gd name="connsiteY31" fmla="*/ 1310295 h 1396957"/>
+              <a:gd name="connsiteX32" fmla="*/ 978735 w 1396957"/>
+              <a:gd name="connsiteY32" fmla="*/ 1361898 h 1396957"/>
+              <a:gd name="connsiteX33" fmla="*/ 865793 w 1396957"/>
+              <a:gd name="connsiteY33" fmla="*/ 1396957 h 1396957"/>
+              <a:gd name="connsiteX34" fmla="*/ 865299 w 1396957"/>
+              <a:gd name="connsiteY34" fmla="*/ 1394419 h 1396957"/>
+              <a:gd name="connsiteX35" fmla="*/ 825759 w 1396957"/>
+              <a:gd name="connsiteY35" fmla="*/ 1334875 h 1396957"/>
+              <a:gd name="connsiteX36" fmla="*/ 571200 w 1396957"/>
+              <a:gd name="connsiteY36" fmla="*/ 1334875 h 1396957"/>
+              <a:gd name="connsiteX37" fmla="*/ 531660 w 1396957"/>
+              <a:gd name="connsiteY37" fmla="*/ 1394420 h 1396957"/>
+              <a:gd name="connsiteX38" fmla="*/ 531167 w 1396957"/>
+              <a:gd name="connsiteY38" fmla="*/ 1396957 h 1396957"/>
+              <a:gd name="connsiteX39" fmla="*/ 418223 w 1396957"/>
+              <a:gd name="connsiteY39" fmla="*/ 1361898 h 1396957"/>
+              <a:gd name="connsiteX40" fmla="*/ 323152 w 1396957"/>
+              <a:gd name="connsiteY40" fmla="*/ 1310295 h 1396957"/>
+              <a:gd name="connsiteX41" fmla="*/ 324334 w 1396957"/>
+              <a:gd name="connsiteY41" fmla="*/ 1308543 h 1396957"/>
+              <a:gd name="connsiteX42" fmla="*/ 338479 w 1396957"/>
+              <a:gd name="connsiteY42" fmla="*/ 1238478 h 1396957"/>
+              <a:gd name="connsiteX43" fmla="*/ 158479 w 1396957"/>
+              <a:gd name="connsiteY43" fmla="*/ 1058479 h 1396957"/>
+              <a:gd name="connsiteX44" fmla="*/ 88415 w 1396957"/>
+              <a:gd name="connsiteY44" fmla="*/ 1072624 h 1396957"/>
+              <a:gd name="connsiteX45" fmla="*/ 86662 w 1396957"/>
+              <a:gd name="connsiteY45" fmla="*/ 1073805 h 1396957"/>
+              <a:gd name="connsiteX46" fmla="*/ 35060 w 1396957"/>
+              <a:gd name="connsiteY46" fmla="*/ 978735 h 1396957"/>
+              <a:gd name="connsiteX47" fmla="*/ 0 w 1396957"/>
+              <a:gd name="connsiteY47" fmla="*/ 865793 h 1396957"/>
+              <a:gd name="connsiteX48" fmla="*/ 2538 w 1396957"/>
+              <a:gd name="connsiteY48" fmla="*/ 865299 h 1396957"/>
+              <a:gd name="connsiteX49" fmla="*/ 62083 w 1396957"/>
+              <a:gd name="connsiteY49" fmla="*/ 825758 h 1396957"/>
+              <a:gd name="connsiteX50" fmla="*/ 62083 w 1396957"/>
+              <a:gd name="connsiteY50" fmla="*/ 571199 h 1396957"/>
+              <a:gd name="connsiteX51" fmla="*/ 2538 w 1396957"/>
+              <a:gd name="connsiteY51" fmla="*/ 531659 h 1396957"/>
+              <a:gd name="connsiteX52" fmla="*/ 0 w 1396957"/>
+              <a:gd name="connsiteY52" fmla="*/ 531166 h 1396957"/>
+              <a:gd name="connsiteX53" fmla="*/ 35060 w 1396957"/>
+              <a:gd name="connsiteY53" fmla="*/ 418223 h 1396957"/>
+              <a:gd name="connsiteX54" fmla="*/ 86662 w 1396957"/>
+              <a:gd name="connsiteY54" fmla="*/ 323152 h 1396957"/>
+              <a:gd name="connsiteX55" fmla="*/ 88415 w 1396957"/>
+              <a:gd name="connsiteY55" fmla="*/ 324333 h 1396957"/>
+              <a:gd name="connsiteX56" fmla="*/ 158479 w 1396957"/>
+              <a:gd name="connsiteY56" fmla="*/ 338478 h 1396957"/>
+              <a:gd name="connsiteX57" fmla="*/ 338479 w 1396957"/>
+              <a:gd name="connsiteY57" fmla="*/ 158479 h 1396957"/>
+              <a:gd name="connsiteX58" fmla="*/ 324334 w 1396957"/>
+              <a:gd name="connsiteY58" fmla="*/ 88414 h 1396957"/>
+              <a:gd name="connsiteX59" fmla="*/ 323152 w 1396957"/>
+              <a:gd name="connsiteY59" fmla="*/ 86662 h 1396957"/>
+              <a:gd name="connsiteX60" fmla="*/ 418223 w 1396957"/>
+              <a:gd name="connsiteY60" fmla="*/ 35060 h 1396957"/>
+            </a:gdLst>
+            <a:ahLst/>
+            <a:cxnLst>
+              <a:cxn ang="0">
+                <a:pos x="connsiteX0" y="connsiteY0"/>
+              </a:cxn>
+              <a:cxn ang="0">
+                <a:pos x="connsiteX1" y="connsiteY1"/>
+              </a:cxn>
+              <a:cxn ang="0">
+                <a:pos x="connsiteX2" y="connsiteY2"/>
+              </a:cxn>
+              <a:cxn ang="0">
+                <a:pos x="connsiteX3" y="connsiteY3"/>
+              </a:cxn>
+              <a:cxn ang="0">
+                <a:pos x="connsiteX4" y="connsiteY4"/>
+              </a:cxn>
+              <a:cxn ang="0">
+                <a:pos x="connsiteX5" y="connsiteY5"/>
+              </a:cxn>
+              <a:cxn ang="0">
+                <a:pos x="connsiteX6" y="connsiteY6"/>
+              </a:cxn>
+              <a:cxn ang="0">
+                <a:pos x="connsiteX7" y="connsiteY7"/>
+              </a:cxn>
+              <a:cxn ang="0">
+                <a:pos x="connsiteX8" y="connsiteY8"/>
+              </a:cxn>
+              <a:cxn ang="0">
+                <a:pos x="connsiteX9" y="connsiteY9"/>
+              </a:cxn>
+              <a:cxn ang="0">
+                <a:pos x="connsiteX10" y="connsiteY10"/>
+              </a:cxn>
+              <a:cxn ang="0">
+                <a:pos x="connsiteX11" y="connsiteY11"/>
+              </a:cxn>
+              <a:cxn ang="0">
+                <a:pos x="connsiteX12" y="connsiteY12"/>
+              </a:cxn>
+              <a:cxn ang="0">
+                <a:pos x="connsiteX13" y="connsiteY13"/>
+              </a:cxn>
+              <a:cxn ang="0">
+                <a:pos x="connsiteX14" y="connsiteY14"/>
+              </a:cxn>
+              <a:cxn ang="0">
+                <a:pos x="connsiteX15" y="connsiteY15"/>
+              </a:cxn>
+              <a:cxn ang="0">
+                <a:pos x="connsiteX16" y="connsiteY16"/>
+              </a:cxn>
+              <a:cxn ang="0">
+                <a:pos x="connsiteX17" y="connsiteY17"/>
+              </a:cxn>
+              <a:cxn ang="0">
+                <a:pos x="connsiteX18" y="connsiteY18"/>
+              </a:cxn>
+              <a:cxn ang="0">
+                <a:pos x="connsiteX19" y="connsiteY19"/>
+              </a:cxn>
+              <a:cxn ang="0">
+                <a:pos x="connsiteX20" y="connsiteY20"/>
+              </a:cxn>
+              <a:cxn ang="0">
+                <a:pos x="connsiteX21" y="connsiteY21"/>
+              </a:cxn>
+              <a:cxn ang="0">
+                <a:pos x="connsiteX22" y="connsiteY22"/>
+              </a:cxn>
+              <a:cxn ang="0">
+                <a:pos x="connsiteX23" y="connsiteY23"/>
+              </a:cxn>
+              <a:cxn ang="0">
+                <a:pos x="connsiteX24" y="connsiteY24"/>
+              </a:cxn>
+              <a:cxn ang="0">
+                <a:pos x="connsiteX25" y="connsiteY25"/>
+              </a:cxn>
+              <a:cxn ang="0">
+                <a:pos x="connsiteX26" y="connsiteY26"/>
+              </a:cxn>
+              <a:cxn ang="0">
+                <a:pos x="connsiteX27" y="connsiteY27"/>
+              </a:cxn>
+              <a:cxn ang="0">
+                <a:pos x="connsiteX28" y="connsiteY28"/>
+              </a:cxn>
+              <a:cxn ang="0">
+                <a:pos x="connsiteX29" y="connsiteY29"/>
+              </a:cxn>
+              <a:cxn ang="0">
+                <a:pos x="connsiteX30" y="connsiteY30"/>
+              </a:cxn>
+              <a:cxn ang="0">
+                <a:pos x="connsiteX31" y="connsiteY31"/>
+              </a:cxn>
+              <a:cxn ang="0">
+                <a:pos x="connsiteX32" y="connsiteY32"/>
+              </a:cxn>
+              <a:cxn ang="0">
+                <a:pos x="connsiteX33" y="connsiteY33"/>
+              </a:cxn>
+              <a:cxn ang="0">
+                <a:pos x="connsiteX34" y="connsiteY34"/>
+              </a:cxn>
+              <a:cxn ang="0">
+                <a:pos x="connsiteX35" y="connsiteY35"/>
+              </a:cxn>
+              <a:cxn ang="0">
+                <a:pos x="connsiteX36" y="connsiteY36"/>
+              </a:cxn>
+              <a:cxn ang="0">
+                <a:pos x="connsiteX37" y="connsiteY37"/>
+              </a:cxn>
+              <a:cxn ang="0">
+                <a:pos x="connsiteX38" y="connsiteY38"/>
+              </a:cxn>
+              <a:cxn ang="0">
+                <a:pos x="connsiteX39" y="connsiteY39"/>
+              </a:cxn>
+              <a:cxn ang="0">
+                <a:pos x="connsiteX40" y="connsiteY40"/>
+              </a:cxn>
+              <a:cxn ang="0">
+                <a:pos x="connsiteX41" y="connsiteY41"/>
+              </a:cxn>
+              <a:cxn ang="0">
+                <a:pos x="connsiteX42" y="connsiteY42"/>
+              </a:cxn>
+              <a:cxn ang="0">
+                <a:pos x="connsiteX43" y="connsiteY43"/>
+              </a:cxn>
+              <a:cxn ang="0">
+                <a:pos x="connsiteX44" y="connsiteY44"/>
+              </a:cxn>
+              <a:cxn ang="0">
+                <a:pos x="connsiteX45" y="connsiteY45"/>
+              </a:cxn>
+              <a:cxn ang="0">
+                <a:pos x="connsiteX46" y="connsiteY46"/>
+              </a:cxn>
+              <a:cxn ang="0">
+                <a:pos x="connsiteX47" y="connsiteY47"/>
+              </a:cxn>
+              <a:cxn ang="0">
+                <a:pos x="connsiteX48" y="connsiteY48"/>
+              </a:cxn>
+              <a:cxn ang="0">
+                <a:pos x="connsiteX49" y="connsiteY49"/>
+              </a:cxn>
+              <a:cxn ang="0">
+                <a:pos x="connsiteX50" y="connsiteY50"/>
+              </a:cxn>
+              <a:cxn ang="0">
+                <a:pos x="connsiteX51" y="connsiteY51"/>
+              </a:cxn>
+              <a:cxn ang="0">
+                <a:pos x="connsiteX52" y="connsiteY52"/>
+              </a:cxn>
+              <a:cxn ang="0">
+                <a:pos x="connsiteX53" y="connsiteY53"/>
+              </a:cxn>
+              <a:cxn ang="0">
+                <a:pos x="connsiteX54" y="connsiteY54"/>
+              </a:cxn>
+              <a:cxn ang="0">
+                <a:pos x="connsiteX55" y="connsiteY55"/>
+              </a:cxn>
+              <a:cxn ang="0">
+                <a:pos x="connsiteX56" y="connsiteY56"/>
+              </a:cxn>
+              <a:cxn ang="0">
+                <a:pos x="connsiteX57" y="connsiteY57"/>
+              </a:cxn>
+              <a:cxn ang="0">
+                <a:pos x="connsiteX58" y="connsiteY58"/>
+              </a:cxn>
+              <a:cxn ang="0">
+                <a:pos x="connsiteX59" y="connsiteY59"/>
+              </a:cxn>
+              <a:cxn ang="0">
+                <a:pos x="connsiteX60" y="connsiteY60"/>
+              </a:cxn>
+            </a:cxnLst>
+            <a:rect l="l" t="t" r="r" b="b"/>
+            <a:pathLst>
+              <a:path w="1396957" h="1396957">
+                <a:moveTo>
+                  <a:pt x="698478" y="410478"/>
+                </a:moveTo>
+                <a:cubicBezTo>
+                  <a:pt x="539420" y="410478"/>
+                  <a:pt x="410478" y="539420"/>
+                  <a:pt x="410478" y="698478"/>
+                </a:cubicBezTo>
+                <a:cubicBezTo>
+                  <a:pt x="410478" y="857536"/>
+                  <a:pt x="539420" y="986478"/>
+                  <a:pt x="698478" y="986478"/>
+                </a:cubicBezTo>
+                <a:cubicBezTo>
+                  <a:pt x="857536" y="986478"/>
+                  <a:pt x="986478" y="857536"/>
+                  <a:pt x="986478" y="698478"/>
+                </a:cubicBezTo>
+                <a:cubicBezTo>
+                  <a:pt x="986478" y="539420"/>
+                  <a:pt x="857536" y="410478"/>
+                  <a:pt x="698478" y="410478"/>
+                </a:cubicBezTo>
+                <a:close/>
+                <a:moveTo>
+                  <a:pt x="531166" y="0"/>
+                </a:moveTo>
+                <a:lnTo>
+                  <a:pt x="531660" y="2537"/>
+                </a:lnTo>
+                <a:cubicBezTo>
+                  <a:pt x="540447" y="24205"/>
+                  <a:pt x="553626" y="44509"/>
+                  <a:pt x="571200" y="62082"/>
+                </a:cubicBezTo>
+                <a:cubicBezTo>
+                  <a:pt x="641494" y="132377"/>
+                  <a:pt x="755464" y="132377"/>
+                  <a:pt x="825759" y="62082"/>
+                </a:cubicBezTo>
+                <a:cubicBezTo>
+                  <a:pt x="843332" y="44509"/>
+                  <a:pt x="856512" y="24205"/>
+                  <a:pt x="865299" y="2538"/>
+                </a:cubicBezTo>
+                <a:lnTo>
+                  <a:pt x="865793" y="0"/>
+                </a:lnTo>
+                <a:lnTo>
+                  <a:pt x="978735" y="35060"/>
+                </a:lnTo>
+                <a:lnTo>
+                  <a:pt x="1073805" y="86662"/>
+                </a:lnTo>
+                <a:lnTo>
+                  <a:pt x="1072624" y="88414"/>
+                </a:lnTo>
+                <a:cubicBezTo>
+                  <a:pt x="1063516" y="109949"/>
+                  <a:pt x="1058479" y="133626"/>
+                  <a:pt x="1058479" y="158479"/>
+                </a:cubicBezTo>
+                <a:cubicBezTo>
+                  <a:pt x="1058479" y="257889"/>
+                  <a:pt x="1139069" y="338478"/>
+                  <a:pt x="1238479" y="338478"/>
+                </a:cubicBezTo>
+                <a:cubicBezTo>
+                  <a:pt x="1263332" y="338479"/>
+                  <a:pt x="1287009" y="333442"/>
+                  <a:pt x="1308544" y="324333"/>
+                </a:cubicBezTo>
+                <a:lnTo>
+                  <a:pt x="1310295" y="323152"/>
+                </a:lnTo>
+                <a:lnTo>
+                  <a:pt x="1361898" y="418223"/>
+                </a:lnTo>
+                <a:lnTo>
+                  <a:pt x="1396957" y="531166"/>
+                </a:lnTo>
+                <a:lnTo>
+                  <a:pt x="1394420" y="531660"/>
+                </a:lnTo>
+                <a:cubicBezTo>
+                  <a:pt x="1372752" y="540447"/>
+                  <a:pt x="1352449" y="553626"/>
+                  <a:pt x="1334876" y="571199"/>
+                </a:cubicBezTo>
+                <a:cubicBezTo>
+                  <a:pt x="1264581" y="641494"/>
+                  <a:pt x="1264581" y="755464"/>
+                  <a:pt x="1334876" y="825758"/>
+                </a:cubicBezTo>
+                <a:cubicBezTo>
+                  <a:pt x="1352449" y="843331"/>
+                  <a:pt x="1372752" y="856512"/>
+                  <a:pt x="1394420" y="865299"/>
+                </a:cubicBezTo>
+                <a:lnTo>
+                  <a:pt x="1396957" y="865792"/>
+                </a:lnTo>
+                <a:lnTo>
+                  <a:pt x="1361898" y="978735"/>
+                </a:lnTo>
+                <a:lnTo>
+                  <a:pt x="1310295" y="1073805"/>
+                </a:lnTo>
+                <a:lnTo>
+                  <a:pt x="1308544" y="1072624"/>
+                </a:lnTo>
+                <a:cubicBezTo>
+                  <a:pt x="1287009" y="1063515"/>
+                  <a:pt x="1263332" y="1058478"/>
+                  <a:pt x="1238479" y="1058479"/>
+                </a:cubicBezTo>
+                <a:cubicBezTo>
+                  <a:pt x="1139069" y="1058479"/>
+                  <a:pt x="1058479" y="1139068"/>
+                  <a:pt x="1058479" y="1238478"/>
+                </a:cubicBezTo>
+                <a:cubicBezTo>
+                  <a:pt x="1058479" y="1263331"/>
+                  <a:pt x="1063516" y="1287008"/>
+                  <a:pt x="1072624" y="1308543"/>
+                </a:cubicBezTo>
+                <a:lnTo>
+                  <a:pt x="1073805" y="1310295"/>
+                </a:lnTo>
+                <a:lnTo>
+                  <a:pt x="978735" y="1361898"/>
+                </a:lnTo>
+                <a:lnTo>
+                  <a:pt x="865793" y="1396957"/>
+                </a:lnTo>
+                <a:lnTo>
+                  <a:pt x="865299" y="1394419"/>
+                </a:lnTo>
+                <a:cubicBezTo>
+                  <a:pt x="856512" y="1372752"/>
+                  <a:pt x="843332" y="1352448"/>
+                  <a:pt x="825759" y="1334875"/>
+                </a:cubicBezTo>
+                <a:cubicBezTo>
+                  <a:pt x="755464" y="1264581"/>
+                  <a:pt x="641494" y="1264581"/>
+                  <a:pt x="571200" y="1334875"/>
+                </a:cubicBezTo>
+                <a:cubicBezTo>
+                  <a:pt x="553626" y="1352448"/>
+                  <a:pt x="540447" y="1372752"/>
+                  <a:pt x="531660" y="1394420"/>
+                </a:cubicBezTo>
+                <a:lnTo>
+                  <a:pt x="531167" y="1396957"/>
+                </a:lnTo>
+                <a:lnTo>
+                  <a:pt x="418223" y="1361898"/>
+                </a:lnTo>
+                <a:lnTo>
+                  <a:pt x="323152" y="1310295"/>
+                </a:lnTo>
+                <a:lnTo>
+                  <a:pt x="324334" y="1308543"/>
+                </a:lnTo>
+                <a:cubicBezTo>
+                  <a:pt x="333442" y="1287008"/>
+                  <a:pt x="338479" y="1263332"/>
+                  <a:pt x="338479" y="1238478"/>
+                </a:cubicBezTo>
+                <a:cubicBezTo>
+                  <a:pt x="338479" y="1139068"/>
+                  <a:pt x="257890" y="1058479"/>
+                  <a:pt x="158479" y="1058479"/>
+                </a:cubicBezTo>
+                <a:cubicBezTo>
+                  <a:pt x="133626" y="1058479"/>
+                  <a:pt x="109950" y="1063515"/>
+                  <a:pt x="88415" y="1072624"/>
+                </a:cubicBezTo>
+                <a:lnTo>
+                  <a:pt x="86662" y="1073805"/>
+                </a:lnTo>
+                <a:lnTo>
+                  <a:pt x="35060" y="978735"/>
+                </a:lnTo>
+                <a:lnTo>
+                  <a:pt x="0" y="865793"/>
+                </a:lnTo>
+                <a:lnTo>
+                  <a:pt x="2538" y="865299"/>
+                </a:lnTo>
+                <a:cubicBezTo>
+                  <a:pt x="24206" y="856511"/>
+                  <a:pt x="44509" y="843332"/>
+                  <a:pt x="62083" y="825758"/>
+                </a:cubicBezTo>
+                <a:cubicBezTo>
+                  <a:pt x="132377" y="755464"/>
+                  <a:pt x="132377" y="641494"/>
+                  <a:pt x="62083" y="571199"/>
+                </a:cubicBezTo>
+                <a:cubicBezTo>
+                  <a:pt x="44509" y="553626"/>
+                  <a:pt x="24206" y="540446"/>
+                  <a:pt x="2538" y="531659"/>
+                </a:cubicBezTo>
+                <a:lnTo>
+                  <a:pt x="0" y="531166"/>
+                </a:lnTo>
+                <a:lnTo>
+                  <a:pt x="35060" y="418223"/>
+                </a:lnTo>
+                <a:lnTo>
+                  <a:pt x="86662" y="323152"/>
+                </a:lnTo>
+                <a:lnTo>
+                  <a:pt x="88415" y="324333"/>
+                </a:lnTo>
+                <a:cubicBezTo>
+                  <a:pt x="109950" y="333442"/>
+                  <a:pt x="133626" y="338478"/>
+                  <a:pt x="158479" y="338478"/>
+                </a:cubicBezTo>
+                <a:cubicBezTo>
+                  <a:pt x="257890" y="338478"/>
+                  <a:pt x="338479" y="257889"/>
+                  <a:pt x="338479" y="158479"/>
+                </a:cubicBezTo>
+                <a:cubicBezTo>
+                  <a:pt x="338479" y="133625"/>
+                  <a:pt x="333442" y="109949"/>
+                  <a:pt x="324334" y="88414"/>
+                </a:cubicBezTo>
+                <a:lnTo>
+                  <a:pt x="323152" y="86662"/>
+                </a:lnTo>
+                <a:lnTo>
+                  <a:pt x="418223" y="35060"/>
+                </a:lnTo>
+                <a:close/>
+              </a:path>
+            </a:pathLst>
+          </a:custGeom>
+          <a:noFill/>
+          <a:ln w="38100">
+            <a:solidFill>
+              <a:srgbClr val="808080"/>
+            </a:solidFill>
+          </a:ln>
+        </p:spPr>
+        <p:style>
+          <a:lnRef idx="2">
+            <a:schemeClr val="accent1">
+              <a:shade val="15000"/>
+            </a:schemeClr>
+          </a:lnRef>
+          <a:fillRef idx="1">
+            <a:schemeClr val="accent1"/>
+          </a:fillRef>
+          <a:effectRef idx="0">
+            <a:schemeClr val="accent1"/>
+          </a:effectRef>
+          <a:fontRef idx="minor">
+            <a:schemeClr val="lt1"/>
+          </a:fontRef>
+        </p:style>
+        <p:txBody>
+          <a:bodyPr wrap="square" rtlCol="0" anchor="ctr">
+            <a:noAutofit/>
+          </a:bodyPr>
+          <a:lstStyle/>
+          <a:p>
+            <a:pPr algn="ctr"/>
+            <a:endParaRPr lang="zh-TW" altLang="en-US"/>
+          </a:p>
+        </p:txBody>
+      </p:sp>
+      <p:sp>
+        <p:nvSpPr>
+          <p:cNvPr id="98" name="矩形 97">
+            <a:extLst>
+              <a:ext uri="{FF2B5EF4-FFF2-40B4-BE49-F238E27FC236}">
+                <a16:creationId xmlns:a16="http://schemas.microsoft.com/office/drawing/2014/main" id="{2B8570FA-F899-4E8C-2147-FA5F6269E1D3}"/>
+              </a:ext>
+            </a:extLst>
+          </p:cNvPr>
+          <p:cNvSpPr/>
+          <p:nvPr/>
+        </p:nvSpPr>
+        <p:spPr>
+          <a:xfrm>
+            <a:off x="2227417" y="2878312"/>
+            <a:ext cx="720000" cy="720000"/>
+          </a:xfrm>
+          <a:prstGeom prst="rect">
+            <a:avLst/>
+          </a:prstGeom>
+          <a:solidFill>
+            <a:schemeClr val="bg1"/>
+          </a:solidFill>
+        </p:spPr>
+        <p:style>
+          <a:lnRef idx="2">
+            <a:schemeClr val="accent1">
+              <a:shade val="15000"/>
+            </a:schemeClr>
+          </a:lnRef>
+          <a:fillRef idx="1">
+            <a:schemeClr val="accent1"/>
+          </a:fillRef>
+          <a:effectRef idx="0">
+            <a:schemeClr val="accent1"/>
+          </a:effectRef>
+          <a:fontRef idx="minor">
+            <a:schemeClr val="lt1"/>
+          </a:fontRef>
+        </p:style>
+        <p:txBody>
+          <a:bodyPr rtlCol="0" anchor="ctr"/>
+          <a:lstStyle/>
+          <a:p>
+            <a:pPr algn="ctr"/>
+            <a:endParaRPr lang="zh-TW" altLang="en-US"/>
+          </a:p>
+        </p:txBody>
+      </p:sp>
+      <p:grpSp>
+        <p:nvGrpSpPr>
+          <p:cNvPr id="95" name="群組 94">
+            <a:extLst>
+              <a:ext uri="{FF2B5EF4-FFF2-40B4-BE49-F238E27FC236}">
+                <a16:creationId xmlns:a16="http://schemas.microsoft.com/office/drawing/2014/main" id="{7F056276-4812-0E78-652E-E334EA063287}"/>
+              </a:ext>
+            </a:extLst>
+          </p:cNvPr>
+          <p:cNvGrpSpPr>
+            <a:grpSpLocks noChangeAspect="1"/>
+          </p:cNvGrpSpPr>
+          <p:nvPr/>
+        </p:nvGrpSpPr>
+        <p:grpSpPr>
+          <a:xfrm>
+            <a:off x="2385808" y="2986312"/>
+            <a:ext cx="403218" cy="504000"/>
+            <a:chOff x="4080062" y="2297337"/>
+            <a:chExt cx="417600" cy="521977"/>
+          </a:xfrm>
+        </p:grpSpPr>
+        <p:sp>
+          <p:nvSpPr>
+            <p:cNvPr id="96" name="拱形 95">
+              <a:extLst>
+                <a:ext uri="{FF2B5EF4-FFF2-40B4-BE49-F238E27FC236}">
+                  <a16:creationId xmlns:a16="http://schemas.microsoft.com/office/drawing/2014/main" id="{E7A646C3-17AA-3929-5473-0B62B8816F55}"/>
+                </a:ext>
+              </a:extLst>
+            </p:cNvPr>
+            <p:cNvSpPr/>
+            <p:nvPr/>
+          </p:nvSpPr>
+          <p:spPr>
+            <a:xfrm flipV="1">
+              <a:off x="4234862" y="2711314"/>
+              <a:ext cx="108000" cy="108000"/>
+            </a:xfrm>
+            <a:prstGeom prst="blockArc">
+              <a:avLst/>
+            </a:prstGeom>
+            <a:solidFill>
+              <a:srgbClr val="808080"/>
+            </a:solidFill>
+            <a:ln>
+              <a:solidFill>
+                <a:srgbClr val="808080"/>
+              </a:solidFill>
+            </a:ln>
+          </p:spPr>
+          <p:style>
+            <a:lnRef idx="2">
+              <a:schemeClr val="accent1">
+                <a:shade val="15000"/>
+              </a:schemeClr>
+            </a:lnRef>
+            <a:fillRef idx="1">
+              <a:schemeClr val="accent1"/>
+            </a:fillRef>
+            <a:effectRef idx="0">
+              <a:schemeClr val="accent1"/>
+            </a:effectRef>
+            <a:fontRef idx="minor">
+              <a:schemeClr val="lt1"/>
+            </a:fontRef>
+          </p:style>
+          <p:txBody>
+            <a:bodyPr rtlCol="0" anchor="ctr"/>
+            <a:lstStyle/>
+            <a:p>
+              <a:pPr algn="ctr"/>
+              <a:endParaRPr lang="zh-TW" altLang="en-US">
+                <a:solidFill>
+                  <a:schemeClr val="tx1"/>
+                </a:solidFill>
+              </a:endParaRPr>
+            </a:p>
+          </p:txBody>
+        </p:sp>
+        <p:sp>
+          <p:nvSpPr>
+            <p:cNvPr id="97" name="手繪多邊形: 圖案 96">
+              <a:extLst>
+                <a:ext uri="{FF2B5EF4-FFF2-40B4-BE49-F238E27FC236}">
+                  <a16:creationId xmlns:a16="http://schemas.microsoft.com/office/drawing/2014/main" id="{E147F779-0C3A-65EF-3FA5-55C3E1D12C3F}"/>
+                </a:ext>
+              </a:extLst>
+            </p:cNvPr>
+            <p:cNvSpPr>
+              <a:spLocks noChangeAspect="1"/>
+            </p:cNvSpPr>
+            <p:nvPr/>
+          </p:nvSpPr>
+          <p:spPr>
+            <a:xfrm>
+              <a:off x="4080062" y="2297337"/>
+              <a:ext cx="417600" cy="413976"/>
+            </a:xfrm>
+            <a:custGeom>
+              <a:avLst/>
+              <a:gdLst>
+                <a:gd name="connsiteX0" fmla="*/ 208775 w 417600"/>
+                <a:gd name="connsiteY0" fmla="*/ 0 h 413976"/>
+                <a:gd name="connsiteX1" fmla="*/ 262750 w 417600"/>
+                <a:gd name="connsiteY1" fmla="*/ 53975 h 413976"/>
+                <a:gd name="connsiteX2" fmla="*/ 260768 w 417600"/>
+                <a:gd name="connsiteY2" fmla="*/ 63794 h 413976"/>
+                <a:gd name="connsiteX3" fmla="*/ 302137 w 417600"/>
+                <a:gd name="connsiteY3" fmla="*/ 80035 h 413976"/>
+                <a:gd name="connsiteX4" fmla="*/ 388800 w 417600"/>
+                <a:gd name="connsiteY4" fmla="*/ 233976 h 413976"/>
+                <a:gd name="connsiteX5" fmla="*/ 388800 w 417600"/>
+                <a:gd name="connsiteY5" fmla="*/ 364320 h 413976"/>
+                <a:gd name="connsiteX6" fmla="*/ 417600 w 417600"/>
+                <a:gd name="connsiteY6" fmla="*/ 413975 h 413976"/>
+                <a:gd name="connsiteX7" fmla="*/ 388800 w 417600"/>
+                <a:gd name="connsiteY7" fmla="*/ 413975 h 413976"/>
+                <a:gd name="connsiteX8" fmla="*/ 388800 w 417600"/>
+                <a:gd name="connsiteY8" fmla="*/ 413976 h 413976"/>
+                <a:gd name="connsiteX9" fmla="*/ 28800 w 417600"/>
+                <a:gd name="connsiteY9" fmla="*/ 413976 h 413976"/>
+                <a:gd name="connsiteX10" fmla="*/ 28800 w 417600"/>
+                <a:gd name="connsiteY10" fmla="*/ 413975 h 413976"/>
+                <a:gd name="connsiteX11" fmla="*/ 0 w 417600"/>
+                <a:gd name="connsiteY11" fmla="*/ 413975 h 413976"/>
+                <a:gd name="connsiteX12" fmla="*/ 28800 w 417600"/>
+                <a:gd name="connsiteY12" fmla="*/ 364320 h 413976"/>
+                <a:gd name="connsiteX13" fmla="*/ 28800 w 417600"/>
+                <a:gd name="connsiteY13" fmla="*/ 233976 h 413976"/>
+                <a:gd name="connsiteX14" fmla="*/ 115464 w 417600"/>
+                <a:gd name="connsiteY14" fmla="*/ 80035 h 413976"/>
+                <a:gd name="connsiteX15" fmla="*/ 156786 w 417600"/>
+                <a:gd name="connsiteY15" fmla="*/ 63812 h 413976"/>
+                <a:gd name="connsiteX16" fmla="*/ 154800 w 417600"/>
+                <a:gd name="connsiteY16" fmla="*/ 53975 h 413976"/>
+                <a:gd name="connsiteX17" fmla="*/ 208775 w 417600"/>
+                <a:gd name="connsiteY17" fmla="*/ 0 h 413976"/>
+              </a:gdLst>
+              <a:ahLst/>
+              <a:cxnLst>
+                <a:cxn ang="0">
+                  <a:pos x="connsiteX0" y="connsiteY0"/>
+                </a:cxn>
+                <a:cxn ang="0">
+                  <a:pos x="connsiteX1" y="connsiteY1"/>
+                </a:cxn>
+                <a:cxn ang="0">
+                  <a:pos x="connsiteX2" y="connsiteY2"/>
+                </a:cxn>
+                <a:cxn ang="0">
+                  <a:pos x="connsiteX3" y="connsiteY3"/>
+                </a:cxn>
+                <a:cxn ang="0">
+                  <a:pos x="connsiteX4" y="connsiteY4"/>
+                </a:cxn>
+                <a:cxn ang="0">
+                  <a:pos x="connsiteX5" y="connsiteY5"/>
+                </a:cxn>
+                <a:cxn ang="0">
+                  <a:pos x="connsiteX6" y="connsiteY6"/>
+                </a:cxn>
+                <a:cxn ang="0">
+                  <a:pos x="connsiteX7" y="connsiteY7"/>
+                </a:cxn>
+                <a:cxn ang="0">
+                  <a:pos x="connsiteX8" y="connsiteY8"/>
+                </a:cxn>
+                <a:cxn ang="0">
+                  <a:pos x="connsiteX9" y="connsiteY9"/>
+                </a:cxn>
+                <a:cxn ang="0">
+                  <a:pos x="connsiteX10" y="connsiteY10"/>
+                </a:cxn>
+                <a:cxn ang="0">
+                  <a:pos x="connsiteX11" y="connsiteY11"/>
+                </a:cxn>
+                <a:cxn ang="0">
+                  <a:pos x="connsiteX12" y="connsiteY12"/>
+                </a:cxn>
+                <a:cxn ang="0">
+                  <a:pos x="connsiteX13" y="connsiteY13"/>
+                </a:cxn>
+                <a:cxn ang="0">
+                  <a:pos x="connsiteX14" y="connsiteY14"/>
+                </a:cxn>
+                <a:cxn ang="0">
+                  <a:pos x="connsiteX15" y="connsiteY15"/>
+                </a:cxn>
+                <a:cxn ang="0">
+                  <a:pos x="connsiteX16" y="connsiteY16"/>
+                </a:cxn>
+                <a:cxn ang="0">
+                  <a:pos x="connsiteX17" y="connsiteY17"/>
+                </a:cxn>
+              </a:cxnLst>
+              <a:rect l="l" t="t" r="r" b="b"/>
+              <a:pathLst>
+                <a:path w="417600" h="413976">
+                  <a:moveTo>
+                    <a:pt x="208775" y="0"/>
+                  </a:moveTo>
+                  <a:cubicBezTo>
+                    <a:pt x="238585" y="0"/>
+                    <a:pt x="262750" y="24165"/>
+                    <a:pt x="262750" y="53975"/>
+                  </a:cubicBezTo>
+                  <a:lnTo>
+                    <a:pt x="260768" y="63794"/>
+                  </a:lnTo>
+                  <a:lnTo>
+                    <a:pt x="302137" y="80035"/>
+                  </a:lnTo>
+                  <a:cubicBezTo>
+                    <a:pt x="354093" y="111605"/>
+                    <a:pt x="388800" y="168738"/>
+                    <a:pt x="388800" y="233976"/>
+                  </a:cubicBezTo>
+                  <a:lnTo>
+                    <a:pt x="388800" y="364320"/>
+                  </a:lnTo>
+                  <a:lnTo>
+                    <a:pt x="417600" y="413975"/>
+                  </a:lnTo>
+                  <a:lnTo>
+                    <a:pt x="388800" y="413975"/>
+                  </a:lnTo>
+                  <a:lnTo>
+                    <a:pt x="388800" y="413976"/>
+                  </a:lnTo>
+                  <a:lnTo>
+                    <a:pt x="28800" y="413976"/>
+                  </a:lnTo>
+                  <a:lnTo>
+                    <a:pt x="28800" y="413975"/>
+                  </a:lnTo>
+                  <a:lnTo>
+                    <a:pt x="0" y="413975"/>
+                  </a:lnTo>
+                  <a:lnTo>
+                    <a:pt x="28800" y="364320"/>
+                  </a:lnTo>
+                  <a:lnTo>
+                    <a:pt x="28800" y="233976"/>
+                  </a:lnTo>
+                  <a:cubicBezTo>
+                    <a:pt x="28800" y="168738"/>
+                    <a:pt x="63507" y="111605"/>
+                    <a:pt x="115464" y="80035"/>
+                  </a:cubicBezTo>
+                  <a:lnTo>
+                    <a:pt x="156786" y="63812"/>
+                  </a:lnTo>
+                  <a:lnTo>
+                    <a:pt x="154800" y="53975"/>
+                  </a:lnTo>
+                  <a:cubicBezTo>
+                    <a:pt x="154800" y="24165"/>
+                    <a:pt x="178965" y="0"/>
+                    <a:pt x="208775" y="0"/>
+                  </a:cubicBezTo>
+                  <a:close/>
+                </a:path>
+              </a:pathLst>
+            </a:custGeom>
+            <a:noFill/>
+            <a:ln w="38100">
+              <a:solidFill>
+                <a:srgbClr val="808080"/>
+              </a:solidFill>
+            </a:ln>
+          </p:spPr>
+          <p:style>
+            <a:lnRef idx="2">
+              <a:schemeClr val="accent1">
+                <a:shade val="15000"/>
+              </a:schemeClr>
+            </a:lnRef>
+            <a:fillRef idx="1">
+              <a:schemeClr val="accent1"/>
+            </a:fillRef>
+            <a:effectRef idx="0">
+              <a:schemeClr val="accent1"/>
+            </a:effectRef>
+            <a:fontRef idx="minor">
+              <a:schemeClr val="lt1"/>
+            </a:fontRef>
+          </p:style>
+          <p:txBody>
+            <a:bodyPr wrap="square" rtlCol="0" anchor="ctr">
+              <a:noAutofit/>
+            </a:bodyPr>
+            <a:lstStyle/>
+            <a:p>
+              <a:pPr algn="ctr"/>
+              <a:endParaRPr lang="zh-TW" altLang="en-US"/>
+            </a:p>
+          </p:txBody>
+        </p:sp>
+      </p:grpSp>
+      <p:sp>
+        <p:nvSpPr>
+          <p:cNvPr id="112" name="矩形 111">
+            <a:extLst>
+              <a:ext uri="{FF2B5EF4-FFF2-40B4-BE49-F238E27FC236}">
+                <a16:creationId xmlns:a16="http://schemas.microsoft.com/office/drawing/2014/main" id="{99582B2D-2A3A-AF39-1720-D83E082EA8E1}"/>
+              </a:ext>
+            </a:extLst>
+          </p:cNvPr>
+          <p:cNvSpPr/>
+          <p:nvPr/>
+        </p:nvSpPr>
+        <p:spPr>
+          <a:xfrm>
+            <a:off x="2226658" y="2160000"/>
+            <a:ext cx="720000" cy="720000"/>
+          </a:xfrm>
+          <a:prstGeom prst="rect">
+            <a:avLst/>
+          </a:prstGeom>
+          <a:solidFill>
+            <a:schemeClr val="bg1"/>
+          </a:solidFill>
+        </p:spPr>
+        <p:style>
+          <a:lnRef idx="2">
+            <a:schemeClr val="accent1">
+              <a:shade val="15000"/>
+            </a:schemeClr>
+          </a:lnRef>
+          <a:fillRef idx="1">
+            <a:schemeClr val="accent1"/>
+          </a:fillRef>
+          <a:effectRef idx="0">
+            <a:schemeClr val="accent1"/>
+          </a:effectRef>
+          <a:fontRef idx="minor">
+            <a:schemeClr val="lt1"/>
+          </a:fontRef>
+        </p:style>
+        <p:txBody>
+          <a:bodyPr rtlCol="0" anchor="ctr"/>
+          <a:lstStyle/>
+          <a:p>
+            <a:pPr algn="ctr"/>
+            <a:endParaRPr lang="zh-TW" altLang="en-US"/>
+          </a:p>
+        </p:txBody>
+      </p:sp>
+      <p:grpSp>
+        <p:nvGrpSpPr>
+          <p:cNvPr id="135" name="群組 134">
+            <a:extLst>
+              <a:ext uri="{FF2B5EF4-FFF2-40B4-BE49-F238E27FC236}">
+                <a16:creationId xmlns:a16="http://schemas.microsoft.com/office/drawing/2014/main" id="{F0E6F98F-467B-39E6-CE81-0D7F05D9DE56}"/>
+              </a:ext>
+            </a:extLst>
+          </p:cNvPr>
+          <p:cNvGrpSpPr/>
+          <p:nvPr/>
+        </p:nvGrpSpPr>
+        <p:grpSpPr>
+          <a:xfrm>
+            <a:off x="2334658" y="2347200"/>
+            <a:ext cx="504000" cy="345600"/>
+            <a:chOff x="3473259" y="2377440"/>
+            <a:chExt cx="504000" cy="345600"/>
+          </a:xfrm>
+        </p:grpSpPr>
+        <p:sp>
+          <p:nvSpPr>
+            <p:cNvPr id="114" name="矩形: 圓角 113">
+              <a:extLst>
+                <a:ext uri="{FF2B5EF4-FFF2-40B4-BE49-F238E27FC236}">
+                  <a16:creationId xmlns:a16="http://schemas.microsoft.com/office/drawing/2014/main" id="{CD6589A0-DAF8-ABDB-58FF-3E83BF0B7C09}"/>
+                </a:ext>
+              </a:extLst>
+            </p:cNvPr>
+            <p:cNvSpPr/>
+            <p:nvPr/>
+          </p:nvSpPr>
+          <p:spPr>
+            <a:xfrm>
+              <a:off x="3473259" y="2377440"/>
+              <a:ext cx="504000" cy="345600"/>
+            </a:xfrm>
+            <a:prstGeom prst="roundRect">
+              <a:avLst/>
+            </a:prstGeom>
+            <a:noFill/>
+            <a:ln w="38100">
+              <a:solidFill>
+                <a:srgbClr val="808080"/>
+              </a:solidFill>
+            </a:ln>
+          </p:spPr>
+          <p:style>
+            <a:lnRef idx="2">
+              <a:schemeClr val="accent1">
+                <a:shade val="15000"/>
+              </a:schemeClr>
+            </a:lnRef>
+            <a:fillRef idx="1">
+              <a:schemeClr val="accent1"/>
+            </a:fillRef>
+            <a:effectRef idx="0">
+              <a:schemeClr val="accent1"/>
+            </a:effectRef>
+            <a:fontRef idx="minor">
+              <a:schemeClr val="lt1"/>
+            </a:fontRef>
+          </p:style>
+          <p:txBody>
+            <a:bodyPr rtlCol="0" anchor="ctr"/>
+            <a:lstStyle/>
+            <a:p>
+              <a:pPr algn="ctr"/>
+              <a:endParaRPr lang="zh-TW" altLang="en-US"/>
+            </a:p>
+          </p:txBody>
+        </p:sp>
+        <p:sp>
+          <p:nvSpPr>
+            <p:cNvPr id="134" name="手繪多邊形: 圖案 133">
+              <a:extLst>
+                <a:ext uri="{FF2B5EF4-FFF2-40B4-BE49-F238E27FC236}">
+                  <a16:creationId xmlns:a16="http://schemas.microsoft.com/office/drawing/2014/main" id="{1206396E-6DA2-36B6-8367-686F230DBBC1}"/>
+                </a:ext>
+              </a:extLst>
+            </p:cNvPr>
+            <p:cNvSpPr/>
+            <p:nvPr/>
+          </p:nvSpPr>
+          <p:spPr>
+            <a:xfrm>
+              <a:off x="3473259" y="2377440"/>
+              <a:ext cx="504000" cy="172800"/>
+            </a:xfrm>
+            <a:custGeom>
+              <a:avLst/>
+              <a:gdLst>
+                <a:gd name="connsiteX0" fmla="*/ 57601 w 504000"/>
+                <a:gd name="connsiteY0" fmla="*/ 0 h 172800"/>
+                <a:gd name="connsiteX1" fmla="*/ 446399 w 504000"/>
+                <a:gd name="connsiteY1" fmla="*/ 0 h 172800"/>
+                <a:gd name="connsiteX2" fmla="*/ 504000 w 504000"/>
+                <a:gd name="connsiteY2" fmla="*/ 57601 h 172800"/>
+                <a:gd name="connsiteX3" fmla="*/ 504000 w 504000"/>
+                <a:gd name="connsiteY3" fmla="*/ 86400 h 172800"/>
+                <a:gd name="connsiteX4" fmla="*/ 252000 w 504000"/>
+                <a:gd name="connsiteY4" fmla="*/ 172800 h 172800"/>
+                <a:gd name="connsiteX5" fmla="*/ 0 w 504000"/>
+                <a:gd name="connsiteY5" fmla="*/ 86400 h 172800"/>
+                <a:gd name="connsiteX6" fmla="*/ 0 w 504000"/>
+                <a:gd name="connsiteY6" fmla="*/ 57601 h 172800"/>
+                <a:gd name="connsiteX7" fmla="*/ 57601 w 504000"/>
+                <a:gd name="connsiteY7" fmla="*/ 0 h 172800"/>
+              </a:gdLst>
+              <a:ahLst/>
+              <a:cxnLst>
+                <a:cxn ang="0">
+                  <a:pos x="connsiteX0" y="connsiteY0"/>
+                </a:cxn>
+                <a:cxn ang="0">
+                  <a:pos x="connsiteX1" y="connsiteY1"/>
+                </a:cxn>
+                <a:cxn ang="0">
+                  <a:pos x="connsiteX2" y="connsiteY2"/>
+                </a:cxn>
+                <a:cxn ang="0">
+                  <a:pos x="connsiteX3" y="connsiteY3"/>
+                </a:cxn>
+                <a:cxn ang="0">
+                  <a:pos x="connsiteX4" y="connsiteY4"/>
+                </a:cxn>
+                <a:cxn ang="0">
+                  <a:pos x="connsiteX5" y="connsiteY5"/>
+                </a:cxn>
+                <a:cxn ang="0">
+                  <a:pos x="connsiteX6" y="connsiteY6"/>
+                </a:cxn>
+                <a:cxn ang="0">
+                  <a:pos x="connsiteX7" y="connsiteY7"/>
+                </a:cxn>
+              </a:cxnLst>
+              <a:rect l="l" t="t" r="r" b="b"/>
+              <a:pathLst>
+                <a:path w="504000" h="172800">
+                  <a:moveTo>
+                    <a:pt x="57601" y="0"/>
+                  </a:moveTo>
+                  <a:lnTo>
+                    <a:pt x="446399" y="0"/>
+                  </a:lnTo>
+                  <a:cubicBezTo>
+                    <a:pt x="478211" y="0"/>
+                    <a:pt x="504000" y="25789"/>
+                    <a:pt x="504000" y="57601"/>
+                  </a:cubicBezTo>
+                  <a:lnTo>
+                    <a:pt x="504000" y="86400"/>
+                  </a:lnTo>
+                  <a:lnTo>
+                    <a:pt x="252000" y="172800"/>
+                  </a:lnTo>
+                  <a:lnTo>
+                    <a:pt x="0" y="86400"/>
+                  </a:lnTo>
+                  <a:lnTo>
+                    <a:pt x="0" y="57601"/>
+                  </a:lnTo>
+                  <a:cubicBezTo>
+                    <a:pt x="0" y="25789"/>
+                    <a:pt x="25789" y="0"/>
+                    <a:pt x="57601" y="0"/>
+                  </a:cubicBezTo>
+                  <a:close/>
+                </a:path>
+              </a:pathLst>
+            </a:custGeom>
+            <a:noFill/>
+            <a:ln w="38100">
+              <a:solidFill>
+                <a:srgbClr val="808080"/>
+              </a:solidFill>
+            </a:ln>
+          </p:spPr>
+          <p:style>
+            <a:lnRef idx="2">
+              <a:schemeClr val="accent1">
+                <a:shade val="15000"/>
+              </a:schemeClr>
+            </a:lnRef>
+            <a:fillRef idx="1">
+              <a:schemeClr val="accent1"/>
+            </a:fillRef>
+            <a:effectRef idx="0">
+              <a:schemeClr val="accent1"/>
+            </a:effectRef>
+            <a:fontRef idx="minor">
+              <a:schemeClr val="lt1"/>
+            </a:fontRef>
+          </p:style>
+          <p:txBody>
+            <a:bodyPr wrap="square" rtlCol="0" anchor="ctr">
+              <a:noAutofit/>
+            </a:bodyPr>
+            <a:lstStyle/>
+            <a:p>
+              <a:pPr algn="ctr"/>
+              <a:endParaRPr lang="zh-TW" altLang="en-US"/>
+            </a:p>
+          </p:txBody>
+        </p:sp>
+      </p:grpSp>
+      <p:sp>
+        <p:nvSpPr>
+          <p:cNvPr id="136" name="矩形 135">
+            <a:extLst>
+              <a:ext uri="{FF2B5EF4-FFF2-40B4-BE49-F238E27FC236}">
+                <a16:creationId xmlns:a16="http://schemas.microsoft.com/office/drawing/2014/main" id="{3F253551-A3E1-763E-AE47-21917D4553E9}"/>
+              </a:ext>
+            </a:extLst>
+          </p:cNvPr>
+          <p:cNvSpPr/>
+          <p:nvPr/>
+        </p:nvSpPr>
+        <p:spPr>
+          <a:xfrm>
+            <a:off x="2219847" y="3600000"/>
+            <a:ext cx="720000" cy="720000"/>
+          </a:xfrm>
+          <a:prstGeom prst="rect">
+            <a:avLst/>
+          </a:prstGeom>
+          <a:solidFill>
+            <a:schemeClr val="bg1"/>
+          </a:solidFill>
+        </p:spPr>
+        <p:style>
+          <a:lnRef idx="2">
+            <a:schemeClr val="accent1">
+              <a:shade val="15000"/>
+            </a:schemeClr>
+          </a:lnRef>
+          <a:fillRef idx="1">
+            <a:schemeClr val="accent1"/>
+          </a:fillRef>
+          <a:effectRef idx="0">
+            <a:schemeClr val="accent1"/>
+          </a:effectRef>
+          <a:fontRef idx="minor">
+            <a:schemeClr val="lt1"/>
+          </a:fontRef>
+        </p:style>
+        <p:txBody>
+          <a:bodyPr rtlCol="0" anchor="ctr"/>
+          <a:lstStyle/>
+          <a:p>
+            <a:pPr algn="ctr"/>
+            <a:endParaRPr lang="zh-TW" altLang="en-US"/>
+          </a:p>
+        </p:txBody>
+      </p:sp>
+      <p:grpSp>
+        <p:nvGrpSpPr>
+          <p:cNvPr id="150" name="群組 149">
+            <a:extLst>
+              <a:ext uri="{FF2B5EF4-FFF2-40B4-BE49-F238E27FC236}">
+                <a16:creationId xmlns:a16="http://schemas.microsoft.com/office/drawing/2014/main" id="{38E3E58B-E919-D120-9283-ED457F10FF4F}"/>
+              </a:ext>
+            </a:extLst>
+          </p:cNvPr>
+          <p:cNvGrpSpPr/>
+          <p:nvPr/>
+        </p:nvGrpSpPr>
+        <p:grpSpPr>
+          <a:xfrm>
+            <a:off x="2363847" y="3708000"/>
+            <a:ext cx="432000" cy="504000"/>
+            <a:chOff x="6254700" y="1917374"/>
+            <a:chExt cx="432000" cy="504000"/>
+          </a:xfrm>
+        </p:grpSpPr>
+        <p:sp>
+          <p:nvSpPr>
+            <p:cNvPr id="137" name="矩形: 圓角 136">
+              <a:extLst>
+                <a:ext uri="{FF2B5EF4-FFF2-40B4-BE49-F238E27FC236}">
+                  <a16:creationId xmlns:a16="http://schemas.microsoft.com/office/drawing/2014/main" id="{1FF7A388-E4FC-4085-2C59-23735E159FFF}"/>
+                </a:ext>
+              </a:extLst>
+            </p:cNvPr>
+            <p:cNvSpPr/>
+            <p:nvPr/>
+          </p:nvSpPr>
+          <p:spPr>
+            <a:xfrm>
+              <a:off x="6254700" y="2133374"/>
+              <a:ext cx="432000" cy="288000"/>
+            </a:xfrm>
+            <a:prstGeom prst="roundRect">
+              <a:avLst/>
+            </a:prstGeom>
+            <a:noFill/>
+            <a:ln w="38100">
+              <a:solidFill>
+                <a:srgbClr val="808080"/>
+              </a:solidFill>
+            </a:ln>
+          </p:spPr>
+          <p:style>
+            <a:lnRef idx="2">
+              <a:schemeClr val="accent1">
+                <a:shade val="15000"/>
+              </a:schemeClr>
+            </a:lnRef>
+            <a:fillRef idx="1">
+              <a:schemeClr val="accent1"/>
+            </a:fillRef>
+            <a:effectRef idx="0">
+              <a:schemeClr val="accent1"/>
+            </a:effectRef>
+            <a:fontRef idx="minor">
+              <a:schemeClr val="lt1"/>
+            </a:fontRef>
+          </p:style>
+          <p:txBody>
+            <a:bodyPr rtlCol="0" anchor="ctr"/>
+            <a:lstStyle/>
+            <a:p>
+              <a:pPr algn="ctr"/>
+              <a:endParaRPr lang="zh-TW" altLang="en-US"/>
+            </a:p>
+          </p:txBody>
+        </p:sp>
+        <p:sp>
+          <p:nvSpPr>
+            <p:cNvPr id="139" name="流程圖: 延遲 138">
+              <a:extLst>
+                <a:ext uri="{FF2B5EF4-FFF2-40B4-BE49-F238E27FC236}">
+                  <a16:creationId xmlns:a16="http://schemas.microsoft.com/office/drawing/2014/main" id="{68B02AC4-2A19-82EB-6319-61C6A53A977B}"/>
+                </a:ext>
+              </a:extLst>
+            </p:cNvPr>
+            <p:cNvSpPr/>
+            <p:nvPr/>
+          </p:nvSpPr>
+          <p:spPr>
+            <a:xfrm rot="16200000">
+              <a:off x="6362700" y="1881374"/>
+              <a:ext cx="216000" cy="288000"/>
+            </a:xfrm>
+            <a:prstGeom prst="flowChartDelay">
+              <a:avLst/>
+            </a:prstGeom>
+            <a:noFill/>
+            <a:ln w="38100">
+              <a:solidFill>
+                <a:srgbClr val="808080"/>
+              </a:solidFill>
+            </a:ln>
+          </p:spPr>
+          <p:style>
+            <a:lnRef idx="2">
+              <a:schemeClr val="accent1">
+                <a:shade val="15000"/>
+              </a:schemeClr>
+            </a:lnRef>
+            <a:fillRef idx="1">
+              <a:schemeClr val="accent1"/>
+            </a:fillRef>
+            <a:effectRef idx="0">
+              <a:schemeClr val="accent1"/>
+            </a:effectRef>
+            <a:fontRef idx="minor">
+              <a:schemeClr val="lt1"/>
+            </a:fontRef>
+          </p:style>
+          <p:txBody>
+            <a:bodyPr rtlCol="0" anchor="ctr"/>
+            <a:lstStyle/>
+            <a:p>
+              <a:pPr algn="ctr"/>
+              <a:endParaRPr lang="zh-TW" altLang="en-US"/>
+            </a:p>
+          </p:txBody>
+        </p:sp>
+      </p:grpSp>
+      <p:sp>
+        <p:nvSpPr>
+          <p:cNvPr id="180" name="矩形 179">
+            <a:extLst>
+              <a:ext uri="{FF2B5EF4-FFF2-40B4-BE49-F238E27FC236}">
+                <a16:creationId xmlns:a16="http://schemas.microsoft.com/office/drawing/2014/main" id="{DCF9AC1C-CB2C-B901-D805-2F04B441D726}"/>
+              </a:ext>
+            </a:extLst>
+          </p:cNvPr>
+          <p:cNvSpPr/>
+          <p:nvPr/>
+        </p:nvSpPr>
+        <p:spPr>
+          <a:xfrm>
+            <a:off x="2222623" y="4320000"/>
+            <a:ext cx="720000" cy="720000"/>
+          </a:xfrm>
+          <a:prstGeom prst="rect">
+            <a:avLst/>
+          </a:prstGeom>
+          <a:solidFill>
+            <a:schemeClr val="bg1"/>
+          </a:solidFill>
+        </p:spPr>
+        <p:style>
+          <a:lnRef idx="2">
+            <a:schemeClr val="accent1">
+              <a:shade val="15000"/>
+            </a:schemeClr>
+          </a:lnRef>
+          <a:fillRef idx="1">
+            <a:schemeClr val="accent1"/>
+          </a:fillRef>
+          <a:effectRef idx="0">
+            <a:schemeClr val="accent1"/>
+          </a:effectRef>
+          <a:fontRef idx="minor">
+            <a:schemeClr val="lt1"/>
+          </a:fontRef>
+        </p:style>
+        <p:txBody>
+          <a:bodyPr rtlCol="0" anchor="ctr"/>
+          <a:lstStyle/>
+          <a:p>
+            <a:pPr algn="ctr"/>
+            <a:endParaRPr lang="zh-TW" altLang="en-US"/>
+          </a:p>
+        </p:txBody>
+      </p:sp>
+      <p:grpSp>
+        <p:nvGrpSpPr>
+          <p:cNvPr id="181" name="群組 180">
+            <a:extLst>
+              <a:ext uri="{FF2B5EF4-FFF2-40B4-BE49-F238E27FC236}">
+                <a16:creationId xmlns:a16="http://schemas.microsoft.com/office/drawing/2014/main" id="{54E332DF-9A33-DA9A-4ED7-E4897AE0A4E6}"/>
+              </a:ext>
+            </a:extLst>
+          </p:cNvPr>
+          <p:cNvGrpSpPr/>
+          <p:nvPr/>
+        </p:nvGrpSpPr>
+        <p:grpSpPr>
+          <a:xfrm>
+            <a:off x="2366623" y="4464000"/>
+            <a:ext cx="432000" cy="432000"/>
+            <a:chOff x="1613417" y="2762250"/>
+            <a:chExt cx="503999" cy="504000"/>
+          </a:xfrm>
+        </p:grpSpPr>
+        <p:sp>
+          <p:nvSpPr>
+            <p:cNvPr id="182" name="左中括弧 181">
+              <a:extLst>
+                <a:ext uri="{FF2B5EF4-FFF2-40B4-BE49-F238E27FC236}">
+                  <a16:creationId xmlns:a16="http://schemas.microsoft.com/office/drawing/2014/main" id="{899C1F28-1390-BC0D-0A92-3E81D0B8C8AC}"/>
+                </a:ext>
+              </a:extLst>
+            </p:cNvPr>
+            <p:cNvSpPr/>
+            <p:nvPr/>
+          </p:nvSpPr>
+          <p:spPr>
+            <a:xfrm>
+              <a:off x="1613417" y="2762250"/>
+              <a:ext cx="216000" cy="504000"/>
+            </a:xfrm>
+            <a:prstGeom prst="leftBracket">
+              <a:avLst/>
+            </a:prstGeom>
+            <a:ln w="38100">
+              <a:solidFill>
+                <a:srgbClr val="808080"/>
+              </a:solidFill>
+            </a:ln>
+          </p:spPr>
+          <p:style>
+            <a:lnRef idx="1">
+              <a:schemeClr val="accent1"/>
+            </a:lnRef>
+            <a:fillRef idx="0">
+              <a:schemeClr val="accent1"/>
+            </a:fillRef>
+            <a:effectRef idx="0">
+              <a:schemeClr val="accent1"/>
+            </a:effectRef>
+            <a:fontRef idx="minor">
+              <a:schemeClr val="tx1"/>
+            </a:fontRef>
+          </p:style>
+          <p:txBody>
+            <a:bodyPr rtlCol="0" anchor="ctr"/>
+            <a:lstStyle/>
+            <a:p>
+              <a:pPr algn="ctr"/>
+              <a:endParaRPr lang="zh-TW" altLang="en-US"/>
+            </a:p>
+          </p:txBody>
+        </p:sp>
+        <p:cxnSp>
+          <p:nvCxnSpPr>
+            <p:cNvPr id="183" name="直線單箭頭接點 182">
+              <a:extLst>
+                <a:ext uri="{FF2B5EF4-FFF2-40B4-BE49-F238E27FC236}">
+                  <a16:creationId xmlns:a16="http://schemas.microsoft.com/office/drawing/2014/main" id="{67ECB428-C908-8AC2-F123-3756FBCB96D5}"/>
+                </a:ext>
+              </a:extLst>
+            </p:cNvPr>
+            <p:cNvCxnSpPr>
+              <a:cxnSpLocks/>
+            </p:cNvCxnSpPr>
+            <p:nvPr/>
+          </p:nvCxnSpPr>
+          <p:spPr>
+            <a:xfrm>
+              <a:off x="1757416" y="3014250"/>
+              <a:ext cx="360000" cy="0"/>
+            </a:xfrm>
+            <a:prstGeom prst="straightConnector1">
+              <a:avLst/>
+            </a:prstGeom>
+            <a:ln w="38100">
+              <a:solidFill>
+                <a:srgbClr val="808080"/>
+              </a:solidFill>
+              <a:tailEnd type="arrow" w="lg" len="med"/>
+            </a:ln>
+          </p:spPr>
+          <p:style>
+            <a:lnRef idx="1">
+              <a:schemeClr val="accent1"/>
+            </a:lnRef>
+            <a:fillRef idx="0">
+              <a:schemeClr val="accent1"/>
+            </a:fillRef>
+            <a:effectRef idx="0">
+              <a:schemeClr val="accent1"/>
+            </a:effectRef>
+            <a:fontRef idx="minor">
+              <a:schemeClr val="tx1"/>
+            </a:fontRef>
+          </p:style>
+        </p:cxnSp>
+      </p:grpSp>
+      <p:sp>
+        <p:nvSpPr>
+          <p:cNvPr id="219" name="矩形 218">
+            <a:extLst>
+              <a:ext uri="{FF2B5EF4-FFF2-40B4-BE49-F238E27FC236}">
+                <a16:creationId xmlns:a16="http://schemas.microsoft.com/office/drawing/2014/main" id="{09CA4E0E-D91E-5C5E-6F83-B6B7FBBEB065}"/>
+              </a:ext>
+            </a:extLst>
+          </p:cNvPr>
+          <p:cNvSpPr/>
+          <p:nvPr/>
+        </p:nvSpPr>
+        <p:spPr>
+          <a:xfrm>
+            <a:off x="2228175" y="1440000"/>
+            <a:ext cx="720000" cy="720000"/>
+          </a:xfrm>
+          <a:prstGeom prst="rect">
+            <a:avLst/>
+          </a:prstGeom>
+          <a:solidFill>
+            <a:schemeClr val="bg1"/>
+          </a:solidFill>
+        </p:spPr>
+        <p:style>
+          <a:lnRef idx="2">
+            <a:schemeClr val="accent1">
+              <a:shade val="15000"/>
+            </a:schemeClr>
+          </a:lnRef>
+          <a:fillRef idx="1">
+            <a:schemeClr val="accent1"/>
+          </a:fillRef>
+          <a:effectRef idx="0">
+            <a:schemeClr val="accent1"/>
+          </a:effectRef>
+          <a:fontRef idx="minor">
+            <a:schemeClr val="lt1"/>
+          </a:fontRef>
+        </p:style>
+        <p:txBody>
+          <a:bodyPr rtlCol="0" anchor="ctr"/>
+          <a:lstStyle/>
+          <a:p>
+            <a:pPr algn="ctr"/>
+            <a:endParaRPr lang="zh-TW" altLang="en-US"/>
+          </a:p>
+        </p:txBody>
+      </p:sp>
+      <p:grpSp>
+        <p:nvGrpSpPr>
+          <p:cNvPr id="218" name="群組 217">
+            <a:extLst>
+              <a:ext uri="{FF2B5EF4-FFF2-40B4-BE49-F238E27FC236}">
+                <a16:creationId xmlns:a16="http://schemas.microsoft.com/office/drawing/2014/main" id="{4CCF33A9-A211-C604-6240-76C8DFF985A1}"/>
+              </a:ext>
+            </a:extLst>
+          </p:cNvPr>
+          <p:cNvGrpSpPr/>
+          <p:nvPr/>
+        </p:nvGrpSpPr>
+        <p:grpSpPr>
+          <a:xfrm>
+            <a:off x="2336175" y="1548000"/>
+            <a:ext cx="504000" cy="504000"/>
+            <a:chOff x="4835453" y="1548000"/>
+            <a:chExt cx="504000" cy="504000"/>
+          </a:xfrm>
+        </p:grpSpPr>
+        <p:sp>
+          <p:nvSpPr>
+            <p:cNvPr id="200" name="橢圓 199">
+              <a:extLst>
+                <a:ext uri="{FF2B5EF4-FFF2-40B4-BE49-F238E27FC236}">
+                  <a16:creationId xmlns:a16="http://schemas.microsoft.com/office/drawing/2014/main" id="{8D48F5F0-2620-2535-315D-CECD6BE1A68F}"/>
+                </a:ext>
+              </a:extLst>
+            </p:cNvPr>
+            <p:cNvSpPr/>
+            <p:nvPr/>
+          </p:nvSpPr>
+          <p:spPr>
+            <a:xfrm>
+              <a:off x="4835453" y="1548000"/>
+              <a:ext cx="504000" cy="504000"/>
+            </a:xfrm>
+            <a:prstGeom prst="ellipse">
+              <a:avLst/>
+            </a:prstGeom>
+            <a:noFill/>
+            <a:ln w="38100">
+              <a:solidFill>
+                <a:srgbClr val="808080"/>
+              </a:solidFill>
+            </a:ln>
+          </p:spPr>
+          <p:style>
+            <a:lnRef idx="2">
+              <a:schemeClr val="accent1">
+                <a:shade val="15000"/>
+              </a:schemeClr>
+            </a:lnRef>
+            <a:fillRef idx="1">
+              <a:schemeClr val="accent1"/>
+            </a:fillRef>
+            <a:effectRef idx="0">
+              <a:schemeClr val="accent1"/>
+            </a:effectRef>
+            <a:fontRef idx="minor">
+              <a:schemeClr val="lt1"/>
+            </a:fontRef>
+          </p:style>
+          <p:txBody>
+            <a:bodyPr rtlCol="0" anchor="ctr"/>
+            <a:lstStyle/>
+            <a:p>
+              <a:pPr algn="ctr"/>
+              <a:endParaRPr lang="zh-TW" altLang="en-US"/>
+            </a:p>
+          </p:txBody>
+        </p:sp>
+        <p:grpSp>
+          <p:nvGrpSpPr>
+            <p:cNvPr id="217" name="群組 216">
+              <a:extLst>
+                <a:ext uri="{FF2B5EF4-FFF2-40B4-BE49-F238E27FC236}">
+                  <a16:creationId xmlns:a16="http://schemas.microsoft.com/office/drawing/2014/main" id="{A291E77E-847B-0A6F-60B0-3C87EF85E912}"/>
+                </a:ext>
+              </a:extLst>
+            </p:cNvPr>
+            <p:cNvGrpSpPr/>
+            <p:nvPr/>
+          </p:nvGrpSpPr>
+          <p:grpSpPr>
+            <a:xfrm>
+              <a:off x="4943453" y="1626595"/>
+              <a:ext cx="288000" cy="425405"/>
+              <a:chOff x="4943453" y="1626595"/>
+              <a:chExt cx="288000" cy="425405"/>
+            </a:xfrm>
+          </p:grpSpPr>
+          <p:sp>
+            <p:nvSpPr>
+              <p:cNvPr id="202" name="橢圓 201">
+                <a:extLst>
+                  <a:ext uri="{FF2B5EF4-FFF2-40B4-BE49-F238E27FC236}">
+                    <a16:creationId xmlns:a16="http://schemas.microsoft.com/office/drawing/2014/main" id="{AE1DAB6B-3110-033B-C8BF-A75D72399161}"/>
+                  </a:ext>
+                </a:extLst>
+              </p:cNvPr>
+              <p:cNvSpPr/>
+              <p:nvPr/>
+            </p:nvSpPr>
+            <p:spPr>
+              <a:xfrm>
+                <a:off x="4989754" y="1626595"/>
+                <a:ext cx="195399" cy="195399"/>
+              </a:xfrm>
+              <a:prstGeom prst="ellipse">
+                <a:avLst/>
+              </a:prstGeom>
+              <a:noFill/>
+              <a:ln w="38100">
+                <a:solidFill>
+                  <a:srgbClr val="808080"/>
+                </a:solidFill>
+              </a:ln>
+            </p:spPr>
+            <p:style>
+              <a:lnRef idx="2">
+                <a:schemeClr val="accent1">
+                  <a:shade val="15000"/>
+                </a:schemeClr>
+              </a:lnRef>
+              <a:fillRef idx="1">
+                <a:schemeClr val="accent1"/>
+              </a:fillRef>
+              <a:effectRef idx="0">
+                <a:schemeClr val="accent1"/>
+              </a:effectRef>
+              <a:fontRef idx="minor">
+                <a:schemeClr val="lt1"/>
+              </a:fontRef>
+            </p:style>
+            <p:txBody>
+              <a:bodyPr rtlCol="0" anchor="ctr"/>
+              <a:lstStyle/>
+              <a:p>
+                <a:pPr algn="ctr"/>
+                <a:endParaRPr lang="zh-TW" altLang="en-US"/>
+              </a:p>
+            </p:txBody>
+          </p:sp>
+          <p:sp>
+            <p:nvSpPr>
+              <p:cNvPr id="216" name="手繪多邊形: 圖案 215">
+                <a:extLst>
+                  <a:ext uri="{FF2B5EF4-FFF2-40B4-BE49-F238E27FC236}">
+                    <a16:creationId xmlns:a16="http://schemas.microsoft.com/office/drawing/2014/main" id="{BA22159E-315C-8C2E-6916-7C600B95585C}"/>
+                  </a:ext>
+                </a:extLst>
+              </p:cNvPr>
+              <p:cNvSpPr/>
+              <p:nvPr/>
+            </p:nvSpPr>
+            <p:spPr>
+              <a:xfrm>
+                <a:off x="4943453" y="1880400"/>
+                <a:ext cx="288000" cy="171600"/>
+              </a:xfrm>
+              <a:custGeom>
+                <a:avLst/>
+                <a:gdLst>
+                  <a:gd name="connsiteX0" fmla="*/ 32567 w 288000"/>
+                  <a:gd name="connsiteY0" fmla="*/ 0 h 171600"/>
+                  <a:gd name="connsiteX1" fmla="*/ 255433 w 288000"/>
+                  <a:gd name="connsiteY1" fmla="*/ 0 h 171600"/>
+                  <a:gd name="connsiteX2" fmla="*/ 288000 w 288000"/>
+                  <a:gd name="connsiteY2" fmla="*/ 32567 h 171600"/>
+                  <a:gd name="connsiteX3" fmla="*/ 288000 w 288000"/>
+                  <a:gd name="connsiteY3" fmla="*/ 126001 h 171600"/>
+                  <a:gd name="connsiteX4" fmla="*/ 284896 w 288000"/>
+                  <a:gd name="connsiteY4" fmla="*/ 128562 h 171600"/>
+                  <a:gd name="connsiteX5" fmla="*/ 144000 w 288000"/>
+                  <a:gd name="connsiteY5" fmla="*/ 171600 h 171600"/>
+                  <a:gd name="connsiteX6" fmla="*/ 3104 w 288000"/>
+                  <a:gd name="connsiteY6" fmla="*/ 128562 h 171600"/>
+                  <a:gd name="connsiteX7" fmla="*/ 0 w 288000"/>
+                  <a:gd name="connsiteY7" fmla="*/ 126001 h 171600"/>
+                  <a:gd name="connsiteX8" fmla="*/ 0 w 288000"/>
+                  <a:gd name="connsiteY8" fmla="*/ 32567 h 171600"/>
+                  <a:gd name="connsiteX9" fmla="*/ 32567 w 288000"/>
+                  <a:gd name="connsiteY9" fmla="*/ 0 h 171600"/>
+                </a:gdLst>
+                <a:ahLst/>
+                <a:cxnLst>
+                  <a:cxn ang="0">
+                    <a:pos x="connsiteX0" y="connsiteY0"/>
+                  </a:cxn>
+                  <a:cxn ang="0">
+                    <a:pos x="connsiteX1" y="connsiteY1"/>
+                  </a:cxn>
+                  <a:cxn ang="0">
+                    <a:pos x="connsiteX2" y="connsiteY2"/>
+                  </a:cxn>
+                  <a:cxn ang="0">
+                    <a:pos x="connsiteX3" y="connsiteY3"/>
+                  </a:cxn>
+                  <a:cxn ang="0">
+                    <a:pos x="connsiteX4" y="connsiteY4"/>
+                  </a:cxn>
+                  <a:cxn ang="0">
+                    <a:pos x="connsiteX5" y="connsiteY5"/>
+                  </a:cxn>
+                  <a:cxn ang="0">
+                    <a:pos x="connsiteX6" y="connsiteY6"/>
+                  </a:cxn>
+                  <a:cxn ang="0">
+                    <a:pos x="connsiteX7" y="connsiteY7"/>
+                  </a:cxn>
+                  <a:cxn ang="0">
+                    <a:pos x="connsiteX8" y="connsiteY8"/>
+                  </a:cxn>
+                  <a:cxn ang="0">
+                    <a:pos x="connsiteX9" y="connsiteY9"/>
+                  </a:cxn>
+                </a:cxnLst>
+                <a:rect l="l" t="t" r="r" b="b"/>
+                <a:pathLst>
+                  <a:path w="288000" h="171600">
+                    <a:moveTo>
+                      <a:pt x="32567" y="0"/>
+                    </a:moveTo>
+                    <a:lnTo>
+                      <a:pt x="255433" y="0"/>
+                    </a:lnTo>
+                    <a:cubicBezTo>
+                      <a:pt x="273419" y="0"/>
+                      <a:pt x="288000" y="14581"/>
+                      <a:pt x="288000" y="32567"/>
+                    </a:cubicBezTo>
+                    <a:lnTo>
+                      <a:pt x="288000" y="126001"/>
+                    </a:lnTo>
+                    <a:lnTo>
+                      <a:pt x="284896" y="128562"/>
+                    </a:lnTo>
+                    <a:cubicBezTo>
+                      <a:pt x="244676" y="155734"/>
+                      <a:pt x="196191" y="171600"/>
+                      <a:pt x="144000" y="171600"/>
+                    </a:cubicBezTo>
+                    <a:cubicBezTo>
+                      <a:pt x="91809" y="171600"/>
+                      <a:pt x="43324" y="155734"/>
+                      <a:pt x="3104" y="128562"/>
+                    </a:cubicBezTo>
+                    <a:lnTo>
+                      <a:pt x="0" y="126001"/>
+                    </a:lnTo>
+                    <a:lnTo>
+                      <a:pt x="0" y="32567"/>
+                    </a:lnTo>
+                    <a:cubicBezTo>
+                      <a:pt x="0" y="14581"/>
+                      <a:pt x="14581" y="0"/>
+                      <a:pt x="32567" y="0"/>
+                    </a:cubicBezTo>
+                    <a:close/>
+                  </a:path>
+                </a:pathLst>
+              </a:custGeom>
+              <a:noFill/>
+              <a:ln w="38100">
+                <a:solidFill>
+                  <a:srgbClr val="808080"/>
+                </a:solidFill>
+              </a:ln>
+            </p:spPr>
+            <p:style>
+              <a:lnRef idx="2">
+                <a:schemeClr val="accent1">
+                  <a:shade val="15000"/>
+                </a:schemeClr>
+              </a:lnRef>
+              <a:fillRef idx="1">
+                <a:schemeClr val="accent1"/>
+              </a:fillRef>
+              <a:effectRef idx="0">
+                <a:schemeClr val="accent1"/>
+              </a:effectRef>
+              <a:fontRef idx="minor">
+                <a:schemeClr val="lt1"/>
+              </a:fontRef>
+            </p:style>
+            <p:txBody>
+              <a:bodyPr wrap="square" rtlCol="0" anchor="ctr">
+                <a:noAutofit/>
+              </a:bodyPr>
+              <a:lstStyle/>
+              <a:p>
+                <a:pPr algn="ctr"/>
+                <a:endParaRPr lang="zh-TW" altLang="en-US"/>
+              </a:p>
+            </p:txBody>
+          </p:sp>
+        </p:grpSp>
+      </p:grpSp>
+      <p:grpSp>
+        <p:nvGrpSpPr>
+          <p:cNvPr id="51" name="群組 50">
+            <a:extLst>
+              <a:ext uri="{FF2B5EF4-FFF2-40B4-BE49-F238E27FC236}">
+                <a16:creationId xmlns:a16="http://schemas.microsoft.com/office/drawing/2014/main" id="{6031AD10-F927-B287-23BD-5F065D6698F8}"/>
+              </a:ext>
+            </a:extLst>
+          </p:cNvPr>
+          <p:cNvGrpSpPr/>
+          <p:nvPr/>
+        </p:nvGrpSpPr>
+        <p:grpSpPr>
+          <a:xfrm>
+            <a:off x="6218361" y="106977"/>
+            <a:ext cx="403218" cy="504000"/>
+            <a:chOff x="6491936" y="541156"/>
+            <a:chExt cx="403218" cy="504000"/>
+          </a:xfrm>
+        </p:grpSpPr>
+        <p:sp>
+          <p:nvSpPr>
+            <p:cNvPr id="20" name="拱形 19">
+              <a:extLst>
+                <a:ext uri="{FF2B5EF4-FFF2-40B4-BE49-F238E27FC236}">
+                  <a16:creationId xmlns:a16="http://schemas.microsoft.com/office/drawing/2014/main" id="{7038CB42-4AAA-FC81-7E7A-380F138ECCA7}"/>
+                </a:ext>
+              </a:extLst>
+            </p:cNvPr>
+            <p:cNvSpPr/>
+            <p:nvPr/>
+          </p:nvSpPr>
+          <p:spPr>
+            <a:xfrm flipV="1">
+              <a:off x="6641405" y="940876"/>
+              <a:ext cx="104281" cy="104280"/>
+            </a:xfrm>
+            <a:prstGeom prst="blockArc">
+              <a:avLst/>
+            </a:prstGeom>
+            <a:solidFill>
+              <a:srgbClr val="808080"/>
+            </a:solidFill>
+            <a:ln>
+              <a:solidFill>
+                <a:srgbClr val="808080"/>
+              </a:solidFill>
+            </a:ln>
+          </p:spPr>
+          <p:style>
+            <a:lnRef idx="2">
+              <a:schemeClr val="accent1">
+                <a:shade val="15000"/>
+              </a:schemeClr>
+            </a:lnRef>
+            <a:fillRef idx="1">
+              <a:schemeClr val="accent1"/>
+            </a:fillRef>
+            <a:effectRef idx="0">
+              <a:schemeClr val="accent1"/>
+            </a:effectRef>
+            <a:fontRef idx="minor">
+              <a:schemeClr val="lt1"/>
+            </a:fontRef>
+          </p:style>
+          <p:txBody>
+            <a:bodyPr rtlCol="0" anchor="ctr"/>
+            <a:lstStyle/>
+            <a:p>
+              <a:pPr algn="ctr"/>
+              <a:endParaRPr lang="zh-TW" altLang="en-US">
+                <a:solidFill>
+                  <a:schemeClr val="tx1"/>
+                </a:solidFill>
+              </a:endParaRPr>
+            </a:p>
+          </p:txBody>
+        </p:sp>
+        <p:sp>
+          <p:nvSpPr>
+            <p:cNvPr id="21" name="手繪多邊形: 圖案 20">
+              <a:extLst>
+                <a:ext uri="{FF2B5EF4-FFF2-40B4-BE49-F238E27FC236}">
+                  <a16:creationId xmlns:a16="http://schemas.microsoft.com/office/drawing/2014/main" id="{3B277B60-0179-7F4B-11A5-2D232435ADBF}"/>
+                </a:ext>
+              </a:extLst>
+            </p:cNvPr>
+            <p:cNvSpPr>
+              <a:spLocks noChangeAspect="1"/>
+            </p:cNvSpPr>
+            <p:nvPr/>
+          </p:nvSpPr>
+          <p:spPr>
+            <a:xfrm>
+              <a:off x="6491936" y="541156"/>
+              <a:ext cx="403218" cy="399719"/>
+            </a:xfrm>
+            <a:custGeom>
+              <a:avLst/>
+              <a:gdLst>
+                <a:gd name="connsiteX0" fmla="*/ 208775 w 417600"/>
+                <a:gd name="connsiteY0" fmla="*/ 0 h 413976"/>
+                <a:gd name="connsiteX1" fmla="*/ 262750 w 417600"/>
+                <a:gd name="connsiteY1" fmla="*/ 53975 h 413976"/>
+                <a:gd name="connsiteX2" fmla="*/ 260768 w 417600"/>
+                <a:gd name="connsiteY2" fmla="*/ 63794 h 413976"/>
+                <a:gd name="connsiteX3" fmla="*/ 302137 w 417600"/>
+                <a:gd name="connsiteY3" fmla="*/ 80035 h 413976"/>
+                <a:gd name="connsiteX4" fmla="*/ 388800 w 417600"/>
+                <a:gd name="connsiteY4" fmla="*/ 233976 h 413976"/>
+                <a:gd name="connsiteX5" fmla="*/ 388800 w 417600"/>
+                <a:gd name="connsiteY5" fmla="*/ 364320 h 413976"/>
+                <a:gd name="connsiteX6" fmla="*/ 417600 w 417600"/>
+                <a:gd name="connsiteY6" fmla="*/ 413975 h 413976"/>
+                <a:gd name="connsiteX7" fmla="*/ 388800 w 417600"/>
+                <a:gd name="connsiteY7" fmla="*/ 413975 h 413976"/>
+                <a:gd name="connsiteX8" fmla="*/ 388800 w 417600"/>
+                <a:gd name="connsiteY8" fmla="*/ 413976 h 413976"/>
+                <a:gd name="connsiteX9" fmla="*/ 28800 w 417600"/>
+                <a:gd name="connsiteY9" fmla="*/ 413976 h 413976"/>
+                <a:gd name="connsiteX10" fmla="*/ 28800 w 417600"/>
+                <a:gd name="connsiteY10" fmla="*/ 413975 h 413976"/>
+                <a:gd name="connsiteX11" fmla="*/ 0 w 417600"/>
+                <a:gd name="connsiteY11" fmla="*/ 413975 h 413976"/>
+                <a:gd name="connsiteX12" fmla="*/ 28800 w 417600"/>
+                <a:gd name="connsiteY12" fmla="*/ 364320 h 413976"/>
+                <a:gd name="connsiteX13" fmla="*/ 28800 w 417600"/>
+                <a:gd name="connsiteY13" fmla="*/ 233976 h 413976"/>
+                <a:gd name="connsiteX14" fmla="*/ 115464 w 417600"/>
+                <a:gd name="connsiteY14" fmla="*/ 80035 h 413976"/>
+                <a:gd name="connsiteX15" fmla="*/ 156786 w 417600"/>
+                <a:gd name="connsiteY15" fmla="*/ 63812 h 413976"/>
+                <a:gd name="connsiteX16" fmla="*/ 154800 w 417600"/>
+                <a:gd name="connsiteY16" fmla="*/ 53975 h 413976"/>
+                <a:gd name="connsiteX17" fmla="*/ 208775 w 417600"/>
+                <a:gd name="connsiteY17" fmla="*/ 0 h 413976"/>
+              </a:gdLst>
+              <a:ahLst/>
+              <a:cxnLst>
+                <a:cxn ang="0">
+                  <a:pos x="connsiteX0" y="connsiteY0"/>
+                </a:cxn>
+                <a:cxn ang="0">
+                  <a:pos x="connsiteX1" y="connsiteY1"/>
+                </a:cxn>
+                <a:cxn ang="0">
+                  <a:pos x="connsiteX2" y="connsiteY2"/>
+                </a:cxn>
+                <a:cxn ang="0">
+                  <a:pos x="connsiteX3" y="connsiteY3"/>
+                </a:cxn>
+                <a:cxn ang="0">
+                  <a:pos x="connsiteX4" y="connsiteY4"/>
+                </a:cxn>
+                <a:cxn ang="0">
+                  <a:pos x="connsiteX5" y="connsiteY5"/>
+                </a:cxn>
+                <a:cxn ang="0">
+                  <a:pos x="connsiteX6" y="connsiteY6"/>
+                </a:cxn>
+                <a:cxn ang="0">
+                  <a:pos x="connsiteX7" y="connsiteY7"/>
+                </a:cxn>
+                <a:cxn ang="0">
+                  <a:pos x="connsiteX8" y="connsiteY8"/>
+                </a:cxn>
+                <a:cxn ang="0">
+                  <a:pos x="connsiteX9" y="connsiteY9"/>
+                </a:cxn>
+                <a:cxn ang="0">
+                  <a:pos x="connsiteX10" y="connsiteY10"/>
+                </a:cxn>
+                <a:cxn ang="0">
+                  <a:pos x="connsiteX11" y="connsiteY11"/>
+                </a:cxn>
+                <a:cxn ang="0">
+                  <a:pos x="connsiteX12" y="connsiteY12"/>
+                </a:cxn>
+                <a:cxn ang="0">
+                  <a:pos x="connsiteX13" y="connsiteY13"/>
+                </a:cxn>
+                <a:cxn ang="0">
+                  <a:pos x="connsiteX14" y="connsiteY14"/>
+                </a:cxn>
+                <a:cxn ang="0">
+                  <a:pos x="connsiteX15" y="connsiteY15"/>
+                </a:cxn>
+                <a:cxn ang="0">
+                  <a:pos x="connsiteX16" y="connsiteY16"/>
+                </a:cxn>
+                <a:cxn ang="0">
+                  <a:pos x="connsiteX17" y="connsiteY17"/>
+                </a:cxn>
+              </a:cxnLst>
+              <a:rect l="l" t="t" r="r" b="b"/>
+              <a:pathLst>
+                <a:path w="417600" h="413976">
+                  <a:moveTo>
+                    <a:pt x="208775" y="0"/>
+                  </a:moveTo>
+                  <a:cubicBezTo>
+                    <a:pt x="238585" y="0"/>
+                    <a:pt x="262750" y="24165"/>
+                    <a:pt x="262750" y="53975"/>
+                  </a:cubicBezTo>
+                  <a:lnTo>
+                    <a:pt x="260768" y="63794"/>
+                  </a:lnTo>
+                  <a:lnTo>
+                    <a:pt x="302137" y="80035"/>
+                  </a:lnTo>
+                  <a:cubicBezTo>
+                    <a:pt x="354093" y="111605"/>
+                    <a:pt x="388800" y="168738"/>
+                    <a:pt x="388800" y="233976"/>
+                  </a:cubicBezTo>
+                  <a:lnTo>
+                    <a:pt x="388800" y="364320"/>
+                  </a:lnTo>
+                  <a:lnTo>
+                    <a:pt x="417600" y="413975"/>
+                  </a:lnTo>
+                  <a:lnTo>
+                    <a:pt x="388800" y="413975"/>
+                  </a:lnTo>
+                  <a:lnTo>
+                    <a:pt x="388800" y="413976"/>
+                  </a:lnTo>
+                  <a:lnTo>
+                    <a:pt x="28800" y="413976"/>
+                  </a:lnTo>
+                  <a:lnTo>
+                    <a:pt x="28800" y="413975"/>
+                  </a:lnTo>
+                  <a:lnTo>
+                    <a:pt x="0" y="413975"/>
+                  </a:lnTo>
+                  <a:lnTo>
+                    <a:pt x="28800" y="364320"/>
+                  </a:lnTo>
+                  <a:lnTo>
+                    <a:pt x="28800" y="233976"/>
+                  </a:lnTo>
+                  <a:cubicBezTo>
+                    <a:pt x="28800" y="168738"/>
+                    <a:pt x="63507" y="111605"/>
+                    <a:pt x="115464" y="80035"/>
+                  </a:cubicBezTo>
+                  <a:lnTo>
+                    <a:pt x="156786" y="63812"/>
+                  </a:lnTo>
+                  <a:lnTo>
+                    <a:pt x="154800" y="53975"/>
+                  </a:lnTo>
+                  <a:cubicBezTo>
+                    <a:pt x="154800" y="24165"/>
+                    <a:pt x="178965" y="0"/>
+                    <a:pt x="208775" y="0"/>
+                  </a:cubicBezTo>
+                  <a:close/>
+                </a:path>
+              </a:pathLst>
+            </a:custGeom>
+            <a:noFill/>
+            <a:ln w="38100">
+              <a:solidFill>
+                <a:srgbClr val="808080"/>
+              </a:solidFill>
+            </a:ln>
+          </p:spPr>
+          <p:style>
+            <a:lnRef idx="2">
+              <a:schemeClr val="accent1">
+                <a:shade val="15000"/>
+              </a:schemeClr>
+            </a:lnRef>
+            <a:fillRef idx="1">
+              <a:schemeClr val="accent1"/>
+            </a:fillRef>
+            <a:effectRef idx="0">
+              <a:schemeClr val="accent1"/>
+            </a:effectRef>
+            <a:fontRef idx="minor">
+              <a:schemeClr val="lt1"/>
+            </a:fontRef>
+          </p:style>
+          <p:txBody>
+            <a:bodyPr wrap="square" rtlCol="0" anchor="ctr">
+              <a:noAutofit/>
+            </a:bodyPr>
+            <a:lstStyle/>
+            <a:p>
+              <a:pPr algn="ctr"/>
+              <a:endParaRPr lang="zh-TW" altLang="en-US"/>
+            </a:p>
+          </p:txBody>
+        </p:sp>
+        <p:cxnSp>
+          <p:nvCxnSpPr>
+            <p:cNvPr id="31" name="直線接點 30">
+              <a:extLst>
+                <a:ext uri="{FF2B5EF4-FFF2-40B4-BE49-F238E27FC236}">
+                  <a16:creationId xmlns:a16="http://schemas.microsoft.com/office/drawing/2014/main" id="{EF9815C8-90DE-A6C0-5BE2-397A0A6D4ACA}"/>
+                </a:ext>
+              </a:extLst>
+            </p:cNvPr>
+            <p:cNvCxnSpPr/>
+            <p:nvPr/>
+          </p:nvCxnSpPr>
+          <p:spPr>
+            <a:xfrm>
+              <a:off x="6508547" y="541156"/>
+              <a:ext cx="360000" cy="504000"/>
+            </a:xfrm>
+            <a:prstGeom prst="line">
+              <a:avLst/>
+            </a:prstGeom>
+            <a:ln w="38100">
+              <a:solidFill>
+                <a:srgbClr val="808080"/>
+              </a:solidFill>
+            </a:ln>
+          </p:spPr>
+          <p:style>
+            <a:lnRef idx="1">
+              <a:schemeClr val="accent1"/>
+            </a:lnRef>
+            <a:fillRef idx="0">
+              <a:schemeClr val="accent1"/>
+            </a:fillRef>
+            <a:effectRef idx="0">
+              <a:schemeClr val="accent1"/>
+            </a:effectRef>
+            <a:fontRef idx="minor">
+              <a:schemeClr val="tx1"/>
+            </a:fontRef>
+          </p:style>
+        </p:cxnSp>
+      </p:grpSp>
+      <p:sp>
+        <p:nvSpPr>
+          <p:cNvPr id="44" name="手繪多邊形: 圖案 43">
+            <a:extLst>
+              <a:ext uri="{FF2B5EF4-FFF2-40B4-BE49-F238E27FC236}">
+                <a16:creationId xmlns:a16="http://schemas.microsoft.com/office/drawing/2014/main" id="{FDA23C12-863F-1084-5B86-0A1261B2BE73}"/>
+              </a:ext>
+            </a:extLst>
+          </p:cNvPr>
+          <p:cNvSpPr/>
+          <p:nvPr/>
+        </p:nvSpPr>
+        <p:spPr>
+          <a:xfrm>
+            <a:off x="4603476" y="31469"/>
+            <a:ext cx="504000" cy="504000"/>
+          </a:xfrm>
+          <a:custGeom>
+            <a:avLst/>
+            <a:gdLst>
+              <a:gd name="connsiteX0" fmla="*/ 252000 w 504000"/>
+              <a:gd name="connsiteY0" fmla="*/ 0 h 504000"/>
+              <a:gd name="connsiteX1" fmla="*/ 504000 w 504000"/>
+              <a:gd name="connsiteY1" fmla="*/ 324000 h 504000"/>
+              <a:gd name="connsiteX2" fmla="*/ 378000 w 504000"/>
+              <a:gd name="connsiteY2" fmla="*/ 324000 h 504000"/>
+              <a:gd name="connsiteX3" fmla="*/ 378000 w 504000"/>
+              <a:gd name="connsiteY3" fmla="*/ 504000 h 504000"/>
+              <a:gd name="connsiteX4" fmla="*/ 126000 w 504000"/>
+              <a:gd name="connsiteY4" fmla="*/ 504000 h 504000"/>
+              <a:gd name="connsiteX5" fmla="*/ 126000 w 504000"/>
+              <a:gd name="connsiteY5" fmla="*/ 324000 h 504000"/>
+              <a:gd name="connsiteX6" fmla="*/ 0 w 504000"/>
+              <a:gd name="connsiteY6" fmla="*/ 324000 h 504000"/>
+            </a:gdLst>
+            <a:ahLst/>
+            <a:cxnLst>
+              <a:cxn ang="0">
+                <a:pos x="connsiteX0" y="connsiteY0"/>
+              </a:cxn>
+              <a:cxn ang="0">
+                <a:pos x="connsiteX1" y="connsiteY1"/>
+              </a:cxn>
+              <a:cxn ang="0">
+                <a:pos x="connsiteX2" y="connsiteY2"/>
+              </a:cxn>
+              <a:cxn ang="0">
+                <a:pos x="connsiteX3" y="connsiteY3"/>
+              </a:cxn>
+              <a:cxn ang="0">
+                <a:pos x="connsiteX4" y="connsiteY4"/>
+              </a:cxn>
+              <a:cxn ang="0">
+                <a:pos x="connsiteX5" y="connsiteY5"/>
+              </a:cxn>
+              <a:cxn ang="0">
+                <a:pos x="connsiteX6" y="connsiteY6"/>
+              </a:cxn>
+            </a:cxnLst>
+            <a:rect l="l" t="t" r="r" b="b"/>
+            <a:pathLst>
+              <a:path w="504000" h="504000">
+                <a:moveTo>
+                  <a:pt x="252000" y="0"/>
+                </a:moveTo>
+                <a:lnTo>
+                  <a:pt x="504000" y="324000"/>
+                </a:lnTo>
+                <a:lnTo>
+                  <a:pt x="378000" y="324000"/>
+                </a:lnTo>
+                <a:lnTo>
+                  <a:pt x="378000" y="504000"/>
+                </a:lnTo>
+                <a:lnTo>
+                  <a:pt x="126000" y="504000"/>
+                </a:lnTo>
+                <a:lnTo>
+                  <a:pt x="126000" y="324000"/>
+                </a:lnTo>
+                <a:lnTo>
+                  <a:pt x="0" y="324000"/>
+                </a:lnTo>
+                <a:close/>
+              </a:path>
+            </a:pathLst>
+          </a:custGeom>
+          <a:solidFill>
+            <a:srgbClr val="808080"/>
+          </a:solidFill>
+          <a:ln w="38100">
+            <a:solidFill>
+              <a:srgbClr val="808080"/>
+            </a:solidFill>
+          </a:ln>
+        </p:spPr>
+        <p:style>
+          <a:lnRef idx="2">
+            <a:schemeClr val="accent1">
+              <a:shade val="15000"/>
+            </a:schemeClr>
+          </a:lnRef>
+          <a:fillRef idx="1">
+            <a:schemeClr val="accent1"/>
+          </a:fillRef>
+          <a:effectRef idx="0">
+            <a:schemeClr val="accent1"/>
+          </a:effectRef>
+          <a:fontRef idx="minor">
+            <a:schemeClr val="lt1"/>
+          </a:fontRef>
+        </p:style>
+        <p:txBody>
+          <a:bodyPr wrap="square" rtlCol="0" anchor="ctr">
+            <a:noAutofit/>
+          </a:bodyPr>
+          <a:lstStyle/>
+          <a:p>
+            <a:pPr algn="ctr"/>
+            <a:endParaRPr lang="zh-TW" altLang="en-US"/>
+          </a:p>
+        </p:txBody>
+      </p:sp>
+      <p:sp>
+        <p:nvSpPr>
+          <p:cNvPr id="45" name="手繪多邊形: 圖案 44">
+            <a:extLst>
+              <a:ext uri="{FF2B5EF4-FFF2-40B4-BE49-F238E27FC236}">
+                <a16:creationId xmlns:a16="http://schemas.microsoft.com/office/drawing/2014/main" id="{C2EE9EDA-A2D2-4737-4A34-6136C3AB26C2}"/>
+              </a:ext>
+            </a:extLst>
+          </p:cNvPr>
+          <p:cNvSpPr/>
+          <p:nvPr/>
+        </p:nvSpPr>
+        <p:spPr>
+          <a:xfrm>
+            <a:off x="4600204" y="714638"/>
+            <a:ext cx="504000" cy="504000"/>
+          </a:xfrm>
+          <a:custGeom>
+            <a:avLst/>
+            <a:gdLst>
+              <a:gd name="connsiteX0" fmla="*/ 252000 w 504000"/>
+              <a:gd name="connsiteY0" fmla="*/ 0 h 504000"/>
+              <a:gd name="connsiteX1" fmla="*/ 504000 w 504000"/>
+              <a:gd name="connsiteY1" fmla="*/ 324000 h 504000"/>
+              <a:gd name="connsiteX2" fmla="*/ 378000 w 504000"/>
+              <a:gd name="connsiteY2" fmla="*/ 324000 h 504000"/>
+              <a:gd name="connsiteX3" fmla="*/ 378000 w 504000"/>
+              <a:gd name="connsiteY3" fmla="*/ 504000 h 504000"/>
+              <a:gd name="connsiteX4" fmla="*/ 126000 w 504000"/>
+              <a:gd name="connsiteY4" fmla="*/ 504000 h 504000"/>
+              <a:gd name="connsiteX5" fmla="*/ 126000 w 504000"/>
+              <a:gd name="connsiteY5" fmla="*/ 324000 h 504000"/>
+              <a:gd name="connsiteX6" fmla="*/ 0 w 504000"/>
+              <a:gd name="connsiteY6" fmla="*/ 324000 h 504000"/>
+            </a:gdLst>
+            <a:ahLst/>
+            <a:cxnLst>
+              <a:cxn ang="0">
+                <a:pos x="connsiteX0" y="connsiteY0"/>
+              </a:cxn>
+              <a:cxn ang="0">
+                <a:pos x="connsiteX1" y="connsiteY1"/>
+              </a:cxn>
+              <a:cxn ang="0">
+                <a:pos x="connsiteX2" y="connsiteY2"/>
+              </a:cxn>
+              <a:cxn ang="0">
+                <a:pos x="connsiteX3" y="connsiteY3"/>
+              </a:cxn>
+              <a:cxn ang="0">
+                <a:pos x="connsiteX4" y="connsiteY4"/>
+              </a:cxn>
+              <a:cxn ang="0">
+                <a:pos x="connsiteX5" y="connsiteY5"/>
+              </a:cxn>
+              <a:cxn ang="0">
+                <a:pos x="connsiteX6" y="connsiteY6"/>
+              </a:cxn>
+            </a:cxnLst>
+            <a:rect l="l" t="t" r="r" b="b"/>
+            <a:pathLst>
+              <a:path w="504000" h="504000">
+                <a:moveTo>
+                  <a:pt x="252000" y="0"/>
+                </a:moveTo>
+                <a:lnTo>
+                  <a:pt x="504000" y="324000"/>
+                </a:lnTo>
+                <a:lnTo>
+                  <a:pt x="378000" y="324000"/>
+                </a:lnTo>
+                <a:lnTo>
+                  <a:pt x="378000" y="504000"/>
+                </a:lnTo>
+                <a:lnTo>
+                  <a:pt x="126000" y="504000"/>
+                </a:lnTo>
+                <a:lnTo>
+                  <a:pt x="126000" y="324000"/>
+                </a:lnTo>
+                <a:lnTo>
+                  <a:pt x="0" y="324000"/>
+                </a:lnTo>
+                <a:close/>
+              </a:path>
+            </a:pathLst>
+          </a:custGeom>
+          <a:solidFill>
+            <a:srgbClr val="009DBF"/>
+          </a:solidFill>
+          <a:ln w="38100">
+            <a:solidFill>
+              <a:srgbClr val="009DBF"/>
+            </a:solidFill>
+          </a:ln>
+        </p:spPr>
+        <p:style>
+          <a:lnRef idx="2">
+            <a:schemeClr val="accent1">
+              <a:shade val="15000"/>
+            </a:schemeClr>
+          </a:lnRef>
+          <a:fillRef idx="1">
+            <a:schemeClr val="accent1"/>
+          </a:fillRef>
+          <a:effectRef idx="0">
+            <a:schemeClr val="accent1"/>
+          </a:effectRef>
+          <a:fontRef idx="minor">
+            <a:schemeClr val="lt1"/>
+          </a:fontRef>
+        </p:style>
+        <p:txBody>
+          <a:bodyPr wrap="square" rtlCol="0" anchor="ctr">
+            <a:noAutofit/>
+          </a:bodyPr>
+          <a:lstStyle/>
+          <a:p>
+            <a:pPr algn="ctr"/>
+            <a:endParaRPr lang="zh-TW" altLang="en-US"/>
+          </a:p>
+        </p:txBody>
+      </p:sp>
+      <p:sp>
+        <p:nvSpPr>
+          <p:cNvPr id="56" name="手繪多邊形: 圖案 55">
+            <a:extLst>
+              <a:ext uri="{FF2B5EF4-FFF2-40B4-BE49-F238E27FC236}">
+                <a16:creationId xmlns:a16="http://schemas.microsoft.com/office/drawing/2014/main" id="{62E58B36-15A7-118E-BD99-63CB77BC013C}"/>
+              </a:ext>
+            </a:extLst>
+          </p:cNvPr>
+          <p:cNvSpPr/>
+          <p:nvPr/>
+        </p:nvSpPr>
+        <p:spPr>
+          <a:xfrm rot="2700000">
+            <a:off x="6969861" y="146021"/>
+            <a:ext cx="503756" cy="504000"/>
+          </a:xfrm>
+          <a:custGeom>
+            <a:avLst/>
+            <a:gdLst>
+              <a:gd name="connsiteX0" fmla="*/ 0 w 503756"/>
+              <a:gd name="connsiteY0" fmla="*/ 245 h 504245"/>
+              <a:gd name="connsiteX1" fmla="*/ 143755 w 503756"/>
+              <a:gd name="connsiteY1" fmla="*/ 245 h 504245"/>
+              <a:gd name="connsiteX2" fmla="*/ 143755 w 503756"/>
+              <a:gd name="connsiteY2" fmla="*/ 1 h 504245"/>
+              <a:gd name="connsiteX3" fmla="*/ 503756 w 503756"/>
+              <a:gd name="connsiteY3" fmla="*/ 0 h 504245"/>
+              <a:gd name="connsiteX4" fmla="*/ 503756 w 503756"/>
+              <a:gd name="connsiteY4" fmla="*/ 144000 h 504245"/>
+              <a:gd name="connsiteX5" fmla="*/ 144000 w 503756"/>
+              <a:gd name="connsiteY5" fmla="*/ 144000 h 504245"/>
+              <a:gd name="connsiteX6" fmla="*/ 144000 w 503756"/>
+              <a:gd name="connsiteY6" fmla="*/ 144245 h 504245"/>
+              <a:gd name="connsiteX7" fmla="*/ 144001 w 503756"/>
+              <a:gd name="connsiteY7" fmla="*/ 144244 h 504245"/>
+              <a:gd name="connsiteX8" fmla="*/ 144000 w 503756"/>
+              <a:gd name="connsiteY8" fmla="*/ 504245 h 504245"/>
+              <a:gd name="connsiteX9" fmla="*/ 1 w 503756"/>
+              <a:gd name="connsiteY9" fmla="*/ 504244 h 504245"/>
+              <a:gd name="connsiteX10" fmla="*/ 1 w 503756"/>
+              <a:gd name="connsiteY10" fmla="*/ 144245 h 504245"/>
+              <a:gd name="connsiteX11" fmla="*/ 0 w 503756"/>
+              <a:gd name="connsiteY11" fmla="*/ 144245 h 504245"/>
+            </a:gdLst>
+            <a:ahLst/>
+            <a:cxnLst>
+              <a:cxn ang="0">
+                <a:pos x="connsiteX0" y="connsiteY0"/>
+              </a:cxn>
+              <a:cxn ang="0">
+                <a:pos x="connsiteX1" y="connsiteY1"/>
+              </a:cxn>
+              <a:cxn ang="0">
+                <a:pos x="connsiteX2" y="connsiteY2"/>
+              </a:cxn>
+              <a:cxn ang="0">
+                <a:pos x="connsiteX3" y="connsiteY3"/>
+              </a:cxn>
+              <a:cxn ang="0">
+                <a:pos x="connsiteX4" y="connsiteY4"/>
+              </a:cxn>
+              <a:cxn ang="0">
+                <a:pos x="connsiteX5" y="connsiteY5"/>
+              </a:cxn>
+              <a:cxn ang="0">
+                <a:pos x="connsiteX6" y="connsiteY6"/>
+              </a:cxn>
+              <a:cxn ang="0">
+                <a:pos x="connsiteX7" y="connsiteY7"/>
+              </a:cxn>
+              <a:cxn ang="0">
+                <a:pos x="connsiteX8" y="connsiteY8"/>
+              </a:cxn>
+              <a:cxn ang="0">
+                <a:pos x="connsiteX9" y="connsiteY9"/>
+              </a:cxn>
+              <a:cxn ang="0">
+                <a:pos x="connsiteX10" y="connsiteY10"/>
+              </a:cxn>
+              <a:cxn ang="0">
+                <a:pos x="connsiteX11" y="connsiteY11"/>
+              </a:cxn>
+            </a:cxnLst>
+            <a:rect l="l" t="t" r="r" b="b"/>
+            <a:pathLst>
+              <a:path w="503756" h="504245">
+                <a:moveTo>
+                  <a:pt x="0" y="245"/>
+                </a:moveTo>
+                <a:lnTo>
+                  <a:pt x="143755" y="245"/>
+                </a:lnTo>
+                <a:lnTo>
+                  <a:pt x="143755" y="1"/>
+                </a:lnTo>
+                <a:lnTo>
+                  <a:pt x="503756" y="0"/>
+                </a:lnTo>
+                <a:lnTo>
+                  <a:pt x="503756" y="144000"/>
+                </a:lnTo>
+                <a:lnTo>
+                  <a:pt x="144000" y="144000"/>
+                </a:lnTo>
+                <a:lnTo>
+                  <a:pt x="144000" y="144245"/>
+                </a:lnTo>
+                <a:lnTo>
+                  <a:pt x="144001" y="144244"/>
+                </a:lnTo>
+                <a:lnTo>
+                  <a:pt x="144000" y="504245"/>
+                </a:lnTo>
+                <a:lnTo>
+                  <a:pt x="1" y="504244"/>
+                </a:lnTo>
+                <a:lnTo>
+                  <a:pt x="1" y="144245"/>
+                </a:lnTo>
+                <a:lnTo>
+                  <a:pt x="0" y="144245"/>
+                </a:lnTo>
+                <a:close/>
+              </a:path>
+            </a:pathLst>
+          </a:custGeom>
+          <a:solidFill>
+            <a:srgbClr val="808080"/>
+          </a:solidFill>
+          <a:ln>
+            <a:noFill/>
+          </a:ln>
+        </p:spPr>
+        <p:style>
+          <a:lnRef idx="2">
+            <a:schemeClr val="accent1">
+              <a:shade val="15000"/>
+            </a:schemeClr>
+          </a:lnRef>
+          <a:fillRef idx="1">
+            <a:schemeClr val="accent1"/>
+          </a:fillRef>
+          <a:effectRef idx="0">
+            <a:schemeClr val="accent1"/>
+          </a:effectRef>
+          <a:fontRef idx="minor">
+            <a:schemeClr val="lt1"/>
+          </a:fontRef>
+        </p:style>
+        <p:txBody>
+          <a:bodyPr wrap="square" rtlCol="0" anchor="ctr">
+            <a:noAutofit/>
+          </a:bodyPr>
+          <a:lstStyle/>
+          <a:p>
+            <a:pPr algn="ctr"/>
+            <a:endParaRPr lang="zh-TW" altLang="en-US"/>
+          </a:p>
+        </p:txBody>
+      </p:sp>
+      <p:sp>
+        <p:nvSpPr>
+          <p:cNvPr id="57" name="手繪多邊形: 圖案 56">
+            <a:extLst>
+              <a:ext uri="{FF2B5EF4-FFF2-40B4-BE49-F238E27FC236}">
+                <a16:creationId xmlns:a16="http://schemas.microsoft.com/office/drawing/2014/main" id="{969C1093-B719-7034-BED7-82F4429E643B}"/>
+              </a:ext>
+            </a:extLst>
+          </p:cNvPr>
+          <p:cNvSpPr/>
+          <p:nvPr/>
+        </p:nvSpPr>
+        <p:spPr>
+          <a:xfrm rot="2700000">
+            <a:off x="6978542" y="663132"/>
+            <a:ext cx="503756" cy="504000"/>
+          </a:xfrm>
+          <a:custGeom>
+            <a:avLst/>
+            <a:gdLst>
+              <a:gd name="connsiteX0" fmla="*/ 0 w 503756"/>
+              <a:gd name="connsiteY0" fmla="*/ 245 h 504245"/>
+              <a:gd name="connsiteX1" fmla="*/ 143755 w 503756"/>
+              <a:gd name="connsiteY1" fmla="*/ 245 h 504245"/>
+              <a:gd name="connsiteX2" fmla="*/ 143755 w 503756"/>
+              <a:gd name="connsiteY2" fmla="*/ 1 h 504245"/>
+              <a:gd name="connsiteX3" fmla="*/ 503756 w 503756"/>
+              <a:gd name="connsiteY3" fmla="*/ 0 h 504245"/>
+              <a:gd name="connsiteX4" fmla="*/ 503756 w 503756"/>
+              <a:gd name="connsiteY4" fmla="*/ 144000 h 504245"/>
+              <a:gd name="connsiteX5" fmla="*/ 144000 w 503756"/>
+              <a:gd name="connsiteY5" fmla="*/ 144000 h 504245"/>
+              <a:gd name="connsiteX6" fmla="*/ 144000 w 503756"/>
+              <a:gd name="connsiteY6" fmla="*/ 144245 h 504245"/>
+              <a:gd name="connsiteX7" fmla="*/ 144001 w 503756"/>
+              <a:gd name="connsiteY7" fmla="*/ 144244 h 504245"/>
+              <a:gd name="connsiteX8" fmla="*/ 144000 w 503756"/>
+              <a:gd name="connsiteY8" fmla="*/ 504245 h 504245"/>
+              <a:gd name="connsiteX9" fmla="*/ 1 w 503756"/>
+              <a:gd name="connsiteY9" fmla="*/ 504244 h 504245"/>
+              <a:gd name="connsiteX10" fmla="*/ 1 w 503756"/>
+              <a:gd name="connsiteY10" fmla="*/ 144245 h 504245"/>
+              <a:gd name="connsiteX11" fmla="*/ 0 w 503756"/>
+              <a:gd name="connsiteY11" fmla="*/ 144245 h 504245"/>
+            </a:gdLst>
+            <a:ahLst/>
+            <a:cxnLst>
+              <a:cxn ang="0">
+                <a:pos x="connsiteX0" y="connsiteY0"/>
+              </a:cxn>
+              <a:cxn ang="0">
+                <a:pos x="connsiteX1" y="connsiteY1"/>
+              </a:cxn>
+              <a:cxn ang="0">
+                <a:pos x="connsiteX2" y="connsiteY2"/>
+              </a:cxn>
+              <a:cxn ang="0">
+                <a:pos x="connsiteX3" y="connsiteY3"/>
+              </a:cxn>
+              <a:cxn ang="0">
+                <a:pos x="connsiteX4" y="connsiteY4"/>
+              </a:cxn>
+              <a:cxn ang="0">
+                <a:pos x="connsiteX5" y="connsiteY5"/>
+              </a:cxn>
+              <a:cxn ang="0">
+                <a:pos x="connsiteX6" y="connsiteY6"/>
+              </a:cxn>
+              <a:cxn ang="0">
+                <a:pos x="connsiteX7" y="connsiteY7"/>
+              </a:cxn>
+              <a:cxn ang="0">
+                <a:pos x="connsiteX8" y="connsiteY8"/>
+              </a:cxn>
+              <a:cxn ang="0">
+                <a:pos x="connsiteX9" y="connsiteY9"/>
+              </a:cxn>
+              <a:cxn ang="0">
+                <a:pos x="connsiteX10" y="connsiteY10"/>
+              </a:cxn>
+              <a:cxn ang="0">
+                <a:pos x="connsiteX11" y="connsiteY11"/>
+              </a:cxn>
+            </a:cxnLst>
+            <a:rect l="l" t="t" r="r" b="b"/>
+            <a:pathLst>
+              <a:path w="503756" h="504245">
+                <a:moveTo>
+                  <a:pt x="0" y="245"/>
+                </a:moveTo>
+                <a:lnTo>
+                  <a:pt x="143755" y="245"/>
+                </a:lnTo>
+                <a:lnTo>
+                  <a:pt x="143755" y="1"/>
+                </a:lnTo>
+                <a:lnTo>
+                  <a:pt x="503756" y="0"/>
+                </a:lnTo>
+                <a:lnTo>
+                  <a:pt x="503756" y="144000"/>
+                </a:lnTo>
+                <a:lnTo>
+                  <a:pt x="144000" y="144000"/>
+                </a:lnTo>
+                <a:lnTo>
+                  <a:pt x="144000" y="144245"/>
+                </a:lnTo>
+                <a:lnTo>
+                  <a:pt x="144001" y="144244"/>
+                </a:lnTo>
+                <a:lnTo>
+                  <a:pt x="144000" y="504245"/>
+                </a:lnTo>
+                <a:lnTo>
+                  <a:pt x="1" y="504244"/>
+                </a:lnTo>
+                <a:lnTo>
+                  <a:pt x="1" y="144245"/>
+                </a:lnTo>
+                <a:lnTo>
+                  <a:pt x="0" y="144245"/>
+                </a:lnTo>
+                <a:close/>
+              </a:path>
+            </a:pathLst>
+          </a:custGeom>
+          <a:solidFill>
+            <a:srgbClr val="009DBF"/>
+          </a:solidFill>
+          <a:ln>
+            <a:noFill/>
+          </a:ln>
+        </p:spPr>
+        <p:style>
+          <a:lnRef idx="2">
+            <a:schemeClr val="accent1">
+              <a:shade val="15000"/>
+            </a:schemeClr>
+          </a:lnRef>
+          <a:fillRef idx="1">
+            <a:schemeClr val="accent1"/>
+          </a:fillRef>
+          <a:effectRef idx="0">
+            <a:schemeClr val="accent1"/>
+          </a:effectRef>
+          <a:fontRef idx="minor">
+            <a:schemeClr val="lt1"/>
+          </a:fontRef>
+        </p:style>
+        <p:txBody>
+          <a:bodyPr wrap="square" rtlCol="0" anchor="ctr">
+            <a:noAutofit/>
+          </a:bodyPr>
+          <a:lstStyle/>
+          <a:p>
+            <a:pPr algn="ctr"/>
+            <a:endParaRPr lang="zh-TW" altLang="en-US"/>
+          </a:p>
+        </p:txBody>
+      </p:sp>
+      <p:sp>
+        <p:nvSpPr>
+          <p:cNvPr id="7" name="矩形 6">
+            <a:extLst>
+              <a:ext uri="{FF2B5EF4-FFF2-40B4-BE49-F238E27FC236}">
+                <a16:creationId xmlns:a16="http://schemas.microsoft.com/office/drawing/2014/main" id="{22E62DD0-77EB-6C76-F0BB-981A4FFE42CD}"/>
+              </a:ext>
+            </a:extLst>
+          </p:cNvPr>
+          <p:cNvSpPr/>
+          <p:nvPr/>
+        </p:nvSpPr>
+        <p:spPr>
+          <a:xfrm>
+            <a:off x="1506325" y="2160000"/>
+            <a:ext cx="720000" cy="720000"/>
+          </a:xfrm>
+          <a:prstGeom prst="rect">
+            <a:avLst/>
+          </a:prstGeom>
+          <a:solidFill>
+            <a:schemeClr val="bg1"/>
+          </a:solidFill>
+        </p:spPr>
+        <p:style>
+          <a:lnRef idx="2">
+            <a:schemeClr val="accent1">
+              <a:shade val="15000"/>
+            </a:schemeClr>
+          </a:lnRef>
+          <a:fillRef idx="1">
+            <a:schemeClr val="accent1"/>
+          </a:fillRef>
+          <a:effectRef idx="0">
+            <a:schemeClr val="accent1"/>
+          </a:effectRef>
+          <a:fontRef idx="minor">
+            <a:schemeClr val="lt1"/>
+          </a:fontRef>
+        </p:style>
+        <p:txBody>
+          <a:bodyPr rtlCol="0" anchor="ctr"/>
+          <a:lstStyle/>
+          <a:p>
+            <a:pPr algn="ctr"/>
+            <a:endParaRPr lang="zh-TW" altLang="en-US"/>
+          </a:p>
+        </p:txBody>
+      </p:sp>
+      <p:grpSp>
+        <p:nvGrpSpPr>
+          <p:cNvPr id="9" name="群組 8">
+            <a:extLst>
+              <a:ext uri="{FF2B5EF4-FFF2-40B4-BE49-F238E27FC236}">
+                <a16:creationId xmlns:a16="http://schemas.microsoft.com/office/drawing/2014/main" id="{DDF3D84F-BDCB-47B9-FAF1-94D9209D063F}"/>
+              </a:ext>
+            </a:extLst>
+          </p:cNvPr>
+          <p:cNvGrpSpPr>
+            <a:grpSpLocks noChangeAspect="1"/>
+          </p:cNvGrpSpPr>
+          <p:nvPr/>
+        </p:nvGrpSpPr>
+        <p:grpSpPr>
+          <a:xfrm>
+            <a:off x="1664716" y="2268000"/>
+            <a:ext cx="403218" cy="504000"/>
+            <a:chOff x="4080062" y="2297337"/>
+            <a:chExt cx="417600" cy="521977"/>
+          </a:xfrm>
+        </p:grpSpPr>
+        <p:sp>
+          <p:nvSpPr>
+            <p:cNvPr id="13" name="拱形 12">
+              <a:extLst>
+                <a:ext uri="{FF2B5EF4-FFF2-40B4-BE49-F238E27FC236}">
+                  <a16:creationId xmlns:a16="http://schemas.microsoft.com/office/drawing/2014/main" id="{8736D0CD-8103-1214-B7C7-2841E7F78906}"/>
+                </a:ext>
+              </a:extLst>
+            </p:cNvPr>
+            <p:cNvSpPr/>
+            <p:nvPr/>
+          </p:nvSpPr>
+          <p:spPr>
+            <a:xfrm flipV="1">
+              <a:off x="4234862" y="2711314"/>
+              <a:ext cx="108000" cy="108000"/>
+            </a:xfrm>
+            <a:prstGeom prst="blockArc">
+              <a:avLst/>
+            </a:prstGeom>
+            <a:solidFill>
+              <a:srgbClr val="808080"/>
+            </a:solidFill>
+            <a:ln>
+              <a:solidFill>
+                <a:srgbClr val="808080"/>
+              </a:solidFill>
+            </a:ln>
+          </p:spPr>
+          <p:style>
+            <a:lnRef idx="2">
+              <a:schemeClr val="accent1">
+                <a:shade val="15000"/>
+              </a:schemeClr>
+            </a:lnRef>
+            <a:fillRef idx="1">
+              <a:schemeClr val="accent1"/>
+            </a:fillRef>
+            <a:effectRef idx="0">
+              <a:schemeClr val="accent1"/>
+            </a:effectRef>
+            <a:fontRef idx="minor">
+              <a:schemeClr val="lt1"/>
+            </a:fontRef>
+          </p:style>
+          <p:txBody>
+            <a:bodyPr rtlCol="0" anchor="ctr"/>
+            <a:lstStyle/>
+            <a:p>
+              <a:pPr algn="ctr"/>
+              <a:endParaRPr lang="zh-TW" altLang="en-US">
+                <a:solidFill>
+                  <a:schemeClr val="tx1"/>
+                </a:solidFill>
+              </a:endParaRPr>
+            </a:p>
+          </p:txBody>
+        </p:sp>
+        <p:sp>
+          <p:nvSpPr>
+            <p:cNvPr id="14" name="手繪多邊形: 圖案 13">
+              <a:extLst>
+                <a:ext uri="{FF2B5EF4-FFF2-40B4-BE49-F238E27FC236}">
+                  <a16:creationId xmlns:a16="http://schemas.microsoft.com/office/drawing/2014/main" id="{CDBF5849-55AA-B1F6-C707-F4D2DFBEC815}"/>
+                </a:ext>
+              </a:extLst>
+            </p:cNvPr>
+            <p:cNvSpPr>
+              <a:spLocks noChangeAspect="1"/>
+            </p:cNvSpPr>
+            <p:nvPr/>
+          </p:nvSpPr>
+          <p:spPr>
+            <a:xfrm>
+              <a:off x="4080062" y="2297337"/>
+              <a:ext cx="417600" cy="413976"/>
+            </a:xfrm>
+            <a:custGeom>
+              <a:avLst/>
+              <a:gdLst>
+                <a:gd name="connsiteX0" fmla="*/ 208775 w 417600"/>
+                <a:gd name="connsiteY0" fmla="*/ 0 h 413976"/>
+                <a:gd name="connsiteX1" fmla="*/ 262750 w 417600"/>
+                <a:gd name="connsiteY1" fmla="*/ 53975 h 413976"/>
+                <a:gd name="connsiteX2" fmla="*/ 260768 w 417600"/>
+                <a:gd name="connsiteY2" fmla="*/ 63794 h 413976"/>
+                <a:gd name="connsiteX3" fmla="*/ 302137 w 417600"/>
+                <a:gd name="connsiteY3" fmla="*/ 80035 h 413976"/>
+                <a:gd name="connsiteX4" fmla="*/ 388800 w 417600"/>
+                <a:gd name="connsiteY4" fmla="*/ 233976 h 413976"/>
+                <a:gd name="connsiteX5" fmla="*/ 388800 w 417600"/>
+                <a:gd name="connsiteY5" fmla="*/ 364320 h 413976"/>
+                <a:gd name="connsiteX6" fmla="*/ 417600 w 417600"/>
+                <a:gd name="connsiteY6" fmla="*/ 413975 h 413976"/>
+                <a:gd name="connsiteX7" fmla="*/ 388800 w 417600"/>
+                <a:gd name="connsiteY7" fmla="*/ 413975 h 413976"/>
+                <a:gd name="connsiteX8" fmla="*/ 388800 w 417600"/>
+                <a:gd name="connsiteY8" fmla="*/ 413976 h 413976"/>
+                <a:gd name="connsiteX9" fmla="*/ 28800 w 417600"/>
+                <a:gd name="connsiteY9" fmla="*/ 413976 h 413976"/>
+                <a:gd name="connsiteX10" fmla="*/ 28800 w 417600"/>
+                <a:gd name="connsiteY10" fmla="*/ 413975 h 413976"/>
+                <a:gd name="connsiteX11" fmla="*/ 0 w 417600"/>
+                <a:gd name="connsiteY11" fmla="*/ 413975 h 413976"/>
+                <a:gd name="connsiteX12" fmla="*/ 28800 w 417600"/>
+                <a:gd name="connsiteY12" fmla="*/ 364320 h 413976"/>
+                <a:gd name="connsiteX13" fmla="*/ 28800 w 417600"/>
+                <a:gd name="connsiteY13" fmla="*/ 233976 h 413976"/>
+                <a:gd name="connsiteX14" fmla="*/ 115464 w 417600"/>
+                <a:gd name="connsiteY14" fmla="*/ 80035 h 413976"/>
+                <a:gd name="connsiteX15" fmla="*/ 156786 w 417600"/>
+                <a:gd name="connsiteY15" fmla="*/ 63812 h 413976"/>
+                <a:gd name="connsiteX16" fmla="*/ 154800 w 417600"/>
+                <a:gd name="connsiteY16" fmla="*/ 53975 h 413976"/>
+                <a:gd name="connsiteX17" fmla="*/ 208775 w 417600"/>
+                <a:gd name="connsiteY17" fmla="*/ 0 h 413976"/>
+              </a:gdLst>
+              <a:ahLst/>
+              <a:cxnLst>
+                <a:cxn ang="0">
+                  <a:pos x="connsiteX0" y="connsiteY0"/>
+                </a:cxn>
+                <a:cxn ang="0">
+                  <a:pos x="connsiteX1" y="connsiteY1"/>
+                </a:cxn>
+                <a:cxn ang="0">
+                  <a:pos x="connsiteX2" y="connsiteY2"/>
+                </a:cxn>
+                <a:cxn ang="0">
+                  <a:pos x="connsiteX3" y="connsiteY3"/>
+                </a:cxn>
+                <a:cxn ang="0">
+                  <a:pos x="connsiteX4" y="connsiteY4"/>
+                </a:cxn>
+                <a:cxn ang="0">
+                  <a:pos x="connsiteX5" y="connsiteY5"/>
+                </a:cxn>
+                <a:cxn ang="0">
+                  <a:pos x="connsiteX6" y="connsiteY6"/>
+                </a:cxn>
+                <a:cxn ang="0">
+                  <a:pos x="connsiteX7" y="connsiteY7"/>
+                </a:cxn>
+                <a:cxn ang="0">
+                  <a:pos x="connsiteX8" y="connsiteY8"/>
+                </a:cxn>
+                <a:cxn ang="0">
+                  <a:pos x="connsiteX9" y="connsiteY9"/>
+                </a:cxn>
+                <a:cxn ang="0">
+                  <a:pos x="connsiteX10" y="connsiteY10"/>
+                </a:cxn>
+                <a:cxn ang="0">
+                  <a:pos x="connsiteX11" y="connsiteY11"/>
+                </a:cxn>
+                <a:cxn ang="0">
+                  <a:pos x="connsiteX12" y="connsiteY12"/>
+                </a:cxn>
+                <a:cxn ang="0">
+                  <a:pos x="connsiteX13" y="connsiteY13"/>
+                </a:cxn>
+                <a:cxn ang="0">
+                  <a:pos x="connsiteX14" y="connsiteY14"/>
+                </a:cxn>
+                <a:cxn ang="0">
+                  <a:pos x="connsiteX15" y="connsiteY15"/>
+                </a:cxn>
+                <a:cxn ang="0">
+                  <a:pos x="connsiteX16" y="connsiteY16"/>
+                </a:cxn>
+                <a:cxn ang="0">
+                  <a:pos x="connsiteX17" y="connsiteY17"/>
+                </a:cxn>
+              </a:cxnLst>
+              <a:rect l="l" t="t" r="r" b="b"/>
+              <a:pathLst>
+                <a:path w="417600" h="413976">
+                  <a:moveTo>
+                    <a:pt x="208775" y="0"/>
+                  </a:moveTo>
+                  <a:cubicBezTo>
+                    <a:pt x="238585" y="0"/>
+                    <a:pt x="262750" y="24165"/>
+                    <a:pt x="262750" y="53975"/>
+                  </a:cubicBezTo>
+                  <a:lnTo>
+                    <a:pt x="260768" y="63794"/>
+                  </a:lnTo>
+                  <a:lnTo>
+                    <a:pt x="302137" y="80035"/>
+                  </a:lnTo>
+                  <a:cubicBezTo>
+                    <a:pt x="354093" y="111605"/>
+                    <a:pt x="388800" y="168738"/>
+                    <a:pt x="388800" y="233976"/>
+                  </a:cubicBezTo>
+                  <a:lnTo>
+                    <a:pt x="388800" y="364320"/>
+                  </a:lnTo>
+                  <a:lnTo>
+                    <a:pt x="417600" y="413975"/>
+                  </a:lnTo>
+                  <a:lnTo>
+                    <a:pt x="388800" y="413975"/>
+                  </a:lnTo>
+                  <a:lnTo>
+                    <a:pt x="388800" y="413976"/>
+                  </a:lnTo>
+                  <a:lnTo>
+                    <a:pt x="28800" y="413976"/>
+                  </a:lnTo>
+                  <a:lnTo>
+                    <a:pt x="28800" y="413975"/>
+                  </a:lnTo>
+                  <a:lnTo>
+                    <a:pt x="0" y="413975"/>
+                  </a:lnTo>
+                  <a:lnTo>
+                    <a:pt x="28800" y="364320"/>
+                  </a:lnTo>
+                  <a:lnTo>
+                    <a:pt x="28800" y="233976"/>
+                  </a:lnTo>
+                  <a:cubicBezTo>
+                    <a:pt x="28800" y="168738"/>
+                    <a:pt x="63507" y="111605"/>
+                    <a:pt x="115464" y="80035"/>
+                  </a:cubicBezTo>
+                  <a:lnTo>
+                    <a:pt x="156786" y="63812"/>
+                  </a:lnTo>
+                  <a:lnTo>
+                    <a:pt x="154800" y="53975"/>
+                  </a:lnTo>
+                  <a:cubicBezTo>
+                    <a:pt x="154800" y="24165"/>
+                    <a:pt x="178965" y="0"/>
+                    <a:pt x="208775" y="0"/>
+                  </a:cubicBezTo>
+                  <a:close/>
+                </a:path>
+              </a:pathLst>
+            </a:custGeom>
+            <a:noFill/>
+            <a:ln w="38100">
+              <a:solidFill>
+                <a:srgbClr val="808080"/>
+              </a:solidFill>
+            </a:ln>
+          </p:spPr>
+          <p:style>
+            <a:lnRef idx="2">
+              <a:schemeClr val="accent1">
+                <a:shade val="15000"/>
+              </a:schemeClr>
+            </a:lnRef>
+            <a:fillRef idx="1">
+              <a:schemeClr val="accent1"/>
+            </a:fillRef>
+            <a:effectRef idx="0">
+              <a:schemeClr val="accent1"/>
+            </a:effectRef>
+            <a:fontRef idx="minor">
+              <a:schemeClr val="lt1"/>
+            </a:fontRef>
+          </p:style>
+          <p:txBody>
+            <a:bodyPr wrap="square" rtlCol="0" anchor="ctr">
+              <a:noAutofit/>
+            </a:bodyPr>
+            <a:lstStyle/>
+            <a:p>
+              <a:pPr algn="ctr"/>
+              <a:endParaRPr lang="zh-TW" altLang="en-US"/>
+            </a:p>
+          </p:txBody>
+        </p:sp>
+      </p:grpSp>
+      <p:sp>
+        <p:nvSpPr>
+          <p:cNvPr id="115" name="矩形 114">
+            <a:extLst>
+              <a:ext uri="{FF2B5EF4-FFF2-40B4-BE49-F238E27FC236}">
+                <a16:creationId xmlns:a16="http://schemas.microsoft.com/office/drawing/2014/main" id="{9CBF318A-ABDB-9FC4-43E8-E487F7E3B9EC}"/>
+              </a:ext>
+            </a:extLst>
+          </p:cNvPr>
+          <p:cNvSpPr/>
+          <p:nvPr/>
+        </p:nvSpPr>
+        <p:spPr>
+          <a:xfrm>
+            <a:off x="782631" y="1440650"/>
+            <a:ext cx="720000" cy="720000"/>
+          </a:xfrm>
+          <a:prstGeom prst="rect">
+            <a:avLst/>
+          </a:prstGeom>
+          <a:solidFill>
+            <a:schemeClr val="bg1"/>
+          </a:solidFill>
+        </p:spPr>
+        <p:style>
+          <a:lnRef idx="2">
+            <a:schemeClr val="accent1">
+              <a:shade val="15000"/>
+            </a:schemeClr>
+          </a:lnRef>
+          <a:fillRef idx="1">
+            <a:schemeClr val="accent1"/>
+          </a:fillRef>
+          <a:effectRef idx="0">
+            <a:schemeClr val="accent1"/>
+          </a:effectRef>
+          <a:fontRef idx="minor">
+            <a:schemeClr val="lt1"/>
+          </a:fontRef>
+        </p:style>
+        <p:txBody>
+          <a:bodyPr rtlCol="0" anchor="ctr"/>
+          <a:lstStyle/>
+          <a:p>
+            <a:pPr algn="ctr"/>
+            <a:endParaRPr lang="zh-TW" altLang="en-US"/>
+          </a:p>
+        </p:txBody>
+      </p:sp>
+      <p:pic>
+        <p:nvPicPr>
+          <p:cNvPr id="116" name="圖形 115">
+            <a:extLst>
+              <a:ext uri="{FF2B5EF4-FFF2-40B4-BE49-F238E27FC236}">
+                <a16:creationId xmlns:a16="http://schemas.microsoft.com/office/drawing/2014/main" id="{6EAA5796-B8A4-3867-9F7E-B02413FA3E81}"/>
+              </a:ext>
+            </a:extLst>
+          </p:cNvPr>
+          <p:cNvPicPr>
+            <a:picLocks noChangeAspect="1"/>
+          </p:cNvPicPr>
+          <p:nvPr/>
+        </p:nvPicPr>
+        <p:blipFill>
+          <a:blip r:embed="rId4">
+            <a:extLst>
+              <a:ext uri="{28A0092B-C50C-407E-A947-70E740481C1C}">
+                <a14:useLocalDpi xmlns:a14="http://schemas.microsoft.com/office/drawing/2010/main" val="0"/>
+              </a:ext>
+              <a:ext uri="{96DAC541-7B7A-43D3-8B79-37D633B846F1}">
+                <asvg:svgBlip xmlns:asvg="http://schemas.microsoft.com/office/drawing/2016/SVG/main" r:embed="rId5"/>
+              </a:ext>
+            </a:extLst>
+          </a:blip>
+          <a:stretch>
+            <a:fillRect/>
+          </a:stretch>
+        </p:blipFill>
+        <p:spPr>
+          <a:xfrm>
+            <a:off x="890631" y="1627079"/>
+            <a:ext cx="504000" cy="347143"/>
+          </a:xfrm>
+          <a:prstGeom prst="rect">
+            <a:avLst/>
+          </a:prstGeom>
+        </p:spPr>
+      </p:pic>
+      <p:sp>
+        <p:nvSpPr>
+          <p:cNvPr id="117" name="矩形 116">
+            <a:extLst>
+              <a:ext uri="{FF2B5EF4-FFF2-40B4-BE49-F238E27FC236}">
+                <a16:creationId xmlns:a16="http://schemas.microsoft.com/office/drawing/2014/main" id="{118A5618-077E-28D2-F524-9634433CD08F}"/>
+              </a:ext>
+            </a:extLst>
+          </p:cNvPr>
+          <p:cNvSpPr/>
+          <p:nvPr/>
+        </p:nvSpPr>
+        <p:spPr>
+          <a:xfrm>
+            <a:off x="778571" y="2877274"/>
+            <a:ext cx="720000" cy="720000"/>
+          </a:xfrm>
+          <a:prstGeom prst="rect">
+            <a:avLst/>
+          </a:prstGeom>
+          <a:solidFill>
+            <a:schemeClr val="bg1"/>
+          </a:solidFill>
+        </p:spPr>
+        <p:style>
+          <a:lnRef idx="2">
+            <a:schemeClr val="accent1">
+              <a:shade val="15000"/>
+            </a:schemeClr>
+          </a:lnRef>
+          <a:fillRef idx="1">
+            <a:schemeClr val="accent1"/>
+          </a:fillRef>
+          <a:effectRef idx="0">
+            <a:schemeClr val="accent1"/>
+          </a:effectRef>
+          <a:fontRef idx="minor">
+            <a:schemeClr val="lt1"/>
+          </a:fontRef>
+        </p:style>
+        <p:txBody>
+          <a:bodyPr rtlCol="0" anchor="ctr"/>
+          <a:lstStyle/>
+          <a:p>
+            <a:pPr algn="ctr"/>
+            <a:endParaRPr lang="zh-TW" altLang="en-US"/>
+          </a:p>
+        </p:txBody>
+      </p:sp>
+      <p:sp>
+        <p:nvSpPr>
+          <p:cNvPr id="118" name="矩形 117">
+            <a:extLst>
+              <a:ext uri="{FF2B5EF4-FFF2-40B4-BE49-F238E27FC236}">
+                <a16:creationId xmlns:a16="http://schemas.microsoft.com/office/drawing/2014/main" id="{7AF40FFF-D582-2C61-6387-A385E1D60578}"/>
+              </a:ext>
+            </a:extLst>
+          </p:cNvPr>
+          <p:cNvSpPr/>
+          <p:nvPr/>
+        </p:nvSpPr>
+        <p:spPr>
+          <a:xfrm>
+            <a:off x="778571" y="3597274"/>
+            <a:ext cx="720000" cy="720000"/>
+          </a:xfrm>
+          <a:prstGeom prst="rect">
+            <a:avLst/>
+          </a:prstGeom>
+          <a:solidFill>
+            <a:schemeClr val="bg1"/>
+          </a:solidFill>
+        </p:spPr>
+        <p:style>
+          <a:lnRef idx="2">
+            <a:schemeClr val="accent1">
+              <a:shade val="15000"/>
+            </a:schemeClr>
+          </a:lnRef>
+          <a:fillRef idx="1">
+            <a:schemeClr val="accent1"/>
+          </a:fillRef>
+          <a:effectRef idx="0">
+            <a:schemeClr val="accent1"/>
+          </a:effectRef>
+          <a:fontRef idx="minor">
+            <a:schemeClr val="lt1"/>
+          </a:fontRef>
+        </p:style>
+        <p:txBody>
+          <a:bodyPr rtlCol="0" anchor="ctr"/>
+          <a:lstStyle/>
+          <a:p>
+            <a:pPr algn="ctr"/>
+            <a:endParaRPr lang="zh-TW" altLang="en-US"/>
+          </a:p>
+        </p:txBody>
+      </p:sp>
+      <p:grpSp>
+        <p:nvGrpSpPr>
+          <p:cNvPr id="119" name="群組 118">
+            <a:extLst>
+              <a:ext uri="{FF2B5EF4-FFF2-40B4-BE49-F238E27FC236}">
+                <a16:creationId xmlns:a16="http://schemas.microsoft.com/office/drawing/2014/main" id="{7906F511-7D17-C162-5F00-C7700D74629B}"/>
+              </a:ext>
+            </a:extLst>
+          </p:cNvPr>
+          <p:cNvGrpSpPr/>
+          <p:nvPr/>
+        </p:nvGrpSpPr>
+        <p:grpSpPr>
+          <a:xfrm>
+            <a:off x="922571" y="3741274"/>
+            <a:ext cx="432000" cy="432000"/>
+            <a:chOff x="1613417" y="2762250"/>
+            <a:chExt cx="503999" cy="504000"/>
+          </a:xfrm>
+        </p:grpSpPr>
+        <p:sp>
+          <p:nvSpPr>
+            <p:cNvPr id="120" name="左中括弧 119">
+              <a:extLst>
+                <a:ext uri="{FF2B5EF4-FFF2-40B4-BE49-F238E27FC236}">
+                  <a16:creationId xmlns:a16="http://schemas.microsoft.com/office/drawing/2014/main" id="{8700886D-7DD3-3806-761D-64EDA805BF66}"/>
                 </a:ext>
               </a:extLst>
             </p:cNvPr>
@@ -6173,10 +9716,10 @@
         </p:sp>
         <p:cxnSp>
           <p:nvCxnSpPr>
-            <p:cNvPr id="105" name="直線單箭頭接點 104">
+            <p:cNvPr id="121" name="直線單箭頭接點 120">
               <a:extLst>
                 <a:ext uri="{FF2B5EF4-FFF2-40B4-BE49-F238E27FC236}">
-                  <a16:creationId xmlns:a16="http://schemas.microsoft.com/office/drawing/2014/main" id="{FB3E22DA-6A0A-C2A3-2A18-575C1986B687}"/>
+                  <a16:creationId xmlns:a16="http://schemas.microsoft.com/office/drawing/2014/main" id="{31FB6E62-B4B9-B6CE-754A-5764D718E79C}"/>
                 </a:ext>
               </a:extLst>
             </p:cNvPr>
@@ -6218,10 +9761,10 @@
       </p:grpSp>
       <p:sp>
         <p:nvSpPr>
-          <p:cNvPr id="102" name="手繪多邊形: 圖案 101">
+          <p:cNvPr id="122" name="手繪多邊形: 圖案 121">
             <a:extLst>
               <a:ext uri="{FF2B5EF4-FFF2-40B4-BE49-F238E27FC236}">
-                <a16:creationId xmlns:a16="http://schemas.microsoft.com/office/drawing/2014/main" id="{7E632EFE-B29E-AA1C-98DE-37D10F4C02A4}"/>
+                <a16:creationId xmlns:a16="http://schemas.microsoft.com/office/drawing/2014/main" id="{92689C57-3B1B-4541-B4BD-FB1A070A27F7}"/>
               </a:ext>
             </a:extLst>
           </p:cNvPr>
@@ -6230,7 +9773,7 @@
         </p:nvSpPr>
         <p:spPr>
           <a:xfrm>
-            <a:off x="893692" y="1548000"/>
+            <a:off x="886571" y="2985274"/>
             <a:ext cx="504000" cy="504000"/>
           </a:xfrm>
           <a:custGeom>
@@ -6828,10 +10371,10 @@
       </p:sp>
       <p:sp>
         <p:nvSpPr>
-          <p:cNvPr id="87" name="矩形 86">
+          <p:cNvPr id="123" name="矩形 122">
             <a:extLst>
               <a:ext uri="{FF2B5EF4-FFF2-40B4-BE49-F238E27FC236}">
-                <a16:creationId xmlns:a16="http://schemas.microsoft.com/office/drawing/2014/main" id="{821C79F8-E033-9262-E208-39E9B51D08B4}"/>
+                <a16:creationId xmlns:a16="http://schemas.microsoft.com/office/drawing/2014/main" id="{14985EA3-0043-7AEF-8D34-28A7481BD31F}"/>
               </a:ext>
             </a:extLst>
           </p:cNvPr>
@@ -6840,7 +10383,7 @@
         </p:nvSpPr>
         <p:spPr>
           <a:xfrm>
-            <a:off x="1506933" y="1440000"/>
+            <a:off x="782023" y="2160650"/>
             <a:ext cx="720000" cy="720000"/>
           </a:xfrm>
           <a:prstGeom prst="rect">
@@ -6875,922 +10418,12 @@
           </a:p>
         </p:txBody>
       </p:sp>
-      <p:pic>
-        <p:nvPicPr>
-          <p:cNvPr id="88" name="圖形 87">
+      <p:grpSp>
+        <p:nvGrpSpPr>
+          <p:cNvPr id="124" name="群組 123">
             <a:extLst>
               <a:ext uri="{FF2B5EF4-FFF2-40B4-BE49-F238E27FC236}">
-                <a16:creationId xmlns:a16="http://schemas.microsoft.com/office/drawing/2014/main" id="{6A7DCFAA-84A7-8929-C070-46C469D4C9D9}"/>
-              </a:ext>
-            </a:extLst>
-          </p:cNvPr>
-          <p:cNvPicPr>
-            <a:picLocks noChangeAspect="1"/>
-          </p:cNvPicPr>
-          <p:nvPr/>
-        </p:nvPicPr>
-        <p:blipFill>
-          <a:blip r:embed="rId6">
-            <a:extLst>
-              <a:ext uri="{28A0092B-C50C-407E-A947-70E740481C1C}">
-                <a14:useLocalDpi xmlns:a14="http://schemas.microsoft.com/office/drawing/2010/main" val="0"/>
-              </a:ext>
-              <a:ext uri="{96DAC541-7B7A-43D3-8B79-37D633B846F1}">
-                <asvg:svgBlip xmlns:asvg="http://schemas.microsoft.com/office/drawing/2016/SVG/main" r:embed="rId7"/>
-              </a:ext>
-            </a:extLst>
-          </a:blip>
-          <a:stretch>
-            <a:fillRect/>
-          </a:stretch>
-        </p:blipFill>
-        <p:spPr>
-          <a:xfrm>
-            <a:off x="1614933" y="1626429"/>
-            <a:ext cx="504000" cy="347143"/>
-          </a:xfrm>
-          <a:prstGeom prst="rect">
-            <a:avLst/>
-          </a:prstGeom>
-        </p:spPr>
-      </p:pic>
-      <p:sp>
-        <p:nvSpPr>
-          <p:cNvPr id="89" name="矩形 88">
-            <a:extLst>
-              <a:ext uri="{FF2B5EF4-FFF2-40B4-BE49-F238E27FC236}">
-                <a16:creationId xmlns:a16="http://schemas.microsoft.com/office/drawing/2014/main" id="{FEB2D632-0A71-6BD8-0326-16AEBAFE9D84}"/>
-              </a:ext>
-            </a:extLst>
-          </p:cNvPr>
-          <p:cNvSpPr/>
-          <p:nvPr/>
-        </p:nvSpPr>
-        <p:spPr>
-          <a:xfrm>
-            <a:off x="1505417" y="2160000"/>
-            <a:ext cx="720000" cy="720000"/>
-          </a:xfrm>
-          <a:prstGeom prst="rect">
-            <a:avLst/>
-          </a:prstGeom>
-          <a:solidFill>
-            <a:schemeClr val="bg1"/>
-          </a:solidFill>
-        </p:spPr>
-        <p:style>
-          <a:lnRef idx="2">
-            <a:schemeClr val="accent1">
-              <a:shade val="15000"/>
-            </a:schemeClr>
-          </a:lnRef>
-          <a:fillRef idx="1">
-            <a:schemeClr val="accent1"/>
-          </a:fillRef>
-          <a:effectRef idx="0">
-            <a:schemeClr val="accent1"/>
-          </a:effectRef>
-          <a:fontRef idx="minor">
-            <a:schemeClr val="lt1"/>
-          </a:fontRef>
-        </p:style>
-        <p:txBody>
-          <a:bodyPr rtlCol="0" anchor="ctr"/>
-          <a:lstStyle/>
-          <a:p>
-            <a:pPr algn="ctr"/>
-            <a:endParaRPr lang="zh-TW" altLang="en-US"/>
-          </a:p>
-        </p:txBody>
-      </p:sp>
-      <p:sp>
-        <p:nvSpPr>
-          <p:cNvPr id="90" name="矩形 89">
-            <a:extLst>
-              <a:ext uri="{FF2B5EF4-FFF2-40B4-BE49-F238E27FC236}">
-                <a16:creationId xmlns:a16="http://schemas.microsoft.com/office/drawing/2014/main" id="{6F221369-CAFB-17A6-EEF1-D594CE9A83D3}"/>
-              </a:ext>
-            </a:extLst>
-          </p:cNvPr>
-          <p:cNvSpPr/>
-          <p:nvPr/>
-        </p:nvSpPr>
-        <p:spPr>
-          <a:xfrm>
-            <a:off x="1505417" y="2880000"/>
-            <a:ext cx="720000" cy="720000"/>
-          </a:xfrm>
-          <a:prstGeom prst="rect">
-            <a:avLst/>
-          </a:prstGeom>
-          <a:solidFill>
-            <a:schemeClr val="bg1"/>
-          </a:solidFill>
-        </p:spPr>
-        <p:style>
-          <a:lnRef idx="2">
-            <a:schemeClr val="accent1">
-              <a:shade val="15000"/>
-            </a:schemeClr>
-          </a:lnRef>
-          <a:fillRef idx="1">
-            <a:schemeClr val="accent1"/>
-          </a:fillRef>
-          <a:effectRef idx="0">
-            <a:schemeClr val="accent1"/>
-          </a:effectRef>
-          <a:fontRef idx="minor">
-            <a:schemeClr val="lt1"/>
-          </a:fontRef>
-        </p:style>
-        <p:txBody>
-          <a:bodyPr rtlCol="0" anchor="ctr"/>
-          <a:lstStyle/>
-          <a:p>
-            <a:pPr algn="ctr"/>
-            <a:endParaRPr lang="zh-TW" altLang="en-US"/>
-          </a:p>
-        </p:txBody>
-      </p:sp>
-      <p:grpSp>
-        <p:nvGrpSpPr>
-          <p:cNvPr id="91" name="群組 90">
-            <a:extLst>
-              <a:ext uri="{FF2B5EF4-FFF2-40B4-BE49-F238E27FC236}">
-                <a16:creationId xmlns:a16="http://schemas.microsoft.com/office/drawing/2014/main" id="{D627E658-6838-A097-6190-94FC4424E5EB}"/>
-              </a:ext>
-            </a:extLst>
-          </p:cNvPr>
-          <p:cNvGrpSpPr/>
-          <p:nvPr/>
-        </p:nvGrpSpPr>
-        <p:grpSpPr>
-          <a:xfrm>
-            <a:off x="1649417" y="3024000"/>
-            <a:ext cx="432000" cy="432000"/>
-            <a:chOff x="1613417" y="2762250"/>
-            <a:chExt cx="503999" cy="504000"/>
-          </a:xfrm>
-        </p:grpSpPr>
-        <p:sp>
-          <p:nvSpPr>
-            <p:cNvPr id="92" name="左中括弧 91">
-              <a:extLst>
-                <a:ext uri="{FF2B5EF4-FFF2-40B4-BE49-F238E27FC236}">
-                  <a16:creationId xmlns:a16="http://schemas.microsoft.com/office/drawing/2014/main" id="{B4A17282-B9D4-7409-B1E8-331D8138BBD9}"/>
-                </a:ext>
-              </a:extLst>
-            </p:cNvPr>
-            <p:cNvSpPr/>
-            <p:nvPr/>
-          </p:nvSpPr>
-          <p:spPr>
-            <a:xfrm>
-              <a:off x="1613417" y="2762250"/>
-              <a:ext cx="216000" cy="504000"/>
-            </a:xfrm>
-            <a:prstGeom prst="leftBracket">
-              <a:avLst/>
-            </a:prstGeom>
-            <a:ln w="38100">
-              <a:solidFill>
-                <a:srgbClr val="808080"/>
-              </a:solidFill>
-            </a:ln>
-          </p:spPr>
-          <p:style>
-            <a:lnRef idx="1">
-              <a:schemeClr val="accent1"/>
-            </a:lnRef>
-            <a:fillRef idx="0">
-              <a:schemeClr val="accent1"/>
-            </a:fillRef>
-            <a:effectRef idx="0">
-              <a:schemeClr val="accent1"/>
-            </a:effectRef>
-            <a:fontRef idx="minor">
-              <a:schemeClr val="tx1"/>
-            </a:fontRef>
-          </p:style>
-          <p:txBody>
-            <a:bodyPr rtlCol="0" anchor="ctr"/>
-            <a:lstStyle/>
-            <a:p>
-              <a:pPr algn="ctr"/>
-              <a:endParaRPr lang="zh-TW" altLang="en-US"/>
-            </a:p>
-          </p:txBody>
-        </p:sp>
-        <p:cxnSp>
-          <p:nvCxnSpPr>
-            <p:cNvPr id="93" name="直線單箭頭接點 92">
-              <a:extLst>
-                <a:ext uri="{FF2B5EF4-FFF2-40B4-BE49-F238E27FC236}">
-                  <a16:creationId xmlns:a16="http://schemas.microsoft.com/office/drawing/2014/main" id="{A7A201CF-A047-D23D-F139-EE8D48DE0701}"/>
-                </a:ext>
-              </a:extLst>
-            </p:cNvPr>
-            <p:cNvCxnSpPr>
-              <a:cxnSpLocks/>
-            </p:cNvCxnSpPr>
-            <p:nvPr/>
-          </p:nvCxnSpPr>
-          <p:spPr>
-            <a:xfrm>
-              <a:off x="1757416" y="3014250"/>
-              <a:ext cx="360000" cy="0"/>
-            </a:xfrm>
-            <a:prstGeom prst="straightConnector1">
-              <a:avLst/>
-            </a:prstGeom>
-            <a:ln w="38100">
-              <a:solidFill>
-                <a:srgbClr val="808080"/>
-              </a:solidFill>
-              <a:tailEnd type="arrow" w="lg" len="med"/>
-            </a:ln>
-          </p:spPr>
-          <p:style>
-            <a:lnRef idx="1">
-              <a:schemeClr val="accent1"/>
-            </a:lnRef>
-            <a:fillRef idx="0">
-              <a:schemeClr val="accent1"/>
-            </a:fillRef>
-            <a:effectRef idx="0">
-              <a:schemeClr val="accent1"/>
-            </a:effectRef>
-            <a:fontRef idx="minor">
-              <a:schemeClr val="tx1"/>
-            </a:fontRef>
-          </p:style>
-        </p:cxnSp>
-      </p:grpSp>
-      <p:sp>
-        <p:nvSpPr>
-          <p:cNvPr id="94" name="手繪多邊形: 圖案 93">
-            <a:extLst>
-              <a:ext uri="{FF2B5EF4-FFF2-40B4-BE49-F238E27FC236}">
-                <a16:creationId xmlns:a16="http://schemas.microsoft.com/office/drawing/2014/main" id="{F5239F59-C84B-CE5B-4270-E0B90B60C9B8}"/>
-              </a:ext>
-            </a:extLst>
-          </p:cNvPr>
-          <p:cNvSpPr/>
-          <p:nvPr/>
-        </p:nvSpPr>
-        <p:spPr>
-          <a:xfrm>
-            <a:off x="1613417" y="2268000"/>
-            <a:ext cx="504000" cy="504000"/>
-          </a:xfrm>
-          <a:custGeom>
-            <a:avLst/>
-            <a:gdLst>
-              <a:gd name="connsiteX0" fmla="*/ 698478 w 1396957"/>
-              <a:gd name="connsiteY0" fmla="*/ 410478 h 1396957"/>
-              <a:gd name="connsiteX1" fmla="*/ 410478 w 1396957"/>
-              <a:gd name="connsiteY1" fmla="*/ 698478 h 1396957"/>
-              <a:gd name="connsiteX2" fmla="*/ 698478 w 1396957"/>
-              <a:gd name="connsiteY2" fmla="*/ 986478 h 1396957"/>
-              <a:gd name="connsiteX3" fmla="*/ 986478 w 1396957"/>
-              <a:gd name="connsiteY3" fmla="*/ 698478 h 1396957"/>
-              <a:gd name="connsiteX4" fmla="*/ 698478 w 1396957"/>
-              <a:gd name="connsiteY4" fmla="*/ 410478 h 1396957"/>
-              <a:gd name="connsiteX5" fmla="*/ 531166 w 1396957"/>
-              <a:gd name="connsiteY5" fmla="*/ 0 h 1396957"/>
-              <a:gd name="connsiteX6" fmla="*/ 531660 w 1396957"/>
-              <a:gd name="connsiteY6" fmla="*/ 2537 h 1396957"/>
-              <a:gd name="connsiteX7" fmla="*/ 571200 w 1396957"/>
-              <a:gd name="connsiteY7" fmla="*/ 62082 h 1396957"/>
-              <a:gd name="connsiteX8" fmla="*/ 825759 w 1396957"/>
-              <a:gd name="connsiteY8" fmla="*/ 62082 h 1396957"/>
-              <a:gd name="connsiteX9" fmla="*/ 865299 w 1396957"/>
-              <a:gd name="connsiteY9" fmla="*/ 2538 h 1396957"/>
-              <a:gd name="connsiteX10" fmla="*/ 865793 w 1396957"/>
-              <a:gd name="connsiteY10" fmla="*/ 0 h 1396957"/>
-              <a:gd name="connsiteX11" fmla="*/ 978735 w 1396957"/>
-              <a:gd name="connsiteY11" fmla="*/ 35060 h 1396957"/>
-              <a:gd name="connsiteX12" fmla="*/ 1073805 w 1396957"/>
-              <a:gd name="connsiteY12" fmla="*/ 86662 h 1396957"/>
-              <a:gd name="connsiteX13" fmla="*/ 1072624 w 1396957"/>
-              <a:gd name="connsiteY13" fmla="*/ 88414 h 1396957"/>
-              <a:gd name="connsiteX14" fmla="*/ 1058479 w 1396957"/>
-              <a:gd name="connsiteY14" fmla="*/ 158479 h 1396957"/>
-              <a:gd name="connsiteX15" fmla="*/ 1238479 w 1396957"/>
-              <a:gd name="connsiteY15" fmla="*/ 338478 h 1396957"/>
-              <a:gd name="connsiteX16" fmla="*/ 1308544 w 1396957"/>
-              <a:gd name="connsiteY16" fmla="*/ 324333 h 1396957"/>
-              <a:gd name="connsiteX17" fmla="*/ 1310295 w 1396957"/>
-              <a:gd name="connsiteY17" fmla="*/ 323152 h 1396957"/>
-              <a:gd name="connsiteX18" fmla="*/ 1361898 w 1396957"/>
-              <a:gd name="connsiteY18" fmla="*/ 418223 h 1396957"/>
-              <a:gd name="connsiteX19" fmla="*/ 1396957 w 1396957"/>
-              <a:gd name="connsiteY19" fmla="*/ 531166 h 1396957"/>
-              <a:gd name="connsiteX20" fmla="*/ 1394420 w 1396957"/>
-              <a:gd name="connsiteY20" fmla="*/ 531660 h 1396957"/>
-              <a:gd name="connsiteX21" fmla="*/ 1334876 w 1396957"/>
-              <a:gd name="connsiteY21" fmla="*/ 571199 h 1396957"/>
-              <a:gd name="connsiteX22" fmla="*/ 1334876 w 1396957"/>
-              <a:gd name="connsiteY22" fmla="*/ 825758 h 1396957"/>
-              <a:gd name="connsiteX23" fmla="*/ 1394420 w 1396957"/>
-              <a:gd name="connsiteY23" fmla="*/ 865299 h 1396957"/>
-              <a:gd name="connsiteX24" fmla="*/ 1396957 w 1396957"/>
-              <a:gd name="connsiteY24" fmla="*/ 865792 h 1396957"/>
-              <a:gd name="connsiteX25" fmla="*/ 1361898 w 1396957"/>
-              <a:gd name="connsiteY25" fmla="*/ 978735 h 1396957"/>
-              <a:gd name="connsiteX26" fmla="*/ 1310295 w 1396957"/>
-              <a:gd name="connsiteY26" fmla="*/ 1073805 h 1396957"/>
-              <a:gd name="connsiteX27" fmla="*/ 1308544 w 1396957"/>
-              <a:gd name="connsiteY27" fmla="*/ 1072624 h 1396957"/>
-              <a:gd name="connsiteX28" fmla="*/ 1238479 w 1396957"/>
-              <a:gd name="connsiteY28" fmla="*/ 1058479 h 1396957"/>
-              <a:gd name="connsiteX29" fmla="*/ 1058479 w 1396957"/>
-              <a:gd name="connsiteY29" fmla="*/ 1238478 h 1396957"/>
-              <a:gd name="connsiteX30" fmla="*/ 1072624 w 1396957"/>
-              <a:gd name="connsiteY30" fmla="*/ 1308543 h 1396957"/>
-              <a:gd name="connsiteX31" fmla="*/ 1073805 w 1396957"/>
-              <a:gd name="connsiteY31" fmla="*/ 1310295 h 1396957"/>
-              <a:gd name="connsiteX32" fmla="*/ 978735 w 1396957"/>
-              <a:gd name="connsiteY32" fmla="*/ 1361898 h 1396957"/>
-              <a:gd name="connsiteX33" fmla="*/ 865793 w 1396957"/>
-              <a:gd name="connsiteY33" fmla="*/ 1396957 h 1396957"/>
-              <a:gd name="connsiteX34" fmla="*/ 865299 w 1396957"/>
-              <a:gd name="connsiteY34" fmla="*/ 1394419 h 1396957"/>
-              <a:gd name="connsiteX35" fmla="*/ 825759 w 1396957"/>
-              <a:gd name="connsiteY35" fmla="*/ 1334875 h 1396957"/>
-              <a:gd name="connsiteX36" fmla="*/ 571200 w 1396957"/>
-              <a:gd name="connsiteY36" fmla="*/ 1334875 h 1396957"/>
-              <a:gd name="connsiteX37" fmla="*/ 531660 w 1396957"/>
-              <a:gd name="connsiteY37" fmla="*/ 1394420 h 1396957"/>
-              <a:gd name="connsiteX38" fmla="*/ 531167 w 1396957"/>
-              <a:gd name="connsiteY38" fmla="*/ 1396957 h 1396957"/>
-              <a:gd name="connsiteX39" fmla="*/ 418223 w 1396957"/>
-              <a:gd name="connsiteY39" fmla="*/ 1361898 h 1396957"/>
-              <a:gd name="connsiteX40" fmla="*/ 323152 w 1396957"/>
-              <a:gd name="connsiteY40" fmla="*/ 1310295 h 1396957"/>
-              <a:gd name="connsiteX41" fmla="*/ 324334 w 1396957"/>
-              <a:gd name="connsiteY41" fmla="*/ 1308543 h 1396957"/>
-              <a:gd name="connsiteX42" fmla="*/ 338479 w 1396957"/>
-              <a:gd name="connsiteY42" fmla="*/ 1238478 h 1396957"/>
-              <a:gd name="connsiteX43" fmla="*/ 158479 w 1396957"/>
-              <a:gd name="connsiteY43" fmla="*/ 1058479 h 1396957"/>
-              <a:gd name="connsiteX44" fmla="*/ 88415 w 1396957"/>
-              <a:gd name="connsiteY44" fmla="*/ 1072624 h 1396957"/>
-              <a:gd name="connsiteX45" fmla="*/ 86662 w 1396957"/>
-              <a:gd name="connsiteY45" fmla="*/ 1073805 h 1396957"/>
-              <a:gd name="connsiteX46" fmla="*/ 35060 w 1396957"/>
-              <a:gd name="connsiteY46" fmla="*/ 978735 h 1396957"/>
-              <a:gd name="connsiteX47" fmla="*/ 0 w 1396957"/>
-              <a:gd name="connsiteY47" fmla="*/ 865793 h 1396957"/>
-              <a:gd name="connsiteX48" fmla="*/ 2538 w 1396957"/>
-              <a:gd name="connsiteY48" fmla="*/ 865299 h 1396957"/>
-              <a:gd name="connsiteX49" fmla="*/ 62083 w 1396957"/>
-              <a:gd name="connsiteY49" fmla="*/ 825758 h 1396957"/>
-              <a:gd name="connsiteX50" fmla="*/ 62083 w 1396957"/>
-              <a:gd name="connsiteY50" fmla="*/ 571199 h 1396957"/>
-              <a:gd name="connsiteX51" fmla="*/ 2538 w 1396957"/>
-              <a:gd name="connsiteY51" fmla="*/ 531659 h 1396957"/>
-              <a:gd name="connsiteX52" fmla="*/ 0 w 1396957"/>
-              <a:gd name="connsiteY52" fmla="*/ 531166 h 1396957"/>
-              <a:gd name="connsiteX53" fmla="*/ 35060 w 1396957"/>
-              <a:gd name="connsiteY53" fmla="*/ 418223 h 1396957"/>
-              <a:gd name="connsiteX54" fmla="*/ 86662 w 1396957"/>
-              <a:gd name="connsiteY54" fmla="*/ 323152 h 1396957"/>
-              <a:gd name="connsiteX55" fmla="*/ 88415 w 1396957"/>
-              <a:gd name="connsiteY55" fmla="*/ 324333 h 1396957"/>
-              <a:gd name="connsiteX56" fmla="*/ 158479 w 1396957"/>
-              <a:gd name="connsiteY56" fmla="*/ 338478 h 1396957"/>
-              <a:gd name="connsiteX57" fmla="*/ 338479 w 1396957"/>
-              <a:gd name="connsiteY57" fmla="*/ 158479 h 1396957"/>
-              <a:gd name="connsiteX58" fmla="*/ 324334 w 1396957"/>
-              <a:gd name="connsiteY58" fmla="*/ 88414 h 1396957"/>
-              <a:gd name="connsiteX59" fmla="*/ 323152 w 1396957"/>
-              <a:gd name="connsiteY59" fmla="*/ 86662 h 1396957"/>
-              <a:gd name="connsiteX60" fmla="*/ 418223 w 1396957"/>
-              <a:gd name="connsiteY60" fmla="*/ 35060 h 1396957"/>
-            </a:gdLst>
-            <a:ahLst/>
-            <a:cxnLst>
-              <a:cxn ang="0">
-                <a:pos x="connsiteX0" y="connsiteY0"/>
-              </a:cxn>
-              <a:cxn ang="0">
-                <a:pos x="connsiteX1" y="connsiteY1"/>
-              </a:cxn>
-              <a:cxn ang="0">
-                <a:pos x="connsiteX2" y="connsiteY2"/>
-              </a:cxn>
-              <a:cxn ang="0">
-                <a:pos x="connsiteX3" y="connsiteY3"/>
-              </a:cxn>
-              <a:cxn ang="0">
-                <a:pos x="connsiteX4" y="connsiteY4"/>
-              </a:cxn>
-              <a:cxn ang="0">
-                <a:pos x="connsiteX5" y="connsiteY5"/>
-              </a:cxn>
-              <a:cxn ang="0">
-                <a:pos x="connsiteX6" y="connsiteY6"/>
-              </a:cxn>
-              <a:cxn ang="0">
-                <a:pos x="connsiteX7" y="connsiteY7"/>
-              </a:cxn>
-              <a:cxn ang="0">
-                <a:pos x="connsiteX8" y="connsiteY8"/>
-              </a:cxn>
-              <a:cxn ang="0">
-                <a:pos x="connsiteX9" y="connsiteY9"/>
-              </a:cxn>
-              <a:cxn ang="0">
-                <a:pos x="connsiteX10" y="connsiteY10"/>
-              </a:cxn>
-              <a:cxn ang="0">
-                <a:pos x="connsiteX11" y="connsiteY11"/>
-              </a:cxn>
-              <a:cxn ang="0">
-                <a:pos x="connsiteX12" y="connsiteY12"/>
-              </a:cxn>
-              <a:cxn ang="0">
-                <a:pos x="connsiteX13" y="connsiteY13"/>
-              </a:cxn>
-              <a:cxn ang="0">
-                <a:pos x="connsiteX14" y="connsiteY14"/>
-              </a:cxn>
-              <a:cxn ang="0">
-                <a:pos x="connsiteX15" y="connsiteY15"/>
-              </a:cxn>
-              <a:cxn ang="0">
-                <a:pos x="connsiteX16" y="connsiteY16"/>
-              </a:cxn>
-              <a:cxn ang="0">
-                <a:pos x="connsiteX17" y="connsiteY17"/>
-              </a:cxn>
-              <a:cxn ang="0">
-                <a:pos x="connsiteX18" y="connsiteY18"/>
-              </a:cxn>
-              <a:cxn ang="0">
-                <a:pos x="connsiteX19" y="connsiteY19"/>
-              </a:cxn>
-              <a:cxn ang="0">
-                <a:pos x="connsiteX20" y="connsiteY20"/>
-              </a:cxn>
-              <a:cxn ang="0">
-                <a:pos x="connsiteX21" y="connsiteY21"/>
-              </a:cxn>
-              <a:cxn ang="0">
-                <a:pos x="connsiteX22" y="connsiteY22"/>
-              </a:cxn>
-              <a:cxn ang="0">
-                <a:pos x="connsiteX23" y="connsiteY23"/>
-              </a:cxn>
-              <a:cxn ang="0">
-                <a:pos x="connsiteX24" y="connsiteY24"/>
-              </a:cxn>
-              <a:cxn ang="0">
-                <a:pos x="connsiteX25" y="connsiteY25"/>
-              </a:cxn>
-              <a:cxn ang="0">
-                <a:pos x="connsiteX26" y="connsiteY26"/>
-              </a:cxn>
-              <a:cxn ang="0">
-                <a:pos x="connsiteX27" y="connsiteY27"/>
-              </a:cxn>
-              <a:cxn ang="0">
-                <a:pos x="connsiteX28" y="connsiteY28"/>
-              </a:cxn>
-              <a:cxn ang="0">
-                <a:pos x="connsiteX29" y="connsiteY29"/>
-              </a:cxn>
-              <a:cxn ang="0">
-                <a:pos x="connsiteX30" y="connsiteY30"/>
-              </a:cxn>
-              <a:cxn ang="0">
-                <a:pos x="connsiteX31" y="connsiteY31"/>
-              </a:cxn>
-              <a:cxn ang="0">
-                <a:pos x="connsiteX32" y="connsiteY32"/>
-              </a:cxn>
-              <a:cxn ang="0">
-                <a:pos x="connsiteX33" y="connsiteY33"/>
-              </a:cxn>
-              <a:cxn ang="0">
-                <a:pos x="connsiteX34" y="connsiteY34"/>
-              </a:cxn>
-              <a:cxn ang="0">
-                <a:pos x="connsiteX35" y="connsiteY35"/>
-              </a:cxn>
-              <a:cxn ang="0">
-                <a:pos x="connsiteX36" y="connsiteY36"/>
-              </a:cxn>
-              <a:cxn ang="0">
-                <a:pos x="connsiteX37" y="connsiteY37"/>
-              </a:cxn>
-              <a:cxn ang="0">
-                <a:pos x="connsiteX38" y="connsiteY38"/>
-              </a:cxn>
-              <a:cxn ang="0">
-                <a:pos x="connsiteX39" y="connsiteY39"/>
-              </a:cxn>
-              <a:cxn ang="0">
-                <a:pos x="connsiteX40" y="connsiteY40"/>
-              </a:cxn>
-              <a:cxn ang="0">
-                <a:pos x="connsiteX41" y="connsiteY41"/>
-              </a:cxn>
-              <a:cxn ang="0">
-                <a:pos x="connsiteX42" y="connsiteY42"/>
-              </a:cxn>
-              <a:cxn ang="0">
-                <a:pos x="connsiteX43" y="connsiteY43"/>
-              </a:cxn>
-              <a:cxn ang="0">
-                <a:pos x="connsiteX44" y="connsiteY44"/>
-              </a:cxn>
-              <a:cxn ang="0">
-                <a:pos x="connsiteX45" y="connsiteY45"/>
-              </a:cxn>
-              <a:cxn ang="0">
-                <a:pos x="connsiteX46" y="connsiteY46"/>
-              </a:cxn>
-              <a:cxn ang="0">
-                <a:pos x="connsiteX47" y="connsiteY47"/>
-              </a:cxn>
-              <a:cxn ang="0">
-                <a:pos x="connsiteX48" y="connsiteY48"/>
-              </a:cxn>
-              <a:cxn ang="0">
-                <a:pos x="connsiteX49" y="connsiteY49"/>
-              </a:cxn>
-              <a:cxn ang="0">
-                <a:pos x="connsiteX50" y="connsiteY50"/>
-              </a:cxn>
-              <a:cxn ang="0">
-                <a:pos x="connsiteX51" y="connsiteY51"/>
-              </a:cxn>
-              <a:cxn ang="0">
-                <a:pos x="connsiteX52" y="connsiteY52"/>
-              </a:cxn>
-              <a:cxn ang="0">
-                <a:pos x="connsiteX53" y="connsiteY53"/>
-              </a:cxn>
-              <a:cxn ang="0">
-                <a:pos x="connsiteX54" y="connsiteY54"/>
-              </a:cxn>
-              <a:cxn ang="0">
-                <a:pos x="connsiteX55" y="connsiteY55"/>
-              </a:cxn>
-              <a:cxn ang="0">
-                <a:pos x="connsiteX56" y="connsiteY56"/>
-              </a:cxn>
-              <a:cxn ang="0">
-                <a:pos x="connsiteX57" y="connsiteY57"/>
-              </a:cxn>
-              <a:cxn ang="0">
-                <a:pos x="connsiteX58" y="connsiteY58"/>
-              </a:cxn>
-              <a:cxn ang="0">
-                <a:pos x="connsiteX59" y="connsiteY59"/>
-              </a:cxn>
-              <a:cxn ang="0">
-                <a:pos x="connsiteX60" y="connsiteY60"/>
-              </a:cxn>
-            </a:cxnLst>
-            <a:rect l="l" t="t" r="r" b="b"/>
-            <a:pathLst>
-              <a:path w="1396957" h="1396957">
-                <a:moveTo>
-                  <a:pt x="698478" y="410478"/>
-                </a:moveTo>
-                <a:cubicBezTo>
-                  <a:pt x="539420" y="410478"/>
-                  <a:pt x="410478" y="539420"/>
-                  <a:pt x="410478" y="698478"/>
-                </a:cubicBezTo>
-                <a:cubicBezTo>
-                  <a:pt x="410478" y="857536"/>
-                  <a:pt x="539420" y="986478"/>
-                  <a:pt x="698478" y="986478"/>
-                </a:cubicBezTo>
-                <a:cubicBezTo>
-                  <a:pt x="857536" y="986478"/>
-                  <a:pt x="986478" y="857536"/>
-                  <a:pt x="986478" y="698478"/>
-                </a:cubicBezTo>
-                <a:cubicBezTo>
-                  <a:pt x="986478" y="539420"/>
-                  <a:pt x="857536" y="410478"/>
-                  <a:pt x="698478" y="410478"/>
-                </a:cubicBezTo>
-                <a:close/>
-                <a:moveTo>
-                  <a:pt x="531166" y="0"/>
-                </a:moveTo>
-                <a:lnTo>
-                  <a:pt x="531660" y="2537"/>
-                </a:lnTo>
-                <a:cubicBezTo>
-                  <a:pt x="540447" y="24205"/>
-                  <a:pt x="553626" y="44509"/>
-                  <a:pt x="571200" y="62082"/>
-                </a:cubicBezTo>
-                <a:cubicBezTo>
-                  <a:pt x="641494" y="132377"/>
-                  <a:pt x="755464" y="132377"/>
-                  <a:pt x="825759" y="62082"/>
-                </a:cubicBezTo>
-                <a:cubicBezTo>
-                  <a:pt x="843332" y="44509"/>
-                  <a:pt x="856512" y="24205"/>
-                  <a:pt x="865299" y="2538"/>
-                </a:cubicBezTo>
-                <a:lnTo>
-                  <a:pt x="865793" y="0"/>
-                </a:lnTo>
-                <a:lnTo>
-                  <a:pt x="978735" y="35060"/>
-                </a:lnTo>
-                <a:lnTo>
-                  <a:pt x="1073805" y="86662"/>
-                </a:lnTo>
-                <a:lnTo>
-                  <a:pt x="1072624" y="88414"/>
-                </a:lnTo>
-                <a:cubicBezTo>
-                  <a:pt x="1063516" y="109949"/>
-                  <a:pt x="1058479" y="133626"/>
-                  <a:pt x="1058479" y="158479"/>
-                </a:cubicBezTo>
-                <a:cubicBezTo>
-                  <a:pt x="1058479" y="257889"/>
-                  <a:pt x="1139069" y="338478"/>
-                  <a:pt x="1238479" y="338478"/>
-                </a:cubicBezTo>
-                <a:cubicBezTo>
-                  <a:pt x="1263332" y="338479"/>
-                  <a:pt x="1287009" y="333442"/>
-                  <a:pt x="1308544" y="324333"/>
-                </a:cubicBezTo>
-                <a:lnTo>
-                  <a:pt x="1310295" y="323152"/>
-                </a:lnTo>
-                <a:lnTo>
-                  <a:pt x="1361898" y="418223"/>
-                </a:lnTo>
-                <a:lnTo>
-                  <a:pt x="1396957" y="531166"/>
-                </a:lnTo>
-                <a:lnTo>
-                  <a:pt x="1394420" y="531660"/>
-                </a:lnTo>
-                <a:cubicBezTo>
-                  <a:pt x="1372752" y="540447"/>
-                  <a:pt x="1352449" y="553626"/>
-                  <a:pt x="1334876" y="571199"/>
-                </a:cubicBezTo>
-                <a:cubicBezTo>
-                  <a:pt x="1264581" y="641494"/>
-                  <a:pt x="1264581" y="755464"/>
-                  <a:pt x="1334876" y="825758"/>
-                </a:cubicBezTo>
-                <a:cubicBezTo>
-                  <a:pt x="1352449" y="843331"/>
-                  <a:pt x="1372752" y="856512"/>
-                  <a:pt x="1394420" y="865299"/>
-                </a:cubicBezTo>
-                <a:lnTo>
-                  <a:pt x="1396957" y="865792"/>
-                </a:lnTo>
-                <a:lnTo>
-                  <a:pt x="1361898" y="978735"/>
-                </a:lnTo>
-                <a:lnTo>
-                  <a:pt x="1310295" y="1073805"/>
-                </a:lnTo>
-                <a:lnTo>
-                  <a:pt x="1308544" y="1072624"/>
-                </a:lnTo>
-                <a:cubicBezTo>
-                  <a:pt x="1287009" y="1063515"/>
-                  <a:pt x="1263332" y="1058478"/>
-                  <a:pt x="1238479" y="1058479"/>
-                </a:cubicBezTo>
-                <a:cubicBezTo>
-                  <a:pt x="1139069" y="1058479"/>
-                  <a:pt x="1058479" y="1139068"/>
-                  <a:pt x="1058479" y="1238478"/>
-                </a:cubicBezTo>
-                <a:cubicBezTo>
-                  <a:pt x="1058479" y="1263331"/>
-                  <a:pt x="1063516" y="1287008"/>
-                  <a:pt x="1072624" y="1308543"/>
-                </a:cubicBezTo>
-                <a:lnTo>
-                  <a:pt x="1073805" y="1310295"/>
-                </a:lnTo>
-                <a:lnTo>
-                  <a:pt x="978735" y="1361898"/>
-                </a:lnTo>
-                <a:lnTo>
-                  <a:pt x="865793" y="1396957"/>
-                </a:lnTo>
-                <a:lnTo>
-                  <a:pt x="865299" y="1394419"/>
-                </a:lnTo>
-                <a:cubicBezTo>
-                  <a:pt x="856512" y="1372752"/>
-                  <a:pt x="843332" y="1352448"/>
-                  <a:pt x="825759" y="1334875"/>
-                </a:cubicBezTo>
-                <a:cubicBezTo>
-                  <a:pt x="755464" y="1264581"/>
-                  <a:pt x="641494" y="1264581"/>
-                  <a:pt x="571200" y="1334875"/>
-                </a:cubicBezTo>
-                <a:cubicBezTo>
-                  <a:pt x="553626" y="1352448"/>
-                  <a:pt x="540447" y="1372752"/>
-                  <a:pt x="531660" y="1394420"/>
-                </a:cubicBezTo>
-                <a:lnTo>
-                  <a:pt x="531167" y="1396957"/>
-                </a:lnTo>
-                <a:lnTo>
-                  <a:pt x="418223" y="1361898"/>
-                </a:lnTo>
-                <a:lnTo>
-                  <a:pt x="323152" y="1310295"/>
-                </a:lnTo>
-                <a:lnTo>
-                  <a:pt x="324334" y="1308543"/>
-                </a:lnTo>
-                <a:cubicBezTo>
-                  <a:pt x="333442" y="1287008"/>
-                  <a:pt x="338479" y="1263332"/>
-                  <a:pt x="338479" y="1238478"/>
-                </a:cubicBezTo>
-                <a:cubicBezTo>
-                  <a:pt x="338479" y="1139068"/>
-                  <a:pt x="257890" y="1058479"/>
-                  <a:pt x="158479" y="1058479"/>
-                </a:cubicBezTo>
-                <a:cubicBezTo>
-                  <a:pt x="133626" y="1058479"/>
-                  <a:pt x="109950" y="1063515"/>
-                  <a:pt x="88415" y="1072624"/>
-                </a:cubicBezTo>
-                <a:lnTo>
-                  <a:pt x="86662" y="1073805"/>
-                </a:lnTo>
-                <a:lnTo>
-                  <a:pt x="35060" y="978735"/>
-                </a:lnTo>
-                <a:lnTo>
-                  <a:pt x="0" y="865793"/>
-                </a:lnTo>
-                <a:lnTo>
-                  <a:pt x="2538" y="865299"/>
-                </a:lnTo>
-                <a:cubicBezTo>
-                  <a:pt x="24206" y="856511"/>
-                  <a:pt x="44509" y="843332"/>
-                  <a:pt x="62083" y="825758"/>
-                </a:cubicBezTo>
-                <a:cubicBezTo>
-                  <a:pt x="132377" y="755464"/>
-                  <a:pt x="132377" y="641494"/>
-                  <a:pt x="62083" y="571199"/>
-                </a:cubicBezTo>
-                <a:cubicBezTo>
-                  <a:pt x="44509" y="553626"/>
-                  <a:pt x="24206" y="540446"/>
-                  <a:pt x="2538" y="531659"/>
-                </a:cubicBezTo>
-                <a:lnTo>
-                  <a:pt x="0" y="531166"/>
-                </a:lnTo>
-                <a:lnTo>
-                  <a:pt x="35060" y="418223"/>
-                </a:lnTo>
-                <a:lnTo>
-                  <a:pt x="86662" y="323152"/>
-                </a:lnTo>
-                <a:lnTo>
-                  <a:pt x="88415" y="324333"/>
-                </a:lnTo>
-                <a:cubicBezTo>
-                  <a:pt x="109950" y="333442"/>
-                  <a:pt x="133626" y="338478"/>
-                  <a:pt x="158479" y="338478"/>
-                </a:cubicBezTo>
-                <a:cubicBezTo>
-                  <a:pt x="257890" y="338478"/>
-                  <a:pt x="338479" y="257889"/>
-                  <a:pt x="338479" y="158479"/>
-                </a:cubicBezTo>
-                <a:cubicBezTo>
-                  <a:pt x="338479" y="133625"/>
-                  <a:pt x="333442" y="109949"/>
-                  <a:pt x="324334" y="88414"/>
-                </a:cubicBezTo>
-                <a:lnTo>
-                  <a:pt x="323152" y="86662"/>
-                </a:lnTo>
-                <a:lnTo>
-                  <a:pt x="418223" y="35060"/>
-                </a:lnTo>
-                <a:close/>
-              </a:path>
-            </a:pathLst>
-          </a:custGeom>
-          <a:noFill/>
-          <a:ln w="38100">
-            <a:solidFill>
-              <a:srgbClr val="808080"/>
-            </a:solidFill>
-          </a:ln>
-        </p:spPr>
-        <p:style>
-          <a:lnRef idx="2">
-            <a:schemeClr val="accent1">
-              <a:shade val="15000"/>
-            </a:schemeClr>
-          </a:lnRef>
-          <a:fillRef idx="1">
-            <a:schemeClr val="accent1"/>
-          </a:fillRef>
-          <a:effectRef idx="0">
-            <a:schemeClr val="accent1"/>
-          </a:effectRef>
-          <a:fontRef idx="minor">
-            <a:schemeClr val="lt1"/>
-          </a:fontRef>
-        </p:style>
-        <p:txBody>
-          <a:bodyPr wrap="square" rtlCol="0" anchor="ctr">
-            <a:noAutofit/>
-          </a:bodyPr>
-          <a:lstStyle/>
-          <a:p>
-            <a:pPr algn="ctr"/>
-            <a:endParaRPr lang="zh-TW" altLang="en-US"/>
-          </a:p>
-        </p:txBody>
-      </p:sp>
-      <p:sp>
-        <p:nvSpPr>
-          <p:cNvPr id="98" name="矩形 97">
-            <a:extLst>
-              <a:ext uri="{FF2B5EF4-FFF2-40B4-BE49-F238E27FC236}">
-                <a16:creationId xmlns:a16="http://schemas.microsoft.com/office/drawing/2014/main" id="{2B8570FA-F899-4E8C-2147-FA5F6269E1D3}"/>
-              </a:ext>
-            </a:extLst>
-          </p:cNvPr>
-          <p:cNvSpPr/>
-          <p:nvPr/>
-        </p:nvSpPr>
-        <p:spPr>
-          <a:xfrm>
-            <a:off x="2227417" y="2878312"/>
-            <a:ext cx="720000" cy="720000"/>
-          </a:xfrm>
-          <a:prstGeom prst="rect">
-            <a:avLst/>
-          </a:prstGeom>
-          <a:solidFill>
-            <a:schemeClr val="bg1"/>
-          </a:solidFill>
-        </p:spPr>
-        <p:style>
-          <a:lnRef idx="2">
-            <a:schemeClr val="accent1">
-              <a:shade val="15000"/>
-            </a:schemeClr>
-          </a:lnRef>
-          <a:fillRef idx="1">
-            <a:schemeClr val="accent1"/>
-          </a:fillRef>
-          <a:effectRef idx="0">
-            <a:schemeClr val="accent1"/>
-          </a:effectRef>
-          <a:fontRef idx="minor">
-            <a:schemeClr val="lt1"/>
-          </a:fontRef>
-        </p:style>
-        <p:txBody>
-          <a:bodyPr rtlCol="0" anchor="ctr"/>
-          <a:lstStyle/>
-          <a:p>
-            <a:pPr algn="ctr"/>
-            <a:endParaRPr lang="zh-TW" altLang="en-US"/>
-          </a:p>
-        </p:txBody>
-      </p:sp>
-      <p:grpSp>
-        <p:nvGrpSpPr>
-          <p:cNvPr id="95" name="群組 94">
-            <a:extLst>
-              <a:ext uri="{FF2B5EF4-FFF2-40B4-BE49-F238E27FC236}">
-                <a16:creationId xmlns:a16="http://schemas.microsoft.com/office/drawing/2014/main" id="{7F056276-4812-0E78-652E-E334EA063287}"/>
+                <a16:creationId xmlns:a16="http://schemas.microsoft.com/office/drawing/2014/main" id="{71EC467E-7CD6-0E4D-0288-3139A278DC74}"/>
               </a:ext>
             </a:extLst>
           </p:cNvPr>
@@ -7801,7 +10434,7 @@
         </p:nvGrpSpPr>
         <p:grpSpPr>
           <a:xfrm>
-            <a:off x="2385808" y="2986312"/>
+            <a:off x="940414" y="2268650"/>
             <a:ext cx="403218" cy="504000"/>
             <a:chOff x="4080062" y="2297337"/>
             <a:chExt cx="417600" cy="521977"/>
@@ -7809,10 +10442,10 @@
         </p:grpSpPr>
         <p:sp>
           <p:nvSpPr>
-            <p:cNvPr id="96" name="拱形 95">
+            <p:cNvPr id="125" name="拱形 124">
               <a:extLst>
                 <a:ext uri="{FF2B5EF4-FFF2-40B4-BE49-F238E27FC236}">
-                  <a16:creationId xmlns:a16="http://schemas.microsoft.com/office/drawing/2014/main" id="{E7A646C3-17AA-3929-5473-0B62B8816F55}"/>
+                  <a16:creationId xmlns:a16="http://schemas.microsoft.com/office/drawing/2014/main" id="{DA1217CA-4FEB-640B-16B3-7232C8DBD870}"/>
                 </a:ext>
               </a:extLst>
             </p:cNvPr>
@@ -7828,11 +10461,11 @@
               <a:avLst/>
             </a:prstGeom>
             <a:solidFill>
-              <a:srgbClr val="808080"/>
+              <a:srgbClr val="009DBF"/>
             </a:solidFill>
             <a:ln>
               <a:solidFill>
-                <a:srgbClr val="808080"/>
+                <a:srgbClr val="009DBF"/>
               </a:solidFill>
             </a:ln>
           </p:spPr>
@@ -7857,7 +10490,7 @@
             <a:lstStyle/>
             <a:p>
               <a:pPr algn="ctr"/>
-              <a:endParaRPr lang="zh-TW" altLang="en-US">
+              <a:endParaRPr lang="zh-TW" altLang="en-US" dirty="0">
                 <a:solidFill>
                   <a:schemeClr val="tx1"/>
                 </a:solidFill>
@@ -7867,10 +10500,10 @@
         </p:sp>
         <p:sp>
           <p:nvSpPr>
-            <p:cNvPr id="97" name="手繪多邊形: 圖案 96">
+            <p:cNvPr id="126" name="手繪多邊形: 圖案 125">
               <a:extLst>
                 <a:ext uri="{FF2B5EF4-FFF2-40B4-BE49-F238E27FC236}">
-                  <a16:creationId xmlns:a16="http://schemas.microsoft.com/office/drawing/2014/main" id="{E147F779-0C3A-65EF-3FA5-55C3E1D12C3F}"/>
+                  <a16:creationId xmlns:a16="http://schemas.microsoft.com/office/drawing/2014/main" id="{A901729F-6519-8B84-C16E-8DE0F2D49BC9}"/>
                 </a:ext>
               </a:extLst>
             </p:cNvPr>
@@ -8053,7 +10686,7 @@
             <a:noFill/>
             <a:ln w="38100">
               <a:solidFill>
-                <a:srgbClr val="808080"/>
+                <a:srgbClr val="009DBF"/>
               </a:solidFill>
             </a:ln>
           </p:spPr>
@@ -8085,1853 +10718,6 @@
           </p:txBody>
         </p:sp>
       </p:grpSp>
-      <p:sp>
-        <p:nvSpPr>
-          <p:cNvPr id="112" name="矩形 111">
-            <a:extLst>
-              <a:ext uri="{FF2B5EF4-FFF2-40B4-BE49-F238E27FC236}">
-                <a16:creationId xmlns:a16="http://schemas.microsoft.com/office/drawing/2014/main" id="{99582B2D-2A3A-AF39-1720-D83E082EA8E1}"/>
-              </a:ext>
-            </a:extLst>
-          </p:cNvPr>
-          <p:cNvSpPr/>
-          <p:nvPr/>
-        </p:nvSpPr>
-        <p:spPr>
-          <a:xfrm>
-            <a:off x="2226658" y="2160000"/>
-            <a:ext cx="720000" cy="720000"/>
-          </a:xfrm>
-          <a:prstGeom prst="rect">
-            <a:avLst/>
-          </a:prstGeom>
-          <a:solidFill>
-            <a:schemeClr val="bg1"/>
-          </a:solidFill>
-        </p:spPr>
-        <p:style>
-          <a:lnRef idx="2">
-            <a:schemeClr val="accent1">
-              <a:shade val="15000"/>
-            </a:schemeClr>
-          </a:lnRef>
-          <a:fillRef idx="1">
-            <a:schemeClr val="accent1"/>
-          </a:fillRef>
-          <a:effectRef idx="0">
-            <a:schemeClr val="accent1"/>
-          </a:effectRef>
-          <a:fontRef idx="minor">
-            <a:schemeClr val="lt1"/>
-          </a:fontRef>
-        </p:style>
-        <p:txBody>
-          <a:bodyPr rtlCol="0" anchor="ctr"/>
-          <a:lstStyle/>
-          <a:p>
-            <a:pPr algn="ctr"/>
-            <a:endParaRPr lang="zh-TW" altLang="en-US"/>
-          </a:p>
-        </p:txBody>
-      </p:sp>
-      <p:grpSp>
-        <p:nvGrpSpPr>
-          <p:cNvPr id="135" name="群組 134">
-            <a:extLst>
-              <a:ext uri="{FF2B5EF4-FFF2-40B4-BE49-F238E27FC236}">
-                <a16:creationId xmlns:a16="http://schemas.microsoft.com/office/drawing/2014/main" id="{F0E6F98F-467B-39E6-CE81-0D7F05D9DE56}"/>
-              </a:ext>
-            </a:extLst>
-          </p:cNvPr>
-          <p:cNvGrpSpPr/>
-          <p:nvPr/>
-        </p:nvGrpSpPr>
-        <p:grpSpPr>
-          <a:xfrm>
-            <a:off x="2334658" y="2347200"/>
-            <a:ext cx="504000" cy="345600"/>
-            <a:chOff x="3473259" y="2377440"/>
-            <a:chExt cx="504000" cy="345600"/>
-          </a:xfrm>
-        </p:grpSpPr>
-        <p:sp>
-          <p:nvSpPr>
-            <p:cNvPr id="114" name="矩形: 圓角 113">
-              <a:extLst>
-                <a:ext uri="{FF2B5EF4-FFF2-40B4-BE49-F238E27FC236}">
-                  <a16:creationId xmlns:a16="http://schemas.microsoft.com/office/drawing/2014/main" id="{CD6589A0-DAF8-ABDB-58FF-3E83BF0B7C09}"/>
-                </a:ext>
-              </a:extLst>
-            </p:cNvPr>
-            <p:cNvSpPr/>
-            <p:nvPr/>
-          </p:nvSpPr>
-          <p:spPr>
-            <a:xfrm>
-              <a:off x="3473259" y="2377440"/>
-              <a:ext cx="504000" cy="345600"/>
-            </a:xfrm>
-            <a:prstGeom prst="roundRect">
-              <a:avLst/>
-            </a:prstGeom>
-            <a:noFill/>
-            <a:ln w="38100">
-              <a:solidFill>
-                <a:srgbClr val="808080"/>
-              </a:solidFill>
-            </a:ln>
-          </p:spPr>
-          <p:style>
-            <a:lnRef idx="2">
-              <a:schemeClr val="accent1">
-                <a:shade val="15000"/>
-              </a:schemeClr>
-            </a:lnRef>
-            <a:fillRef idx="1">
-              <a:schemeClr val="accent1"/>
-            </a:fillRef>
-            <a:effectRef idx="0">
-              <a:schemeClr val="accent1"/>
-            </a:effectRef>
-            <a:fontRef idx="minor">
-              <a:schemeClr val="lt1"/>
-            </a:fontRef>
-          </p:style>
-          <p:txBody>
-            <a:bodyPr rtlCol="0" anchor="ctr"/>
-            <a:lstStyle/>
-            <a:p>
-              <a:pPr algn="ctr"/>
-              <a:endParaRPr lang="zh-TW" altLang="en-US"/>
-            </a:p>
-          </p:txBody>
-        </p:sp>
-        <p:sp>
-          <p:nvSpPr>
-            <p:cNvPr id="134" name="手繪多邊形: 圖案 133">
-              <a:extLst>
-                <a:ext uri="{FF2B5EF4-FFF2-40B4-BE49-F238E27FC236}">
-                  <a16:creationId xmlns:a16="http://schemas.microsoft.com/office/drawing/2014/main" id="{1206396E-6DA2-36B6-8367-686F230DBBC1}"/>
-                </a:ext>
-              </a:extLst>
-            </p:cNvPr>
-            <p:cNvSpPr/>
-            <p:nvPr/>
-          </p:nvSpPr>
-          <p:spPr>
-            <a:xfrm>
-              <a:off x="3473259" y="2377440"/>
-              <a:ext cx="504000" cy="172800"/>
-            </a:xfrm>
-            <a:custGeom>
-              <a:avLst/>
-              <a:gdLst>
-                <a:gd name="connsiteX0" fmla="*/ 57601 w 504000"/>
-                <a:gd name="connsiteY0" fmla="*/ 0 h 172800"/>
-                <a:gd name="connsiteX1" fmla="*/ 446399 w 504000"/>
-                <a:gd name="connsiteY1" fmla="*/ 0 h 172800"/>
-                <a:gd name="connsiteX2" fmla="*/ 504000 w 504000"/>
-                <a:gd name="connsiteY2" fmla="*/ 57601 h 172800"/>
-                <a:gd name="connsiteX3" fmla="*/ 504000 w 504000"/>
-                <a:gd name="connsiteY3" fmla="*/ 86400 h 172800"/>
-                <a:gd name="connsiteX4" fmla="*/ 252000 w 504000"/>
-                <a:gd name="connsiteY4" fmla="*/ 172800 h 172800"/>
-                <a:gd name="connsiteX5" fmla="*/ 0 w 504000"/>
-                <a:gd name="connsiteY5" fmla="*/ 86400 h 172800"/>
-                <a:gd name="connsiteX6" fmla="*/ 0 w 504000"/>
-                <a:gd name="connsiteY6" fmla="*/ 57601 h 172800"/>
-                <a:gd name="connsiteX7" fmla="*/ 57601 w 504000"/>
-                <a:gd name="connsiteY7" fmla="*/ 0 h 172800"/>
-              </a:gdLst>
-              <a:ahLst/>
-              <a:cxnLst>
-                <a:cxn ang="0">
-                  <a:pos x="connsiteX0" y="connsiteY0"/>
-                </a:cxn>
-                <a:cxn ang="0">
-                  <a:pos x="connsiteX1" y="connsiteY1"/>
-                </a:cxn>
-                <a:cxn ang="0">
-                  <a:pos x="connsiteX2" y="connsiteY2"/>
-                </a:cxn>
-                <a:cxn ang="0">
-                  <a:pos x="connsiteX3" y="connsiteY3"/>
-                </a:cxn>
-                <a:cxn ang="0">
-                  <a:pos x="connsiteX4" y="connsiteY4"/>
-                </a:cxn>
-                <a:cxn ang="0">
-                  <a:pos x="connsiteX5" y="connsiteY5"/>
-                </a:cxn>
-                <a:cxn ang="0">
-                  <a:pos x="connsiteX6" y="connsiteY6"/>
-                </a:cxn>
-                <a:cxn ang="0">
-                  <a:pos x="connsiteX7" y="connsiteY7"/>
-                </a:cxn>
-              </a:cxnLst>
-              <a:rect l="l" t="t" r="r" b="b"/>
-              <a:pathLst>
-                <a:path w="504000" h="172800">
-                  <a:moveTo>
-                    <a:pt x="57601" y="0"/>
-                  </a:moveTo>
-                  <a:lnTo>
-                    <a:pt x="446399" y="0"/>
-                  </a:lnTo>
-                  <a:cubicBezTo>
-                    <a:pt x="478211" y="0"/>
-                    <a:pt x="504000" y="25789"/>
-                    <a:pt x="504000" y="57601"/>
-                  </a:cubicBezTo>
-                  <a:lnTo>
-                    <a:pt x="504000" y="86400"/>
-                  </a:lnTo>
-                  <a:lnTo>
-                    <a:pt x="252000" y="172800"/>
-                  </a:lnTo>
-                  <a:lnTo>
-                    <a:pt x="0" y="86400"/>
-                  </a:lnTo>
-                  <a:lnTo>
-                    <a:pt x="0" y="57601"/>
-                  </a:lnTo>
-                  <a:cubicBezTo>
-                    <a:pt x="0" y="25789"/>
-                    <a:pt x="25789" y="0"/>
-                    <a:pt x="57601" y="0"/>
-                  </a:cubicBezTo>
-                  <a:close/>
-                </a:path>
-              </a:pathLst>
-            </a:custGeom>
-            <a:noFill/>
-            <a:ln w="38100">
-              <a:solidFill>
-                <a:srgbClr val="808080"/>
-              </a:solidFill>
-            </a:ln>
-          </p:spPr>
-          <p:style>
-            <a:lnRef idx="2">
-              <a:schemeClr val="accent1">
-                <a:shade val="15000"/>
-              </a:schemeClr>
-            </a:lnRef>
-            <a:fillRef idx="1">
-              <a:schemeClr val="accent1"/>
-            </a:fillRef>
-            <a:effectRef idx="0">
-              <a:schemeClr val="accent1"/>
-            </a:effectRef>
-            <a:fontRef idx="minor">
-              <a:schemeClr val="lt1"/>
-            </a:fontRef>
-          </p:style>
-          <p:txBody>
-            <a:bodyPr wrap="square" rtlCol="0" anchor="ctr">
-              <a:noAutofit/>
-            </a:bodyPr>
-            <a:lstStyle/>
-            <a:p>
-              <a:pPr algn="ctr"/>
-              <a:endParaRPr lang="zh-TW" altLang="en-US"/>
-            </a:p>
-          </p:txBody>
-        </p:sp>
-      </p:grpSp>
-      <p:sp>
-        <p:nvSpPr>
-          <p:cNvPr id="136" name="矩形 135">
-            <a:extLst>
-              <a:ext uri="{FF2B5EF4-FFF2-40B4-BE49-F238E27FC236}">
-                <a16:creationId xmlns:a16="http://schemas.microsoft.com/office/drawing/2014/main" id="{3F253551-A3E1-763E-AE47-21917D4553E9}"/>
-              </a:ext>
-            </a:extLst>
-          </p:cNvPr>
-          <p:cNvSpPr/>
-          <p:nvPr/>
-        </p:nvSpPr>
-        <p:spPr>
-          <a:xfrm>
-            <a:off x="2219847" y="3600000"/>
-            <a:ext cx="720000" cy="720000"/>
-          </a:xfrm>
-          <a:prstGeom prst="rect">
-            <a:avLst/>
-          </a:prstGeom>
-          <a:solidFill>
-            <a:schemeClr val="bg1"/>
-          </a:solidFill>
-        </p:spPr>
-        <p:style>
-          <a:lnRef idx="2">
-            <a:schemeClr val="accent1">
-              <a:shade val="15000"/>
-            </a:schemeClr>
-          </a:lnRef>
-          <a:fillRef idx="1">
-            <a:schemeClr val="accent1"/>
-          </a:fillRef>
-          <a:effectRef idx="0">
-            <a:schemeClr val="accent1"/>
-          </a:effectRef>
-          <a:fontRef idx="minor">
-            <a:schemeClr val="lt1"/>
-          </a:fontRef>
-        </p:style>
-        <p:txBody>
-          <a:bodyPr rtlCol="0" anchor="ctr"/>
-          <a:lstStyle/>
-          <a:p>
-            <a:pPr algn="ctr"/>
-            <a:endParaRPr lang="zh-TW" altLang="en-US"/>
-          </a:p>
-        </p:txBody>
-      </p:sp>
-      <p:grpSp>
-        <p:nvGrpSpPr>
-          <p:cNvPr id="150" name="群組 149">
-            <a:extLst>
-              <a:ext uri="{FF2B5EF4-FFF2-40B4-BE49-F238E27FC236}">
-                <a16:creationId xmlns:a16="http://schemas.microsoft.com/office/drawing/2014/main" id="{38E3E58B-E919-D120-9283-ED457F10FF4F}"/>
-              </a:ext>
-            </a:extLst>
-          </p:cNvPr>
-          <p:cNvGrpSpPr/>
-          <p:nvPr/>
-        </p:nvGrpSpPr>
-        <p:grpSpPr>
-          <a:xfrm>
-            <a:off x="2363847" y="3708000"/>
-            <a:ext cx="432000" cy="504000"/>
-            <a:chOff x="6254700" y="1917374"/>
-            <a:chExt cx="432000" cy="504000"/>
-          </a:xfrm>
-        </p:grpSpPr>
-        <p:sp>
-          <p:nvSpPr>
-            <p:cNvPr id="137" name="矩形: 圓角 136">
-              <a:extLst>
-                <a:ext uri="{FF2B5EF4-FFF2-40B4-BE49-F238E27FC236}">
-                  <a16:creationId xmlns:a16="http://schemas.microsoft.com/office/drawing/2014/main" id="{1FF7A388-E4FC-4085-2C59-23735E159FFF}"/>
-                </a:ext>
-              </a:extLst>
-            </p:cNvPr>
-            <p:cNvSpPr/>
-            <p:nvPr/>
-          </p:nvSpPr>
-          <p:spPr>
-            <a:xfrm>
-              <a:off x="6254700" y="2133374"/>
-              <a:ext cx="432000" cy="288000"/>
-            </a:xfrm>
-            <a:prstGeom prst="roundRect">
-              <a:avLst/>
-            </a:prstGeom>
-            <a:noFill/>
-            <a:ln w="38100">
-              <a:solidFill>
-                <a:srgbClr val="808080"/>
-              </a:solidFill>
-            </a:ln>
-          </p:spPr>
-          <p:style>
-            <a:lnRef idx="2">
-              <a:schemeClr val="accent1">
-                <a:shade val="15000"/>
-              </a:schemeClr>
-            </a:lnRef>
-            <a:fillRef idx="1">
-              <a:schemeClr val="accent1"/>
-            </a:fillRef>
-            <a:effectRef idx="0">
-              <a:schemeClr val="accent1"/>
-            </a:effectRef>
-            <a:fontRef idx="minor">
-              <a:schemeClr val="lt1"/>
-            </a:fontRef>
-          </p:style>
-          <p:txBody>
-            <a:bodyPr rtlCol="0" anchor="ctr"/>
-            <a:lstStyle/>
-            <a:p>
-              <a:pPr algn="ctr"/>
-              <a:endParaRPr lang="zh-TW" altLang="en-US"/>
-            </a:p>
-          </p:txBody>
-        </p:sp>
-        <p:sp>
-          <p:nvSpPr>
-            <p:cNvPr id="139" name="流程圖: 延遲 138">
-              <a:extLst>
-                <a:ext uri="{FF2B5EF4-FFF2-40B4-BE49-F238E27FC236}">
-                  <a16:creationId xmlns:a16="http://schemas.microsoft.com/office/drawing/2014/main" id="{68B02AC4-2A19-82EB-6319-61C6A53A977B}"/>
-                </a:ext>
-              </a:extLst>
-            </p:cNvPr>
-            <p:cNvSpPr/>
-            <p:nvPr/>
-          </p:nvSpPr>
-          <p:spPr>
-            <a:xfrm rot="16200000">
-              <a:off x="6362700" y="1881374"/>
-              <a:ext cx="216000" cy="288000"/>
-            </a:xfrm>
-            <a:prstGeom prst="flowChartDelay">
-              <a:avLst/>
-            </a:prstGeom>
-            <a:noFill/>
-            <a:ln w="38100">
-              <a:solidFill>
-                <a:srgbClr val="808080"/>
-              </a:solidFill>
-            </a:ln>
-          </p:spPr>
-          <p:style>
-            <a:lnRef idx="2">
-              <a:schemeClr val="accent1">
-                <a:shade val="15000"/>
-              </a:schemeClr>
-            </a:lnRef>
-            <a:fillRef idx="1">
-              <a:schemeClr val="accent1"/>
-            </a:fillRef>
-            <a:effectRef idx="0">
-              <a:schemeClr val="accent1"/>
-            </a:effectRef>
-            <a:fontRef idx="minor">
-              <a:schemeClr val="lt1"/>
-            </a:fontRef>
-          </p:style>
-          <p:txBody>
-            <a:bodyPr rtlCol="0" anchor="ctr"/>
-            <a:lstStyle/>
-            <a:p>
-              <a:pPr algn="ctr"/>
-              <a:endParaRPr lang="zh-TW" altLang="en-US"/>
-            </a:p>
-          </p:txBody>
-        </p:sp>
-      </p:grpSp>
-      <p:sp>
-        <p:nvSpPr>
-          <p:cNvPr id="180" name="矩形 179">
-            <a:extLst>
-              <a:ext uri="{FF2B5EF4-FFF2-40B4-BE49-F238E27FC236}">
-                <a16:creationId xmlns:a16="http://schemas.microsoft.com/office/drawing/2014/main" id="{DCF9AC1C-CB2C-B901-D805-2F04B441D726}"/>
-              </a:ext>
-            </a:extLst>
-          </p:cNvPr>
-          <p:cNvSpPr/>
-          <p:nvPr/>
-        </p:nvSpPr>
-        <p:spPr>
-          <a:xfrm>
-            <a:off x="2222623" y="4320000"/>
-            <a:ext cx="720000" cy="720000"/>
-          </a:xfrm>
-          <a:prstGeom prst="rect">
-            <a:avLst/>
-          </a:prstGeom>
-          <a:solidFill>
-            <a:schemeClr val="bg1"/>
-          </a:solidFill>
-        </p:spPr>
-        <p:style>
-          <a:lnRef idx="2">
-            <a:schemeClr val="accent1">
-              <a:shade val="15000"/>
-            </a:schemeClr>
-          </a:lnRef>
-          <a:fillRef idx="1">
-            <a:schemeClr val="accent1"/>
-          </a:fillRef>
-          <a:effectRef idx="0">
-            <a:schemeClr val="accent1"/>
-          </a:effectRef>
-          <a:fontRef idx="minor">
-            <a:schemeClr val="lt1"/>
-          </a:fontRef>
-        </p:style>
-        <p:txBody>
-          <a:bodyPr rtlCol="0" anchor="ctr"/>
-          <a:lstStyle/>
-          <a:p>
-            <a:pPr algn="ctr"/>
-            <a:endParaRPr lang="zh-TW" altLang="en-US"/>
-          </a:p>
-        </p:txBody>
-      </p:sp>
-      <p:grpSp>
-        <p:nvGrpSpPr>
-          <p:cNvPr id="181" name="群組 180">
-            <a:extLst>
-              <a:ext uri="{FF2B5EF4-FFF2-40B4-BE49-F238E27FC236}">
-                <a16:creationId xmlns:a16="http://schemas.microsoft.com/office/drawing/2014/main" id="{54E332DF-9A33-DA9A-4ED7-E4897AE0A4E6}"/>
-              </a:ext>
-            </a:extLst>
-          </p:cNvPr>
-          <p:cNvGrpSpPr/>
-          <p:nvPr/>
-        </p:nvGrpSpPr>
-        <p:grpSpPr>
-          <a:xfrm>
-            <a:off x="2366623" y="4464000"/>
-            <a:ext cx="432000" cy="432000"/>
-            <a:chOff x="1613417" y="2762250"/>
-            <a:chExt cx="503999" cy="504000"/>
-          </a:xfrm>
-        </p:grpSpPr>
-        <p:sp>
-          <p:nvSpPr>
-            <p:cNvPr id="182" name="左中括弧 181">
-              <a:extLst>
-                <a:ext uri="{FF2B5EF4-FFF2-40B4-BE49-F238E27FC236}">
-                  <a16:creationId xmlns:a16="http://schemas.microsoft.com/office/drawing/2014/main" id="{899C1F28-1390-BC0D-0A92-3E81D0B8C8AC}"/>
-                </a:ext>
-              </a:extLst>
-            </p:cNvPr>
-            <p:cNvSpPr/>
-            <p:nvPr/>
-          </p:nvSpPr>
-          <p:spPr>
-            <a:xfrm>
-              <a:off x="1613417" y="2762250"/>
-              <a:ext cx="216000" cy="504000"/>
-            </a:xfrm>
-            <a:prstGeom prst="leftBracket">
-              <a:avLst/>
-            </a:prstGeom>
-            <a:ln w="38100">
-              <a:solidFill>
-                <a:srgbClr val="808080"/>
-              </a:solidFill>
-            </a:ln>
-          </p:spPr>
-          <p:style>
-            <a:lnRef idx="1">
-              <a:schemeClr val="accent1"/>
-            </a:lnRef>
-            <a:fillRef idx="0">
-              <a:schemeClr val="accent1"/>
-            </a:fillRef>
-            <a:effectRef idx="0">
-              <a:schemeClr val="accent1"/>
-            </a:effectRef>
-            <a:fontRef idx="minor">
-              <a:schemeClr val="tx1"/>
-            </a:fontRef>
-          </p:style>
-          <p:txBody>
-            <a:bodyPr rtlCol="0" anchor="ctr"/>
-            <a:lstStyle/>
-            <a:p>
-              <a:pPr algn="ctr"/>
-              <a:endParaRPr lang="zh-TW" altLang="en-US"/>
-            </a:p>
-          </p:txBody>
-        </p:sp>
-        <p:cxnSp>
-          <p:nvCxnSpPr>
-            <p:cNvPr id="183" name="直線單箭頭接點 182">
-              <a:extLst>
-                <a:ext uri="{FF2B5EF4-FFF2-40B4-BE49-F238E27FC236}">
-                  <a16:creationId xmlns:a16="http://schemas.microsoft.com/office/drawing/2014/main" id="{67ECB428-C908-8AC2-F123-3756FBCB96D5}"/>
-                </a:ext>
-              </a:extLst>
-            </p:cNvPr>
-            <p:cNvCxnSpPr>
-              <a:cxnSpLocks/>
-            </p:cNvCxnSpPr>
-            <p:nvPr/>
-          </p:nvCxnSpPr>
-          <p:spPr>
-            <a:xfrm>
-              <a:off x="1757416" y="3014250"/>
-              <a:ext cx="360000" cy="0"/>
-            </a:xfrm>
-            <a:prstGeom prst="straightConnector1">
-              <a:avLst/>
-            </a:prstGeom>
-            <a:ln w="38100">
-              <a:solidFill>
-                <a:srgbClr val="808080"/>
-              </a:solidFill>
-              <a:tailEnd type="arrow" w="lg" len="med"/>
-            </a:ln>
-          </p:spPr>
-          <p:style>
-            <a:lnRef idx="1">
-              <a:schemeClr val="accent1"/>
-            </a:lnRef>
-            <a:fillRef idx="0">
-              <a:schemeClr val="accent1"/>
-            </a:fillRef>
-            <a:effectRef idx="0">
-              <a:schemeClr val="accent1"/>
-            </a:effectRef>
-            <a:fontRef idx="minor">
-              <a:schemeClr val="tx1"/>
-            </a:fontRef>
-          </p:style>
-        </p:cxnSp>
-      </p:grpSp>
-      <p:sp>
-        <p:nvSpPr>
-          <p:cNvPr id="219" name="矩形 218">
-            <a:extLst>
-              <a:ext uri="{FF2B5EF4-FFF2-40B4-BE49-F238E27FC236}">
-                <a16:creationId xmlns:a16="http://schemas.microsoft.com/office/drawing/2014/main" id="{09CA4E0E-D91E-5C5E-6F83-B6B7FBBEB065}"/>
-              </a:ext>
-            </a:extLst>
-          </p:cNvPr>
-          <p:cNvSpPr/>
-          <p:nvPr/>
-        </p:nvSpPr>
-        <p:spPr>
-          <a:xfrm>
-            <a:off x="2228175" y="1440000"/>
-            <a:ext cx="720000" cy="720000"/>
-          </a:xfrm>
-          <a:prstGeom prst="rect">
-            <a:avLst/>
-          </a:prstGeom>
-          <a:solidFill>
-            <a:schemeClr val="bg1"/>
-          </a:solidFill>
-        </p:spPr>
-        <p:style>
-          <a:lnRef idx="2">
-            <a:schemeClr val="accent1">
-              <a:shade val="15000"/>
-            </a:schemeClr>
-          </a:lnRef>
-          <a:fillRef idx="1">
-            <a:schemeClr val="accent1"/>
-          </a:fillRef>
-          <a:effectRef idx="0">
-            <a:schemeClr val="accent1"/>
-          </a:effectRef>
-          <a:fontRef idx="minor">
-            <a:schemeClr val="lt1"/>
-          </a:fontRef>
-        </p:style>
-        <p:txBody>
-          <a:bodyPr rtlCol="0" anchor="ctr"/>
-          <a:lstStyle/>
-          <a:p>
-            <a:pPr algn="ctr"/>
-            <a:endParaRPr lang="zh-TW" altLang="en-US"/>
-          </a:p>
-        </p:txBody>
-      </p:sp>
-      <p:grpSp>
-        <p:nvGrpSpPr>
-          <p:cNvPr id="218" name="群組 217">
-            <a:extLst>
-              <a:ext uri="{FF2B5EF4-FFF2-40B4-BE49-F238E27FC236}">
-                <a16:creationId xmlns:a16="http://schemas.microsoft.com/office/drawing/2014/main" id="{4CCF33A9-A211-C604-6240-76C8DFF985A1}"/>
-              </a:ext>
-            </a:extLst>
-          </p:cNvPr>
-          <p:cNvGrpSpPr/>
-          <p:nvPr/>
-        </p:nvGrpSpPr>
-        <p:grpSpPr>
-          <a:xfrm>
-            <a:off x="2336175" y="1548000"/>
-            <a:ext cx="504000" cy="504000"/>
-            <a:chOff x="4835453" y="1548000"/>
-            <a:chExt cx="504000" cy="504000"/>
-          </a:xfrm>
-        </p:grpSpPr>
-        <p:sp>
-          <p:nvSpPr>
-            <p:cNvPr id="200" name="橢圓 199">
-              <a:extLst>
-                <a:ext uri="{FF2B5EF4-FFF2-40B4-BE49-F238E27FC236}">
-                  <a16:creationId xmlns:a16="http://schemas.microsoft.com/office/drawing/2014/main" id="{8D48F5F0-2620-2535-315D-CECD6BE1A68F}"/>
-                </a:ext>
-              </a:extLst>
-            </p:cNvPr>
-            <p:cNvSpPr/>
-            <p:nvPr/>
-          </p:nvSpPr>
-          <p:spPr>
-            <a:xfrm>
-              <a:off x="4835453" y="1548000"/>
-              <a:ext cx="504000" cy="504000"/>
-            </a:xfrm>
-            <a:prstGeom prst="ellipse">
-              <a:avLst/>
-            </a:prstGeom>
-            <a:noFill/>
-            <a:ln w="38100">
-              <a:solidFill>
-                <a:srgbClr val="808080"/>
-              </a:solidFill>
-            </a:ln>
-          </p:spPr>
-          <p:style>
-            <a:lnRef idx="2">
-              <a:schemeClr val="accent1">
-                <a:shade val="15000"/>
-              </a:schemeClr>
-            </a:lnRef>
-            <a:fillRef idx="1">
-              <a:schemeClr val="accent1"/>
-            </a:fillRef>
-            <a:effectRef idx="0">
-              <a:schemeClr val="accent1"/>
-            </a:effectRef>
-            <a:fontRef idx="minor">
-              <a:schemeClr val="lt1"/>
-            </a:fontRef>
-          </p:style>
-          <p:txBody>
-            <a:bodyPr rtlCol="0" anchor="ctr"/>
-            <a:lstStyle/>
-            <a:p>
-              <a:pPr algn="ctr"/>
-              <a:endParaRPr lang="zh-TW" altLang="en-US"/>
-            </a:p>
-          </p:txBody>
-        </p:sp>
-        <p:grpSp>
-          <p:nvGrpSpPr>
-            <p:cNvPr id="217" name="群組 216">
-              <a:extLst>
-                <a:ext uri="{FF2B5EF4-FFF2-40B4-BE49-F238E27FC236}">
-                  <a16:creationId xmlns:a16="http://schemas.microsoft.com/office/drawing/2014/main" id="{A291E77E-847B-0A6F-60B0-3C87EF85E912}"/>
-                </a:ext>
-              </a:extLst>
-            </p:cNvPr>
-            <p:cNvGrpSpPr/>
-            <p:nvPr/>
-          </p:nvGrpSpPr>
-          <p:grpSpPr>
-            <a:xfrm>
-              <a:off x="4943453" y="1626595"/>
-              <a:ext cx="288000" cy="425405"/>
-              <a:chOff x="4943453" y="1626595"/>
-              <a:chExt cx="288000" cy="425405"/>
-            </a:xfrm>
-          </p:grpSpPr>
-          <p:sp>
-            <p:nvSpPr>
-              <p:cNvPr id="202" name="橢圓 201">
-                <a:extLst>
-                  <a:ext uri="{FF2B5EF4-FFF2-40B4-BE49-F238E27FC236}">
-                    <a16:creationId xmlns:a16="http://schemas.microsoft.com/office/drawing/2014/main" id="{AE1DAB6B-3110-033B-C8BF-A75D72399161}"/>
-                  </a:ext>
-                </a:extLst>
-              </p:cNvPr>
-              <p:cNvSpPr/>
-              <p:nvPr/>
-            </p:nvSpPr>
-            <p:spPr>
-              <a:xfrm>
-                <a:off x="4989754" y="1626595"/>
-                <a:ext cx="195399" cy="195399"/>
-              </a:xfrm>
-              <a:prstGeom prst="ellipse">
-                <a:avLst/>
-              </a:prstGeom>
-              <a:noFill/>
-              <a:ln w="38100">
-                <a:solidFill>
-                  <a:srgbClr val="808080"/>
-                </a:solidFill>
-              </a:ln>
-            </p:spPr>
-            <p:style>
-              <a:lnRef idx="2">
-                <a:schemeClr val="accent1">
-                  <a:shade val="15000"/>
-                </a:schemeClr>
-              </a:lnRef>
-              <a:fillRef idx="1">
-                <a:schemeClr val="accent1"/>
-              </a:fillRef>
-              <a:effectRef idx="0">
-                <a:schemeClr val="accent1"/>
-              </a:effectRef>
-              <a:fontRef idx="minor">
-                <a:schemeClr val="lt1"/>
-              </a:fontRef>
-            </p:style>
-            <p:txBody>
-              <a:bodyPr rtlCol="0" anchor="ctr"/>
-              <a:lstStyle/>
-              <a:p>
-                <a:pPr algn="ctr"/>
-                <a:endParaRPr lang="zh-TW" altLang="en-US"/>
-              </a:p>
-            </p:txBody>
-          </p:sp>
-          <p:sp>
-            <p:nvSpPr>
-              <p:cNvPr id="216" name="手繪多邊形: 圖案 215">
-                <a:extLst>
-                  <a:ext uri="{FF2B5EF4-FFF2-40B4-BE49-F238E27FC236}">
-                    <a16:creationId xmlns:a16="http://schemas.microsoft.com/office/drawing/2014/main" id="{BA22159E-315C-8C2E-6916-7C600B95585C}"/>
-                  </a:ext>
-                </a:extLst>
-              </p:cNvPr>
-              <p:cNvSpPr/>
-              <p:nvPr/>
-            </p:nvSpPr>
-            <p:spPr>
-              <a:xfrm>
-                <a:off x="4943453" y="1880400"/>
-                <a:ext cx="288000" cy="171600"/>
-              </a:xfrm>
-              <a:custGeom>
-                <a:avLst/>
-                <a:gdLst>
-                  <a:gd name="connsiteX0" fmla="*/ 32567 w 288000"/>
-                  <a:gd name="connsiteY0" fmla="*/ 0 h 171600"/>
-                  <a:gd name="connsiteX1" fmla="*/ 255433 w 288000"/>
-                  <a:gd name="connsiteY1" fmla="*/ 0 h 171600"/>
-                  <a:gd name="connsiteX2" fmla="*/ 288000 w 288000"/>
-                  <a:gd name="connsiteY2" fmla="*/ 32567 h 171600"/>
-                  <a:gd name="connsiteX3" fmla="*/ 288000 w 288000"/>
-                  <a:gd name="connsiteY3" fmla="*/ 126001 h 171600"/>
-                  <a:gd name="connsiteX4" fmla="*/ 284896 w 288000"/>
-                  <a:gd name="connsiteY4" fmla="*/ 128562 h 171600"/>
-                  <a:gd name="connsiteX5" fmla="*/ 144000 w 288000"/>
-                  <a:gd name="connsiteY5" fmla="*/ 171600 h 171600"/>
-                  <a:gd name="connsiteX6" fmla="*/ 3104 w 288000"/>
-                  <a:gd name="connsiteY6" fmla="*/ 128562 h 171600"/>
-                  <a:gd name="connsiteX7" fmla="*/ 0 w 288000"/>
-                  <a:gd name="connsiteY7" fmla="*/ 126001 h 171600"/>
-                  <a:gd name="connsiteX8" fmla="*/ 0 w 288000"/>
-                  <a:gd name="connsiteY8" fmla="*/ 32567 h 171600"/>
-                  <a:gd name="connsiteX9" fmla="*/ 32567 w 288000"/>
-                  <a:gd name="connsiteY9" fmla="*/ 0 h 171600"/>
-                </a:gdLst>
-                <a:ahLst/>
-                <a:cxnLst>
-                  <a:cxn ang="0">
-                    <a:pos x="connsiteX0" y="connsiteY0"/>
-                  </a:cxn>
-                  <a:cxn ang="0">
-                    <a:pos x="connsiteX1" y="connsiteY1"/>
-                  </a:cxn>
-                  <a:cxn ang="0">
-                    <a:pos x="connsiteX2" y="connsiteY2"/>
-                  </a:cxn>
-                  <a:cxn ang="0">
-                    <a:pos x="connsiteX3" y="connsiteY3"/>
-                  </a:cxn>
-                  <a:cxn ang="0">
-                    <a:pos x="connsiteX4" y="connsiteY4"/>
-                  </a:cxn>
-                  <a:cxn ang="0">
-                    <a:pos x="connsiteX5" y="connsiteY5"/>
-                  </a:cxn>
-                  <a:cxn ang="0">
-                    <a:pos x="connsiteX6" y="connsiteY6"/>
-                  </a:cxn>
-                  <a:cxn ang="0">
-                    <a:pos x="connsiteX7" y="connsiteY7"/>
-                  </a:cxn>
-                  <a:cxn ang="0">
-                    <a:pos x="connsiteX8" y="connsiteY8"/>
-                  </a:cxn>
-                  <a:cxn ang="0">
-                    <a:pos x="connsiteX9" y="connsiteY9"/>
-                  </a:cxn>
-                </a:cxnLst>
-                <a:rect l="l" t="t" r="r" b="b"/>
-                <a:pathLst>
-                  <a:path w="288000" h="171600">
-                    <a:moveTo>
-                      <a:pt x="32567" y="0"/>
-                    </a:moveTo>
-                    <a:lnTo>
-                      <a:pt x="255433" y="0"/>
-                    </a:lnTo>
-                    <a:cubicBezTo>
-                      <a:pt x="273419" y="0"/>
-                      <a:pt x="288000" y="14581"/>
-                      <a:pt x="288000" y="32567"/>
-                    </a:cubicBezTo>
-                    <a:lnTo>
-                      <a:pt x="288000" y="126001"/>
-                    </a:lnTo>
-                    <a:lnTo>
-                      <a:pt x="284896" y="128562"/>
-                    </a:lnTo>
-                    <a:cubicBezTo>
-                      <a:pt x="244676" y="155734"/>
-                      <a:pt x="196191" y="171600"/>
-                      <a:pt x="144000" y="171600"/>
-                    </a:cubicBezTo>
-                    <a:cubicBezTo>
-                      <a:pt x="91809" y="171600"/>
-                      <a:pt x="43324" y="155734"/>
-                      <a:pt x="3104" y="128562"/>
-                    </a:cubicBezTo>
-                    <a:lnTo>
-                      <a:pt x="0" y="126001"/>
-                    </a:lnTo>
-                    <a:lnTo>
-                      <a:pt x="0" y="32567"/>
-                    </a:lnTo>
-                    <a:cubicBezTo>
-                      <a:pt x="0" y="14581"/>
-                      <a:pt x="14581" y="0"/>
-                      <a:pt x="32567" y="0"/>
-                    </a:cubicBezTo>
-                    <a:close/>
-                  </a:path>
-                </a:pathLst>
-              </a:custGeom>
-              <a:noFill/>
-              <a:ln w="38100">
-                <a:solidFill>
-                  <a:srgbClr val="808080"/>
-                </a:solidFill>
-              </a:ln>
-            </p:spPr>
-            <p:style>
-              <a:lnRef idx="2">
-                <a:schemeClr val="accent1">
-                  <a:shade val="15000"/>
-                </a:schemeClr>
-              </a:lnRef>
-              <a:fillRef idx="1">
-                <a:schemeClr val="accent1"/>
-              </a:fillRef>
-              <a:effectRef idx="0">
-                <a:schemeClr val="accent1"/>
-              </a:effectRef>
-              <a:fontRef idx="minor">
-                <a:schemeClr val="lt1"/>
-              </a:fontRef>
-            </p:style>
-            <p:txBody>
-              <a:bodyPr wrap="square" rtlCol="0" anchor="ctr">
-                <a:noAutofit/>
-              </a:bodyPr>
-              <a:lstStyle/>
-              <a:p>
-                <a:pPr algn="ctr"/>
-                <a:endParaRPr lang="zh-TW" altLang="en-US"/>
-              </a:p>
-            </p:txBody>
-          </p:sp>
-        </p:grpSp>
-      </p:grpSp>
-      <p:grpSp>
-        <p:nvGrpSpPr>
-          <p:cNvPr id="51" name="群組 50">
-            <a:extLst>
-              <a:ext uri="{FF2B5EF4-FFF2-40B4-BE49-F238E27FC236}">
-                <a16:creationId xmlns:a16="http://schemas.microsoft.com/office/drawing/2014/main" id="{6031AD10-F927-B287-23BD-5F065D6698F8}"/>
-              </a:ext>
-            </a:extLst>
-          </p:cNvPr>
-          <p:cNvGrpSpPr/>
-          <p:nvPr/>
-        </p:nvGrpSpPr>
-        <p:grpSpPr>
-          <a:xfrm>
-            <a:off x="6218361" y="106977"/>
-            <a:ext cx="403218" cy="504000"/>
-            <a:chOff x="6491936" y="541156"/>
-            <a:chExt cx="403218" cy="504000"/>
-          </a:xfrm>
-        </p:grpSpPr>
-        <p:sp>
-          <p:nvSpPr>
-            <p:cNvPr id="20" name="拱形 19">
-              <a:extLst>
-                <a:ext uri="{FF2B5EF4-FFF2-40B4-BE49-F238E27FC236}">
-                  <a16:creationId xmlns:a16="http://schemas.microsoft.com/office/drawing/2014/main" id="{7038CB42-4AAA-FC81-7E7A-380F138ECCA7}"/>
-                </a:ext>
-              </a:extLst>
-            </p:cNvPr>
-            <p:cNvSpPr/>
-            <p:nvPr/>
-          </p:nvSpPr>
-          <p:spPr>
-            <a:xfrm flipV="1">
-              <a:off x="6641405" y="940876"/>
-              <a:ext cx="104281" cy="104280"/>
-            </a:xfrm>
-            <a:prstGeom prst="blockArc">
-              <a:avLst/>
-            </a:prstGeom>
-            <a:solidFill>
-              <a:srgbClr val="808080"/>
-            </a:solidFill>
-            <a:ln>
-              <a:solidFill>
-                <a:srgbClr val="808080"/>
-              </a:solidFill>
-            </a:ln>
-          </p:spPr>
-          <p:style>
-            <a:lnRef idx="2">
-              <a:schemeClr val="accent1">
-                <a:shade val="15000"/>
-              </a:schemeClr>
-            </a:lnRef>
-            <a:fillRef idx="1">
-              <a:schemeClr val="accent1"/>
-            </a:fillRef>
-            <a:effectRef idx="0">
-              <a:schemeClr val="accent1"/>
-            </a:effectRef>
-            <a:fontRef idx="minor">
-              <a:schemeClr val="lt1"/>
-            </a:fontRef>
-          </p:style>
-          <p:txBody>
-            <a:bodyPr rtlCol="0" anchor="ctr"/>
-            <a:lstStyle/>
-            <a:p>
-              <a:pPr algn="ctr"/>
-              <a:endParaRPr lang="zh-TW" altLang="en-US">
-                <a:solidFill>
-                  <a:schemeClr val="tx1"/>
-                </a:solidFill>
-              </a:endParaRPr>
-            </a:p>
-          </p:txBody>
-        </p:sp>
-        <p:sp>
-          <p:nvSpPr>
-            <p:cNvPr id="21" name="手繪多邊形: 圖案 20">
-              <a:extLst>
-                <a:ext uri="{FF2B5EF4-FFF2-40B4-BE49-F238E27FC236}">
-                  <a16:creationId xmlns:a16="http://schemas.microsoft.com/office/drawing/2014/main" id="{3B277B60-0179-7F4B-11A5-2D232435ADBF}"/>
-                </a:ext>
-              </a:extLst>
-            </p:cNvPr>
-            <p:cNvSpPr>
-              <a:spLocks noChangeAspect="1"/>
-            </p:cNvSpPr>
-            <p:nvPr/>
-          </p:nvSpPr>
-          <p:spPr>
-            <a:xfrm>
-              <a:off x="6491936" y="541156"/>
-              <a:ext cx="403218" cy="399719"/>
-            </a:xfrm>
-            <a:custGeom>
-              <a:avLst/>
-              <a:gdLst>
-                <a:gd name="connsiteX0" fmla="*/ 208775 w 417600"/>
-                <a:gd name="connsiteY0" fmla="*/ 0 h 413976"/>
-                <a:gd name="connsiteX1" fmla="*/ 262750 w 417600"/>
-                <a:gd name="connsiteY1" fmla="*/ 53975 h 413976"/>
-                <a:gd name="connsiteX2" fmla="*/ 260768 w 417600"/>
-                <a:gd name="connsiteY2" fmla="*/ 63794 h 413976"/>
-                <a:gd name="connsiteX3" fmla="*/ 302137 w 417600"/>
-                <a:gd name="connsiteY3" fmla="*/ 80035 h 413976"/>
-                <a:gd name="connsiteX4" fmla="*/ 388800 w 417600"/>
-                <a:gd name="connsiteY4" fmla="*/ 233976 h 413976"/>
-                <a:gd name="connsiteX5" fmla="*/ 388800 w 417600"/>
-                <a:gd name="connsiteY5" fmla="*/ 364320 h 413976"/>
-                <a:gd name="connsiteX6" fmla="*/ 417600 w 417600"/>
-                <a:gd name="connsiteY6" fmla="*/ 413975 h 413976"/>
-                <a:gd name="connsiteX7" fmla="*/ 388800 w 417600"/>
-                <a:gd name="connsiteY7" fmla="*/ 413975 h 413976"/>
-                <a:gd name="connsiteX8" fmla="*/ 388800 w 417600"/>
-                <a:gd name="connsiteY8" fmla="*/ 413976 h 413976"/>
-                <a:gd name="connsiteX9" fmla="*/ 28800 w 417600"/>
-                <a:gd name="connsiteY9" fmla="*/ 413976 h 413976"/>
-                <a:gd name="connsiteX10" fmla="*/ 28800 w 417600"/>
-                <a:gd name="connsiteY10" fmla="*/ 413975 h 413976"/>
-                <a:gd name="connsiteX11" fmla="*/ 0 w 417600"/>
-                <a:gd name="connsiteY11" fmla="*/ 413975 h 413976"/>
-                <a:gd name="connsiteX12" fmla="*/ 28800 w 417600"/>
-                <a:gd name="connsiteY12" fmla="*/ 364320 h 413976"/>
-                <a:gd name="connsiteX13" fmla="*/ 28800 w 417600"/>
-                <a:gd name="connsiteY13" fmla="*/ 233976 h 413976"/>
-                <a:gd name="connsiteX14" fmla="*/ 115464 w 417600"/>
-                <a:gd name="connsiteY14" fmla="*/ 80035 h 413976"/>
-                <a:gd name="connsiteX15" fmla="*/ 156786 w 417600"/>
-                <a:gd name="connsiteY15" fmla="*/ 63812 h 413976"/>
-                <a:gd name="connsiteX16" fmla="*/ 154800 w 417600"/>
-                <a:gd name="connsiteY16" fmla="*/ 53975 h 413976"/>
-                <a:gd name="connsiteX17" fmla="*/ 208775 w 417600"/>
-                <a:gd name="connsiteY17" fmla="*/ 0 h 413976"/>
-              </a:gdLst>
-              <a:ahLst/>
-              <a:cxnLst>
-                <a:cxn ang="0">
-                  <a:pos x="connsiteX0" y="connsiteY0"/>
-                </a:cxn>
-                <a:cxn ang="0">
-                  <a:pos x="connsiteX1" y="connsiteY1"/>
-                </a:cxn>
-                <a:cxn ang="0">
-                  <a:pos x="connsiteX2" y="connsiteY2"/>
-                </a:cxn>
-                <a:cxn ang="0">
-                  <a:pos x="connsiteX3" y="connsiteY3"/>
-                </a:cxn>
-                <a:cxn ang="0">
-                  <a:pos x="connsiteX4" y="connsiteY4"/>
-                </a:cxn>
-                <a:cxn ang="0">
-                  <a:pos x="connsiteX5" y="connsiteY5"/>
-                </a:cxn>
-                <a:cxn ang="0">
-                  <a:pos x="connsiteX6" y="connsiteY6"/>
-                </a:cxn>
-                <a:cxn ang="0">
-                  <a:pos x="connsiteX7" y="connsiteY7"/>
-                </a:cxn>
-                <a:cxn ang="0">
-                  <a:pos x="connsiteX8" y="connsiteY8"/>
-                </a:cxn>
-                <a:cxn ang="0">
-                  <a:pos x="connsiteX9" y="connsiteY9"/>
-                </a:cxn>
-                <a:cxn ang="0">
-                  <a:pos x="connsiteX10" y="connsiteY10"/>
-                </a:cxn>
-                <a:cxn ang="0">
-                  <a:pos x="connsiteX11" y="connsiteY11"/>
-                </a:cxn>
-                <a:cxn ang="0">
-                  <a:pos x="connsiteX12" y="connsiteY12"/>
-                </a:cxn>
-                <a:cxn ang="0">
-                  <a:pos x="connsiteX13" y="connsiteY13"/>
-                </a:cxn>
-                <a:cxn ang="0">
-                  <a:pos x="connsiteX14" y="connsiteY14"/>
-                </a:cxn>
-                <a:cxn ang="0">
-                  <a:pos x="connsiteX15" y="connsiteY15"/>
-                </a:cxn>
-                <a:cxn ang="0">
-                  <a:pos x="connsiteX16" y="connsiteY16"/>
-                </a:cxn>
-                <a:cxn ang="0">
-                  <a:pos x="connsiteX17" y="connsiteY17"/>
-                </a:cxn>
-              </a:cxnLst>
-              <a:rect l="l" t="t" r="r" b="b"/>
-              <a:pathLst>
-                <a:path w="417600" h="413976">
-                  <a:moveTo>
-                    <a:pt x="208775" y="0"/>
-                  </a:moveTo>
-                  <a:cubicBezTo>
-                    <a:pt x="238585" y="0"/>
-                    <a:pt x="262750" y="24165"/>
-                    <a:pt x="262750" y="53975"/>
-                  </a:cubicBezTo>
-                  <a:lnTo>
-                    <a:pt x="260768" y="63794"/>
-                  </a:lnTo>
-                  <a:lnTo>
-                    <a:pt x="302137" y="80035"/>
-                  </a:lnTo>
-                  <a:cubicBezTo>
-                    <a:pt x="354093" y="111605"/>
-                    <a:pt x="388800" y="168738"/>
-                    <a:pt x="388800" y="233976"/>
-                  </a:cubicBezTo>
-                  <a:lnTo>
-                    <a:pt x="388800" y="364320"/>
-                  </a:lnTo>
-                  <a:lnTo>
-                    <a:pt x="417600" y="413975"/>
-                  </a:lnTo>
-                  <a:lnTo>
-                    <a:pt x="388800" y="413975"/>
-                  </a:lnTo>
-                  <a:lnTo>
-                    <a:pt x="388800" y="413976"/>
-                  </a:lnTo>
-                  <a:lnTo>
-                    <a:pt x="28800" y="413976"/>
-                  </a:lnTo>
-                  <a:lnTo>
-                    <a:pt x="28800" y="413975"/>
-                  </a:lnTo>
-                  <a:lnTo>
-                    <a:pt x="0" y="413975"/>
-                  </a:lnTo>
-                  <a:lnTo>
-                    <a:pt x="28800" y="364320"/>
-                  </a:lnTo>
-                  <a:lnTo>
-                    <a:pt x="28800" y="233976"/>
-                  </a:lnTo>
-                  <a:cubicBezTo>
-                    <a:pt x="28800" y="168738"/>
-                    <a:pt x="63507" y="111605"/>
-                    <a:pt x="115464" y="80035"/>
-                  </a:cubicBezTo>
-                  <a:lnTo>
-                    <a:pt x="156786" y="63812"/>
-                  </a:lnTo>
-                  <a:lnTo>
-                    <a:pt x="154800" y="53975"/>
-                  </a:lnTo>
-                  <a:cubicBezTo>
-                    <a:pt x="154800" y="24165"/>
-                    <a:pt x="178965" y="0"/>
-                    <a:pt x="208775" y="0"/>
-                  </a:cubicBezTo>
-                  <a:close/>
-                </a:path>
-              </a:pathLst>
-            </a:custGeom>
-            <a:noFill/>
-            <a:ln w="38100">
-              <a:solidFill>
-                <a:srgbClr val="808080"/>
-              </a:solidFill>
-            </a:ln>
-          </p:spPr>
-          <p:style>
-            <a:lnRef idx="2">
-              <a:schemeClr val="accent1">
-                <a:shade val="15000"/>
-              </a:schemeClr>
-            </a:lnRef>
-            <a:fillRef idx="1">
-              <a:schemeClr val="accent1"/>
-            </a:fillRef>
-            <a:effectRef idx="0">
-              <a:schemeClr val="accent1"/>
-            </a:effectRef>
-            <a:fontRef idx="minor">
-              <a:schemeClr val="lt1"/>
-            </a:fontRef>
-          </p:style>
-          <p:txBody>
-            <a:bodyPr wrap="square" rtlCol="0" anchor="ctr">
-              <a:noAutofit/>
-            </a:bodyPr>
-            <a:lstStyle/>
-            <a:p>
-              <a:pPr algn="ctr"/>
-              <a:endParaRPr lang="zh-TW" altLang="en-US"/>
-            </a:p>
-          </p:txBody>
-        </p:sp>
-        <p:cxnSp>
-          <p:nvCxnSpPr>
-            <p:cNvPr id="31" name="直線接點 30">
-              <a:extLst>
-                <a:ext uri="{FF2B5EF4-FFF2-40B4-BE49-F238E27FC236}">
-                  <a16:creationId xmlns:a16="http://schemas.microsoft.com/office/drawing/2014/main" id="{EF9815C8-90DE-A6C0-5BE2-397A0A6D4ACA}"/>
-                </a:ext>
-              </a:extLst>
-            </p:cNvPr>
-            <p:cNvCxnSpPr/>
-            <p:nvPr/>
-          </p:nvCxnSpPr>
-          <p:spPr>
-            <a:xfrm>
-              <a:off x="6508547" y="541156"/>
-              <a:ext cx="360000" cy="504000"/>
-            </a:xfrm>
-            <a:prstGeom prst="line">
-              <a:avLst/>
-            </a:prstGeom>
-            <a:ln w="38100">
-              <a:solidFill>
-                <a:srgbClr val="808080"/>
-              </a:solidFill>
-            </a:ln>
-          </p:spPr>
-          <p:style>
-            <a:lnRef idx="1">
-              <a:schemeClr val="accent1"/>
-            </a:lnRef>
-            <a:fillRef idx="0">
-              <a:schemeClr val="accent1"/>
-            </a:fillRef>
-            <a:effectRef idx="0">
-              <a:schemeClr val="accent1"/>
-            </a:effectRef>
-            <a:fontRef idx="minor">
-              <a:schemeClr val="tx1"/>
-            </a:fontRef>
-          </p:style>
-        </p:cxnSp>
-      </p:grpSp>
-      <p:sp>
-        <p:nvSpPr>
-          <p:cNvPr id="44" name="手繪多邊形: 圖案 43">
-            <a:extLst>
-              <a:ext uri="{FF2B5EF4-FFF2-40B4-BE49-F238E27FC236}">
-                <a16:creationId xmlns:a16="http://schemas.microsoft.com/office/drawing/2014/main" id="{FDA23C12-863F-1084-5B86-0A1261B2BE73}"/>
-              </a:ext>
-            </a:extLst>
-          </p:cNvPr>
-          <p:cNvSpPr/>
-          <p:nvPr/>
-        </p:nvSpPr>
-        <p:spPr>
-          <a:xfrm>
-            <a:off x="4603476" y="31469"/>
-            <a:ext cx="504000" cy="504000"/>
-          </a:xfrm>
-          <a:custGeom>
-            <a:avLst/>
-            <a:gdLst>
-              <a:gd name="connsiteX0" fmla="*/ 252000 w 504000"/>
-              <a:gd name="connsiteY0" fmla="*/ 0 h 504000"/>
-              <a:gd name="connsiteX1" fmla="*/ 504000 w 504000"/>
-              <a:gd name="connsiteY1" fmla="*/ 324000 h 504000"/>
-              <a:gd name="connsiteX2" fmla="*/ 378000 w 504000"/>
-              <a:gd name="connsiteY2" fmla="*/ 324000 h 504000"/>
-              <a:gd name="connsiteX3" fmla="*/ 378000 w 504000"/>
-              <a:gd name="connsiteY3" fmla="*/ 504000 h 504000"/>
-              <a:gd name="connsiteX4" fmla="*/ 126000 w 504000"/>
-              <a:gd name="connsiteY4" fmla="*/ 504000 h 504000"/>
-              <a:gd name="connsiteX5" fmla="*/ 126000 w 504000"/>
-              <a:gd name="connsiteY5" fmla="*/ 324000 h 504000"/>
-              <a:gd name="connsiteX6" fmla="*/ 0 w 504000"/>
-              <a:gd name="connsiteY6" fmla="*/ 324000 h 504000"/>
-            </a:gdLst>
-            <a:ahLst/>
-            <a:cxnLst>
-              <a:cxn ang="0">
-                <a:pos x="connsiteX0" y="connsiteY0"/>
-              </a:cxn>
-              <a:cxn ang="0">
-                <a:pos x="connsiteX1" y="connsiteY1"/>
-              </a:cxn>
-              <a:cxn ang="0">
-                <a:pos x="connsiteX2" y="connsiteY2"/>
-              </a:cxn>
-              <a:cxn ang="0">
-                <a:pos x="connsiteX3" y="connsiteY3"/>
-              </a:cxn>
-              <a:cxn ang="0">
-                <a:pos x="connsiteX4" y="connsiteY4"/>
-              </a:cxn>
-              <a:cxn ang="0">
-                <a:pos x="connsiteX5" y="connsiteY5"/>
-              </a:cxn>
-              <a:cxn ang="0">
-                <a:pos x="connsiteX6" y="connsiteY6"/>
-              </a:cxn>
-            </a:cxnLst>
-            <a:rect l="l" t="t" r="r" b="b"/>
-            <a:pathLst>
-              <a:path w="504000" h="504000">
-                <a:moveTo>
-                  <a:pt x="252000" y="0"/>
-                </a:moveTo>
-                <a:lnTo>
-                  <a:pt x="504000" y="324000"/>
-                </a:lnTo>
-                <a:lnTo>
-                  <a:pt x="378000" y="324000"/>
-                </a:lnTo>
-                <a:lnTo>
-                  <a:pt x="378000" y="504000"/>
-                </a:lnTo>
-                <a:lnTo>
-                  <a:pt x="126000" y="504000"/>
-                </a:lnTo>
-                <a:lnTo>
-                  <a:pt x="126000" y="324000"/>
-                </a:lnTo>
-                <a:lnTo>
-                  <a:pt x="0" y="324000"/>
-                </a:lnTo>
-                <a:close/>
-              </a:path>
-            </a:pathLst>
-          </a:custGeom>
-          <a:solidFill>
-            <a:srgbClr val="808080"/>
-          </a:solidFill>
-          <a:ln w="38100">
-            <a:solidFill>
-              <a:srgbClr val="808080"/>
-            </a:solidFill>
-          </a:ln>
-        </p:spPr>
-        <p:style>
-          <a:lnRef idx="2">
-            <a:schemeClr val="accent1">
-              <a:shade val="15000"/>
-            </a:schemeClr>
-          </a:lnRef>
-          <a:fillRef idx="1">
-            <a:schemeClr val="accent1"/>
-          </a:fillRef>
-          <a:effectRef idx="0">
-            <a:schemeClr val="accent1"/>
-          </a:effectRef>
-          <a:fontRef idx="minor">
-            <a:schemeClr val="lt1"/>
-          </a:fontRef>
-        </p:style>
-        <p:txBody>
-          <a:bodyPr wrap="square" rtlCol="0" anchor="ctr">
-            <a:noAutofit/>
-          </a:bodyPr>
-          <a:lstStyle/>
-          <a:p>
-            <a:pPr algn="ctr"/>
-            <a:endParaRPr lang="zh-TW" altLang="en-US"/>
-          </a:p>
-        </p:txBody>
-      </p:sp>
-      <p:sp>
-        <p:nvSpPr>
-          <p:cNvPr id="45" name="手繪多邊形: 圖案 44">
-            <a:extLst>
-              <a:ext uri="{FF2B5EF4-FFF2-40B4-BE49-F238E27FC236}">
-                <a16:creationId xmlns:a16="http://schemas.microsoft.com/office/drawing/2014/main" id="{C2EE9EDA-A2D2-4737-4A34-6136C3AB26C2}"/>
-              </a:ext>
-            </a:extLst>
-          </p:cNvPr>
-          <p:cNvSpPr/>
-          <p:nvPr/>
-        </p:nvSpPr>
-        <p:spPr>
-          <a:xfrm>
-            <a:off x="4600204" y="714638"/>
-            <a:ext cx="504000" cy="504000"/>
-          </a:xfrm>
-          <a:custGeom>
-            <a:avLst/>
-            <a:gdLst>
-              <a:gd name="connsiteX0" fmla="*/ 252000 w 504000"/>
-              <a:gd name="connsiteY0" fmla="*/ 0 h 504000"/>
-              <a:gd name="connsiteX1" fmla="*/ 504000 w 504000"/>
-              <a:gd name="connsiteY1" fmla="*/ 324000 h 504000"/>
-              <a:gd name="connsiteX2" fmla="*/ 378000 w 504000"/>
-              <a:gd name="connsiteY2" fmla="*/ 324000 h 504000"/>
-              <a:gd name="connsiteX3" fmla="*/ 378000 w 504000"/>
-              <a:gd name="connsiteY3" fmla="*/ 504000 h 504000"/>
-              <a:gd name="connsiteX4" fmla="*/ 126000 w 504000"/>
-              <a:gd name="connsiteY4" fmla="*/ 504000 h 504000"/>
-              <a:gd name="connsiteX5" fmla="*/ 126000 w 504000"/>
-              <a:gd name="connsiteY5" fmla="*/ 324000 h 504000"/>
-              <a:gd name="connsiteX6" fmla="*/ 0 w 504000"/>
-              <a:gd name="connsiteY6" fmla="*/ 324000 h 504000"/>
-            </a:gdLst>
-            <a:ahLst/>
-            <a:cxnLst>
-              <a:cxn ang="0">
-                <a:pos x="connsiteX0" y="connsiteY0"/>
-              </a:cxn>
-              <a:cxn ang="0">
-                <a:pos x="connsiteX1" y="connsiteY1"/>
-              </a:cxn>
-              <a:cxn ang="0">
-                <a:pos x="connsiteX2" y="connsiteY2"/>
-              </a:cxn>
-              <a:cxn ang="0">
-                <a:pos x="connsiteX3" y="connsiteY3"/>
-              </a:cxn>
-              <a:cxn ang="0">
-                <a:pos x="connsiteX4" y="connsiteY4"/>
-              </a:cxn>
-              <a:cxn ang="0">
-                <a:pos x="connsiteX5" y="connsiteY5"/>
-              </a:cxn>
-              <a:cxn ang="0">
-                <a:pos x="connsiteX6" y="connsiteY6"/>
-              </a:cxn>
-            </a:cxnLst>
-            <a:rect l="l" t="t" r="r" b="b"/>
-            <a:pathLst>
-              <a:path w="504000" h="504000">
-                <a:moveTo>
-                  <a:pt x="252000" y="0"/>
-                </a:moveTo>
-                <a:lnTo>
-                  <a:pt x="504000" y="324000"/>
-                </a:lnTo>
-                <a:lnTo>
-                  <a:pt x="378000" y="324000"/>
-                </a:lnTo>
-                <a:lnTo>
-                  <a:pt x="378000" y="504000"/>
-                </a:lnTo>
-                <a:lnTo>
-                  <a:pt x="126000" y="504000"/>
-                </a:lnTo>
-                <a:lnTo>
-                  <a:pt x="126000" y="324000"/>
-                </a:lnTo>
-                <a:lnTo>
-                  <a:pt x="0" y="324000"/>
-                </a:lnTo>
-                <a:close/>
-              </a:path>
-            </a:pathLst>
-          </a:custGeom>
-          <a:solidFill>
-            <a:srgbClr val="009DBF"/>
-          </a:solidFill>
-          <a:ln w="38100">
-            <a:solidFill>
-              <a:srgbClr val="009DBF"/>
-            </a:solidFill>
-          </a:ln>
-        </p:spPr>
-        <p:style>
-          <a:lnRef idx="2">
-            <a:schemeClr val="accent1">
-              <a:shade val="15000"/>
-            </a:schemeClr>
-          </a:lnRef>
-          <a:fillRef idx="1">
-            <a:schemeClr val="accent1"/>
-          </a:fillRef>
-          <a:effectRef idx="0">
-            <a:schemeClr val="accent1"/>
-          </a:effectRef>
-          <a:fontRef idx="minor">
-            <a:schemeClr val="lt1"/>
-          </a:fontRef>
-        </p:style>
-        <p:txBody>
-          <a:bodyPr wrap="square" rtlCol="0" anchor="ctr">
-            <a:noAutofit/>
-          </a:bodyPr>
-          <a:lstStyle/>
-          <a:p>
-            <a:pPr algn="ctr"/>
-            <a:endParaRPr lang="zh-TW" altLang="en-US"/>
-          </a:p>
-        </p:txBody>
-      </p:sp>
-      <p:sp>
-        <p:nvSpPr>
-          <p:cNvPr id="56" name="手繪多邊形: 圖案 55">
-            <a:extLst>
-              <a:ext uri="{FF2B5EF4-FFF2-40B4-BE49-F238E27FC236}">
-                <a16:creationId xmlns:a16="http://schemas.microsoft.com/office/drawing/2014/main" id="{62E58B36-15A7-118E-BD99-63CB77BC013C}"/>
-              </a:ext>
-            </a:extLst>
-          </p:cNvPr>
-          <p:cNvSpPr/>
-          <p:nvPr/>
-        </p:nvSpPr>
-        <p:spPr>
-          <a:xfrm rot="2700000">
-            <a:off x="6969861" y="146021"/>
-            <a:ext cx="503756" cy="504000"/>
-          </a:xfrm>
-          <a:custGeom>
-            <a:avLst/>
-            <a:gdLst>
-              <a:gd name="connsiteX0" fmla="*/ 0 w 503756"/>
-              <a:gd name="connsiteY0" fmla="*/ 245 h 504245"/>
-              <a:gd name="connsiteX1" fmla="*/ 143755 w 503756"/>
-              <a:gd name="connsiteY1" fmla="*/ 245 h 504245"/>
-              <a:gd name="connsiteX2" fmla="*/ 143755 w 503756"/>
-              <a:gd name="connsiteY2" fmla="*/ 1 h 504245"/>
-              <a:gd name="connsiteX3" fmla="*/ 503756 w 503756"/>
-              <a:gd name="connsiteY3" fmla="*/ 0 h 504245"/>
-              <a:gd name="connsiteX4" fmla="*/ 503756 w 503756"/>
-              <a:gd name="connsiteY4" fmla="*/ 144000 h 504245"/>
-              <a:gd name="connsiteX5" fmla="*/ 144000 w 503756"/>
-              <a:gd name="connsiteY5" fmla="*/ 144000 h 504245"/>
-              <a:gd name="connsiteX6" fmla="*/ 144000 w 503756"/>
-              <a:gd name="connsiteY6" fmla="*/ 144245 h 504245"/>
-              <a:gd name="connsiteX7" fmla="*/ 144001 w 503756"/>
-              <a:gd name="connsiteY7" fmla="*/ 144244 h 504245"/>
-              <a:gd name="connsiteX8" fmla="*/ 144000 w 503756"/>
-              <a:gd name="connsiteY8" fmla="*/ 504245 h 504245"/>
-              <a:gd name="connsiteX9" fmla="*/ 1 w 503756"/>
-              <a:gd name="connsiteY9" fmla="*/ 504244 h 504245"/>
-              <a:gd name="connsiteX10" fmla="*/ 1 w 503756"/>
-              <a:gd name="connsiteY10" fmla="*/ 144245 h 504245"/>
-              <a:gd name="connsiteX11" fmla="*/ 0 w 503756"/>
-              <a:gd name="connsiteY11" fmla="*/ 144245 h 504245"/>
-            </a:gdLst>
-            <a:ahLst/>
-            <a:cxnLst>
-              <a:cxn ang="0">
-                <a:pos x="connsiteX0" y="connsiteY0"/>
-              </a:cxn>
-              <a:cxn ang="0">
-                <a:pos x="connsiteX1" y="connsiteY1"/>
-              </a:cxn>
-              <a:cxn ang="0">
-                <a:pos x="connsiteX2" y="connsiteY2"/>
-              </a:cxn>
-              <a:cxn ang="0">
-                <a:pos x="connsiteX3" y="connsiteY3"/>
-              </a:cxn>
-              <a:cxn ang="0">
-                <a:pos x="connsiteX4" y="connsiteY4"/>
-              </a:cxn>
-              <a:cxn ang="0">
-                <a:pos x="connsiteX5" y="connsiteY5"/>
-              </a:cxn>
-              <a:cxn ang="0">
-                <a:pos x="connsiteX6" y="connsiteY6"/>
-              </a:cxn>
-              <a:cxn ang="0">
-                <a:pos x="connsiteX7" y="connsiteY7"/>
-              </a:cxn>
-              <a:cxn ang="0">
-                <a:pos x="connsiteX8" y="connsiteY8"/>
-              </a:cxn>
-              <a:cxn ang="0">
-                <a:pos x="connsiteX9" y="connsiteY9"/>
-              </a:cxn>
-              <a:cxn ang="0">
-                <a:pos x="connsiteX10" y="connsiteY10"/>
-              </a:cxn>
-              <a:cxn ang="0">
-                <a:pos x="connsiteX11" y="connsiteY11"/>
-              </a:cxn>
-            </a:cxnLst>
-            <a:rect l="l" t="t" r="r" b="b"/>
-            <a:pathLst>
-              <a:path w="503756" h="504245">
-                <a:moveTo>
-                  <a:pt x="0" y="245"/>
-                </a:moveTo>
-                <a:lnTo>
-                  <a:pt x="143755" y="245"/>
-                </a:lnTo>
-                <a:lnTo>
-                  <a:pt x="143755" y="1"/>
-                </a:lnTo>
-                <a:lnTo>
-                  <a:pt x="503756" y="0"/>
-                </a:lnTo>
-                <a:lnTo>
-                  <a:pt x="503756" y="144000"/>
-                </a:lnTo>
-                <a:lnTo>
-                  <a:pt x="144000" y="144000"/>
-                </a:lnTo>
-                <a:lnTo>
-                  <a:pt x="144000" y="144245"/>
-                </a:lnTo>
-                <a:lnTo>
-                  <a:pt x="144001" y="144244"/>
-                </a:lnTo>
-                <a:lnTo>
-                  <a:pt x="144000" y="504245"/>
-                </a:lnTo>
-                <a:lnTo>
-                  <a:pt x="1" y="504244"/>
-                </a:lnTo>
-                <a:lnTo>
-                  <a:pt x="1" y="144245"/>
-                </a:lnTo>
-                <a:lnTo>
-                  <a:pt x="0" y="144245"/>
-                </a:lnTo>
-                <a:close/>
-              </a:path>
-            </a:pathLst>
-          </a:custGeom>
-          <a:solidFill>
-            <a:srgbClr val="808080"/>
-          </a:solidFill>
-          <a:ln>
-            <a:noFill/>
-          </a:ln>
-        </p:spPr>
-        <p:style>
-          <a:lnRef idx="2">
-            <a:schemeClr val="accent1">
-              <a:shade val="15000"/>
-            </a:schemeClr>
-          </a:lnRef>
-          <a:fillRef idx="1">
-            <a:schemeClr val="accent1"/>
-          </a:fillRef>
-          <a:effectRef idx="0">
-            <a:schemeClr val="accent1"/>
-          </a:effectRef>
-          <a:fontRef idx="minor">
-            <a:schemeClr val="lt1"/>
-          </a:fontRef>
-        </p:style>
-        <p:txBody>
-          <a:bodyPr wrap="square" rtlCol="0" anchor="ctr">
-            <a:noAutofit/>
-          </a:bodyPr>
-          <a:lstStyle/>
-          <a:p>
-            <a:pPr algn="ctr"/>
-            <a:endParaRPr lang="zh-TW" altLang="en-US"/>
-          </a:p>
-        </p:txBody>
-      </p:sp>
-      <p:sp>
-        <p:nvSpPr>
-          <p:cNvPr id="57" name="手繪多邊形: 圖案 56">
-            <a:extLst>
-              <a:ext uri="{FF2B5EF4-FFF2-40B4-BE49-F238E27FC236}">
-                <a16:creationId xmlns:a16="http://schemas.microsoft.com/office/drawing/2014/main" id="{969C1093-B719-7034-BED7-82F4429E643B}"/>
-              </a:ext>
-            </a:extLst>
-          </p:cNvPr>
-          <p:cNvSpPr/>
-          <p:nvPr/>
-        </p:nvSpPr>
-        <p:spPr>
-          <a:xfrm rot="2700000">
-            <a:off x="6978542" y="663132"/>
-            <a:ext cx="503756" cy="504000"/>
-          </a:xfrm>
-          <a:custGeom>
-            <a:avLst/>
-            <a:gdLst>
-              <a:gd name="connsiteX0" fmla="*/ 0 w 503756"/>
-              <a:gd name="connsiteY0" fmla="*/ 245 h 504245"/>
-              <a:gd name="connsiteX1" fmla="*/ 143755 w 503756"/>
-              <a:gd name="connsiteY1" fmla="*/ 245 h 504245"/>
-              <a:gd name="connsiteX2" fmla="*/ 143755 w 503756"/>
-              <a:gd name="connsiteY2" fmla="*/ 1 h 504245"/>
-              <a:gd name="connsiteX3" fmla="*/ 503756 w 503756"/>
-              <a:gd name="connsiteY3" fmla="*/ 0 h 504245"/>
-              <a:gd name="connsiteX4" fmla="*/ 503756 w 503756"/>
-              <a:gd name="connsiteY4" fmla="*/ 144000 h 504245"/>
-              <a:gd name="connsiteX5" fmla="*/ 144000 w 503756"/>
-              <a:gd name="connsiteY5" fmla="*/ 144000 h 504245"/>
-              <a:gd name="connsiteX6" fmla="*/ 144000 w 503756"/>
-              <a:gd name="connsiteY6" fmla="*/ 144245 h 504245"/>
-              <a:gd name="connsiteX7" fmla="*/ 144001 w 503756"/>
-              <a:gd name="connsiteY7" fmla="*/ 144244 h 504245"/>
-              <a:gd name="connsiteX8" fmla="*/ 144000 w 503756"/>
-              <a:gd name="connsiteY8" fmla="*/ 504245 h 504245"/>
-              <a:gd name="connsiteX9" fmla="*/ 1 w 503756"/>
-              <a:gd name="connsiteY9" fmla="*/ 504244 h 504245"/>
-              <a:gd name="connsiteX10" fmla="*/ 1 w 503756"/>
-              <a:gd name="connsiteY10" fmla="*/ 144245 h 504245"/>
-              <a:gd name="connsiteX11" fmla="*/ 0 w 503756"/>
-              <a:gd name="connsiteY11" fmla="*/ 144245 h 504245"/>
-            </a:gdLst>
-            <a:ahLst/>
-            <a:cxnLst>
-              <a:cxn ang="0">
-                <a:pos x="connsiteX0" y="connsiteY0"/>
-              </a:cxn>
-              <a:cxn ang="0">
-                <a:pos x="connsiteX1" y="connsiteY1"/>
-              </a:cxn>
-              <a:cxn ang="0">
-                <a:pos x="connsiteX2" y="connsiteY2"/>
-              </a:cxn>
-              <a:cxn ang="0">
-                <a:pos x="connsiteX3" y="connsiteY3"/>
-              </a:cxn>
-              <a:cxn ang="0">
-                <a:pos x="connsiteX4" y="connsiteY4"/>
-              </a:cxn>
-              <a:cxn ang="0">
-                <a:pos x="connsiteX5" y="connsiteY5"/>
-              </a:cxn>
-              <a:cxn ang="0">
-                <a:pos x="connsiteX6" y="connsiteY6"/>
-              </a:cxn>
-              <a:cxn ang="0">
-                <a:pos x="connsiteX7" y="connsiteY7"/>
-              </a:cxn>
-              <a:cxn ang="0">
-                <a:pos x="connsiteX8" y="connsiteY8"/>
-              </a:cxn>
-              <a:cxn ang="0">
-                <a:pos x="connsiteX9" y="connsiteY9"/>
-              </a:cxn>
-              <a:cxn ang="0">
-                <a:pos x="connsiteX10" y="connsiteY10"/>
-              </a:cxn>
-              <a:cxn ang="0">
-                <a:pos x="connsiteX11" y="connsiteY11"/>
-              </a:cxn>
-            </a:cxnLst>
-            <a:rect l="l" t="t" r="r" b="b"/>
-            <a:pathLst>
-              <a:path w="503756" h="504245">
-                <a:moveTo>
-                  <a:pt x="0" y="245"/>
-                </a:moveTo>
-                <a:lnTo>
-                  <a:pt x="143755" y="245"/>
-                </a:lnTo>
-                <a:lnTo>
-                  <a:pt x="143755" y="1"/>
-                </a:lnTo>
-                <a:lnTo>
-                  <a:pt x="503756" y="0"/>
-                </a:lnTo>
-                <a:lnTo>
-                  <a:pt x="503756" y="144000"/>
-                </a:lnTo>
-                <a:lnTo>
-                  <a:pt x="144000" y="144000"/>
-                </a:lnTo>
-                <a:lnTo>
-                  <a:pt x="144000" y="144245"/>
-                </a:lnTo>
-                <a:lnTo>
-                  <a:pt x="144001" y="144244"/>
-                </a:lnTo>
-                <a:lnTo>
-                  <a:pt x="144000" y="504245"/>
-                </a:lnTo>
-                <a:lnTo>
-                  <a:pt x="1" y="504244"/>
-                </a:lnTo>
-                <a:lnTo>
-                  <a:pt x="1" y="144245"/>
-                </a:lnTo>
-                <a:lnTo>
-                  <a:pt x="0" y="144245"/>
-                </a:lnTo>
-                <a:close/>
-              </a:path>
-            </a:pathLst>
-          </a:custGeom>
-          <a:solidFill>
-            <a:srgbClr val="009DBF"/>
-          </a:solidFill>
-          <a:ln>
-            <a:noFill/>
-          </a:ln>
-        </p:spPr>
-        <p:style>
-          <a:lnRef idx="2">
-            <a:schemeClr val="accent1">
-              <a:shade val="15000"/>
-            </a:schemeClr>
-          </a:lnRef>
-          <a:fillRef idx="1">
-            <a:schemeClr val="accent1"/>
-          </a:fillRef>
-          <a:effectRef idx="0">
-            <a:schemeClr val="accent1"/>
-          </a:effectRef>
-          <a:fontRef idx="minor">
-            <a:schemeClr val="lt1"/>
-          </a:fontRef>
-        </p:style>
-        <p:txBody>
-          <a:bodyPr wrap="square" rtlCol="0" anchor="ctr">
-            <a:noAutofit/>
-          </a:bodyPr>
-          <a:lstStyle/>
-          <a:p>
-            <a:pPr algn="ctr"/>
-            <a:endParaRPr lang="zh-TW" altLang="en-US"/>
-          </a:p>
-        </p:txBody>
-      </p:sp>
     </p:spTree>
     <p:extLst>
       <p:ext uri="{BB962C8B-B14F-4D97-AF65-F5344CB8AC3E}">

--- a/src/assets/images/圖的原檔.pptx
+++ b/src/assets/images/圖的原檔.pptx
@@ -322,7 +322,7 @@
           <a:p>
             <a:fld id="{1FCFF50C-8A84-4E8C-A139-A97BB20D26A6}" type="datetimeFigureOut">
               <a:rPr lang="zh-TW" altLang="en-US" smtClean="0"/>
-              <a:t>2023/8/3</a:t>
+              <a:t>2023/8/25</a:t>
             </a:fld>
             <a:endParaRPr lang="zh-TW" altLang="en-US"/>
           </a:p>
@@ -530,7 +530,7 @@
           <a:p>
             <a:fld id="{1FCFF50C-8A84-4E8C-A139-A97BB20D26A6}" type="datetimeFigureOut">
               <a:rPr lang="zh-TW" altLang="en-US" smtClean="0"/>
-              <a:t>2023/8/3</a:t>
+              <a:t>2023/8/25</a:t>
             </a:fld>
             <a:endParaRPr lang="zh-TW" altLang="en-US"/>
           </a:p>
@@ -728,7 +728,7 @@
           <a:p>
             <a:fld id="{1FCFF50C-8A84-4E8C-A139-A97BB20D26A6}" type="datetimeFigureOut">
               <a:rPr lang="zh-TW" altLang="en-US" smtClean="0"/>
-              <a:t>2023/8/3</a:t>
+              <a:t>2023/8/25</a:t>
             </a:fld>
             <a:endParaRPr lang="zh-TW" altLang="en-US"/>
           </a:p>
@@ -1003,7 +1003,7 @@
           <a:p>
             <a:fld id="{1FCFF50C-8A84-4E8C-A139-A97BB20D26A6}" type="datetimeFigureOut">
               <a:rPr lang="zh-TW" altLang="en-US" smtClean="0"/>
-              <a:t>2023/8/3</a:t>
+              <a:t>2023/8/25</a:t>
             </a:fld>
             <a:endParaRPr lang="zh-TW" altLang="en-US"/>
           </a:p>
@@ -1268,7 +1268,7 @@
           <a:p>
             <a:fld id="{1FCFF50C-8A84-4E8C-A139-A97BB20D26A6}" type="datetimeFigureOut">
               <a:rPr lang="zh-TW" altLang="en-US" smtClean="0"/>
-              <a:t>2023/8/3</a:t>
+              <a:t>2023/8/25</a:t>
             </a:fld>
             <a:endParaRPr lang="zh-TW" altLang="en-US"/>
           </a:p>
@@ -1680,7 +1680,7 @@
           <a:p>
             <a:fld id="{1FCFF50C-8A84-4E8C-A139-A97BB20D26A6}" type="datetimeFigureOut">
               <a:rPr lang="zh-TW" altLang="en-US" smtClean="0"/>
-              <a:t>2023/8/3</a:t>
+              <a:t>2023/8/25</a:t>
             </a:fld>
             <a:endParaRPr lang="zh-TW" altLang="en-US"/>
           </a:p>
@@ -1821,7 +1821,7 @@
           <a:p>
             <a:fld id="{1FCFF50C-8A84-4E8C-A139-A97BB20D26A6}" type="datetimeFigureOut">
               <a:rPr lang="zh-TW" altLang="en-US" smtClean="0"/>
-              <a:t>2023/8/3</a:t>
+              <a:t>2023/8/25</a:t>
             </a:fld>
             <a:endParaRPr lang="zh-TW" altLang="en-US"/>
           </a:p>
@@ -1934,7 +1934,7 @@
           <a:p>
             <a:fld id="{1FCFF50C-8A84-4E8C-A139-A97BB20D26A6}" type="datetimeFigureOut">
               <a:rPr lang="zh-TW" altLang="en-US" smtClean="0"/>
-              <a:t>2023/8/3</a:t>
+              <a:t>2023/8/25</a:t>
             </a:fld>
             <a:endParaRPr lang="zh-TW" altLang="en-US"/>
           </a:p>
@@ -2245,7 +2245,7 @@
           <a:p>
             <a:fld id="{1FCFF50C-8A84-4E8C-A139-A97BB20D26A6}" type="datetimeFigureOut">
               <a:rPr lang="zh-TW" altLang="en-US" smtClean="0"/>
-              <a:t>2023/8/3</a:t>
+              <a:t>2023/8/25</a:t>
             </a:fld>
             <a:endParaRPr lang="zh-TW" altLang="en-US"/>
           </a:p>
@@ -2533,7 +2533,7 @@
           <a:p>
             <a:fld id="{1FCFF50C-8A84-4E8C-A139-A97BB20D26A6}" type="datetimeFigureOut">
               <a:rPr lang="zh-TW" altLang="en-US" smtClean="0"/>
-              <a:t>2023/8/3</a:t>
+              <a:t>2023/8/25</a:t>
             </a:fld>
             <a:endParaRPr lang="zh-TW" altLang="en-US"/>
           </a:p>
@@ -2774,7 +2774,7 @@
           <a:p>
             <a:fld id="{1FCFF50C-8A84-4E8C-A139-A97BB20D26A6}" type="datetimeFigureOut">
               <a:rPr lang="zh-TW" altLang="en-US" smtClean="0"/>
-              <a:t>2023/8/3</a:t>
+              <a:t>2023/8/25</a:t>
             </a:fld>
             <a:endParaRPr lang="zh-TW" altLang="en-US"/>
           </a:p>
@@ -10718,6 +10718,328 @@
           </p:txBody>
         </p:sp>
       </p:grpSp>
+      <p:sp>
+        <p:nvSpPr>
+          <p:cNvPr id="29" name="手繪多邊形: 圖案 28">
+            <a:extLst>
+              <a:ext uri="{FF2B5EF4-FFF2-40B4-BE49-F238E27FC236}">
+                <a16:creationId xmlns:a16="http://schemas.microsoft.com/office/drawing/2014/main" id="{9C82C9ED-62FE-7586-EFC9-0011F19D2324}"/>
+              </a:ext>
+            </a:extLst>
+          </p:cNvPr>
+          <p:cNvSpPr/>
+          <p:nvPr/>
+        </p:nvSpPr>
+        <p:spPr>
+          <a:xfrm rot="18900000">
+            <a:off x="8113014" y="146021"/>
+            <a:ext cx="503756" cy="504000"/>
+          </a:xfrm>
+          <a:custGeom>
+            <a:avLst/>
+            <a:gdLst>
+              <a:gd name="connsiteX0" fmla="*/ 0 w 503756"/>
+              <a:gd name="connsiteY0" fmla="*/ 245 h 504245"/>
+              <a:gd name="connsiteX1" fmla="*/ 143755 w 503756"/>
+              <a:gd name="connsiteY1" fmla="*/ 245 h 504245"/>
+              <a:gd name="connsiteX2" fmla="*/ 143755 w 503756"/>
+              <a:gd name="connsiteY2" fmla="*/ 1 h 504245"/>
+              <a:gd name="connsiteX3" fmla="*/ 503756 w 503756"/>
+              <a:gd name="connsiteY3" fmla="*/ 0 h 504245"/>
+              <a:gd name="connsiteX4" fmla="*/ 503756 w 503756"/>
+              <a:gd name="connsiteY4" fmla="*/ 144000 h 504245"/>
+              <a:gd name="connsiteX5" fmla="*/ 144000 w 503756"/>
+              <a:gd name="connsiteY5" fmla="*/ 144000 h 504245"/>
+              <a:gd name="connsiteX6" fmla="*/ 144000 w 503756"/>
+              <a:gd name="connsiteY6" fmla="*/ 144245 h 504245"/>
+              <a:gd name="connsiteX7" fmla="*/ 144001 w 503756"/>
+              <a:gd name="connsiteY7" fmla="*/ 144244 h 504245"/>
+              <a:gd name="connsiteX8" fmla="*/ 144000 w 503756"/>
+              <a:gd name="connsiteY8" fmla="*/ 504245 h 504245"/>
+              <a:gd name="connsiteX9" fmla="*/ 1 w 503756"/>
+              <a:gd name="connsiteY9" fmla="*/ 504244 h 504245"/>
+              <a:gd name="connsiteX10" fmla="*/ 1 w 503756"/>
+              <a:gd name="connsiteY10" fmla="*/ 144245 h 504245"/>
+              <a:gd name="connsiteX11" fmla="*/ 0 w 503756"/>
+              <a:gd name="connsiteY11" fmla="*/ 144245 h 504245"/>
+            </a:gdLst>
+            <a:ahLst/>
+            <a:cxnLst>
+              <a:cxn ang="0">
+                <a:pos x="connsiteX0" y="connsiteY0"/>
+              </a:cxn>
+              <a:cxn ang="0">
+                <a:pos x="connsiteX1" y="connsiteY1"/>
+              </a:cxn>
+              <a:cxn ang="0">
+                <a:pos x="connsiteX2" y="connsiteY2"/>
+              </a:cxn>
+              <a:cxn ang="0">
+                <a:pos x="connsiteX3" y="connsiteY3"/>
+              </a:cxn>
+              <a:cxn ang="0">
+                <a:pos x="connsiteX4" y="connsiteY4"/>
+              </a:cxn>
+              <a:cxn ang="0">
+                <a:pos x="connsiteX5" y="connsiteY5"/>
+              </a:cxn>
+              <a:cxn ang="0">
+                <a:pos x="connsiteX6" y="connsiteY6"/>
+              </a:cxn>
+              <a:cxn ang="0">
+                <a:pos x="connsiteX7" y="connsiteY7"/>
+              </a:cxn>
+              <a:cxn ang="0">
+                <a:pos x="connsiteX8" y="connsiteY8"/>
+              </a:cxn>
+              <a:cxn ang="0">
+                <a:pos x="connsiteX9" y="connsiteY9"/>
+              </a:cxn>
+              <a:cxn ang="0">
+                <a:pos x="connsiteX10" y="connsiteY10"/>
+              </a:cxn>
+              <a:cxn ang="0">
+                <a:pos x="connsiteX11" y="connsiteY11"/>
+              </a:cxn>
+            </a:cxnLst>
+            <a:rect l="l" t="t" r="r" b="b"/>
+            <a:pathLst>
+              <a:path w="503756" h="504245">
+                <a:moveTo>
+                  <a:pt x="0" y="245"/>
+                </a:moveTo>
+                <a:lnTo>
+                  <a:pt x="143755" y="245"/>
+                </a:lnTo>
+                <a:lnTo>
+                  <a:pt x="143755" y="1"/>
+                </a:lnTo>
+                <a:lnTo>
+                  <a:pt x="503756" y="0"/>
+                </a:lnTo>
+                <a:lnTo>
+                  <a:pt x="503756" y="144000"/>
+                </a:lnTo>
+                <a:lnTo>
+                  <a:pt x="144000" y="144000"/>
+                </a:lnTo>
+                <a:lnTo>
+                  <a:pt x="144000" y="144245"/>
+                </a:lnTo>
+                <a:lnTo>
+                  <a:pt x="144001" y="144244"/>
+                </a:lnTo>
+                <a:lnTo>
+                  <a:pt x="144000" y="504245"/>
+                </a:lnTo>
+                <a:lnTo>
+                  <a:pt x="1" y="504244"/>
+                </a:lnTo>
+                <a:lnTo>
+                  <a:pt x="1" y="144245"/>
+                </a:lnTo>
+                <a:lnTo>
+                  <a:pt x="0" y="144245"/>
+                </a:lnTo>
+                <a:close/>
+              </a:path>
+            </a:pathLst>
+          </a:custGeom>
+          <a:solidFill>
+            <a:srgbClr val="808080"/>
+          </a:solidFill>
+          <a:ln>
+            <a:noFill/>
+          </a:ln>
+        </p:spPr>
+        <p:style>
+          <a:lnRef idx="2">
+            <a:schemeClr val="accent1">
+              <a:shade val="15000"/>
+            </a:schemeClr>
+          </a:lnRef>
+          <a:fillRef idx="1">
+            <a:schemeClr val="accent1"/>
+          </a:fillRef>
+          <a:effectRef idx="0">
+            <a:schemeClr val="accent1"/>
+          </a:effectRef>
+          <a:fontRef idx="minor">
+            <a:schemeClr val="lt1"/>
+          </a:fontRef>
+        </p:style>
+        <p:txBody>
+          <a:bodyPr wrap="square" rtlCol="0" anchor="ctr">
+            <a:noAutofit/>
+          </a:bodyPr>
+          <a:lstStyle/>
+          <a:p>
+            <a:pPr algn="ctr"/>
+            <a:endParaRPr lang="zh-TW" altLang="en-US"/>
+          </a:p>
+        </p:txBody>
+      </p:sp>
+      <p:sp>
+        <p:nvSpPr>
+          <p:cNvPr id="30" name="手繪多邊形: 圖案 29">
+            <a:extLst>
+              <a:ext uri="{FF2B5EF4-FFF2-40B4-BE49-F238E27FC236}">
+                <a16:creationId xmlns:a16="http://schemas.microsoft.com/office/drawing/2014/main" id="{5914D61E-B7FA-2B73-E838-6D07C9D731BF}"/>
+              </a:ext>
+            </a:extLst>
+          </p:cNvPr>
+          <p:cNvSpPr/>
+          <p:nvPr/>
+        </p:nvSpPr>
+        <p:spPr>
+          <a:xfrm rot="18900000">
+            <a:off x="8121694" y="854247"/>
+            <a:ext cx="503756" cy="504000"/>
+          </a:xfrm>
+          <a:custGeom>
+            <a:avLst/>
+            <a:gdLst>
+              <a:gd name="connsiteX0" fmla="*/ 0 w 503756"/>
+              <a:gd name="connsiteY0" fmla="*/ 245 h 504245"/>
+              <a:gd name="connsiteX1" fmla="*/ 143755 w 503756"/>
+              <a:gd name="connsiteY1" fmla="*/ 245 h 504245"/>
+              <a:gd name="connsiteX2" fmla="*/ 143755 w 503756"/>
+              <a:gd name="connsiteY2" fmla="*/ 1 h 504245"/>
+              <a:gd name="connsiteX3" fmla="*/ 503756 w 503756"/>
+              <a:gd name="connsiteY3" fmla="*/ 0 h 504245"/>
+              <a:gd name="connsiteX4" fmla="*/ 503756 w 503756"/>
+              <a:gd name="connsiteY4" fmla="*/ 144000 h 504245"/>
+              <a:gd name="connsiteX5" fmla="*/ 144000 w 503756"/>
+              <a:gd name="connsiteY5" fmla="*/ 144000 h 504245"/>
+              <a:gd name="connsiteX6" fmla="*/ 144000 w 503756"/>
+              <a:gd name="connsiteY6" fmla="*/ 144245 h 504245"/>
+              <a:gd name="connsiteX7" fmla="*/ 144001 w 503756"/>
+              <a:gd name="connsiteY7" fmla="*/ 144244 h 504245"/>
+              <a:gd name="connsiteX8" fmla="*/ 144000 w 503756"/>
+              <a:gd name="connsiteY8" fmla="*/ 504245 h 504245"/>
+              <a:gd name="connsiteX9" fmla="*/ 1 w 503756"/>
+              <a:gd name="connsiteY9" fmla="*/ 504244 h 504245"/>
+              <a:gd name="connsiteX10" fmla="*/ 1 w 503756"/>
+              <a:gd name="connsiteY10" fmla="*/ 144245 h 504245"/>
+              <a:gd name="connsiteX11" fmla="*/ 0 w 503756"/>
+              <a:gd name="connsiteY11" fmla="*/ 144245 h 504245"/>
+            </a:gdLst>
+            <a:ahLst/>
+            <a:cxnLst>
+              <a:cxn ang="0">
+                <a:pos x="connsiteX0" y="connsiteY0"/>
+              </a:cxn>
+              <a:cxn ang="0">
+                <a:pos x="connsiteX1" y="connsiteY1"/>
+              </a:cxn>
+              <a:cxn ang="0">
+                <a:pos x="connsiteX2" y="connsiteY2"/>
+              </a:cxn>
+              <a:cxn ang="0">
+                <a:pos x="connsiteX3" y="connsiteY3"/>
+              </a:cxn>
+              <a:cxn ang="0">
+                <a:pos x="connsiteX4" y="connsiteY4"/>
+              </a:cxn>
+              <a:cxn ang="0">
+                <a:pos x="connsiteX5" y="connsiteY5"/>
+              </a:cxn>
+              <a:cxn ang="0">
+                <a:pos x="connsiteX6" y="connsiteY6"/>
+              </a:cxn>
+              <a:cxn ang="0">
+                <a:pos x="connsiteX7" y="connsiteY7"/>
+              </a:cxn>
+              <a:cxn ang="0">
+                <a:pos x="connsiteX8" y="connsiteY8"/>
+              </a:cxn>
+              <a:cxn ang="0">
+                <a:pos x="connsiteX9" y="connsiteY9"/>
+              </a:cxn>
+              <a:cxn ang="0">
+                <a:pos x="connsiteX10" y="connsiteY10"/>
+              </a:cxn>
+              <a:cxn ang="0">
+                <a:pos x="connsiteX11" y="connsiteY11"/>
+              </a:cxn>
+            </a:cxnLst>
+            <a:rect l="l" t="t" r="r" b="b"/>
+            <a:pathLst>
+              <a:path w="503756" h="504245">
+                <a:moveTo>
+                  <a:pt x="0" y="245"/>
+                </a:moveTo>
+                <a:lnTo>
+                  <a:pt x="143755" y="245"/>
+                </a:lnTo>
+                <a:lnTo>
+                  <a:pt x="143755" y="1"/>
+                </a:lnTo>
+                <a:lnTo>
+                  <a:pt x="503756" y="0"/>
+                </a:lnTo>
+                <a:lnTo>
+                  <a:pt x="503756" y="144000"/>
+                </a:lnTo>
+                <a:lnTo>
+                  <a:pt x="144000" y="144000"/>
+                </a:lnTo>
+                <a:lnTo>
+                  <a:pt x="144000" y="144245"/>
+                </a:lnTo>
+                <a:lnTo>
+                  <a:pt x="144001" y="144244"/>
+                </a:lnTo>
+                <a:lnTo>
+                  <a:pt x="144000" y="504245"/>
+                </a:lnTo>
+                <a:lnTo>
+                  <a:pt x="1" y="504244"/>
+                </a:lnTo>
+                <a:lnTo>
+                  <a:pt x="1" y="144245"/>
+                </a:lnTo>
+                <a:lnTo>
+                  <a:pt x="0" y="144245"/>
+                </a:lnTo>
+                <a:close/>
+              </a:path>
+            </a:pathLst>
+          </a:custGeom>
+          <a:solidFill>
+            <a:srgbClr val="009DBF"/>
+          </a:solidFill>
+          <a:ln>
+            <a:noFill/>
+          </a:ln>
+        </p:spPr>
+        <p:style>
+          <a:lnRef idx="2">
+            <a:schemeClr val="accent1">
+              <a:shade val="15000"/>
+            </a:schemeClr>
+          </a:lnRef>
+          <a:fillRef idx="1">
+            <a:schemeClr val="accent1"/>
+          </a:fillRef>
+          <a:effectRef idx="0">
+            <a:schemeClr val="accent1"/>
+          </a:effectRef>
+          <a:fontRef idx="minor">
+            <a:schemeClr val="lt1"/>
+          </a:fontRef>
+        </p:style>
+        <p:txBody>
+          <a:bodyPr wrap="square" rtlCol="0" anchor="ctr">
+            <a:noAutofit/>
+          </a:bodyPr>
+          <a:lstStyle/>
+          <a:p>
+            <a:pPr algn="ctr"/>
+            <a:endParaRPr lang="zh-TW" altLang="en-US"/>
+          </a:p>
+        </p:txBody>
+      </p:sp>
     </p:spTree>
     <p:extLst>
       <p:ext uri="{BB962C8B-B14F-4D97-AF65-F5344CB8AC3E}">

--- a/src/assets/images/圖的原檔.pptx
+++ b/src/assets/images/圖的原檔.pptx
@@ -322,7 +322,7 @@
           <a:p>
             <a:fld id="{1FCFF50C-8A84-4E8C-A139-A97BB20D26A6}" type="datetimeFigureOut">
               <a:rPr lang="zh-TW" altLang="en-US" smtClean="0"/>
-              <a:t>2023/8/25</a:t>
+              <a:t>2023/9/2</a:t>
             </a:fld>
             <a:endParaRPr lang="zh-TW" altLang="en-US"/>
           </a:p>
@@ -530,7 +530,7 @@
           <a:p>
             <a:fld id="{1FCFF50C-8A84-4E8C-A139-A97BB20D26A6}" type="datetimeFigureOut">
               <a:rPr lang="zh-TW" altLang="en-US" smtClean="0"/>
-              <a:t>2023/8/25</a:t>
+              <a:t>2023/9/2</a:t>
             </a:fld>
             <a:endParaRPr lang="zh-TW" altLang="en-US"/>
           </a:p>
@@ -728,7 +728,7 @@
           <a:p>
             <a:fld id="{1FCFF50C-8A84-4E8C-A139-A97BB20D26A6}" type="datetimeFigureOut">
               <a:rPr lang="zh-TW" altLang="en-US" smtClean="0"/>
-              <a:t>2023/8/25</a:t>
+              <a:t>2023/9/2</a:t>
             </a:fld>
             <a:endParaRPr lang="zh-TW" altLang="en-US"/>
           </a:p>
@@ -1003,7 +1003,7 @@
           <a:p>
             <a:fld id="{1FCFF50C-8A84-4E8C-A139-A97BB20D26A6}" type="datetimeFigureOut">
               <a:rPr lang="zh-TW" altLang="en-US" smtClean="0"/>
-              <a:t>2023/8/25</a:t>
+              <a:t>2023/9/2</a:t>
             </a:fld>
             <a:endParaRPr lang="zh-TW" altLang="en-US"/>
           </a:p>
@@ -1268,7 +1268,7 @@
           <a:p>
             <a:fld id="{1FCFF50C-8A84-4E8C-A139-A97BB20D26A6}" type="datetimeFigureOut">
               <a:rPr lang="zh-TW" altLang="en-US" smtClean="0"/>
-              <a:t>2023/8/25</a:t>
+              <a:t>2023/9/2</a:t>
             </a:fld>
             <a:endParaRPr lang="zh-TW" altLang="en-US"/>
           </a:p>
@@ -1680,7 +1680,7 @@
           <a:p>
             <a:fld id="{1FCFF50C-8A84-4E8C-A139-A97BB20D26A6}" type="datetimeFigureOut">
               <a:rPr lang="zh-TW" altLang="en-US" smtClean="0"/>
-              <a:t>2023/8/25</a:t>
+              <a:t>2023/9/2</a:t>
             </a:fld>
             <a:endParaRPr lang="zh-TW" altLang="en-US"/>
           </a:p>
@@ -1821,7 +1821,7 @@
           <a:p>
             <a:fld id="{1FCFF50C-8A84-4E8C-A139-A97BB20D26A6}" type="datetimeFigureOut">
               <a:rPr lang="zh-TW" altLang="en-US" smtClean="0"/>
-              <a:t>2023/8/25</a:t>
+              <a:t>2023/9/2</a:t>
             </a:fld>
             <a:endParaRPr lang="zh-TW" altLang="en-US"/>
           </a:p>
@@ -1934,7 +1934,7 @@
           <a:p>
             <a:fld id="{1FCFF50C-8A84-4E8C-A139-A97BB20D26A6}" type="datetimeFigureOut">
               <a:rPr lang="zh-TW" altLang="en-US" smtClean="0"/>
-              <a:t>2023/8/25</a:t>
+              <a:t>2023/9/2</a:t>
             </a:fld>
             <a:endParaRPr lang="zh-TW" altLang="en-US"/>
           </a:p>
@@ -2245,7 +2245,7 @@
           <a:p>
             <a:fld id="{1FCFF50C-8A84-4E8C-A139-A97BB20D26A6}" type="datetimeFigureOut">
               <a:rPr lang="zh-TW" altLang="en-US" smtClean="0"/>
-              <a:t>2023/8/25</a:t>
+              <a:t>2023/9/2</a:t>
             </a:fld>
             <a:endParaRPr lang="zh-TW" altLang="en-US"/>
           </a:p>
@@ -2533,7 +2533,7 @@
           <a:p>
             <a:fld id="{1FCFF50C-8A84-4E8C-A139-A97BB20D26A6}" type="datetimeFigureOut">
               <a:rPr lang="zh-TW" altLang="en-US" smtClean="0"/>
-              <a:t>2023/8/25</a:t>
+              <a:t>2023/9/2</a:t>
             </a:fld>
             <a:endParaRPr lang="zh-TW" altLang="en-US"/>
           </a:p>
@@ -2774,7 +2774,7 @@
           <a:p>
             <a:fld id="{1FCFF50C-8A84-4E8C-A139-A97BB20D26A6}" type="datetimeFigureOut">
               <a:rPr lang="zh-TW" altLang="en-US" smtClean="0"/>
-              <a:t>2023/8/25</a:t>
+              <a:t>2023/9/2</a:t>
             </a:fld>
             <a:endParaRPr lang="zh-TW" altLang="en-US"/>
           </a:p>
@@ -11040,6 +11040,307 @@
           </a:p>
         </p:txBody>
       </p:sp>
+      <p:grpSp>
+        <p:nvGrpSpPr>
+          <p:cNvPr id="52" name="群組 51">
+            <a:extLst>
+              <a:ext uri="{FF2B5EF4-FFF2-40B4-BE49-F238E27FC236}">
+                <a16:creationId xmlns:a16="http://schemas.microsoft.com/office/drawing/2014/main" id="{3E5BF1EA-A6AB-7DE9-FAAB-8F25AF9CE5B2}"/>
+              </a:ext>
+            </a:extLst>
+          </p:cNvPr>
+          <p:cNvGrpSpPr/>
+          <p:nvPr/>
+        </p:nvGrpSpPr>
+        <p:grpSpPr>
+          <a:xfrm>
+            <a:off x="8993312" y="88570"/>
+            <a:ext cx="432000" cy="504000"/>
+            <a:chOff x="8993312" y="88570"/>
+            <a:chExt cx="432000" cy="504000"/>
+          </a:xfrm>
+        </p:grpSpPr>
+        <p:grpSp>
+          <p:nvGrpSpPr>
+            <p:cNvPr id="16" name="群組 15">
+              <a:extLst>
+                <a:ext uri="{FF2B5EF4-FFF2-40B4-BE49-F238E27FC236}">
+                  <a16:creationId xmlns:a16="http://schemas.microsoft.com/office/drawing/2014/main" id="{C4DCAA56-ED0C-A75F-9833-9166BEAF638C}"/>
+                </a:ext>
+              </a:extLst>
+            </p:cNvPr>
+            <p:cNvGrpSpPr/>
+            <p:nvPr/>
+          </p:nvGrpSpPr>
+          <p:grpSpPr>
+            <a:xfrm>
+              <a:off x="8993312" y="88570"/>
+              <a:ext cx="432000" cy="504000"/>
+              <a:chOff x="6254700" y="1917374"/>
+              <a:chExt cx="432000" cy="504000"/>
+            </a:xfrm>
+          </p:grpSpPr>
+          <p:sp>
+            <p:nvSpPr>
+              <p:cNvPr id="18" name="矩形: 圓角 17">
+                <a:extLst>
+                  <a:ext uri="{FF2B5EF4-FFF2-40B4-BE49-F238E27FC236}">
+                    <a16:creationId xmlns:a16="http://schemas.microsoft.com/office/drawing/2014/main" id="{4129FB55-C635-8BD3-505D-FCE178067799}"/>
+                  </a:ext>
+                </a:extLst>
+              </p:cNvPr>
+              <p:cNvSpPr/>
+              <p:nvPr/>
+            </p:nvSpPr>
+            <p:spPr>
+              <a:xfrm>
+                <a:off x="6254700" y="2133374"/>
+                <a:ext cx="432000" cy="288000"/>
+              </a:xfrm>
+              <a:prstGeom prst="roundRect">
+                <a:avLst/>
+              </a:prstGeom>
+              <a:noFill/>
+              <a:ln w="38100">
+                <a:solidFill>
+                  <a:srgbClr val="808080"/>
+                </a:solidFill>
+              </a:ln>
+            </p:spPr>
+            <p:style>
+              <a:lnRef idx="2">
+                <a:schemeClr val="accent1">
+                  <a:shade val="15000"/>
+                </a:schemeClr>
+              </a:lnRef>
+              <a:fillRef idx="1">
+                <a:schemeClr val="accent1"/>
+              </a:fillRef>
+              <a:effectRef idx="0">
+                <a:schemeClr val="accent1"/>
+              </a:effectRef>
+              <a:fontRef idx="minor">
+                <a:schemeClr val="lt1"/>
+              </a:fontRef>
+            </p:style>
+            <p:txBody>
+              <a:bodyPr rtlCol="0" anchor="ctr"/>
+              <a:lstStyle/>
+              <a:p>
+                <a:pPr algn="ctr"/>
+                <a:endParaRPr lang="zh-TW" altLang="en-US"/>
+              </a:p>
+            </p:txBody>
+          </p:sp>
+          <p:sp>
+            <p:nvSpPr>
+              <p:cNvPr id="28" name="流程圖: 延遲 27">
+                <a:extLst>
+                  <a:ext uri="{FF2B5EF4-FFF2-40B4-BE49-F238E27FC236}">
+                    <a16:creationId xmlns:a16="http://schemas.microsoft.com/office/drawing/2014/main" id="{B30E22E5-D2CA-E225-A5FE-D896502A6EAD}"/>
+                  </a:ext>
+                </a:extLst>
+              </p:cNvPr>
+              <p:cNvSpPr/>
+              <p:nvPr/>
+            </p:nvSpPr>
+            <p:spPr>
+              <a:xfrm rot="16200000">
+                <a:off x="6362700" y="1881374"/>
+                <a:ext cx="216000" cy="288000"/>
+              </a:xfrm>
+              <a:prstGeom prst="flowChartDelay">
+                <a:avLst/>
+              </a:prstGeom>
+              <a:noFill/>
+              <a:ln w="38100">
+                <a:solidFill>
+                  <a:srgbClr val="808080"/>
+                </a:solidFill>
+              </a:ln>
+            </p:spPr>
+            <p:style>
+              <a:lnRef idx="2">
+                <a:schemeClr val="accent1">
+                  <a:shade val="15000"/>
+                </a:schemeClr>
+              </a:lnRef>
+              <a:fillRef idx="1">
+                <a:schemeClr val="accent1"/>
+              </a:fillRef>
+              <a:effectRef idx="0">
+                <a:schemeClr val="accent1"/>
+              </a:effectRef>
+              <a:fontRef idx="minor">
+                <a:schemeClr val="lt1"/>
+              </a:fontRef>
+            </p:style>
+            <p:txBody>
+              <a:bodyPr rtlCol="0" anchor="ctr"/>
+              <a:lstStyle/>
+              <a:p>
+                <a:pPr algn="ctr"/>
+                <a:endParaRPr lang="zh-TW" altLang="en-US"/>
+              </a:p>
+            </p:txBody>
+          </p:sp>
+        </p:grpSp>
+        <p:sp>
+          <p:nvSpPr>
+            <p:cNvPr id="50" name="手繪多邊形: 圖案 49">
+              <a:extLst>
+                <a:ext uri="{FF2B5EF4-FFF2-40B4-BE49-F238E27FC236}">
+                  <a16:creationId xmlns:a16="http://schemas.microsoft.com/office/drawing/2014/main" id="{F30CF52E-4FAB-96A9-CC38-A5EF37A54A31}"/>
+                </a:ext>
+              </a:extLst>
+            </p:cNvPr>
+            <p:cNvSpPr>
+              <a:spLocks noChangeAspect="1"/>
+            </p:cNvSpPr>
+            <p:nvPr/>
+          </p:nvSpPr>
+          <p:spPr>
+            <a:xfrm>
+              <a:off x="9177247" y="376570"/>
+              <a:ext cx="70556" cy="144000"/>
+            </a:xfrm>
+            <a:custGeom>
+              <a:avLst/>
+              <a:gdLst>
+                <a:gd name="connsiteX0" fmla="*/ 100538 w 201076"/>
+                <a:gd name="connsiteY0" fmla="*/ 0 h 410384"/>
+                <a:gd name="connsiteX1" fmla="*/ 201076 w 201076"/>
+                <a:gd name="connsiteY1" fmla="*/ 100538 h 410384"/>
+                <a:gd name="connsiteX2" fmla="*/ 139672 w 201076"/>
+                <a:gd name="connsiteY2" fmla="*/ 193175 h 410384"/>
+                <a:gd name="connsiteX3" fmla="*/ 129945 w 201076"/>
+                <a:gd name="connsiteY3" fmla="*/ 195139 h 410384"/>
+                <a:gd name="connsiteX4" fmla="*/ 201076 w 201076"/>
+                <a:gd name="connsiteY4" fmla="*/ 410384 h 410384"/>
+                <a:gd name="connsiteX5" fmla="*/ 0 w 201076"/>
+                <a:gd name="connsiteY5" fmla="*/ 410384 h 410384"/>
+                <a:gd name="connsiteX6" fmla="*/ 71131 w 201076"/>
+                <a:gd name="connsiteY6" fmla="*/ 195139 h 410384"/>
+                <a:gd name="connsiteX7" fmla="*/ 61404 w 201076"/>
+                <a:gd name="connsiteY7" fmla="*/ 193175 h 410384"/>
+                <a:gd name="connsiteX8" fmla="*/ 0 w 201076"/>
+                <a:gd name="connsiteY8" fmla="*/ 100538 h 410384"/>
+                <a:gd name="connsiteX9" fmla="*/ 100538 w 201076"/>
+                <a:gd name="connsiteY9" fmla="*/ 0 h 410384"/>
+              </a:gdLst>
+              <a:ahLst/>
+              <a:cxnLst>
+                <a:cxn ang="0">
+                  <a:pos x="connsiteX0" y="connsiteY0"/>
+                </a:cxn>
+                <a:cxn ang="0">
+                  <a:pos x="connsiteX1" y="connsiteY1"/>
+                </a:cxn>
+                <a:cxn ang="0">
+                  <a:pos x="connsiteX2" y="connsiteY2"/>
+                </a:cxn>
+                <a:cxn ang="0">
+                  <a:pos x="connsiteX3" y="connsiteY3"/>
+                </a:cxn>
+                <a:cxn ang="0">
+                  <a:pos x="connsiteX4" y="connsiteY4"/>
+                </a:cxn>
+                <a:cxn ang="0">
+                  <a:pos x="connsiteX5" y="connsiteY5"/>
+                </a:cxn>
+                <a:cxn ang="0">
+                  <a:pos x="connsiteX6" y="connsiteY6"/>
+                </a:cxn>
+                <a:cxn ang="0">
+                  <a:pos x="connsiteX7" y="connsiteY7"/>
+                </a:cxn>
+                <a:cxn ang="0">
+                  <a:pos x="connsiteX8" y="connsiteY8"/>
+                </a:cxn>
+                <a:cxn ang="0">
+                  <a:pos x="connsiteX9" y="connsiteY9"/>
+                </a:cxn>
+              </a:cxnLst>
+              <a:rect l="l" t="t" r="r" b="b"/>
+              <a:pathLst>
+                <a:path w="201076" h="410384">
+                  <a:moveTo>
+                    <a:pt x="100538" y="0"/>
+                  </a:moveTo>
+                  <a:cubicBezTo>
+                    <a:pt x="156064" y="0"/>
+                    <a:pt x="201076" y="45012"/>
+                    <a:pt x="201076" y="100538"/>
+                  </a:cubicBezTo>
+                  <a:cubicBezTo>
+                    <a:pt x="201076" y="142183"/>
+                    <a:pt x="175757" y="177913"/>
+                    <a:pt x="139672" y="193175"/>
+                  </a:cubicBezTo>
+                  <a:lnTo>
+                    <a:pt x="129945" y="195139"/>
+                  </a:lnTo>
+                  <a:lnTo>
+                    <a:pt x="201076" y="410384"/>
+                  </a:lnTo>
+                  <a:lnTo>
+                    <a:pt x="0" y="410384"/>
+                  </a:lnTo>
+                  <a:lnTo>
+                    <a:pt x="71131" y="195139"/>
+                  </a:lnTo>
+                  <a:lnTo>
+                    <a:pt x="61404" y="193175"/>
+                  </a:lnTo>
+                  <a:cubicBezTo>
+                    <a:pt x="25319" y="177913"/>
+                    <a:pt x="0" y="142183"/>
+                    <a:pt x="0" y="100538"/>
+                  </a:cubicBezTo>
+                  <a:cubicBezTo>
+                    <a:pt x="0" y="45012"/>
+                    <a:pt x="45012" y="0"/>
+                    <a:pt x="100538" y="0"/>
+                  </a:cubicBezTo>
+                  <a:close/>
+                </a:path>
+              </a:pathLst>
+            </a:custGeom>
+            <a:noFill/>
+            <a:ln w="38100">
+              <a:solidFill>
+                <a:srgbClr val="808080"/>
+              </a:solidFill>
+            </a:ln>
+          </p:spPr>
+          <p:style>
+            <a:lnRef idx="2">
+              <a:schemeClr val="accent1">
+                <a:shade val="15000"/>
+              </a:schemeClr>
+            </a:lnRef>
+            <a:fillRef idx="1">
+              <a:schemeClr val="accent1"/>
+            </a:fillRef>
+            <a:effectRef idx="0">
+              <a:schemeClr val="accent1"/>
+            </a:effectRef>
+            <a:fontRef idx="minor">
+              <a:schemeClr val="lt1"/>
+            </a:fontRef>
+          </p:style>
+          <p:txBody>
+            <a:bodyPr wrap="square" rtlCol="0" anchor="ctr">
+              <a:noAutofit/>
+            </a:bodyPr>
+            <a:lstStyle/>
+            <a:p>
+              <a:pPr algn="ctr"/>
+              <a:endParaRPr lang="zh-TW" altLang="en-US"/>
+            </a:p>
+          </p:txBody>
+        </p:sp>
+      </p:grpSp>
     </p:spTree>
     <p:extLst>
       <p:ext uri="{BB962C8B-B14F-4D97-AF65-F5344CB8AC3E}">
